--- a/unidad III (organizacion).pptx
+++ b/unidad III (organizacion).pptx
@@ -7,6 +7,10 @@
   <p:sldIdLst>
     <p:sldId id="256" r:id="rId2"/>
     <p:sldId id="257" r:id="rId3"/>
+    <p:sldId id="258" r:id="rId4"/>
+    <p:sldId id="259" r:id="rId5"/>
+    <p:sldId id="260" r:id="rId6"/>
+    <p:sldId id="261" r:id="rId7"/>
   </p:sldIdLst>
   <p:sldSz cx="9144000" cy="6858000" type="screen4x3"/>
   <p:notesSz cx="6858000" cy="9144000"/>
@@ -289,7 +293,7 @@
           <a:p>
             <a:fld id="{33222564-675F-4C0A-80BE-E9BC60876D09}" type="datetimeFigureOut">
               <a:rPr lang="es-MX" smtClean="0"/>
-              <a:t>19/05/2015</a:t>
+              <a:t>20/05/2015</a:t>
             </a:fld>
             <a:endParaRPr lang="es-MX"/>
           </a:p>
@@ -459,7 +463,7 @@
           <a:p>
             <a:fld id="{33222564-675F-4C0A-80BE-E9BC60876D09}" type="datetimeFigureOut">
               <a:rPr lang="es-MX" smtClean="0"/>
-              <a:t>19/05/2015</a:t>
+              <a:t>20/05/2015</a:t>
             </a:fld>
             <a:endParaRPr lang="es-MX"/>
           </a:p>
@@ -639,7 +643,7 @@
           <a:p>
             <a:fld id="{33222564-675F-4C0A-80BE-E9BC60876D09}" type="datetimeFigureOut">
               <a:rPr lang="es-MX" smtClean="0"/>
-              <a:t>19/05/2015</a:t>
+              <a:t>20/05/2015</a:t>
             </a:fld>
             <a:endParaRPr lang="es-MX"/>
           </a:p>
@@ -809,7 +813,7 @@
           <a:p>
             <a:fld id="{33222564-675F-4C0A-80BE-E9BC60876D09}" type="datetimeFigureOut">
               <a:rPr lang="es-MX" smtClean="0"/>
-              <a:t>19/05/2015</a:t>
+              <a:t>20/05/2015</a:t>
             </a:fld>
             <a:endParaRPr lang="es-MX"/>
           </a:p>
@@ -1055,7 +1059,7 @@
           <a:p>
             <a:fld id="{33222564-675F-4C0A-80BE-E9BC60876D09}" type="datetimeFigureOut">
               <a:rPr lang="es-MX" smtClean="0"/>
-              <a:t>19/05/2015</a:t>
+              <a:t>20/05/2015</a:t>
             </a:fld>
             <a:endParaRPr lang="es-MX"/>
           </a:p>
@@ -1343,7 +1347,7 @@
           <a:p>
             <a:fld id="{33222564-675F-4C0A-80BE-E9BC60876D09}" type="datetimeFigureOut">
               <a:rPr lang="es-MX" smtClean="0"/>
-              <a:t>19/05/2015</a:t>
+              <a:t>20/05/2015</a:t>
             </a:fld>
             <a:endParaRPr lang="es-MX"/>
           </a:p>
@@ -1765,7 +1769,7 @@
           <a:p>
             <a:fld id="{33222564-675F-4C0A-80BE-E9BC60876D09}" type="datetimeFigureOut">
               <a:rPr lang="es-MX" smtClean="0"/>
-              <a:t>19/05/2015</a:t>
+              <a:t>20/05/2015</a:t>
             </a:fld>
             <a:endParaRPr lang="es-MX"/>
           </a:p>
@@ -1883,7 +1887,7 @@
           <a:p>
             <a:fld id="{33222564-675F-4C0A-80BE-E9BC60876D09}" type="datetimeFigureOut">
               <a:rPr lang="es-MX" smtClean="0"/>
-              <a:t>19/05/2015</a:t>
+              <a:t>20/05/2015</a:t>
             </a:fld>
             <a:endParaRPr lang="es-MX"/>
           </a:p>
@@ -1978,7 +1982,7 @@
           <a:p>
             <a:fld id="{33222564-675F-4C0A-80BE-E9BC60876D09}" type="datetimeFigureOut">
               <a:rPr lang="es-MX" smtClean="0"/>
-              <a:t>19/05/2015</a:t>
+              <a:t>20/05/2015</a:t>
             </a:fld>
             <a:endParaRPr lang="es-MX"/>
           </a:p>
@@ -2255,7 +2259,7 @@
           <a:p>
             <a:fld id="{33222564-675F-4C0A-80BE-E9BC60876D09}" type="datetimeFigureOut">
               <a:rPr lang="es-MX" smtClean="0"/>
-              <a:t>19/05/2015</a:t>
+              <a:t>20/05/2015</a:t>
             </a:fld>
             <a:endParaRPr lang="es-MX"/>
           </a:p>
@@ -2508,7 +2512,7 @@
           <a:p>
             <a:fld id="{33222564-675F-4C0A-80BE-E9BC60876D09}" type="datetimeFigureOut">
               <a:rPr lang="es-MX" smtClean="0"/>
-              <a:t>19/05/2015</a:t>
+              <a:t>20/05/2015</a:t>
             </a:fld>
             <a:endParaRPr lang="es-MX"/>
           </a:p>
@@ -2721,7 +2725,7 @@
           <a:p>
             <a:fld id="{33222564-675F-4C0A-80BE-E9BC60876D09}" type="datetimeFigureOut">
               <a:rPr lang="es-MX" smtClean="0"/>
-              <a:t>19/05/2015</a:t>
+              <a:t>20/05/2015</a:t>
             </a:fld>
             <a:endParaRPr lang="es-MX"/>
           </a:p>
@@ -3255,10 +3259,24 @@
         </p:nvSpPr>
         <p:spPr/>
         <p:txBody>
-          <a:bodyPr/>
-          <a:lstStyle/>
-          <a:p>
-            <a:endParaRPr lang="es-MX"/>
+          <a:bodyPr>
+            <a:normAutofit/>
+          </a:bodyPr>
+          <a:lstStyle/>
+          <a:p>
+            <a:r>
+              <a:rPr lang="es-MX" sz="4000" dirty="0">
+                <a:latin typeface="Andalus" pitchFamily="18" charset="-78"/>
+                <a:ea typeface="+mn-ea"/>
+                <a:cs typeface="Andalus" pitchFamily="18" charset="-78"/>
+              </a:rPr>
+              <a:t>Organización </a:t>
+            </a:r>
+            <a:endParaRPr lang="es-MX" sz="4000" dirty="0">
+              <a:latin typeface="Andalus" pitchFamily="18" charset="-78"/>
+              <a:ea typeface="+mn-ea"/>
+              <a:cs typeface="Andalus" pitchFamily="18" charset="-78"/>
+            </a:endParaRPr>
           </a:p>
         </p:txBody>
       </p:sp>
@@ -3274,10 +3292,100 @@
         </p:nvSpPr>
         <p:spPr/>
         <p:txBody>
-          <a:bodyPr/>
-          <a:lstStyle/>
-          <a:p>
-            <a:endParaRPr lang="es-MX"/>
+          <a:bodyPr>
+            <a:normAutofit lnSpcReduction="10000"/>
+          </a:bodyPr>
+          <a:lstStyle/>
+          <a:p>
+            <a:pPr marL="0" indent="0">
+              <a:buNone/>
+            </a:pPr>
+            <a:r>
+              <a:rPr lang="es-MX" dirty="0">
+                <a:latin typeface="Andalus" pitchFamily="18" charset="-78"/>
+                <a:cs typeface="Andalus" pitchFamily="18" charset="-78"/>
+              </a:rPr>
+              <a:t>Estrategias y cursos de acción para la implantación formal de la función de auditoria en informática.</a:t>
+            </a:r>
+          </a:p>
+          <a:p>
+            <a:pPr marL="0" indent="0">
+              <a:buNone/>
+            </a:pPr>
+            <a:r>
+              <a:rPr lang="es-MX" dirty="0" smtClean="0">
+                <a:latin typeface="Andalus" pitchFamily="18" charset="-78"/>
+                <a:cs typeface="Andalus" pitchFamily="18" charset="-78"/>
+              </a:rPr>
+              <a:t>Estructura </a:t>
+            </a:r>
+            <a:r>
+              <a:rPr lang="es-MX" dirty="0">
+                <a:latin typeface="Andalus" pitchFamily="18" charset="-78"/>
+                <a:cs typeface="Andalus" pitchFamily="18" charset="-78"/>
+              </a:rPr>
+              <a:t>organizacional y funciones de la auditoria en informática.</a:t>
+            </a:r>
+          </a:p>
+          <a:p>
+            <a:pPr marL="0" indent="0">
+              <a:buNone/>
+            </a:pPr>
+            <a:r>
+              <a:rPr lang="es-MX" dirty="0" smtClean="0">
+                <a:latin typeface="Andalus" pitchFamily="18" charset="-78"/>
+                <a:cs typeface="Andalus" pitchFamily="18" charset="-78"/>
+              </a:rPr>
+              <a:t>Administración </a:t>
+            </a:r>
+            <a:r>
+              <a:rPr lang="es-MX" dirty="0">
+                <a:latin typeface="Andalus" pitchFamily="18" charset="-78"/>
+                <a:cs typeface="Andalus" pitchFamily="18" charset="-78"/>
+              </a:rPr>
+              <a:t>de la función de auditoria en informática.</a:t>
+            </a:r>
+          </a:p>
+          <a:p>
+            <a:pPr marL="0" indent="0">
+              <a:buNone/>
+            </a:pPr>
+            <a:r>
+              <a:rPr lang="es-MX" dirty="0" smtClean="0">
+                <a:latin typeface="Andalus" pitchFamily="18" charset="-78"/>
+                <a:cs typeface="Andalus" pitchFamily="18" charset="-78"/>
+              </a:rPr>
+              <a:t>Elementos </a:t>
+            </a:r>
+            <a:r>
+              <a:rPr lang="es-MX" dirty="0">
+                <a:latin typeface="Andalus" pitchFamily="18" charset="-78"/>
+                <a:cs typeface="Andalus" pitchFamily="18" charset="-78"/>
+              </a:rPr>
+              <a:t>de la administración de la función.</a:t>
+            </a:r>
+          </a:p>
+          <a:p>
+            <a:pPr marL="0" indent="0">
+              <a:buNone/>
+            </a:pPr>
+            <a:r>
+              <a:rPr lang="es-MX" dirty="0" smtClean="0">
+                <a:latin typeface="Andalus" pitchFamily="18" charset="-78"/>
+                <a:cs typeface="Andalus" pitchFamily="18" charset="-78"/>
+              </a:rPr>
+              <a:t>Hacia </a:t>
+            </a:r>
+            <a:r>
+              <a:rPr lang="es-MX" dirty="0">
+                <a:latin typeface="Andalus" pitchFamily="18" charset="-78"/>
+                <a:cs typeface="Andalus" pitchFamily="18" charset="-78"/>
+              </a:rPr>
+              <a:t>una auditoría informática eficiente.</a:t>
+            </a:r>
+          </a:p>
+          <a:p>
+            <a:endParaRPr lang="es-MX" dirty="0"/>
           </a:p>
         </p:txBody>
       </p:sp>
@@ -3285,6 +3393,706 @@
     <p:extLst>
       <p:ext uri="{BB962C8B-B14F-4D97-AF65-F5344CB8AC3E}">
         <p14:creationId xmlns:p14="http://schemas.microsoft.com/office/powerpoint/2010/main" val="2661261613"/>
+      </p:ext>
+    </p:extLst>
+  </p:cSld>
+  <p:clrMapOvr>
+    <a:masterClrMapping/>
+  </p:clrMapOvr>
+</p:sld>
+</file>
+
+<file path=ppt/slides/slide3.xml><?xml version="1.0" encoding="utf-8"?>
+<p:sld xmlns:a="http://schemas.openxmlformats.org/drawingml/2006/main" xmlns:r="http://schemas.openxmlformats.org/officeDocument/2006/relationships" xmlns:p="http://schemas.openxmlformats.org/presentationml/2006/main">
+  <p:cSld>
+    <p:spTree>
+      <p:nvGrpSpPr>
+        <p:cNvPr id="1" name=""/>
+        <p:cNvGrpSpPr/>
+        <p:nvPr/>
+      </p:nvGrpSpPr>
+      <p:grpSpPr>
+        <a:xfrm>
+          <a:off x="0" y="0"/>
+          <a:ext cx="0" cy="0"/>
+          <a:chOff x="0" y="0"/>
+          <a:chExt cx="0" cy="0"/>
+        </a:xfrm>
+      </p:grpSpPr>
+      <p:sp>
+        <p:nvSpPr>
+          <p:cNvPr id="2" name="1 Título"/>
+          <p:cNvSpPr>
+            <a:spLocks noGrp="1"/>
+          </p:cNvSpPr>
+          <p:nvPr>
+            <p:ph type="title"/>
+          </p:nvPr>
+        </p:nvSpPr>
+        <p:spPr>
+          <a:xfrm>
+            <a:off x="467544" y="116632"/>
+            <a:ext cx="8229600" cy="1143000"/>
+          </a:xfrm>
+        </p:spPr>
+        <p:txBody>
+          <a:bodyPr>
+            <a:normAutofit/>
+          </a:bodyPr>
+          <a:lstStyle/>
+          <a:p>
+            <a:r>
+              <a:rPr lang="es-MX" sz="4000" dirty="0">
+                <a:latin typeface="Andalus" pitchFamily="18" charset="-78"/>
+                <a:ea typeface="+mn-ea"/>
+                <a:cs typeface="Andalus" pitchFamily="18" charset="-78"/>
+              </a:rPr>
+              <a:t>Estrategias</a:t>
+            </a:r>
+          </a:p>
+        </p:txBody>
+      </p:sp>
+      <p:sp>
+        <p:nvSpPr>
+          <p:cNvPr id="3" name="2 Marcador de contenido"/>
+          <p:cNvSpPr>
+            <a:spLocks noGrp="1"/>
+          </p:cNvSpPr>
+          <p:nvPr>
+            <p:ph idx="1"/>
+          </p:nvPr>
+        </p:nvSpPr>
+        <p:spPr>
+          <a:xfrm>
+            <a:off x="539552" y="908720"/>
+            <a:ext cx="8229600" cy="5256584"/>
+          </a:xfrm>
+        </p:spPr>
+        <p:txBody>
+          <a:bodyPr>
+            <a:noAutofit/>
+          </a:bodyPr>
+          <a:lstStyle/>
+          <a:p>
+            <a:pPr marL="0" indent="0" algn="just">
+              <a:buNone/>
+            </a:pPr>
+            <a:r>
+              <a:rPr lang="es-MX" sz="2200" dirty="0">
+                <a:latin typeface="Andalus" pitchFamily="18" charset="-78"/>
+                <a:cs typeface="Andalus" pitchFamily="18" charset="-78"/>
+              </a:rPr>
+              <a:t>Formalizar la AI en la organización, a través de :</a:t>
+            </a:r>
+          </a:p>
+          <a:p>
+            <a:pPr marL="0" indent="0" algn="just">
+              <a:buNone/>
+            </a:pPr>
+            <a:r>
+              <a:rPr lang="es-MX" sz="2200" dirty="0">
+                <a:latin typeface="Andalus" pitchFamily="18" charset="-78"/>
+                <a:cs typeface="Andalus" pitchFamily="18" charset="-78"/>
+              </a:rPr>
+              <a:t>*Cursos de Acción justificados</a:t>
+            </a:r>
+          </a:p>
+          <a:p>
+            <a:pPr marL="0" indent="0" algn="just">
+              <a:buNone/>
+            </a:pPr>
+            <a:r>
+              <a:rPr lang="es-MX" sz="2200" dirty="0">
+                <a:latin typeface="Andalus" pitchFamily="18" charset="-78"/>
+                <a:cs typeface="Andalus" pitchFamily="18" charset="-78"/>
+              </a:rPr>
+              <a:t>*Documentos de justificación a Alta Dirección</a:t>
+            </a:r>
+          </a:p>
+          <a:p>
+            <a:pPr marL="0" indent="0" algn="just">
+              <a:buNone/>
+            </a:pPr>
+            <a:r>
+              <a:rPr lang="es-MX" sz="2200" dirty="0">
+                <a:latin typeface="Andalus" pitchFamily="18" charset="-78"/>
+                <a:cs typeface="Andalus" pitchFamily="18" charset="-78"/>
+              </a:rPr>
+              <a:t>*Difusión de la AI en las Áreas relacionadas</a:t>
+            </a:r>
+          </a:p>
+          <a:p>
+            <a:pPr marL="0" indent="0" algn="just">
+              <a:buNone/>
+            </a:pPr>
+            <a:r>
+              <a:rPr lang="es-MX" sz="2200" dirty="0">
+                <a:latin typeface="Andalus" pitchFamily="18" charset="-78"/>
+                <a:cs typeface="Andalus" pitchFamily="18" charset="-78"/>
+              </a:rPr>
+              <a:t>*Desarrollo del proceso de </a:t>
+            </a:r>
+            <a:r>
+              <a:rPr lang="es-MX" sz="2200" dirty="0" smtClean="0">
+                <a:latin typeface="Andalus" pitchFamily="18" charset="-78"/>
+                <a:cs typeface="Andalus" pitchFamily="18" charset="-78"/>
+              </a:rPr>
+              <a:t>auditoria informática</a:t>
+            </a:r>
+            <a:endParaRPr lang="es-MX" sz="2200" dirty="0">
+              <a:latin typeface="Andalus" pitchFamily="18" charset="-78"/>
+              <a:cs typeface="Andalus" pitchFamily="18" charset="-78"/>
+            </a:endParaRPr>
+          </a:p>
+          <a:p>
+            <a:pPr marL="0" indent="0" algn="just">
+              <a:buNone/>
+            </a:pPr>
+            <a:r>
+              <a:rPr lang="es-MX" sz="2200" dirty="0">
+                <a:latin typeface="Andalus" pitchFamily="18" charset="-78"/>
+                <a:cs typeface="Andalus" pitchFamily="18" charset="-78"/>
+              </a:rPr>
+              <a:t>Auditoria Permanente para garantizar a la Alta Dirección:</a:t>
+            </a:r>
+          </a:p>
+          <a:p>
+            <a:pPr marL="0" indent="0" algn="just">
+              <a:buNone/>
+            </a:pPr>
+            <a:r>
+              <a:rPr lang="es-MX" sz="2200" dirty="0">
+                <a:latin typeface="Andalus" pitchFamily="18" charset="-78"/>
+                <a:cs typeface="Andalus" pitchFamily="18" charset="-78"/>
+              </a:rPr>
+              <a:t>*Seguridad, Políticas y procedimientos de los recursos de</a:t>
+            </a:r>
+          </a:p>
+          <a:p>
+            <a:pPr marL="0" indent="0" algn="just">
+              <a:buNone/>
+            </a:pPr>
+            <a:r>
+              <a:rPr lang="es-MX" sz="2200" dirty="0">
+                <a:latin typeface="Andalus" pitchFamily="18" charset="-78"/>
+                <a:cs typeface="Andalus" pitchFamily="18" charset="-78"/>
+              </a:rPr>
+              <a:t>informática, eficientes y confiables.</a:t>
+            </a:r>
+          </a:p>
+          <a:p>
+            <a:pPr marL="0" indent="0" algn="just">
+              <a:buNone/>
+            </a:pPr>
+            <a:r>
+              <a:rPr lang="es-MX" sz="2200" dirty="0">
+                <a:latin typeface="Andalus" pitchFamily="18" charset="-78"/>
+                <a:cs typeface="Andalus" pitchFamily="18" charset="-78"/>
+              </a:rPr>
+              <a:t>*Apoyo a los objetivos del negocio.</a:t>
+            </a:r>
+          </a:p>
+          <a:p>
+            <a:pPr marL="0" indent="0" algn="just">
+              <a:buNone/>
+            </a:pPr>
+            <a:r>
+              <a:rPr lang="es-MX" sz="2200" dirty="0">
+                <a:latin typeface="Andalus" pitchFamily="18" charset="-78"/>
+                <a:cs typeface="Andalus" pitchFamily="18" charset="-78"/>
+              </a:rPr>
+              <a:t>*Verificación del uso de la Tecnología en el negocio.</a:t>
+            </a:r>
+          </a:p>
+          <a:p>
+            <a:pPr marL="0" indent="0" algn="just">
+              <a:buNone/>
+            </a:pPr>
+            <a:r>
+              <a:rPr lang="es-MX" sz="2200" dirty="0">
+                <a:latin typeface="Andalus" pitchFamily="18" charset="-78"/>
+                <a:cs typeface="Andalus" pitchFamily="18" charset="-78"/>
+              </a:rPr>
+              <a:t>*Proceso de Evaluación y justificación </a:t>
+            </a:r>
+            <a:endParaRPr lang="es-MX" sz="2200" dirty="0" smtClean="0">
+              <a:latin typeface="Andalus" pitchFamily="18" charset="-78"/>
+              <a:cs typeface="Andalus" pitchFamily="18" charset="-78"/>
+            </a:endParaRPr>
+          </a:p>
+          <a:p>
+            <a:pPr marL="0" indent="0" algn="just">
+              <a:buNone/>
+            </a:pPr>
+            <a:r>
+              <a:rPr lang="es-MX" sz="2200" dirty="0" smtClean="0">
+                <a:latin typeface="Andalus" pitchFamily="18" charset="-78"/>
+                <a:cs typeface="Andalus" pitchFamily="18" charset="-78"/>
+              </a:rPr>
+              <a:t>*</a:t>
+            </a:r>
+            <a:r>
+              <a:rPr lang="es-MX" sz="2200" dirty="0">
+                <a:latin typeface="Andalus" pitchFamily="18" charset="-78"/>
+                <a:cs typeface="Andalus" pitchFamily="18" charset="-78"/>
+              </a:rPr>
+              <a:t>Elaboración y desarrollo de un proceso de planeación</a:t>
+            </a:r>
+          </a:p>
+          <a:p>
+            <a:pPr marL="0" indent="0" algn="just">
+              <a:buNone/>
+            </a:pPr>
+            <a:r>
+              <a:rPr lang="es-MX" sz="2200" dirty="0">
+                <a:latin typeface="Andalus" pitchFamily="18" charset="-78"/>
+                <a:cs typeface="Andalus" pitchFamily="18" charset="-78"/>
+              </a:rPr>
+              <a:t>informática, orientado al plan de negocio.</a:t>
+            </a:r>
+          </a:p>
+          <a:p>
+            <a:pPr marL="0" indent="0" algn="just">
+              <a:buNone/>
+            </a:pPr>
+            <a:r>
+              <a:rPr lang="es-MX" sz="2200" dirty="0">
+                <a:latin typeface="Andalus" pitchFamily="18" charset="-78"/>
+                <a:cs typeface="Andalus" pitchFamily="18" charset="-78"/>
+              </a:rPr>
+              <a:t>*Uso de Metodologías, Técnicas, Herramientas.</a:t>
+            </a:r>
+          </a:p>
+        </p:txBody>
+      </p:sp>
+    </p:spTree>
+    <p:extLst>
+      <p:ext uri="{BB962C8B-B14F-4D97-AF65-F5344CB8AC3E}">
+        <p14:creationId xmlns:p14="http://schemas.microsoft.com/office/powerpoint/2010/main" val="1468119948"/>
+      </p:ext>
+    </p:extLst>
+  </p:cSld>
+  <p:clrMapOvr>
+    <a:masterClrMapping/>
+  </p:clrMapOvr>
+</p:sld>
+</file>
+
+<file path=ppt/slides/slide4.xml><?xml version="1.0" encoding="utf-8"?>
+<p:sld xmlns:a="http://schemas.openxmlformats.org/drawingml/2006/main" xmlns:r="http://schemas.openxmlformats.org/officeDocument/2006/relationships" xmlns:p="http://schemas.openxmlformats.org/presentationml/2006/main">
+  <p:cSld>
+    <p:spTree>
+      <p:nvGrpSpPr>
+        <p:cNvPr id="1" name=""/>
+        <p:cNvGrpSpPr/>
+        <p:nvPr/>
+      </p:nvGrpSpPr>
+      <p:grpSpPr>
+        <a:xfrm>
+          <a:off x="0" y="0"/>
+          <a:ext cx="0" cy="0"/>
+          <a:chOff x="0" y="0"/>
+          <a:chExt cx="0" cy="0"/>
+        </a:xfrm>
+      </p:grpSpPr>
+      <p:sp>
+        <p:nvSpPr>
+          <p:cNvPr id="2" name="1 Título"/>
+          <p:cNvSpPr>
+            <a:spLocks noGrp="1"/>
+          </p:cNvSpPr>
+          <p:nvPr>
+            <p:ph type="title"/>
+          </p:nvPr>
+        </p:nvSpPr>
+        <p:spPr/>
+        <p:txBody>
+          <a:bodyPr>
+            <a:normAutofit fontScale="90000"/>
+          </a:bodyPr>
+          <a:lstStyle/>
+          <a:p>
+            <a:r>
+              <a:rPr lang="es-MX" sz="4900" dirty="0">
+                <a:latin typeface="Andalus" pitchFamily="18" charset="-78"/>
+                <a:ea typeface="+mn-ea"/>
+                <a:cs typeface="Andalus" pitchFamily="18" charset="-78"/>
+              </a:rPr>
+              <a:t>Cursos de Acción</a:t>
+            </a:r>
+            <a:r>
+              <a:rPr lang="es-MX" dirty="0"/>
+              <a:t/>
+            </a:r>
+            <a:br>
+              <a:rPr lang="es-MX" dirty="0"/>
+            </a:br>
+            <a:endParaRPr lang="es-MX" dirty="0"/>
+          </a:p>
+        </p:txBody>
+      </p:sp>
+      <p:sp>
+        <p:nvSpPr>
+          <p:cNvPr id="3" name="2 Marcador de contenido"/>
+          <p:cNvSpPr>
+            <a:spLocks noGrp="1"/>
+          </p:cNvSpPr>
+          <p:nvPr>
+            <p:ph idx="1"/>
+          </p:nvPr>
+        </p:nvSpPr>
+        <p:spPr>
+          <a:xfrm>
+            <a:off x="467544" y="980728"/>
+            <a:ext cx="8229600" cy="4525963"/>
+          </a:xfrm>
+        </p:spPr>
+        <p:txBody>
+          <a:bodyPr>
+            <a:normAutofit lnSpcReduction="10000"/>
+          </a:bodyPr>
+          <a:lstStyle/>
+          <a:p>
+            <a:pPr marL="0" indent="0">
+              <a:buNone/>
+            </a:pPr>
+            <a:r>
+              <a:rPr lang="es-MX" sz="2600" dirty="0" smtClean="0">
+                <a:latin typeface="Andalus" pitchFamily="18" charset="-78"/>
+                <a:cs typeface="Andalus" pitchFamily="18" charset="-78"/>
+              </a:rPr>
+              <a:t>1.Alta </a:t>
+            </a:r>
+            <a:r>
+              <a:rPr lang="es-MX" sz="2600" dirty="0">
+                <a:latin typeface="Andalus" pitchFamily="18" charset="-78"/>
+                <a:cs typeface="Andalus" pitchFamily="18" charset="-78"/>
+              </a:rPr>
+              <a:t>Dirección, usuarios y personal: conciencia de la necesidad de AI, para el uso eficiente de los recursos.</a:t>
+            </a:r>
+          </a:p>
+          <a:p>
+            <a:pPr marL="0" indent="0">
+              <a:buNone/>
+            </a:pPr>
+            <a:r>
+              <a:rPr lang="es-MX" sz="2600" dirty="0">
+                <a:latin typeface="Andalus" pitchFamily="18" charset="-78"/>
+                <a:cs typeface="Andalus" pitchFamily="18" charset="-78"/>
+              </a:rPr>
+              <a:t>2.Formalizar un procedimiento que divulgue los planes, objetivos, beneficios y áreas de oportunidad que representa la AI.</a:t>
+            </a:r>
+          </a:p>
+          <a:p>
+            <a:pPr marL="0" indent="0">
+              <a:buNone/>
+            </a:pPr>
+            <a:r>
+              <a:rPr lang="es-MX" sz="2600" dirty="0">
+                <a:latin typeface="Andalus" pitchFamily="18" charset="-78"/>
+                <a:cs typeface="Andalus" pitchFamily="18" charset="-78"/>
+              </a:rPr>
+              <a:t>3.Compromiso del personal y usuarios con el proyecto de AI.</a:t>
+            </a:r>
+          </a:p>
+          <a:p>
+            <a:pPr marL="0" indent="0">
+              <a:buNone/>
+            </a:pPr>
+            <a:r>
+              <a:rPr lang="es-MX" sz="2600" dirty="0">
+                <a:latin typeface="Andalus" pitchFamily="18" charset="-78"/>
+                <a:cs typeface="Andalus" pitchFamily="18" charset="-78"/>
+              </a:rPr>
+              <a:t>4.Planeación y desarrollo del proceso de AI, previa aprobación.</a:t>
+            </a:r>
+          </a:p>
+          <a:p>
+            <a:pPr marL="0" indent="0">
+              <a:buNone/>
+            </a:pPr>
+            <a:r>
+              <a:rPr lang="es-MX" sz="2600" dirty="0">
+                <a:latin typeface="Andalus" pitchFamily="18" charset="-78"/>
+                <a:cs typeface="Andalus" pitchFamily="18" charset="-78"/>
+              </a:rPr>
+              <a:t>5.Proceso de Planeación: Proyectos: Prioridades: Calidad/eficiencia</a:t>
+            </a:r>
+          </a:p>
+          <a:p>
+            <a:endParaRPr lang="es-MX" dirty="0"/>
+          </a:p>
+        </p:txBody>
+      </p:sp>
+    </p:spTree>
+    <p:extLst>
+      <p:ext uri="{BB962C8B-B14F-4D97-AF65-F5344CB8AC3E}">
+        <p14:creationId xmlns:p14="http://schemas.microsoft.com/office/powerpoint/2010/main" val="3375213424"/>
+      </p:ext>
+    </p:extLst>
+  </p:cSld>
+  <p:clrMapOvr>
+    <a:masterClrMapping/>
+  </p:clrMapOvr>
+</p:sld>
+</file>
+
+<file path=ppt/slides/slide5.xml><?xml version="1.0" encoding="utf-8"?>
+<p:sld xmlns:a="http://schemas.openxmlformats.org/drawingml/2006/main" xmlns:r="http://schemas.openxmlformats.org/officeDocument/2006/relationships" xmlns:p="http://schemas.openxmlformats.org/presentationml/2006/main">
+  <p:cSld>
+    <p:spTree>
+      <p:nvGrpSpPr>
+        <p:cNvPr id="1" name=""/>
+        <p:cNvGrpSpPr/>
+        <p:nvPr/>
+      </p:nvGrpSpPr>
+      <p:grpSpPr>
+        <a:xfrm>
+          <a:off x="0" y="0"/>
+          <a:ext cx="0" cy="0"/>
+          <a:chOff x="0" y="0"/>
+          <a:chExt cx="0" cy="0"/>
+        </a:xfrm>
+      </p:grpSpPr>
+      <p:sp>
+        <p:nvSpPr>
+          <p:cNvPr id="3" name="2 Marcador de contenido"/>
+          <p:cNvSpPr>
+            <a:spLocks noGrp="1"/>
+          </p:cNvSpPr>
+          <p:nvPr>
+            <p:ph idx="1"/>
+          </p:nvPr>
+        </p:nvSpPr>
+        <p:spPr>
+          <a:xfrm>
+            <a:off x="467544" y="404664"/>
+            <a:ext cx="8229600" cy="4525963"/>
+          </a:xfrm>
+        </p:spPr>
+        <p:txBody>
+          <a:bodyPr>
+            <a:noAutofit/>
+          </a:bodyPr>
+          <a:lstStyle/>
+          <a:p>
+            <a:pPr marL="0" indent="0" algn="just">
+              <a:buNone/>
+            </a:pPr>
+            <a:r>
+              <a:rPr lang="es-MX" sz="2600" dirty="0">
+                <a:latin typeface="Andalus" pitchFamily="18" charset="-78"/>
+                <a:cs typeface="Andalus" pitchFamily="18" charset="-78"/>
+              </a:rPr>
+              <a:t>*Justificar expectativas: involucrar áreas</a:t>
+            </a:r>
+          </a:p>
+          <a:p>
+            <a:pPr marL="0" indent="0" algn="just">
+              <a:buNone/>
+            </a:pPr>
+            <a:r>
+              <a:rPr lang="es-MX" sz="2600" dirty="0">
+                <a:latin typeface="Andalus" pitchFamily="18" charset="-78"/>
+                <a:cs typeface="Andalus" pitchFamily="18" charset="-78"/>
+              </a:rPr>
+              <a:t>*Planear detalladamente: responsables directos</a:t>
+            </a:r>
+          </a:p>
+          <a:p>
+            <a:pPr marL="0" indent="0" algn="just">
+              <a:buNone/>
+            </a:pPr>
+            <a:r>
+              <a:rPr lang="es-MX" sz="2600" dirty="0">
+                <a:latin typeface="Andalus" pitchFamily="18" charset="-78"/>
+                <a:cs typeface="Andalus" pitchFamily="18" charset="-78"/>
+              </a:rPr>
+              <a:t>*Responsable AI: Presentación ejecutiva</a:t>
+            </a:r>
+          </a:p>
+          <a:p>
+            <a:pPr marL="0" indent="0" algn="just">
+              <a:buNone/>
+            </a:pPr>
+            <a:r>
+              <a:rPr lang="es-MX" sz="2600" dirty="0">
+                <a:latin typeface="Andalus" pitchFamily="18" charset="-78"/>
+                <a:cs typeface="Andalus" pitchFamily="18" charset="-78"/>
+              </a:rPr>
+              <a:t>*Reunión formal: Jefes de Área, exponer:</a:t>
+            </a:r>
+          </a:p>
+          <a:p>
+            <a:pPr marL="0" indent="0" algn="just">
+              <a:buNone/>
+            </a:pPr>
+            <a:r>
+              <a:rPr lang="es-MX" sz="2600" dirty="0">
+                <a:latin typeface="Andalus" pitchFamily="18" charset="-78"/>
+                <a:cs typeface="Andalus" pitchFamily="18" charset="-78"/>
+              </a:rPr>
+              <a:t>a) Antecedentes</a:t>
+            </a:r>
+          </a:p>
+          <a:p>
+            <a:pPr marL="0" indent="0" algn="just">
+              <a:buNone/>
+            </a:pPr>
+            <a:r>
+              <a:rPr lang="es-MX" sz="2600" dirty="0">
+                <a:latin typeface="Andalus" pitchFamily="18" charset="-78"/>
+                <a:cs typeface="Andalus" pitchFamily="18" charset="-78"/>
+              </a:rPr>
+              <a:t>b) Justificación</a:t>
+            </a:r>
+          </a:p>
+          <a:p>
+            <a:pPr marL="0" indent="0" algn="just">
+              <a:buNone/>
+            </a:pPr>
+            <a:r>
+              <a:rPr lang="es-MX" sz="2600" dirty="0">
+                <a:latin typeface="Andalus" pitchFamily="18" charset="-78"/>
+                <a:cs typeface="Andalus" pitchFamily="18" charset="-78"/>
+              </a:rPr>
+              <a:t>c) Objetivos y alcances</a:t>
+            </a:r>
+          </a:p>
+          <a:p>
+            <a:pPr marL="0" indent="0" algn="just">
+              <a:buNone/>
+            </a:pPr>
+            <a:r>
+              <a:rPr lang="es-MX" sz="2600" dirty="0">
+                <a:latin typeface="Andalus" pitchFamily="18" charset="-78"/>
+                <a:cs typeface="Andalus" pitchFamily="18" charset="-78"/>
+              </a:rPr>
+              <a:t>d) Etapas</a:t>
+            </a:r>
+          </a:p>
+          <a:p>
+            <a:pPr marL="0" indent="0" algn="just">
+              <a:buNone/>
+            </a:pPr>
+            <a:r>
+              <a:rPr lang="es-MX" sz="2600" dirty="0">
+                <a:latin typeface="Andalus" pitchFamily="18" charset="-78"/>
+                <a:cs typeface="Andalus" pitchFamily="18" charset="-78"/>
+              </a:rPr>
+              <a:t>e) Productos Terminados</a:t>
+            </a:r>
+          </a:p>
+          <a:p>
+            <a:pPr marL="0" indent="0" algn="just">
+              <a:buNone/>
+            </a:pPr>
+            <a:r>
+              <a:rPr lang="es-MX" sz="2600" dirty="0">
+                <a:latin typeface="Andalus" pitchFamily="18" charset="-78"/>
+                <a:cs typeface="Andalus" pitchFamily="18" charset="-78"/>
+              </a:rPr>
+              <a:t>f) Fechas de Revisión formales e informales</a:t>
+            </a:r>
+          </a:p>
+          <a:p>
+            <a:pPr marL="0" indent="0" algn="just">
+              <a:buNone/>
+            </a:pPr>
+            <a:r>
+              <a:rPr lang="es-MX" sz="2600" dirty="0">
+                <a:latin typeface="Andalus" pitchFamily="18" charset="-78"/>
+                <a:cs typeface="Andalus" pitchFamily="18" charset="-78"/>
+              </a:rPr>
+              <a:t>g) Funciones y responsabilidades</a:t>
+            </a:r>
+          </a:p>
+          <a:p>
+            <a:pPr marL="0" indent="0" algn="just">
+              <a:buNone/>
+            </a:pPr>
+            <a:r>
+              <a:rPr lang="es-MX" sz="2600" dirty="0">
+                <a:latin typeface="Andalus" pitchFamily="18" charset="-78"/>
+                <a:cs typeface="Andalus" pitchFamily="18" charset="-78"/>
+              </a:rPr>
+              <a:t>h) Costes-Beneficios</a:t>
+            </a:r>
+          </a:p>
+        </p:txBody>
+      </p:sp>
+    </p:spTree>
+    <p:extLst>
+      <p:ext uri="{BB962C8B-B14F-4D97-AF65-F5344CB8AC3E}">
+        <p14:creationId xmlns:p14="http://schemas.microsoft.com/office/powerpoint/2010/main" val="4246634682"/>
+      </p:ext>
+    </p:extLst>
+  </p:cSld>
+  <p:clrMapOvr>
+    <a:masterClrMapping/>
+  </p:clrMapOvr>
+</p:sld>
+</file>
+
+<file path=ppt/slides/slide6.xml><?xml version="1.0" encoding="utf-8"?>
+<p:sld xmlns:a="http://schemas.openxmlformats.org/drawingml/2006/main" xmlns:r="http://schemas.openxmlformats.org/officeDocument/2006/relationships" xmlns:p="http://schemas.openxmlformats.org/presentationml/2006/main">
+  <p:cSld>
+    <p:spTree>
+      <p:nvGrpSpPr>
+        <p:cNvPr id="1" name=""/>
+        <p:cNvGrpSpPr/>
+        <p:nvPr/>
+      </p:nvGrpSpPr>
+      <p:grpSpPr>
+        <a:xfrm>
+          <a:off x="0" y="0"/>
+          <a:ext cx="0" cy="0"/>
+          <a:chOff x="0" y="0"/>
+          <a:chExt cx="0" cy="0"/>
+        </a:xfrm>
+      </p:grpSpPr>
+      <p:sp>
+        <p:nvSpPr>
+          <p:cNvPr id="2" name="1 Título"/>
+          <p:cNvSpPr>
+            <a:spLocks noGrp="1"/>
+          </p:cNvSpPr>
+          <p:nvPr>
+            <p:ph type="title"/>
+          </p:nvPr>
+        </p:nvSpPr>
+        <p:spPr/>
+        <p:txBody>
+          <a:bodyPr/>
+          <a:lstStyle/>
+          <a:p>
+            <a:endParaRPr lang="es-MX"/>
+          </a:p>
+        </p:txBody>
+      </p:sp>
+      <p:sp>
+        <p:nvSpPr>
+          <p:cNvPr id="3" name="2 Marcador de contenido"/>
+          <p:cNvSpPr>
+            <a:spLocks noGrp="1"/>
+          </p:cNvSpPr>
+          <p:nvPr>
+            <p:ph idx="1"/>
+          </p:nvPr>
+        </p:nvSpPr>
+        <p:spPr/>
+        <p:txBody>
+          <a:bodyPr/>
+          <a:lstStyle/>
+          <a:p>
+            <a:endParaRPr lang="es-MX"/>
+          </a:p>
+        </p:txBody>
+      </p:sp>
+    </p:spTree>
+    <p:extLst>
+      <p:ext uri="{BB962C8B-B14F-4D97-AF65-F5344CB8AC3E}">
+        <p14:creationId xmlns:p14="http://schemas.microsoft.com/office/powerpoint/2010/main" val="2891595458"/>
       </p:ext>
     </p:extLst>
   </p:cSld>

--- a/unidad III (organizacion).pptx
+++ b/unidad III (organizacion).pptx
@@ -3272,11 +3272,6 @@
               </a:rPr>
               <a:t>Organización </a:t>
             </a:r>
-            <a:endParaRPr lang="es-MX" sz="4000" dirty="0">
-              <a:latin typeface="Andalus" pitchFamily="18" charset="-78"/>
-              <a:ea typeface="+mn-ea"/>
-              <a:cs typeface="Andalus" pitchFamily="18" charset="-78"/>
-            </a:endParaRPr>
           </a:p>
         </p:txBody>
       </p:sp>
@@ -4066,6 +4061,10 @@
           <a:bodyPr/>
           <a:lstStyle/>
           <a:p>
+            <a:r>
+              <a:rPr lang="es-MX" smtClean="0"/>
+              <a:t>jona</a:t>
+            </a:r>
             <a:endParaRPr lang="es-MX"/>
           </a:p>
         </p:txBody>

--- a/unidad III (organizacion).pptx
+++ b/unidad III (organizacion).pptx
@@ -11,6 +11,7 @@
     <p:sldId id="259" r:id="rId5"/>
     <p:sldId id="260" r:id="rId6"/>
     <p:sldId id="261" r:id="rId7"/>
+    <p:sldId id="262" r:id="rId8"/>
   </p:sldIdLst>
   <p:sldSz cx="9144000" cy="6858000" type="screen4x3"/>
   <p:notesSz cx="6858000" cy="9144000"/>
@@ -4058,14 +4059,56 @@
         </p:nvSpPr>
         <p:spPr/>
         <p:txBody>
-          <a:bodyPr/>
-          <a:lstStyle/>
-          <a:p>
-            <a:r>
-              <a:rPr lang="es-MX" smtClean="0"/>
-              <a:t>jona</a:t>
-            </a:r>
-            <a:endParaRPr lang="es-MX"/>
+          <a:bodyPr>
+            <a:normAutofit fontScale="90000"/>
+          </a:bodyPr>
+          <a:lstStyle/>
+          <a:p>
+            <a:r>
+              <a:rPr lang="es-MX" sz="3600" dirty="0">
+                <a:latin typeface="Andalus" pitchFamily="18" charset="-78"/>
+                <a:ea typeface="+mn-ea"/>
+                <a:cs typeface="Andalus" pitchFamily="18" charset="-78"/>
+              </a:rPr>
+              <a:t>Elementos de la </a:t>
+            </a:r>
+            <a:r>
+              <a:rPr lang="es-MX" sz="3600" dirty="0" smtClean="0">
+                <a:latin typeface="Andalus" pitchFamily="18" charset="-78"/>
+                <a:ea typeface="+mn-ea"/>
+                <a:cs typeface="Andalus" pitchFamily="18" charset="-78"/>
+              </a:rPr>
+              <a:t>administración </a:t>
+            </a:r>
+            <a:r>
+              <a:rPr lang="es-MX" sz="3600" dirty="0">
+                <a:latin typeface="Andalus" pitchFamily="18" charset="-78"/>
+                <a:ea typeface="+mn-ea"/>
+                <a:cs typeface="Andalus" pitchFamily="18" charset="-78"/>
+              </a:rPr>
+              <a:t>de la </a:t>
+            </a:r>
+            <a:r>
+              <a:rPr lang="es-MX" sz="3600" dirty="0" smtClean="0">
+                <a:latin typeface="Andalus" pitchFamily="18" charset="-78"/>
+                <a:ea typeface="+mn-ea"/>
+                <a:cs typeface="Andalus" pitchFamily="18" charset="-78"/>
+              </a:rPr>
+              <a:t>función</a:t>
+            </a:r>
+            <a:r>
+              <a:rPr lang="es-MX" sz="2600" dirty="0" smtClean="0">
+                <a:latin typeface="Andalus" pitchFamily="18" charset="-78"/>
+                <a:ea typeface="+mn-ea"/>
+                <a:cs typeface="Andalus" pitchFamily="18" charset="-78"/>
+              </a:rPr>
+              <a:t> </a:t>
+            </a:r>
+            <a:endParaRPr lang="es-MX" sz="2600" dirty="0">
+              <a:latin typeface="Andalus" pitchFamily="18" charset="-78"/>
+              <a:ea typeface="+mn-ea"/>
+              <a:cs typeface="Andalus" pitchFamily="18" charset="-78"/>
+            </a:endParaRPr>
           </a:p>
         </p:txBody>
       </p:sp>
@@ -4081,17 +4124,219 @@
         </p:nvSpPr>
         <p:spPr/>
         <p:txBody>
-          <a:bodyPr/>
-          <a:lstStyle/>
-          <a:p>
-            <a:endParaRPr lang="es-MX"/>
+          <a:bodyPr>
+            <a:normAutofit/>
+          </a:bodyPr>
+          <a:lstStyle/>
+          <a:p>
+            <a:r>
+              <a:rPr lang="es-MX" sz="2600" dirty="0">
+                <a:latin typeface="Andalus" pitchFamily="18" charset="-78"/>
+                <a:cs typeface="Andalus" pitchFamily="18" charset="-78"/>
+              </a:rPr>
+              <a:t>Planificación</a:t>
+            </a:r>
+          </a:p>
+          <a:p>
+            <a:pPr marL="0" indent="0">
+              <a:buNone/>
+            </a:pPr>
+            <a:r>
+              <a:rPr lang="es-MX" sz="2600" dirty="0">
+                <a:latin typeface="Andalus" pitchFamily="18" charset="-78"/>
+                <a:cs typeface="Andalus" pitchFamily="18" charset="-78"/>
+              </a:rPr>
+              <a:t>Desarrollar una matriz de la planeación de AI para determinar las áreas que serán evaluadas.</a:t>
+            </a:r>
+          </a:p>
+          <a:p>
+            <a:pPr marL="0" indent="0">
+              <a:buNone/>
+            </a:pPr>
+            <a:r>
+              <a:rPr lang="es-MX" sz="2600" dirty="0" smtClean="0">
+                <a:latin typeface="Andalus" pitchFamily="18" charset="-78"/>
+                <a:cs typeface="Andalus" pitchFamily="18" charset="-78"/>
+              </a:rPr>
+              <a:t>Tener </a:t>
+            </a:r>
+            <a:r>
+              <a:rPr lang="es-MX" sz="2600" dirty="0">
+                <a:latin typeface="Andalus" pitchFamily="18" charset="-78"/>
+                <a:cs typeface="Andalus" pitchFamily="18" charset="-78"/>
+              </a:rPr>
+              <a:t>información de los sistemas, equipos, </a:t>
+            </a:r>
+            <a:r>
+              <a:rPr lang="es-MX" sz="2600" dirty="0" err="1">
+                <a:latin typeface="Andalus" pitchFamily="18" charset="-78"/>
+                <a:cs typeface="Andalus" pitchFamily="18" charset="-78"/>
+              </a:rPr>
+              <a:t>Sw</a:t>
+            </a:r>
+            <a:r>
+              <a:rPr lang="es-MX" sz="2600" dirty="0">
+                <a:latin typeface="Andalus" pitchFamily="18" charset="-78"/>
+                <a:cs typeface="Andalus" pitchFamily="18" charset="-78"/>
+              </a:rPr>
+              <a:t>, planes de informática y de auditoria, actuales.</a:t>
+            </a:r>
+          </a:p>
+          <a:p>
+            <a:pPr marL="0" indent="0">
+              <a:buNone/>
+            </a:pPr>
+            <a:r>
+              <a:rPr lang="es-MX" sz="2600" dirty="0" smtClean="0">
+                <a:latin typeface="Andalus" pitchFamily="18" charset="-78"/>
+                <a:cs typeface="Andalus" pitchFamily="18" charset="-78"/>
+              </a:rPr>
+              <a:t>Coordinar </a:t>
+            </a:r>
+            <a:r>
+              <a:rPr lang="es-MX" sz="2600" dirty="0">
+                <a:latin typeface="Andalus" pitchFamily="18" charset="-78"/>
+                <a:cs typeface="Andalus" pitchFamily="18" charset="-78"/>
+              </a:rPr>
+              <a:t>los planes con Gerencia de Auditoria interna</a:t>
+            </a:r>
+          </a:p>
+          <a:p>
+            <a:pPr marL="0" indent="0">
+              <a:buNone/>
+            </a:pPr>
+            <a:r>
+              <a:rPr lang="es-MX" sz="2600" dirty="0" smtClean="0">
+                <a:latin typeface="Andalus" pitchFamily="18" charset="-78"/>
+                <a:cs typeface="Andalus" pitchFamily="18" charset="-78"/>
+              </a:rPr>
+              <a:t>Componentes </a:t>
+            </a:r>
+            <a:r>
+              <a:rPr lang="es-MX" sz="2600" dirty="0">
+                <a:latin typeface="Andalus" pitchFamily="18" charset="-78"/>
+                <a:cs typeface="Andalus" pitchFamily="18" charset="-78"/>
+              </a:rPr>
+              <a:t>de éxito de la Planeación:</a:t>
+            </a:r>
+          </a:p>
+          <a:p>
+            <a:endParaRPr lang="es-MX" dirty="0"/>
           </a:p>
         </p:txBody>
       </p:sp>
     </p:spTree>
     <p:extLst>
       <p:ext uri="{BB962C8B-B14F-4D97-AF65-F5344CB8AC3E}">
-        <p14:creationId xmlns:p14="http://schemas.microsoft.com/office/powerpoint/2010/main" val="2891595458"/>
+        <p14:creationId xmlns:p14="http://schemas.microsoft.com/office/powerpoint/2010/main" val="1280308909"/>
+      </p:ext>
+    </p:extLst>
+  </p:cSld>
+  <p:clrMapOvr>
+    <a:masterClrMapping/>
+  </p:clrMapOvr>
+</p:sld>
+</file>
+
+<file path=ppt/slides/slide7.xml><?xml version="1.0" encoding="utf-8"?>
+<p:sld xmlns:a="http://schemas.openxmlformats.org/drawingml/2006/main" xmlns:r="http://schemas.openxmlformats.org/officeDocument/2006/relationships" xmlns:p="http://schemas.openxmlformats.org/presentationml/2006/main">
+  <p:cSld>
+    <p:spTree>
+      <p:nvGrpSpPr>
+        <p:cNvPr id="1" name=""/>
+        <p:cNvGrpSpPr/>
+        <p:nvPr/>
+      </p:nvGrpSpPr>
+      <p:grpSpPr>
+        <a:xfrm>
+          <a:off x="0" y="0"/>
+          <a:ext cx="0" cy="0"/>
+          <a:chOff x="0" y="0"/>
+          <a:chExt cx="0" cy="0"/>
+        </a:xfrm>
+      </p:grpSpPr>
+      <p:sp>
+        <p:nvSpPr>
+          <p:cNvPr id="3" name="2 Marcador de contenido"/>
+          <p:cNvSpPr>
+            <a:spLocks noGrp="1"/>
+          </p:cNvSpPr>
+          <p:nvPr>
+            <p:ph idx="1"/>
+          </p:nvPr>
+        </p:nvSpPr>
+        <p:spPr/>
+        <p:txBody>
+          <a:bodyPr>
+            <a:normAutofit/>
+          </a:bodyPr>
+          <a:lstStyle/>
+          <a:p>
+            <a:pPr marL="0" indent="0">
+              <a:buNone/>
+            </a:pPr>
+            <a:r>
+              <a:rPr lang="es-MX" sz="2600" dirty="0">
+                <a:latin typeface="Andalus" pitchFamily="18" charset="-78"/>
+                <a:cs typeface="Andalus" pitchFamily="18" charset="-78"/>
+              </a:rPr>
+              <a:t>*Juntas formales de discusión de planes periódicas.</a:t>
+            </a:r>
+          </a:p>
+          <a:p>
+            <a:pPr marL="0" indent="0">
+              <a:buNone/>
+            </a:pPr>
+            <a:r>
+              <a:rPr lang="es-MX" sz="2600" dirty="0">
+                <a:latin typeface="Andalus" pitchFamily="18" charset="-78"/>
+                <a:cs typeface="Andalus" pitchFamily="18" charset="-78"/>
+              </a:rPr>
+              <a:t>*Seguimiento de deficiencias y debilidades</a:t>
+            </a:r>
+          </a:p>
+          <a:p>
+            <a:pPr marL="0" indent="0">
+              <a:buNone/>
+            </a:pPr>
+            <a:r>
+              <a:rPr lang="es-MX" sz="2600" dirty="0">
+                <a:latin typeface="Andalus" pitchFamily="18" charset="-78"/>
+                <a:cs typeface="Andalus" pitchFamily="18" charset="-78"/>
+              </a:rPr>
+              <a:t>*Reportes de Auditoria y aseguramiento de calidad</a:t>
+            </a:r>
+          </a:p>
+          <a:p>
+            <a:pPr marL="0" indent="0">
+              <a:buNone/>
+            </a:pPr>
+            <a:r>
+              <a:rPr lang="es-MX" sz="2600" dirty="0">
+                <a:latin typeface="Andalus" pitchFamily="18" charset="-78"/>
+                <a:cs typeface="Andalus" pitchFamily="18" charset="-78"/>
+              </a:rPr>
+              <a:t>*Capacitación conjunta</a:t>
+            </a:r>
+          </a:p>
+          <a:p>
+            <a:pPr marL="0" indent="0">
+              <a:buNone/>
+            </a:pPr>
+            <a:r>
+              <a:rPr lang="es-MX" sz="2600" dirty="0">
+                <a:latin typeface="Andalus" pitchFamily="18" charset="-78"/>
+                <a:cs typeface="Andalus" pitchFamily="18" charset="-78"/>
+              </a:rPr>
+              <a:t>*Metodología, técnicas y herramientas comunes.</a:t>
+            </a:r>
+          </a:p>
+        </p:txBody>
+      </p:sp>
+    </p:spTree>
+    <p:extLst>
+      <p:ext uri="{BB962C8B-B14F-4D97-AF65-F5344CB8AC3E}">
+        <p14:creationId xmlns:p14="http://schemas.microsoft.com/office/powerpoint/2010/main" val="4030706357"/>
       </p:ext>
     </p:extLst>
   </p:cSld>

--- a/unidad III (organizacion).pptx
+++ b/unidad III (organizacion).pptx
@@ -12,6 +12,11 @@
     <p:sldId id="260" r:id="rId6"/>
     <p:sldId id="261" r:id="rId7"/>
     <p:sldId id="262" r:id="rId8"/>
+    <p:sldId id="263" r:id="rId9"/>
+    <p:sldId id="264" r:id="rId10"/>
+    <p:sldId id="265" r:id="rId11"/>
+    <p:sldId id="266" r:id="rId12"/>
+    <p:sldId id="267" r:id="rId13"/>
   </p:sldIdLst>
   <p:sldSz cx="9144000" cy="6858000" type="screen4x3"/>
   <p:notesSz cx="6858000" cy="9144000"/>
@@ -294,7 +299,7 @@
           <a:p>
             <a:fld id="{33222564-675F-4C0A-80BE-E9BC60876D09}" type="datetimeFigureOut">
               <a:rPr lang="es-MX" smtClean="0"/>
-              <a:t>20/05/2015</a:t>
+              <a:t>21/05/2015</a:t>
             </a:fld>
             <a:endParaRPr lang="es-MX"/>
           </a:p>
@@ -464,7 +469,7 @@
           <a:p>
             <a:fld id="{33222564-675F-4C0A-80BE-E9BC60876D09}" type="datetimeFigureOut">
               <a:rPr lang="es-MX" smtClean="0"/>
-              <a:t>20/05/2015</a:t>
+              <a:t>21/05/2015</a:t>
             </a:fld>
             <a:endParaRPr lang="es-MX"/>
           </a:p>
@@ -644,7 +649,7 @@
           <a:p>
             <a:fld id="{33222564-675F-4C0A-80BE-E9BC60876D09}" type="datetimeFigureOut">
               <a:rPr lang="es-MX" smtClean="0"/>
-              <a:t>20/05/2015</a:t>
+              <a:t>21/05/2015</a:t>
             </a:fld>
             <a:endParaRPr lang="es-MX"/>
           </a:p>
@@ -814,7 +819,7 @@
           <a:p>
             <a:fld id="{33222564-675F-4C0A-80BE-E9BC60876D09}" type="datetimeFigureOut">
               <a:rPr lang="es-MX" smtClean="0"/>
-              <a:t>20/05/2015</a:t>
+              <a:t>21/05/2015</a:t>
             </a:fld>
             <a:endParaRPr lang="es-MX"/>
           </a:p>
@@ -1060,7 +1065,7 @@
           <a:p>
             <a:fld id="{33222564-675F-4C0A-80BE-E9BC60876D09}" type="datetimeFigureOut">
               <a:rPr lang="es-MX" smtClean="0"/>
-              <a:t>20/05/2015</a:t>
+              <a:t>21/05/2015</a:t>
             </a:fld>
             <a:endParaRPr lang="es-MX"/>
           </a:p>
@@ -1348,7 +1353,7 @@
           <a:p>
             <a:fld id="{33222564-675F-4C0A-80BE-E9BC60876D09}" type="datetimeFigureOut">
               <a:rPr lang="es-MX" smtClean="0"/>
-              <a:t>20/05/2015</a:t>
+              <a:t>21/05/2015</a:t>
             </a:fld>
             <a:endParaRPr lang="es-MX"/>
           </a:p>
@@ -1770,7 +1775,7 @@
           <a:p>
             <a:fld id="{33222564-675F-4C0A-80BE-E9BC60876D09}" type="datetimeFigureOut">
               <a:rPr lang="es-MX" smtClean="0"/>
-              <a:t>20/05/2015</a:t>
+              <a:t>21/05/2015</a:t>
             </a:fld>
             <a:endParaRPr lang="es-MX"/>
           </a:p>
@@ -1888,7 +1893,7 @@
           <a:p>
             <a:fld id="{33222564-675F-4C0A-80BE-E9BC60876D09}" type="datetimeFigureOut">
               <a:rPr lang="es-MX" smtClean="0"/>
-              <a:t>20/05/2015</a:t>
+              <a:t>21/05/2015</a:t>
             </a:fld>
             <a:endParaRPr lang="es-MX"/>
           </a:p>
@@ -1983,7 +1988,7 @@
           <a:p>
             <a:fld id="{33222564-675F-4C0A-80BE-E9BC60876D09}" type="datetimeFigureOut">
               <a:rPr lang="es-MX" smtClean="0"/>
-              <a:t>20/05/2015</a:t>
+              <a:t>21/05/2015</a:t>
             </a:fld>
             <a:endParaRPr lang="es-MX"/>
           </a:p>
@@ -2260,7 +2265,7 @@
           <a:p>
             <a:fld id="{33222564-675F-4C0A-80BE-E9BC60876D09}" type="datetimeFigureOut">
               <a:rPr lang="es-MX" smtClean="0"/>
-              <a:t>20/05/2015</a:t>
+              <a:t>21/05/2015</a:t>
             </a:fld>
             <a:endParaRPr lang="es-MX"/>
           </a:p>
@@ -2513,7 +2518,7 @@
           <a:p>
             <a:fld id="{33222564-675F-4C0A-80BE-E9BC60876D09}" type="datetimeFigureOut">
               <a:rPr lang="es-MX" smtClean="0"/>
-              <a:t>20/05/2015</a:t>
+              <a:t>21/05/2015</a:t>
             </a:fld>
             <a:endParaRPr lang="es-MX"/>
           </a:p>
@@ -2726,7 +2731,7 @@
           <a:p>
             <a:fld id="{33222564-675F-4C0A-80BE-E9BC60876D09}" type="datetimeFigureOut">
               <a:rPr lang="es-MX" smtClean="0"/>
-              <a:t>20/05/2015</a:t>
+              <a:t>21/05/2015</a:t>
             </a:fld>
             <a:endParaRPr lang="es-MX"/>
           </a:p>
@@ -3231,6 +3236,460 @@
 </p:sld>
 </file>
 
+<file path=ppt/slides/slide10.xml><?xml version="1.0" encoding="utf-8"?>
+<p:sld xmlns:a="http://schemas.openxmlformats.org/drawingml/2006/main" xmlns:r="http://schemas.openxmlformats.org/officeDocument/2006/relationships" xmlns:p="http://schemas.openxmlformats.org/presentationml/2006/main">
+  <p:cSld>
+    <p:spTree>
+      <p:nvGrpSpPr>
+        <p:cNvPr id="1" name=""/>
+        <p:cNvGrpSpPr/>
+        <p:nvPr/>
+      </p:nvGrpSpPr>
+      <p:grpSpPr>
+        <a:xfrm>
+          <a:off x="0" y="0"/>
+          <a:ext cx="0" cy="0"/>
+          <a:chOff x="0" y="0"/>
+          <a:chExt cx="0" cy="0"/>
+        </a:xfrm>
+      </p:grpSpPr>
+      <p:sp>
+        <p:nvSpPr>
+          <p:cNvPr id="2" name="1 Título"/>
+          <p:cNvSpPr>
+            <a:spLocks noGrp="1"/>
+          </p:cNvSpPr>
+          <p:nvPr>
+            <p:ph type="title"/>
+          </p:nvPr>
+        </p:nvSpPr>
+        <p:spPr/>
+        <p:txBody>
+          <a:bodyPr>
+            <a:normAutofit fontScale="90000"/>
+          </a:bodyPr>
+          <a:lstStyle/>
+          <a:p>
+            <a:r>
+              <a:rPr lang="es-MX" b="1" dirty="0"/>
+              <a:t>Reportes de desempeño</a:t>
+            </a:r>
+            <a:r>
+              <a:rPr lang="es-MX" dirty="0"/>
+              <a:t/>
+            </a:r>
+            <a:br>
+              <a:rPr lang="es-MX" dirty="0"/>
+            </a:br>
+            <a:endParaRPr lang="es-MX" dirty="0"/>
+          </a:p>
+        </p:txBody>
+      </p:sp>
+      <p:sp>
+        <p:nvSpPr>
+          <p:cNvPr id="3" name="2 Marcador de contenido"/>
+          <p:cNvSpPr>
+            <a:spLocks noGrp="1"/>
+          </p:cNvSpPr>
+          <p:nvPr>
+            <p:ph idx="1"/>
+          </p:nvPr>
+        </p:nvSpPr>
+        <p:spPr/>
+        <p:txBody>
+          <a:bodyPr/>
+          <a:lstStyle/>
+          <a:p>
+            <a:pPr marL="0" indent="0">
+              <a:buNone/>
+            </a:pPr>
+            <a:r>
+              <a:rPr lang="es-MX" sz="2600" dirty="0">
+                <a:latin typeface="Andalus" pitchFamily="18" charset="-78"/>
+                <a:cs typeface="Andalus" pitchFamily="18" charset="-78"/>
+              </a:rPr>
+              <a:t>Herramientas muy importantes para evaluar:</a:t>
+            </a:r>
+          </a:p>
+          <a:p>
+            <a:pPr marL="400050" lvl="1" indent="0">
+              <a:buNone/>
+            </a:pPr>
+            <a:r>
+              <a:rPr lang="es-MX" sz="2200" dirty="0" smtClean="0">
+                <a:latin typeface="Andalus" pitchFamily="18" charset="-78"/>
+                <a:cs typeface="Andalus" pitchFamily="18" charset="-78"/>
+              </a:rPr>
+              <a:t>Productividad </a:t>
+            </a:r>
+            <a:r>
+              <a:rPr lang="es-MX" sz="2200" dirty="0">
+                <a:latin typeface="Andalus" pitchFamily="18" charset="-78"/>
+                <a:cs typeface="Andalus" pitchFamily="18" charset="-78"/>
+              </a:rPr>
+              <a:t>y calidad de los proyectos</a:t>
+            </a:r>
+          </a:p>
+          <a:p>
+            <a:pPr marL="400050" lvl="1" indent="0">
+              <a:buNone/>
+            </a:pPr>
+            <a:r>
+              <a:rPr lang="es-MX" sz="2200" dirty="0" smtClean="0">
+                <a:latin typeface="Andalus" pitchFamily="18" charset="-78"/>
+                <a:cs typeface="Andalus" pitchFamily="18" charset="-78"/>
+              </a:rPr>
+              <a:t>Resultados</a:t>
+            </a:r>
+            <a:endParaRPr lang="es-MX" sz="2200" dirty="0">
+              <a:latin typeface="Andalus" pitchFamily="18" charset="-78"/>
+              <a:cs typeface="Andalus" pitchFamily="18" charset="-78"/>
+            </a:endParaRPr>
+          </a:p>
+          <a:p>
+            <a:pPr marL="400050" lvl="1" indent="0">
+              <a:buNone/>
+            </a:pPr>
+            <a:r>
+              <a:rPr lang="es-MX" sz="2200" dirty="0" smtClean="0">
+                <a:latin typeface="Andalus" pitchFamily="18" charset="-78"/>
+                <a:cs typeface="Andalus" pitchFamily="18" charset="-78"/>
+              </a:rPr>
+              <a:t>Avances </a:t>
+            </a:r>
+            <a:r>
+              <a:rPr lang="es-MX" sz="2200" dirty="0">
+                <a:latin typeface="Andalus" pitchFamily="18" charset="-78"/>
+                <a:cs typeface="Andalus" pitchFamily="18" charset="-78"/>
+              </a:rPr>
+              <a:t>de los proyectos</a:t>
+            </a:r>
+          </a:p>
+          <a:p>
+            <a:pPr marL="400050" lvl="1" indent="0">
+              <a:buNone/>
+            </a:pPr>
+            <a:r>
+              <a:rPr lang="es-MX" sz="2200" dirty="0" smtClean="0">
+                <a:latin typeface="Andalus" pitchFamily="18" charset="-78"/>
+                <a:cs typeface="Andalus" pitchFamily="18" charset="-78"/>
+              </a:rPr>
+              <a:t>Áreas </a:t>
+            </a:r>
+            <a:r>
+              <a:rPr lang="es-MX" sz="2200" dirty="0">
+                <a:latin typeface="Andalus" pitchFamily="18" charset="-78"/>
+                <a:cs typeface="Andalus" pitchFamily="18" charset="-78"/>
+              </a:rPr>
+              <a:t>susceptibles de control y seguimiento individual y de grupo.</a:t>
+            </a:r>
+          </a:p>
+          <a:p>
+            <a:pPr marL="0" indent="0">
+              <a:buNone/>
+            </a:pPr>
+            <a:endParaRPr lang="es-MX" dirty="0"/>
+          </a:p>
+        </p:txBody>
+      </p:sp>
+    </p:spTree>
+    <p:extLst>
+      <p:ext uri="{BB962C8B-B14F-4D97-AF65-F5344CB8AC3E}">
+        <p14:creationId xmlns:p14="http://schemas.microsoft.com/office/powerpoint/2010/main" val="1327424263"/>
+      </p:ext>
+    </p:extLst>
+  </p:cSld>
+  <p:clrMapOvr>
+    <a:masterClrMapping/>
+  </p:clrMapOvr>
+</p:sld>
+</file>
+
+<file path=ppt/slides/slide11.xml><?xml version="1.0" encoding="utf-8"?>
+<p:sld xmlns:a="http://schemas.openxmlformats.org/drawingml/2006/main" xmlns:r="http://schemas.openxmlformats.org/officeDocument/2006/relationships" xmlns:p="http://schemas.openxmlformats.org/presentationml/2006/main">
+  <p:cSld>
+    <p:spTree>
+      <p:nvGrpSpPr>
+        <p:cNvPr id="1" name=""/>
+        <p:cNvGrpSpPr/>
+        <p:nvPr/>
+      </p:nvGrpSpPr>
+      <p:grpSpPr>
+        <a:xfrm>
+          <a:off x="0" y="0"/>
+          <a:ext cx="0" cy="0"/>
+          <a:chOff x="0" y="0"/>
+          <a:chExt cx="0" cy="0"/>
+        </a:xfrm>
+      </p:grpSpPr>
+      <p:sp>
+        <p:nvSpPr>
+          <p:cNvPr id="2" name="1 Título"/>
+          <p:cNvSpPr>
+            <a:spLocks noGrp="1"/>
+          </p:cNvSpPr>
+          <p:nvPr>
+            <p:ph type="title"/>
+          </p:nvPr>
+        </p:nvSpPr>
+        <p:spPr/>
+        <p:txBody>
+          <a:bodyPr>
+            <a:normAutofit/>
+          </a:bodyPr>
+          <a:lstStyle/>
+          <a:p>
+            <a:r>
+              <a:rPr lang="es-MX" sz="3200" dirty="0">
+                <a:latin typeface="Andalus" pitchFamily="18" charset="-78"/>
+                <a:ea typeface="+mn-ea"/>
+                <a:cs typeface="Andalus" pitchFamily="18" charset="-78"/>
+              </a:rPr>
+              <a:t>Hacia una auditoria en informática eficiente</a:t>
+            </a:r>
+            <a:endParaRPr lang="es-MX" sz="3200" dirty="0">
+              <a:latin typeface="Andalus" pitchFamily="18" charset="-78"/>
+              <a:ea typeface="+mn-ea"/>
+              <a:cs typeface="Andalus" pitchFamily="18" charset="-78"/>
+            </a:endParaRPr>
+          </a:p>
+        </p:txBody>
+      </p:sp>
+      <p:sp>
+        <p:nvSpPr>
+          <p:cNvPr id="3" name="2 Marcador de contenido"/>
+          <p:cNvSpPr>
+            <a:spLocks noGrp="1"/>
+          </p:cNvSpPr>
+          <p:nvPr>
+            <p:ph idx="1"/>
+          </p:nvPr>
+        </p:nvSpPr>
+        <p:spPr/>
+        <p:txBody>
+          <a:bodyPr>
+            <a:normAutofit/>
+          </a:bodyPr>
+          <a:lstStyle/>
+          <a:p>
+            <a:pPr marL="0" indent="0">
+              <a:buNone/>
+            </a:pPr>
+            <a:r>
+              <a:rPr lang="es-MX" sz="2600" dirty="0" smtClean="0">
+                <a:latin typeface="Andalus" pitchFamily="18" charset="-78"/>
+                <a:cs typeface="Andalus" pitchFamily="18" charset="-78"/>
+              </a:rPr>
+              <a:t>Clave</a:t>
+            </a:r>
+            <a:r>
+              <a:rPr lang="es-MX" sz="2600" dirty="0">
+                <a:latin typeface="Andalus" pitchFamily="18" charset="-78"/>
+                <a:cs typeface="Andalus" pitchFamily="18" charset="-78"/>
+              </a:rPr>
+              <a:t>:</a:t>
+            </a:r>
+          </a:p>
+          <a:p>
+            <a:pPr marL="400050" lvl="1" indent="0">
+              <a:buNone/>
+            </a:pPr>
+            <a:r>
+              <a:rPr lang="es-MX" sz="2200" dirty="0">
+                <a:latin typeface="Andalus" pitchFamily="18" charset="-78"/>
+                <a:cs typeface="Andalus" pitchFamily="18" charset="-78"/>
+              </a:rPr>
+              <a:t>Conocimiento, habilidades y capacidades profesionales y personales del auditor </a:t>
+            </a:r>
+            <a:r>
+              <a:rPr lang="es-MX" sz="2200" dirty="0" smtClean="0">
+                <a:latin typeface="Andalus" pitchFamily="18" charset="-78"/>
+                <a:cs typeface="Andalus" pitchFamily="18" charset="-78"/>
+              </a:rPr>
+              <a:t>informático.</a:t>
+            </a:r>
+            <a:endParaRPr lang="es-MX" sz="2200" dirty="0">
+              <a:latin typeface="Andalus" pitchFamily="18" charset="-78"/>
+              <a:cs typeface="Andalus" pitchFamily="18" charset="-78"/>
+            </a:endParaRPr>
+          </a:p>
+          <a:p>
+            <a:pPr marL="400050" lvl="1" indent="0">
+              <a:buNone/>
+            </a:pPr>
+            <a:r>
+              <a:rPr lang="es-MX" sz="2200" dirty="0" smtClean="0">
+                <a:latin typeface="Andalus" pitchFamily="18" charset="-78"/>
+                <a:cs typeface="Andalus" pitchFamily="18" charset="-78"/>
+              </a:rPr>
+              <a:t>Conocer </a:t>
+            </a:r>
+            <a:r>
+              <a:rPr lang="es-MX" sz="2200" dirty="0">
+                <a:latin typeface="Andalus" pitchFamily="18" charset="-78"/>
+                <a:cs typeface="Andalus" pitchFamily="18" charset="-78"/>
+              </a:rPr>
+              <a:t>teóricamente normas, políticas y estándares de auditoría/informática, no son garantía de seguridad y </a:t>
+            </a:r>
+            <a:r>
+              <a:rPr lang="es-MX" sz="2200" dirty="0" smtClean="0">
+                <a:latin typeface="Andalus" pitchFamily="18" charset="-78"/>
+                <a:cs typeface="Andalus" pitchFamily="18" charset="-78"/>
+              </a:rPr>
+              <a:t>confianza.</a:t>
+            </a:r>
+          </a:p>
+          <a:p>
+            <a:pPr marL="400050" lvl="1" indent="0">
+              <a:buNone/>
+            </a:pPr>
+            <a:r>
+              <a:rPr lang="es-MX" sz="2200" dirty="0" smtClean="0">
+                <a:latin typeface="Andalus" pitchFamily="18" charset="-78"/>
+                <a:cs typeface="Andalus" pitchFamily="18" charset="-78"/>
+              </a:rPr>
+              <a:t>Experiencia</a:t>
+            </a:r>
+            <a:r>
+              <a:rPr lang="es-MX" sz="2200" dirty="0">
+                <a:latin typeface="Andalus" pitchFamily="18" charset="-78"/>
+                <a:cs typeface="Andalus" pitchFamily="18" charset="-78"/>
+              </a:rPr>
+              <a:t>: Práctica, Disciplina, Orden y Objetividad</a:t>
+            </a:r>
+          </a:p>
+          <a:p>
+            <a:pPr marL="400050" lvl="1" indent="0">
+              <a:buNone/>
+            </a:pPr>
+            <a:r>
+              <a:rPr lang="es-MX" sz="2200" dirty="0" smtClean="0">
+                <a:latin typeface="Andalus" pitchFamily="18" charset="-78"/>
+                <a:cs typeface="Andalus" pitchFamily="18" charset="-78"/>
+              </a:rPr>
+              <a:t>Facultades </a:t>
+            </a:r>
+            <a:r>
+              <a:rPr lang="es-MX" sz="2200" dirty="0">
+                <a:latin typeface="Andalus" pitchFamily="18" charset="-78"/>
+                <a:cs typeface="Andalus" pitchFamily="18" charset="-78"/>
+              </a:rPr>
+              <a:t>apropiadas de: análisis objetivo, habilidades de comunicación y modelación conceptual, observación y capacidad para tomar decisiones.</a:t>
+            </a:r>
+          </a:p>
+          <a:p>
+            <a:pPr marL="400050" lvl="1" indent="0">
+              <a:buNone/>
+            </a:pPr>
+            <a:endParaRPr lang="es-MX" sz="2200" dirty="0">
+              <a:latin typeface="Andalus" pitchFamily="18" charset="-78"/>
+              <a:cs typeface="Andalus" pitchFamily="18" charset="-78"/>
+            </a:endParaRPr>
+          </a:p>
+          <a:p>
+            <a:pPr marL="400050" lvl="1" indent="0">
+              <a:buNone/>
+            </a:pPr>
+            <a:endParaRPr lang="es-MX" sz="2200" dirty="0" smtClean="0">
+              <a:latin typeface="Andalus" pitchFamily="18" charset="-78"/>
+              <a:cs typeface="Andalus" pitchFamily="18" charset="-78"/>
+            </a:endParaRPr>
+          </a:p>
+        </p:txBody>
+      </p:sp>
+    </p:spTree>
+    <p:extLst>
+      <p:ext uri="{BB962C8B-B14F-4D97-AF65-F5344CB8AC3E}">
+        <p14:creationId xmlns:p14="http://schemas.microsoft.com/office/powerpoint/2010/main" val="228360835"/>
+      </p:ext>
+    </p:extLst>
+  </p:cSld>
+  <p:clrMapOvr>
+    <a:masterClrMapping/>
+  </p:clrMapOvr>
+</p:sld>
+</file>
+
+<file path=ppt/slides/slide12.xml><?xml version="1.0" encoding="utf-8"?>
+<p:sld xmlns:a="http://schemas.openxmlformats.org/drawingml/2006/main" xmlns:r="http://schemas.openxmlformats.org/officeDocument/2006/relationships" xmlns:p="http://schemas.openxmlformats.org/presentationml/2006/main">
+  <p:cSld>
+    <p:spTree>
+      <p:nvGrpSpPr>
+        <p:cNvPr id="1" name=""/>
+        <p:cNvGrpSpPr/>
+        <p:nvPr/>
+      </p:nvGrpSpPr>
+      <p:grpSpPr>
+        <a:xfrm>
+          <a:off x="0" y="0"/>
+          <a:ext cx="0" cy="0"/>
+          <a:chOff x="0" y="0"/>
+          <a:chExt cx="0" cy="0"/>
+        </a:xfrm>
+      </p:grpSpPr>
+      <p:sp>
+        <p:nvSpPr>
+          <p:cNvPr id="2" name="1 Título"/>
+          <p:cNvSpPr>
+            <a:spLocks noGrp="1"/>
+          </p:cNvSpPr>
+          <p:nvPr>
+            <p:ph type="title"/>
+          </p:nvPr>
+        </p:nvSpPr>
+        <p:spPr/>
+        <p:txBody>
+          <a:bodyPr/>
+          <a:lstStyle/>
+          <a:p>
+            <a:r>
+              <a:rPr lang="es-MX" sz="3200" dirty="0">
+                <a:latin typeface="Andalus" pitchFamily="18" charset="-78"/>
+                <a:ea typeface="+mn-ea"/>
+                <a:cs typeface="Andalus" pitchFamily="18" charset="-78"/>
+              </a:rPr>
+              <a:t>Comentarios</a:t>
+            </a:r>
+            <a:r>
+              <a:rPr lang="es-MX" dirty="0" smtClean="0"/>
+              <a:t> </a:t>
+            </a:r>
+            <a:endParaRPr lang="es-MX" dirty="0"/>
+          </a:p>
+        </p:txBody>
+      </p:sp>
+      <p:sp>
+        <p:nvSpPr>
+          <p:cNvPr id="3" name="2 Marcador de contenido"/>
+          <p:cNvSpPr>
+            <a:spLocks noGrp="1"/>
+          </p:cNvSpPr>
+          <p:nvPr>
+            <p:ph idx="1"/>
+          </p:nvPr>
+        </p:nvSpPr>
+        <p:spPr/>
+        <p:txBody>
+          <a:bodyPr/>
+          <a:lstStyle/>
+          <a:p>
+            <a:endParaRPr lang="es-MX"/>
+          </a:p>
+        </p:txBody>
+      </p:sp>
+    </p:spTree>
+    <p:extLst>
+      <p:ext uri="{BB962C8B-B14F-4D97-AF65-F5344CB8AC3E}">
+        <p14:creationId xmlns:p14="http://schemas.microsoft.com/office/powerpoint/2010/main" val="517169730"/>
+      </p:ext>
+    </p:extLst>
+  </p:cSld>
+  <p:clrMapOvr>
+    <a:masterClrMapping/>
+  </p:clrMapOvr>
+</p:sld>
+</file>
+
 <file path=ppt/slides/slide2.xml><?xml version="1.0" encoding="utf-8"?>
 <p:sld xmlns:a="http://schemas.openxmlformats.org/drawingml/2006/main" xmlns:r="http://schemas.openxmlformats.org/officeDocument/2006/relationships" xmlns:p="http://schemas.openxmlformats.org/presentationml/2006/main">
   <p:cSld>
@@ -4337,6 +4796,267 @@
     <p:extLst>
       <p:ext uri="{BB962C8B-B14F-4D97-AF65-F5344CB8AC3E}">
         <p14:creationId xmlns:p14="http://schemas.microsoft.com/office/powerpoint/2010/main" val="4030706357"/>
+      </p:ext>
+    </p:extLst>
+  </p:cSld>
+  <p:clrMapOvr>
+    <a:masterClrMapping/>
+  </p:clrMapOvr>
+</p:sld>
+</file>
+
+<file path=ppt/slides/slide8.xml><?xml version="1.0" encoding="utf-8"?>
+<p:sld xmlns:a="http://schemas.openxmlformats.org/drawingml/2006/main" xmlns:r="http://schemas.openxmlformats.org/officeDocument/2006/relationships" xmlns:p="http://schemas.openxmlformats.org/presentationml/2006/main">
+  <p:cSld>
+    <p:spTree>
+      <p:nvGrpSpPr>
+        <p:cNvPr id="1" name=""/>
+        <p:cNvGrpSpPr/>
+        <p:nvPr/>
+      </p:nvGrpSpPr>
+      <p:grpSpPr>
+        <a:xfrm>
+          <a:off x="0" y="0"/>
+          <a:ext cx="0" cy="0"/>
+          <a:chOff x="0" y="0"/>
+          <a:chExt cx="0" cy="0"/>
+        </a:xfrm>
+      </p:grpSpPr>
+      <p:sp>
+        <p:nvSpPr>
+          <p:cNvPr id="2" name="1 Título"/>
+          <p:cNvSpPr>
+            <a:spLocks noGrp="1"/>
+          </p:cNvSpPr>
+          <p:nvPr>
+            <p:ph type="title"/>
+          </p:nvPr>
+        </p:nvSpPr>
+        <p:spPr/>
+        <p:txBody>
+          <a:bodyPr>
+            <a:normAutofit/>
+          </a:bodyPr>
+          <a:lstStyle/>
+          <a:p>
+            <a:r>
+              <a:rPr lang="es-MX" dirty="0">
+                <a:latin typeface="Andalus" pitchFamily="18" charset="-78"/>
+                <a:ea typeface="+mn-ea"/>
+                <a:cs typeface="Andalus" pitchFamily="18" charset="-78"/>
+              </a:rPr>
+              <a:t>Personal</a:t>
+            </a:r>
+          </a:p>
+        </p:txBody>
+      </p:sp>
+      <p:sp>
+        <p:nvSpPr>
+          <p:cNvPr id="3" name="2 Marcador de contenido"/>
+          <p:cNvSpPr>
+            <a:spLocks noGrp="1"/>
+          </p:cNvSpPr>
+          <p:nvPr>
+            <p:ph idx="1"/>
+          </p:nvPr>
+        </p:nvSpPr>
+        <p:spPr/>
+        <p:txBody>
+          <a:bodyPr/>
+          <a:lstStyle/>
+          <a:p>
+            <a:pPr marL="0" indent="0">
+              <a:buNone/>
+            </a:pPr>
+            <a:r>
+              <a:rPr lang="es-MX" sz="2600" dirty="0">
+                <a:latin typeface="Andalus" pitchFamily="18" charset="-78"/>
+                <a:cs typeface="Andalus" pitchFamily="18" charset="-78"/>
+              </a:rPr>
+              <a:t>1.Políticas de selección y reclutamiento</a:t>
+            </a:r>
+          </a:p>
+          <a:p>
+            <a:pPr marL="0" indent="0">
+              <a:buNone/>
+            </a:pPr>
+            <a:r>
+              <a:rPr lang="es-MX" sz="2600" dirty="0">
+                <a:latin typeface="Andalus" pitchFamily="18" charset="-78"/>
+                <a:cs typeface="Andalus" pitchFamily="18" charset="-78"/>
+              </a:rPr>
+              <a:t>2.Preparación suficiente y confiable Informática/Auditoría</a:t>
+            </a:r>
+          </a:p>
+          <a:p>
+            <a:pPr marL="0" indent="0">
+              <a:buNone/>
+            </a:pPr>
+            <a:r>
+              <a:rPr lang="es-MX" sz="2600" dirty="0">
+                <a:latin typeface="Andalus" pitchFamily="18" charset="-78"/>
+                <a:cs typeface="Andalus" pitchFamily="18" charset="-78"/>
+              </a:rPr>
+              <a:t>3.Personal con experiencia, educación, adaptabilidad, entendimiento, determinación y diligencia.</a:t>
+            </a:r>
+          </a:p>
+          <a:p>
+            <a:pPr marL="0" indent="0">
+              <a:buNone/>
+            </a:pPr>
+            <a:r>
+              <a:rPr lang="es-MX" sz="2600" dirty="0">
+                <a:latin typeface="Andalus" pitchFamily="18" charset="-78"/>
+                <a:cs typeface="Andalus" pitchFamily="18" charset="-78"/>
+              </a:rPr>
+              <a:t>4.Establecer el número de auditores y horas de auditoría</a:t>
+            </a:r>
+          </a:p>
+          <a:p>
+            <a:endParaRPr lang="es-MX" dirty="0"/>
+          </a:p>
+        </p:txBody>
+      </p:sp>
+    </p:spTree>
+    <p:extLst>
+      <p:ext uri="{BB962C8B-B14F-4D97-AF65-F5344CB8AC3E}">
+        <p14:creationId xmlns:p14="http://schemas.microsoft.com/office/powerpoint/2010/main" val="420032643"/>
+      </p:ext>
+    </p:extLst>
+  </p:cSld>
+  <p:clrMapOvr>
+    <a:masterClrMapping/>
+  </p:clrMapOvr>
+</p:sld>
+</file>
+
+<file path=ppt/slides/slide9.xml><?xml version="1.0" encoding="utf-8"?>
+<p:sld xmlns:a="http://schemas.openxmlformats.org/drawingml/2006/main" xmlns:r="http://schemas.openxmlformats.org/officeDocument/2006/relationships" xmlns:p="http://schemas.openxmlformats.org/presentationml/2006/main">
+  <p:cSld>
+    <p:spTree>
+      <p:nvGrpSpPr>
+        <p:cNvPr id="1" name=""/>
+        <p:cNvGrpSpPr/>
+        <p:nvPr/>
+      </p:nvGrpSpPr>
+      <p:grpSpPr>
+        <a:xfrm>
+          <a:off x="0" y="0"/>
+          <a:ext cx="0" cy="0"/>
+          <a:chOff x="0" y="0"/>
+          <a:chExt cx="0" cy="0"/>
+        </a:xfrm>
+      </p:grpSpPr>
+      <p:sp>
+        <p:nvSpPr>
+          <p:cNvPr id="2" name="1 Título"/>
+          <p:cNvSpPr>
+            <a:spLocks noGrp="1"/>
+          </p:cNvSpPr>
+          <p:nvPr>
+            <p:ph type="title"/>
+          </p:nvPr>
+        </p:nvSpPr>
+        <p:spPr/>
+        <p:txBody>
+          <a:bodyPr>
+            <a:normAutofit fontScale="90000"/>
+          </a:bodyPr>
+          <a:lstStyle/>
+          <a:p>
+            <a:r>
+              <a:rPr lang="es-MX" sz="5300" dirty="0">
+                <a:latin typeface="Andalus" pitchFamily="18" charset="-78"/>
+                <a:ea typeface="+mn-ea"/>
+                <a:cs typeface="Andalus" pitchFamily="18" charset="-78"/>
+              </a:rPr>
+              <a:t>Control</a:t>
+            </a:r>
+            <a:r>
+              <a:rPr lang="es-MX" dirty="0"/>
+              <a:t/>
+            </a:r>
+            <a:br>
+              <a:rPr lang="es-MX" dirty="0"/>
+            </a:br>
+            <a:endParaRPr lang="es-MX" dirty="0"/>
+          </a:p>
+        </p:txBody>
+      </p:sp>
+      <p:sp>
+        <p:nvSpPr>
+          <p:cNvPr id="3" name="2 Marcador de contenido"/>
+          <p:cNvSpPr>
+            <a:spLocks noGrp="1"/>
+          </p:cNvSpPr>
+          <p:nvPr>
+            <p:ph idx="1"/>
+          </p:nvPr>
+        </p:nvSpPr>
+        <p:spPr/>
+        <p:txBody>
+          <a:bodyPr/>
+          <a:lstStyle/>
+          <a:p>
+            <a:pPr marL="0" indent="0">
+              <a:buNone/>
+            </a:pPr>
+            <a:r>
+              <a:rPr lang="es-MX" sz="2600" dirty="0">
+                <a:latin typeface="Andalus" pitchFamily="18" charset="-78"/>
+                <a:cs typeface="Andalus" pitchFamily="18" charset="-78"/>
+              </a:rPr>
+              <a:t>1.Supervisión oportuna garantiza un producto consistente</a:t>
+            </a:r>
+          </a:p>
+          <a:p>
+            <a:pPr marL="0" indent="0">
+              <a:buNone/>
+            </a:pPr>
+            <a:r>
+              <a:rPr lang="es-MX" sz="2600" dirty="0">
+                <a:latin typeface="Andalus" pitchFamily="18" charset="-78"/>
+                <a:cs typeface="Andalus" pitchFamily="18" charset="-78"/>
+              </a:rPr>
+              <a:t>2.Ayuda en el desarrollo y control de los presupuestos</a:t>
+            </a:r>
+          </a:p>
+          <a:p>
+            <a:pPr marL="0" indent="0">
+              <a:buNone/>
+            </a:pPr>
+            <a:r>
+              <a:rPr lang="es-MX" sz="2600" dirty="0">
+                <a:latin typeface="Andalus" pitchFamily="18" charset="-78"/>
+                <a:cs typeface="Andalus" pitchFamily="18" charset="-78"/>
+              </a:rPr>
+              <a:t>3.Es un proceso continuo, desde la planeación hasta el informe final</a:t>
+            </a:r>
+          </a:p>
+          <a:p>
+            <a:pPr marL="0" indent="0">
+              <a:buNone/>
+            </a:pPr>
+            <a:r>
+              <a:rPr lang="es-MX" sz="2600" dirty="0">
+                <a:latin typeface="Andalus" pitchFamily="18" charset="-78"/>
+                <a:cs typeface="Andalus" pitchFamily="18" charset="-78"/>
+              </a:rPr>
+              <a:t>4.Verificación con los estándares y procedimientos.</a:t>
+            </a:r>
+          </a:p>
+          <a:p>
+            <a:pPr marL="0" indent="0">
+              <a:buNone/>
+            </a:pPr>
+            <a:endParaRPr lang="es-MX" dirty="0"/>
+          </a:p>
+        </p:txBody>
+      </p:sp>
+    </p:spTree>
+    <p:extLst>
+      <p:ext uri="{BB962C8B-B14F-4D97-AF65-F5344CB8AC3E}">
+        <p14:creationId xmlns:p14="http://schemas.microsoft.com/office/powerpoint/2010/main" val="773407461"/>
       </p:ext>
     </p:extLst>
   </p:cSld>

--- a/unidad III (organizacion).pptx
+++ b/unidad III (organizacion).pptx
@@ -3447,11 +3447,6 @@
               </a:rPr>
               <a:t>Hacia una auditoria en informática eficiente</a:t>
             </a:r>
-            <a:endParaRPr lang="es-MX" sz="3200" dirty="0">
-              <a:latin typeface="Andalus" pitchFamily="18" charset="-78"/>
-              <a:ea typeface="+mn-ea"/>
-              <a:cs typeface="Andalus" pitchFamily="18" charset="-78"/>
-            </a:endParaRPr>
           </a:p>
         </p:txBody>
       </p:sp>
@@ -3673,7 +3668,34 @@
           <a:bodyPr/>
           <a:lstStyle/>
           <a:p>
-            <a:endParaRPr lang="es-MX"/>
+            <a:r>
+              <a:rPr lang="es-MX" dirty="0" err="1" smtClean="0">
+                <a:solidFill>
+                  <a:srgbClr val="FF0000"/>
+                </a:solidFill>
+              </a:rPr>
+              <a:t>Hector</a:t>
+            </a:r>
+            <a:r>
+              <a:rPr lang="es-MX" dirty="0" smtClean="0">
+                <a:solidFill>
+                  <a:srgbClr val="FF0000"/>
+                </a:solidFill>
+              </a:rPr>
+              <a:t>: </a:t>
+            </a:r>
+            <a:r>
+              <a:rPr lang="es-MX" dirty="0" smtClean="0"/>
+              <a:t>esta bien la información, un poco mas de color en </a:t>
+            </a:r>
+            <a:r>
+              <a:rPr lang="es-MX" smtClean="0"/>
+              <a:t>las diapositivas.</a:t>
+            </a:r>
+            <a:endParaRPr lang="es-MX" dirty="0"/>
+          </a:p>
+          <a:p>
+            <a:endParaRPr lang="es-MX" dirty="0"/>
           </a:p>
         </p:txBody>
       </p:sp>

--- a/unidad III (organizacion).pptx
+++ b/unidad III (organizacion).pptx
@@ -3686,11 +3686,37 @@
             </a:r>
             <a:r>
               <a:rPr lang="es-MX" dirty="0" smtClean="0"/>
-              <a:t>esta bien la información, un poco mas de color en </a:t>
-            </a:r>
-            <a:r>
-              <a:rPr lang="es-MX" smtClean="0"/>
-              <a:t>las diapositivas.</a:t>
+              <a:t>esta bien la información, un poco mas de color en las diapositivas</a:t>
+            </a:r>
+            <a:r>
+              <a:rPr lang="es-MX" dirty="0" smtClean="0"/>
+              <a:t>.</a:t>
+            </a:r>
+          </a:p>
+          <a:p>
+            <a:r>
+              <a:rPr lang="es-MX" dirty="0">
+                <a:solidFill>
+                  <a:srgbClr val="FF0000"/>
+                </a:solidFill>
+              </a:rPr>
+              <a:t>Jesús Antonio ramos sauceda: </a:t>
+            </a:r>
+            <a:r>
+              <a:rPr lang="es-MX" dirty="0"/>
+              <a:t>muy completa la </a:t>
+            </a:r>
+            <a:r>
+              <a:rPr lang="es-MX" dirty="0" smtClean="0"/>
+              <a:t>información pero le falta </a:t>
+            </a:r>
+            <a:r>
+              <a:rPr lang="es-MX" dirty="0" err="1" smtClean="0"/>
+              <a:t>estilacho</a:t>
+            </a:r>
+            <a:r>
+              <a:rPr lang="es-MX"/>
+              <a:t>.</a:t>
             </a:r>
             <a:endParaRPr lang="es-MX" dirty="0"/>
           </a:p>

--- a/unidad III (organizacion).pptx
+++ b/unidad III (organizacion).pptx
@@ -299,7 +299,7 @@
           <a:p>
             <a:fld id="{33222564-675F-4C0A-80BE-E9BC60876D09}" type="datetimeFigureOut">
               <a:rPr lang="es-MX" smtClean="0"/>
-              <a:t>21/05/2015</a:t>
+              <a:t>23/05/2015</a:t>
             </a:fld>
             <a:endParaRPr lang="es-MX"/>
           </a:p>
@@ -469,7 +469,7 @@
           <a:p>
             <a:fld id="{33222564-675F-4C0A-80BE-E9BC60876D09}" type="datetimeFigureOut">
               <a:rPr lang="es-MX" smtClean="0"/>
-              <a:t>21/05/2015</a:t>
+              <a:t>23/05/2015</a:t>
             </a:fld>
             <a:endParaRPr lang="es-MX"/>
           </a:p>
@@ -649,7 +649,7 @@
           <a:p>
             <a:fld id="{33222564-675F-4C0A-80BE-E9BC60876D09}" type="datetimeFigureOut">
               <a:rPr lang="es-MX" smtClean="0"/>
-              <a:t>21/05/2015</a:t>
+              <a:t>23/05/2015</a:t>
             </a:fld>
             <a:endParaRPr lang="es-MX"/>
           </a:p>
@@ -819,7 +819,7 @@
           <a:p>
             <a:fld id="{33222564-675F-4C0A-80BE-E9BC60876D09}" type="datetimeFigureOut">
               <a:rPr lang="es-MX" smtClean="0"/>
-              <a:t>21/05/2015</a:t>
+              <a:t>23/05/2015</a:t>
             </a:fld>
             <a:endParaRPr lang="es-MX"/>
           </a:p>
@@ -1065,7 +1065,7 @@
           <a:p>
             <a:fld id="{33222564-675F-4C0A-80BE-E9BC60876D09}" type="datetimeFigureOut">
               <a:rPr lang="es-MX" smtClean="0"/>
-              <a:t>21/05/2015</a:t>
+              <a:t>23/05/2015</a:t>
             </a:fld>
             <a:endParaRPr lang="es-MX"/>
           </a:p>
@@ -1353,7 +1353,7 @@
           <a:p>
             <a:fld id="{33222564-675F-4C0A-80BE-E9BC60876D09}" type="datetimeFigureOut">
               <a:rPr lang="es-MX" smtClean="0"/>
-              <a:t>21/05/2015</a:t>
+              <a:t>23/05/2015</a:t>
             </a:fld>
             <a:endParaRPr lang="es-MX"/>
           </a:p>
@@ -1775,7 +1775,7 @@
           <a:p>
             <a:fld id="{33222564-675F-4C0A-80BE-E9BC60876D09}" type="datetimeFigureOut">
               <a:rPr lang="es-MX" smtClean="0"/>
-              <a:t>21/05/2015</a:t>
+              <a:t>23/05/2015</a:t>
             </a:fld>
             <a:endParaRPr lang="es-MX"/>
           </a:p>
@@ -1893,7 +1893,7 @@
           <a:p>
             <a:fld id="{33222564-675F-4C0A-80BE-E9BC60876D09}" type="datetimeFigureOut">
               <a:rPr lang="es-MX" smtClean="0"/>
-              <a:t>21/05/2015</a:t>
+              <a:t>23/05/2015</a:t>
             </a:fld>
             <a:endParaRPr lang="es-MX"/>
           </a:p>
@@ -1988,7 +1988,7 @@
           <a:p>
             <a:fld id="{33222564-675F-4C0A-80BE-E9BC60876D09}" type="datetimeFigureOut">
               <a:rPr lang="es-MX" smtClean="0"/>
-              <a:t>21/05/2015</a:t>
+              <a:t>23/05/2015</a:t>
             </a:fld>
             <a:endParaRPr lang="es-MX"/>
           </a:p>
@@ -2265,7 +2265,7 @@
           <a:p>
             <a:fld id="{33222564-675F-4C0A-80BE-E9BC60876D09}" type="datetimeFigureOut">
               <a:rPr lang="es-MX" smtClean="0"/>
-              <a:t>21/05/2015</a:t>
+              <a:t>23/05/2015</a:t>
             </a:fld>
             <a:endParaRPr lang="es-MX"/>
           </a:p>
@@ -2518,7 +2518,7 @@
           <a:p>
             <a:fld id="{33222564-675F-4C0A-80BE-E9BC60876D09}" type="datetimeFigureOut">
               <a:rPr lang="es-MX" smtClean="0"/>
-              <a:t>21/05/2015</a:t>
+              <a:t>23/05/2015</a:t>
             </a:fld>
             <a:endParaRPr lang="es-MX"/>
           </a:p>
@@ -2731,7 +2731,7 @@
           <a:p>
             <a:fld id="{33222564-675F-4C0A-80BE-E9BC60876D09}" type="datetimeFigureOut">
               <a:rPr lang="es-MX" smtClean="0"/>
-              <a:t>21/05/2015</a:t>
+              <a:t>23/05/2015</a:t>
             </a:fld>
             <a:endParaRPr lang="es-MX"/>
           </a:p>
@@ -3686,11 +3686,7 @@
             </a:r>
             <a:r>
               <a:rPr lang="es-MX" dirty="0" smtClean="0"/>
-              <a:t>esta bien la información, un poco mas de color en las diapositivas</a:t>
-            </a:r>
-            <a:r>
-              <a:rPr lang="es-MX" dirty="0" smtClean="0"/>
-              <a:t>.</a:t>
+              <a:t>esta bien la información, un poco mas de color en las diapositivas.</a:t>
             </a:r>
           </a:p>
           <a:p>
@@ -3715,8 +3711,26 @@
               <a:t>estilacho</a:t>
             </a:r>
             <a:r>
-              <a:rPr lang="es-MX"/>
+              <a:rPr lang="es-MX" dirty="0"/>
               <a:t>.</a:t>
+            </a:r>
+          </a:p>
+          <a:p>
+            <a:r>
+              <a:rPr lang="es-MX" dirty="0" smtClean="0">
+                <a:solidFill>
+                  <a:srgbClr val="FF0000"/>
+                </a:solidFill>
+              </a:rPr>
+              <a:t>Oscar: </a:t>
+            </a:r>
+            <a:r>
+              <a:rPr lang="es-MX" dirty="0" smtClean="0"/>
+              <a:t>Muy bien compadre. Sin embargo le falta algo de diseño y figuras. </a:t>
+            </a:r>
+            <a:r>
+              <a:rPr lang="es-MX" smtClean="0"/>
+              <a:t>Saludos.</a:t>
             </a:r>
             <a:endParaRPr lang="es-MX" dirty="0"/>
           </a:p>

--- a/unidad III (organizacion).pptx
+++ b/unidad III (organizacion).pptx
@@ -2,7 +2,7 @@
 <file path=ppt/presentation.xml><?xml version="1.0" encoding="utf-8"?>
 <p:presentation xmlns:a="http://schemas.openxmlformats.org/drawingml/2006/main" xmlns:r="http://schemas.openxmlformats.org/officeDocument/2006/relationships" xmlns:p="http://schemas.openxmlformats.org/presentationml/2006/main" saveSubsetFonts="1">
   <p:sldMasterIdLst>
-    <p:sldMasterId id="2147483648" r:id="rId1"/>
+    <p:sldMasterId id="2147483660" r:id="rId1"/>
   </p:sldMasterIdLst>
   <p:sldIdLst>
     <p:sldId id="256" r:id="rId2"/>
@@ -119,8 +119,13 @@
 </file>
 
 <file path=ppt/slideLayouts/slideLayout1.xml><?xml version="1.0" encoding="utf-8"?>
-<p:sldLayout xmlns:a="http://schemas.openxmlformats.org/drawingml/2006/main" xmlns:r="http://schemas.openxmlformats.org/officeDocument/2006/relationships" xmlns:p="http://schemas.openxmlformats.org/presentationml/2006/main" type="title" preserve="1">
+<p:sldLayout xmlns:a="http://schemas.openxmlformats.org/drawingml/2006/main" xmlns:r="http://schemas.openxmlformats.org/officeDocument/2006/relationships" xmlns:p="http://schemas.openxmlformats.org/presentationml/2006/main" showMasterSp="0" type="title" preserve="1">
   <p:cSld name="Diapositiva de título">
+    <p:bg>
+      <p:bgRef idx="1003">
+        <a:schemeClr val="bg2"/>
+      </p:bgRef>
+    </p:bg>
     <p:spTree>
       <p:nvGrpSpPr>
         <p:cNvPr id="1" name=""/>
@@ -135,37 +140,342 @@
           <a:chExt cx="0" cy="0"/>
         </a:xfrm>
       </p:grpSpPr>
-      <p:sp>
-        <p:nvSpPr>
-          <p:cNvPr id="2" name="1 Título"/>
-          <p:cNvSpPr>
-            <a:spLocks noGrp="1"/>
-          </p:cNvSpPr>
-          <p:nvPr>
-            <p:ph type="ctrTitle"/>
-          </p:nvPr>
-        </p:nvSpPr>
+      <p:pic>
+        <p:nvPicPr>
+          <p:cNvPr id="7" name="Picture 6" descr="CoverOverlay.png"/>
+          <p:cNvPicPr>
+            <a:picLocks noChangeAspect="1"/>
+          </p:cNvPicPr>
+          <p:nvPr/>
+        </p:nvPicPr>
+        <p:blipFill>
+          <a:blip r:embed="rId2" cstate="print"/>
+          <a:stretch>
+            <a:fillRect/>
+          </a:stretch>
+        </p:blipFill>
         <p:spPr>
           <a:xfrm>
-            <a:off x="685800" y="2130425"/>
-            <a:ext cx="7772400" cy="1470025"/>
+            <a:off x="0" y="0"/>
+            <a:ext cx="9144000" cy="6858000"/>
+          </a:xfrm>
+          <a:prstGeom prst="rect">
+            <a:avLst/>
+          </a:prstGeom>
+        </p:spPr>
+      </p:pic>
+      <p:sp>
+        <p:nvSpPr>
+          <p:cNvPr id="4" name="Date Placeholder 3"/>
+          <p:cNvSpPr>
+            <a:spLocks noGrp="1"/>
+          </p:cNvSpPr>
+          <p:nvPr>
+            <p:ph type="dt" sz="half" idx="10"/>
+          </p:nvPr>
+        </p:nvSpPr>
+        <p:spPr/>
+        <p:txBody>
+          <a:bodyPr/>
+          <a:lstStyle>
+            <a:lvl1pPr>
+              <a:defRPr>
+                <a:solidFill>
+                  <a:schemeClr val="tx2"/>
+                </a:solidFill>
+              </a:defRPr>
+            </a:lvl1pPr>
+          </a:lstStyle>
+          <a:p>
+            <a:fld id="{33222564-675F-4C0A-80BE-E9BC60876D09}" type="datetimeFigureOut">
+              <a:rPr lang="es-MX" smtClean="0"/>
+              <a:t>25/05/2015</a:t>
+            </a:fld>
+            <a:endParaRPr lang="es-MX"/>
+          </a:p>
+        </p:txBody>
+      </p:sp>
+      <p:sp>
+        <p:nvSpPr>
+          <p:cNvPr id="5" name="Footer Placeholder 4"/>
+          <p:cNvSpPr>
+            <a:spLocks noGrp="1"/>
+          </p:cNvSpPr>
+          <p:nvPr>
+            <p:ph type="ftr" sz="quarter" idx="11"/>
+          </p:nvPr>
+        </p:nvSpPr>
+        <p:spPr/>
+        <p:txBody>
+          <a:bodyPr/>
+          <a:lstStyle>
+            <a:lvl1pPr>
+              <a:defRPr>
+                <a:solidFill>
+                  <a:schemeClr val="tx2"/>
+                </a:solidFill>
+              </a:defRPr>
+            </a:lvl1pPr>
+          </a:lstStyle>
+          <a:p>
+            <a:endParaRPr lang="es-MX"/>
+          </a:p>
+        </p:txBody>
+      </p:sp>
+      <p:sp>
+        <p:nvSpPr>
+          <p:cNvPr id="6" name="Slide Number Placeholder 5"/>
+          <p:cNvSpPr>
+            <a:spLocks noGrp="1"/>
+          </p:cNvSpPr>
+          <p:nvPr>
+            <p:ph type="sldNum" sz="quarter" idx="12"/>
+          </p:nvPr>
+        </p:nvSpPr>
+        <p:spPr/>
+        <p:txBody>
+          <a:bodyPr/>
+          <a:lstStyle>
+            <a:lvl1pPr>
+              <a:defRPr>
+                <a:solidFill>
+                  <a:schemeClr val="tx2"/>
+                </a:solidFill>
+              </a:defRPr>
+            </a:lvl1pPr>
+          </a:lstStyle>
+          <a:p>
+            <a:fld id="{05F247B0-DFA2-4D84-9E15-AEF59B4E7791}" type="slidenum">
+              <a:rPr lang="es-MX" smtClean="0"/>
+              <a:t>‹Nº›</a:t>
+            </a:fld>
+            <a:endParaRPr lang="es-MX"/>
+          </a:p>
+        </p:txBody>
+      </p:sp>
+      <p:grpSp>
+        <p:nvGrpSpPr>
+          <p:cNvPr id="8" name="Group 7"/>
+          <p:cNvGrpSpPr/>
+          <p:nvPr/>
+        </p:nvGrpSpPr>
+        <p:grpSpPr>
+          <a:xfrm>
+            <a:off x="1194101" y="2887530"/>
+            <a:ext cx="6779110" cy="923330"/>
+            <a:chOff x="1172584" y="1381459"/>
+            <a:chExt cx="6779110" cy="923330"/>
+          </a:xfrm>
+          <a:effectLst>
+            <a:outerShdw blurRad="38100" dist="12700" dir="16200000" rotWithShape="0">
+              <a:prstClr val="black">
+                <a:alpha val="30000"/>
+              </a:prstClr>
+            </a:outerShdw>
+          </a:effectLst>
+        </p:grpSpPr>
+        <p:sp>
+          <p:nvSpPr>
+            <p:cNvPr id="9" name="TextBox 8"/>
+            <p:cNvSpPr txBox="1"/>
+            <p:nvPr/>
+          </p:nvSpPr>
+          <p:spPr>
+            <a:xfrm>
+              <a:off x="4147073" y="1381459"/>
+              <a:ext cx="877163" cy="923330"/>
+            </a:xfrm>
+            <a:prstGeom prst="rect">
+              <a:avLst/>
+            </a:prstGeom>
+            <a:noFill/>
+          </p:spPr>
+          <p:txBody>
+            <a:bodyPr wrap="none" rtlCol="0">
+              <a:spAutoFit/>
+            </a:bodyPr>
+            <a:lstStyle/>
+            <a:p>
+              <a:r>
+                <a:rPr lang="en-US" sz="5400" dirty="0" smtClean="0">
+                  <a:ln w="3175">
+                    <a:solidFill>
+                      <a:schemeClr val="tx2">
+                        <a:alpha val="60000"/>
+                      </a:schemeClr>
+                    </a:solidFill>
+                  </a:ln>
+                  <a:solidFill>
+                    <a:schemeClr val="tx2">
+                      <a:lumMod val="90000"/>
+                    </a:schemeClr>
+                  </a:solidFill>
+                  <a:effectLst>
+                    <a:outerShdw blurRad="34925" dist="12700" dir="14400000" algn="ctr" rotWithShape="0">
+                      <a:srgbClr val="000000">
+                        <a:alpha val="21000"/>
+                      </a:srgbClr>
+                    </a:outerShdw>
+                  </a:effectLst>
+                  <a:latin typeface="Wingdings" pitchFamily="2" charset="2"/>
+                </a:rPr>
+                <a:t></a:t>
+              </a:r>
+              <a:endParaRPr lang="en-US" sz="5400" dirty="0">
+                <a:ln w="3175">
+                  <a:solidFill>
+                    <a:schemeClr val="tx2">
+                      <a:alpha val="60000"/>
+                    </a:schemeClr>
+                  </a:solidFill>
+                </a:ln>
+                <a:solidFill>
+                  <a:schemeClr val="tx2">
+                    <a:lumMod val="90000"/>
+                  </a:schemeClr>
+                </a:solidFill>
+                <a:effectLst>
+                  <a:outerShdw blurRad="34925" dist="12700" dir="14400000" algn="ctr" rotWithShape="0">
+                    <a:srgbClr val="000000">
+                      <a:alpha val="21000"/>
+                    </a:srgbClr>
+                  </a:outerShdw>
+                </a:effectLst>
+                <a:latin typeface="Wingdings" pitchFamily="2" charset="2"/>
+              </a:endParaRPr>
+            </a:p>
+          </p:txBody>
+        </p:sp>
+        <p:cxnSp>
+          <p:nvCxnSpPr>
+            <p:cNvPr id="10" name="Straight Connector 9"/>
+            <p:cNvCxnSpPr/>
+            <p:nvPr/>
+          </p:nvCxnSpPr>
+          <p:spPr>
+            <a:xfrm rot="10800000">
+              <a:off x="1172584" y="1925620"/>
+              <a:ext cx="3119718" cy="1588"/>
+            </a:xfrm>
+            <a:prstGeom prst="line">
+              <a:avLst/>
+            </a:prstGeom>
+            <a:ln>
+              <a:solidFill>
+                <a:schemeClr val="tx2">
+                  <a:lumMod val="90000"/>
+                </a:schemeClr>
+              </a:solidFill>
+            </a:ln>
+            <a:effectLst/>
+          </p:spPr>
+          <p:style>
+            <a:lnRef idx="1">
+              <a:schemeClr val="accent1"/>
+            </a:lnRef>
+            <a:fillRef idx="0">
+              <a:schemeClr val="accent1"/>
+            </a:fillRef>
+            <a:effectRef idx="0">
+              <a:schemeClr val="accent1"/>
+            </a:effectRef>
+            <a:fontRef idx="minor">
+              <a:schemeClr val="tx1"/>
+            </a:fontRef>
+          </p:style>
+        </p:cxnSp>
+        <p:cxnSp>
+          <p:nvCxnSpPr>
+            <p:cNvPr id="11" name="Straight Connector 10"/>
+            <p:cNvCxnSpPr/>
+            <p:nvPr/>
+          </p:nvCxnSpPr>
+          <p:spPr>
+            <a:xfrm rot="10800000">
+              <a:off x="4831976" y="1922930"/>
+              <a:ext cx="3119718" cy="1588"/>
+            </a:xfrm>
+            <a:prstGeom prst="line">
+              <a:avLst/>
+            </a:prstGeom>
+            <a:ln>
+              <a:solidFill>
+                <a:schemeClr val="tx2">
+                  <a:lumMod val="90000"/>
+                </a:schemeClr>
+              </a:solidFill>
+            </a:ln>
+            <a:effectLst/>
+          </p:spPr>
+          <p:style>
+            <a:lnRef idx="1">
+              <a:schemeClr val="accent1"/>
+            </a:lnRef>
+            <a:fillRef idx="0">
+              <a:schemeClr val="accent1"/>
+            </a:fillRef>
+            <a:effectRef idx="0">
+              <a:schemeClr val="accent1"/>
+            </a:effectRef>
+            <a:fontRef idx="minor">
+              <a:schemeClr val="tx1"/>
+            </a:fontRef>
+          </p:style>
+        </p:cxnSp>
+      </p:grpSp>
+      <p:sp>
+        <p:nvSpPr>
+          <p:cNvPr id="2" name="Title 1"/>
+          <p:cNvSpPr>
+            <a:spLocks noGrp="1"/>
+          </p:cNvSpPr>
+          <p:nvPr>
+            <p:ph type="ctrTitle"/>
+          </p:nvPr>
+        </p:nvSpPr>
+        <p:spPr>
+          <a:xfrm>
+            <a:off x="1183341" y="1387737"/>
+            <a:ext cx="6777318" cy="1731982"/>
           </a:xfrm>
         </p:spPr>
         <p:txBody>
-          <a:bodyPr/>
-          <a:lstStyle/>
+          <a:bodyPr anchor="b"/>
+          <a:lstStyle>
+            <a:lvl1pPr>
+              <a:defRPr>
+                <a:ln w="3175">
+                  <a:solidFill>
+                    <a:schemeClr val="tx1">
+                      <a:alpha val="65000"/>
+                    </a:schemeClr>
+                  </a:solidFill>
+                </a:ln>
+                <a:solidFill>
+                  <a:schemeClr val="tx1"/>
+                </a:solidFill>
+                <a:effectLst>
+                  <a:outerShdw blurRad="25400" dist="12700" dir="14220000" rotWithShape="0">
+                    <a:prstClr val="black">
+                      <a:alpha val="50000"/>
+                    </a:prstClr>
+                  </a:outerShdw>
+                </a:effectLst>
+              </a:defRPr>
+            </a:lvl1pPr>
+          </a:lstStyle>
           <a:p>
             <a:r>
               <a:rPr lang="es-ES" smtClean="0"/>
               <a:t>Haga clic para modificar el estilo de título del patrón</a:t>
             </a:r>
-            <a:endParaRPr lang="es-MX"/>
-          </a:p>
-        </p:txBody>
-      </p:sp>
-      <p:sp>
-        <p:nvSpPr>
-          <p:cNvPr id="3" name="2 Subtítulo"/>
+            <a:endParaRPr lang="en-US" dirty="0"/>
+          </a:p>
+        </p:txBody>
+      </p:sp>
+      <p:sp>
+        <p:nvSpPr>
+          <p:cNvPr id="3" name="Subtitle 2"/>
           <p:cNvSpPr>
             <a:spLocks noGrp="1"/>
           </p:cNvSpPr>
@@ -175,7 +485,7 @@
         </p:nvSpPr>
         <p:spPr>
           <a:xfrm>
-            <a:off x="1371600" y="3886200"/>
+            <a:off x="1371600" y="3767862"/>
             <a:ext cx="6400800" cy="1752600"/>
           </a:xfrm>
         </p:spPr>
@@ -186,10 +496,15 @@
               <a:buNone/>
               <a:defRPr>
                 <a:solidFill>
-                  <a:schemeClr val="tx1">
-                    <a:tint val="75000"/>
-                  </a:schemeClr>
+                  <a:schemeClr val="tx1"/>
                 </a:solidFill>
+                <a:effectLst>
+                  <a:outerShdw blurRad="34925" dist="12700" dir="14400000" rotWithShape="0">
+                    <a:prstClr val="black">
+                      <a:alpha val="21000"/>
+                    </a:prstClr>
+                  </a:outerShdw>
+                </a:effectLst>
               </a:defRPr>
             </a:lvl1pPr>
             <a:lvl2pPr marL="457200" indent="0" algn="ctr">
@@ -278,84 +593,14 @@
               <a:rPr lang="es-ES" smtClean="0"/>
               <a:t>Haga clic para modificar el estilo de subtítulo del patrón</a:t>
             </a:r>
-            <a:endParaRPr lang="es-MX"/>
-          </a:p>
-        </p:txBody>
-      </p:sp>
-      <p:sp>
-        <p:nvSpPr>
-          <p:cNvPr id="4" name="3 Marcador de fecha"/>
-          <p:cNvSpPr>
-            <a:spLocks noGrp="1"/>
-          </p:cNvSpPr>
-          <p:nvPr>
-            <p:ph type="dt" sz="half" idx="10"/>
-          </p:nvPr>
-        </p:nvSpPr>
-        <p:spPr/>
-        <p:txBody>
-          <a:bodyPr/>
-          <a:lstStyle/>
-          <a:p>
-            <a:fld id="{33222564-675F-4C0A-80BE-E9BC60876D09}" type="datetimeFigureOut">
-              <a:rPr lang="es-MX" smtClean="0"/>
-              <a:t>23/05/2015</a:t>
-            </a:fld>
-            <a:endParaRPr lang="es-MX"/>
-          </a:p>
-        </p:txBody>
-      </p:sp>
-      <p:sp>
-        <p:nvSpPr>
-          <p:cNvPr id="5" name="4 Marcador de pie de página"/>
-          <p:cNvSpPr>
-            <a:spLocks noGrp="1"/>
-          </p:cNvSpPr>
-          <p:nvPr>
-            <p:ph type="ftr" sz="quarter" idx="11"/>
-          </p:nvPr>
-        </p:nvSpPr>
-        <p:spPr/>
-        <p:txBody>
-          <a:bodyPr/>
-          <a:lstStyle/>
-          <a:p>
-            <a:endParaRPr lang="es-MX"/>
-          </a:p>
-        </p:txBody>
-      </p:sp>
-      <p:sp>
-        <p:nvSpPr>
-          <p:cNvPr id="6" name="5 Marcador de número de diapositiva"/>
-          <p:cNvSpPr>
-            <a:spLocks noGrp="1"/>
-          </p:cNvSpPr>
-          <p:nvPr>
-            <p:ph type="sldNum" sz="quarter" idx="12"/>
-          </p:nvPr>
-        </p:nvSpPr>
-        <p:spPr/>
-        <p:txBody>
-          <a:bodyPr/>
-          <a:lstStyle/>
-          <a:p>
-            <a:fld id="{05F247B0-DFA2-4D84-9E15-AEF59B4E7791}" type="slidenum">
-              <a:rPr lang="es-MX" smtClean="0"/>
-              <a:t>‹Nº›</a:t>
-            </a:fld>
-            <a:endParaRPr lang="es-MX"/>
+            <a:endParaRPr lang="en-US" dirty="0"/>
           </a:p>
         </p:txBody>
       </p:sp>
     </p:spTree>
-    <p:extLst>
-      <p:ext uri="{BB962C8B-B14F-4D97-AF65-F5344CB8AC3E}">
-        <p14:creationId xmlns:p14="http://schemas.microsoft.com/office/powerpoint/2010/main" val="3230109856"/>
-      </p:ext>
-    </p:extLst>
   </p:cSld>
   <p:clrMapOvr>
-    <a:masterClrMapping/>
+    <a:overrideClrMapping bg1="dk1" tx1="lt1" bg2="dk2" tx2="lt2" accent1="accent1" accent2="accent2" accent3="accent3" accent4="accent4" accent5="accent5" accent6="accent6" hlink="hlink" folHlink="folHlink"/>
   </p:clrMapOvr>
 </p:sldLayout>
 </file>
@@ -379,7 +624,7 @@
       </p:grpSpPr>
       <p:sp>
         <p:nvSpPr>
-          <p:cNvPr id="2" name="1 Título"/>
+          <p:cNvPr id="2" name="Title 1"/>
           <p:cNvSpPr>
             <a:spLocks noGrp="1"/>
           </p:cNvSpPr>
@@ -396,13 +641,13 @@
               <a:rPr lang="es-ES" smtClean="0"/>
               <a:t>Haga clic para modificar el estilo de título del patrón</a:t>
             </a:r>
-            <a:endParaRPr lang="es-MX"/>
-          </a:p>
-        </p:txBody>
-      </p:sp>
-      <p:sp>
-        <p:nvSpPr>
-          <p:cNvPr id="3" name="2 Marcador de texto vertical"/>
+            <a:endParaRPr lang="en-US"/>
+          </a:p>
+        </p:txBody>
+      </p:sp>
+      <p:sp>
+        <p:nvSpPr>
+          <p:cNvPr id="3" name="Vertical Text Placeholder 2"/>
           <p:cNvSpPr>
             <a:spLocks noGrp="1"/>
           </p:cNvSpPr>
@@ -412,7 +657,7 @@
         </p:nvSpPr>
         <p:spPr/>
         <p:txBody>
-          <a:bodyPr vert="eaVert"/>
+          <a:bodyPr vert="eaVert" anchor="ctr"/>
           <a:lstStyle/>
           <a:p>
             <a:pPr lvl="0"/>
@@ -448,13 +693,13 @@
               <a:rPr lang="es-ES" smtClean="0"/>
               <a:t>Quinto nivel</a:t>
             </a:r>
-            <a:endParaRPr lang="es-MX"/>
-          </a:p>
-        </p:txBody>
-      </p:sp>
-      <p:sp>
-        <p:nvSpPr>
-          <p:cNvPr id="4" name="3 Marcador de fecha"/>
+            <a:endParaRPr lang="en-US"/>
+          </a:p>
+        </p:txBody>
+      </p:sp>
+      <p:sp>
+        <p:nvSpPr>
+          <p:cNvPr id="4" name="Date Placeholder 3"/>
           <p:cNvSpPr>
             <a:spLocks noGrp="1"/>
           </p:cNvSpPr>
@@ -469,7 +714,7 @@
           <a:p>
             <a:fld id="{33222564-675F-4C0A-80BE-E9BC60876D09}" type="datetimeFigureOut">
               <a:rPr lang="es-MX" smtClean="0"/>
-              <a:t>23/05/2015</a:t>
+              <a:t>25/05/2015</a:t>
             </a:fld>
             <a:endParaRPr lang="es-MX"/>
           </a:p>
@@ -477,7 +722,7 @@
       </p:sp>
       <p:sp>
         <p:nvSpPr>
-          <p:cNvPr id="5" name="4 Marcador de pie de página"/>
+          <p:cNvPr id="5" name="Footer Placeholder 4"/>
           <p:cNvSpPr>
             <a:spLocks noGrp="1"/>
           </p:cNvSpPr>
@@ -496,7 +741,7 @@
       </p:sp>
       <p:sp>
         <p:nvSpPr>
-          <p:cNvPr id="6" name="5 Marcador de número de diapositiva"/>
+          <p:cNvPr id="6" name="Slide Number Placeholder 5"/>
           <p:cNvSpPr>
             <a:spLocks noGrp="1"/>
           </p:cNvSpPr>
@@ -517,12 +762,146 @@
           </a:p>
         </p:txBody>
       </p:sp>
+      <p:grpSp>
+        <p:nvGrpSpPr>
+          <p:cNvPr id="11" name="Group 10"/>
+          <p:cNvGrpSpPr/>
+          <p:nvPr/>
+        </p:nvGrpSpPr>
+        <p:grpSpPr>
+          <a:xfrm>
+            <a:off x="1172584" y="1392217"/>
+            <a:ext cx="6779110" cy="923330"/>
+            <a:chOff x="1172584" y="1381459"/>
+            <a:chExt cx="6779110" cy="923330"/>
+          </a:xfrm>
+        </p:grpSpPr>
+        <p:sp>
+          <p:nvSpPr>
+            <p:cNvPr id="15" name="TextBox 14"/>
+            <p:cNvSpPr txBox="1"/>
+            <p:nvPr/>
+          </p:nvSpPr>
+          <p:spPr>
+            <a:xfrm>
+              <a:off x="4147073" y="1381459"/>
+              <a:ext cx="877163" cy="923330"/>
+            </a:xfrm>
+            <a:prstGeom prst="rect">
+              <a:avLst/>
+            </a:prstGeom>
+            <a:noFill/>
+          </p:spPr>
+          <p:txBody>
+            <a:bodyPr wrap="none" rtlCol="0">
+              <a:spAutoFit/>
+            </a:bodyPr>
+            <a:lstStyle/>
+            <a:p>
+              <a:r>
+                <a:rPr lang="en-US" sz="5400" dirty="0" smtClean="0">
+                  <a:solidFill>
+                    <a:schemeClr val="tx2">
+                      <a:lumMod val="60000"/>
+                      <a:lumOff val="40000"/>
+                    </a:schemeClr>
+                  </a:solidFill>
+                  <a:latin typeface="Wingdings" pitchFamily="2" charset="2"/>
+                </a:rPr>
+                <a:t></a:t>
+              </a:r>
+              <a:endParaRPr lang="en-US" sz="5400" dirty="0">
+                <a:solidFill>
+                  <a:schemeClr val="tx2">
+                    <a:lumMod val="60000"/>
+                    <a:lumOff val="40000"/>
+                  </a:schemeClr>
+                </a:solidFill>
+                <a:latin typeface="Wingdings" pitchFamily="2" charset="2"/>
+              </a:endParaRPr>
+            </a:p>
+          </p:txBody>
+        </p:sp>
+        <p:cxnSp>
+          <p:nvCxnSpPr>
+            <p:cNvPr id="16" name="Straight Connector 15"/>
+            <p:cNvCxnSpPr/>
+            <p:nvPr/>
+          </p:nvCxnSpPr>
+          <p:spPr>
+            <a:xfrm rot="10800000">
+              <a:off x="1172584" y="1925620"/>
+              <a:ext cx="3119718" cy="1588"/>
+            </a:xfrm>
+            <a:prstGeom prst="line">
+              <a:avLst/>
+            </a:prstGeom>
+            <a:ln>
+              <a:solidFill>
+                <a:schemeClr val="tx2">
+                  <a:lumMod val="60000"/>
+                  <a:lumOff val="40000"/>
+                </a:schemeClr>
+              </a:solidFill>
+            </a:ln>
+            <a:effectLst/>
+          </p:spPr>
+          <p:style>
+            <a:lnRef idx="1">
+              <a:schemeClr val="accent1"/>
+            </a:lnRef>
+            <a:fillRef idx="0">
+              <a:schemeClr val="accent1"/>
+            </a:fillRef>
+            <a:effectRef idx="0">
+              <a:schemeClr val="accent1"/>
+            </a:effectRef>
+            <a:fontRef idx="minor">
+              <a:schemeClr val="tx1"/>
+            </a:fontRef>
+          </p:style>
+        </p:cxnSp>
+        <p:cxnSp>
+          <p:nvCxnSpPr>
+            <p:cNvPr id="17" name="Straight Connector 16"/>
+            <p:cNvCxnSpPr/>
+            <p:nvPr/>
+          </p:nvCxnSpPr>
+          <p:spPr>
+            <a:xfrm rot="10800000">
+              <a:off x="4831976" y="1922650"/>
+              <a:ext cx="3119718" cy="1588"/>
+            </a:xfrm>
+            <a:prstGeom prst="line">
+              <a:avLst/>
+            </a:prstGeom>
+            <a:ln>
+              <a:solidFill>
+                <a:schemeClr val="tx2">
+                  <a:lumMod val="60000"/>
+                  <a:lumOff val="40000"/>
+                </a:schemeClr>
+              </a:solidFill>
+            </a:ln>
+            <a:effectLst/>
+          </p:spPr>
+          <p:style>
+            <a:lnRef idx="1">
+              <a:schemeClr val="accent1"/>
+            </a:lnRef>
+            <a:fillRef idx="0">
+              <a:schemeClr val="accent1"/>
+            </a:fillRef>
+            <a:effectRef idx="0">
+              <a:schemeClr val="accent1"/>
+            </a:effectRef>
+            <a:fontRef idx="minor">
+              <a:schemeClr val="tx1"/>
+            </a:fontRef>
+          </p:style>
+        </p:cxnSp>
+      </p:grpSp>
     </p:spTree>
-    <p:extLst>
-      <p:ext uri="{BB962C8B-B14F-4D97-AF65-F5344CB8AC3E}">
-        <p14:creationId xmlns:p14="http://schemas.microsoft.com/office/powerpoint/2010/main" val="1851140592"/>
-      </p:ext>
-    </p:extLst>
   </p:cSld>
   <p:clrMapOvr>
     <a:masterClrMapping/>
@@ -549,7 +928,7 @@
       </p:grpSpPr>
       <p:sp>
         <p:nvSpPr>
-          <p:cNvPr id="2" name="1 Título vertical"/>
+          <p:cNvPr id="2" name="Vertical Title 1"/>
           <p:cNvSpPr>
             <a:spLocks noGrp="1"/>
           </p:cNvSpPr>
@@ -559,8 +938,8 @@
         </p:nvSpPr>
         <p:spPr>
           <a:xfrm>
-            <a:off x="6629400" y="274638"/>
-            <a:ext cx="2057400" cy="5851525"/>
+            <a:off x="6766560" y="559398"/>
+            <a:ext cx="1678193" cy="5566765"/>
           </a:xfrm>
         </p:spPr>
         <p:txBody>
@@ -571,13 +950,13 @@
               <a:rPr lang="es-ES" smtClean="0"/>
               <a:t>Haga clic para modificar el estilo de título del patrón</a:t>
             </a:r>
-            <a:endParaRPr lang="es-MX"/>
-          </a:p>
-        </p:txBody>
-      </p:sp>
-      <p:sp>
-        <p:nvSpPr>
-          <p:cNvPr id="3" name="2 Marcador de texto vertical"/>
+            <a:endParaRPr lang="en-US" dirty="0"/>
+          </a:p>
+        </p:txBody>
+      </p:sp>
+      <p:sp>
+        <p:nvSpPr>
+          <p:cNvPr id="3" name="Vertical Text Placeholder 2"/>
           <p:cNvSpPr>
             <a:spLocks noGrp="1"/>
           </p:cNvSpPr>
@@ -587,8 +966,8 @@
         </p:nvSpPr>
         <p:spPr>
           <a:xfrm>
-            <a:off x="457200" y="274638"/>
-            <a:ext cx="6019800" cy="5851525"/>
+            <a:off x="688488" y="849854"/>
+            <a:ext cx="5507917" cy="5023821"/>
           </a:xfrm>
         </p:spPr>
         <p:txBody>
@@ -628,13 +1007,13 @@
               <a:rPr lang="es-ES" smtClean="0"/>
               <a:t>Quinto nivel</a:t>
             </a:r>
-            <a:endParaRPr lang="es-MX"/>
-          </a:p>
-        </p:txBody>
-      </p:sp>
-      <p:sp>
-        <p:nvSpPr>
-          <p:cNvPr id="4" name="3 Marcador de fecha"/>
+            <a:endParaRPr lang="en-US"/>
+          </a:p>
+        </p:txBody>
+      </p:sp>
+      <p:sp>
+        <p:nvSpPr>
+          <p:cNvPr id="4" name="Date Placeholder 3"/>
           <p:cNvSpPr>
             <a:spLocks noGrp="1"/>
           </p:cNvSpPr>
@@ -649,7 +1028,7 @@
           <a:p>
             <a:fld id="{33222564-675F-4C0A-80BE-E9BC60876D09}" type="datetimeFigureOut">
               <a:rPr lang="es-MX" smtClean="0"/>
-              <a:t>23/05/2015</a:t>
+              <a:t>25/05/2015</a:t>
             </a:fld>
             <a:endParaRPr lang="es-MX"/>
           </a:p>
@@ -657,7 +1036,7 @@
       </p:sp>
       <p:sp>
         <p:nvSpPr>
-          <p:cNvPr id="5" name="4 Marcador de pie de página"/>
+          <p:cNvPr id="5" name="Footer Placeholder 4"/>
           <p:cNvSpPr>
             <a:spLocks noGrp="1"/>
           </p:cNvSpPr>
@@ -676,7 +1055,7 @@
       </p:sp>
       <p:sp>
         <p:nvSpPr>
-          <p:cNvPr id="6" name="5 Marcador de número de diapositiva"/>
+          <p:cNvPr id="6" name="Slide Number Placeholder 5"/>
           <p:cNvSpPr>
             <a:spLocks noGrp="1"/>
           </p:cNvSpPr>
@@ -697,12 +1076,146 @@
           </a:p>
         </p:txBody>
       </p:sp>
+      <p:grpSp>
+        <p:nvGrpSpPr>
+          <p:cNvPr id="11" name="Group 10"/>
+          <p:cNvGrpSpPr/>
+          <p:nvPr/>
+        </p:nvGrpSpPr>
+        <p:grpSpPr>
+          <a:xfrm rot="5400000">
+            <a:off x="3909050" y="2880823"/>
+            <a:ext cx="5480154" cy="923330"/>
+            <a:chOff x="1815339" y="1381459"/>
+            <a:chExt cx="5480154" cy="923330"/>
+          </a:xfrm>
+        </p:grpSpPr>
+        <p:sp>
+          <p:nvSpPr>
+            <p:cNvPr id="12" name="TextBox 11"/>
+            <p:cNvSpPr txBox="1"/>
+            <p:nvPr/>
+          </p:nvSpPr>
+          <p:spPr>
+            <a:xfrm>
+              <a:off x="4147073" y="1381459"/>
+              <a:ext cx="877163" cy="923330"/>
+            </a:xfrm>
+            <a:prstGeom prst="rect">
+              <a:avLst/>
+            </a:prstGeom>
+            <a:noFill/>
+          </p:spPr>
+          <p:txBody>
+            <a:bodyPr wrap="none" rtlCol="0">
+              <a:spAutoFit/>
+            </a:bodyPr>
+            <a:lstStyle/>
+            <a:p>
+              <a:r>
+                <a:rPr lang="en-US" sz="5400" dirty="0" smtClean="0">
+                  <a:solidFill>
+                    <a:schemeClr val="tx2">
+                      <a:lumMod val="60000"/>
+                      <a:lumOff val="40000"/>
+                    </a:schemeClr>
+                  </a:solidFill>
+                  <a:latin typeface="Wingdings" pitchFamily="2" charset="2"/>
+                </a:rPr>
+                <a:t></a:t>
+              </a:r>
+              <a:endParaRPr lang="en-US" sz="5400" dirty="0">
+                <a:solidFill>
+                  <a:schemeClr val="tx2">
+                    <a:lumMod val="60000"/>
+                    <a:lumOff val="40000"/>
+                  </a:schemeClr>
+                </a:solidFill>
+                <a:latin typeface="Wingdings" pitchFamily="2" charset="2"/>
+              </a:endParaRPr>
+            </a:p>
+          </p:txBody>
+        </p:sp>
+        <p:cxnSp>
+          <p:nvCxnSpPr>
+            <p:cNvPr id="13" name="Straight Connector 12"/>
+            <p:cNvCxnSpPr/>
+            <p:nvPr/>
+          </p:nvCxnSpPr>
+          <p:spPr>
+            <a:xfrm flipH="1" flipV="1">
+              <a:off x="1815339" y="1924709"/>
+              <a:ext cx="2468880" cy="2505"/>
+            </a:xfrm>
+            <a:prstGeom prst="line">
+              <a:avLst/>
+            </a:prstGeom>
+            <a:ln>
+              <a:solidFill>
+                <a:schemeClr val="tx2">
+                  <a:lumMod val="60000"/>
+                  <a:lumOff val="40000"/>
+                </a:schemeClr>
+              </a:solidFill>
+            </a:ln>
+            <a:effectLst/>
+          </p:spPr>
+          <p:style>
+            <a:lnRef idx="1">
+              <a:schemeClr val="accent1"/>
+            </a:lnRef>
+            <a:fillRef idx="0">
+              <a:schemeClr val="accent1"/>
+            </a:fillRef>
+            <a:effectRef idx="0">
+              <a:schemeClr val="accent1"/>
+            </a:effectRef>
+            <a:fontRef idx="minor">
+              <a:schemeClr val="tx1"/>
+            </a:fontRef>
+          </p:style>
+        </p:cxnSp>
+        <p:cxnSp>
+          <p:nvCxnSpPr>
+            <p:cNvPr id="14" name="Straight Connector 13"/>
+            <p:cNvCxnSpPr/>
+            <p:nvPr/>
+          </p:nvCxnSpPr>
+          <p:spPr>
+            <a:xfrm rot="10800000">
+              <a:off x="4826613" y="1927417"/>
+              <a:ext cx="2468880" cy="1588"/>
+            </a:xfrm>
+            <a:prstGeom prst="line">
+              <a:avLst/>
+            </a:prstGeom>
+            <a:ln>
+              <a:solidFill>
+                <a:schemeClr val="tx2">
+                  <a:lumMod val="60000"/>
+                  <a:lumOff val="40000"/>
+                </a:schemeClr>
+              </a:solidFill>
+            </a:ln>
+            <a:effectLst/>
+          </p:spPr>
+          <p:style>
+            <a:lnRef idx="1">
+              <a:schemeClr val="accent1"/>
+            </a:lnRef>
+            <a:fillRef idx="0">
+              <a:schemeClr val="accent1"/>
+            </a:fillRef>
+            <a:effectRef idx="0">
+              <a:schemeClr val="accent1"/>
+            </a:effectRef>
+            <a:fontRef idx="minor">
+              <a:schemeClr val="tx1"/>
+            </a:fontRef>
+          </p:style>
+        </p:cxnSp>
+      </p:grpSp>
     </p:spTree>
-    <p:extLst>
-      <p:ext uri="{BB962C8B-B14F-4D97-AF65-F5344CB8AC3E}">
-        <p14:creationId xmlns:p14="http://schemas.microsoft.com/office/powerpoint/2010/main" val="2657252704"/>
-      </p:ext>
-    </p:extLst>
   </p:cSld>
   <p:clrMapOvr>
     <a:masterClrMapping/>
@@ -713,6 +1226,11 @@
 <file path=ppt/slideLayouts/slideLayout2.xml><?xml version="1.0" encoding="utf-8"?>
 <p:sldLayout xmlns:a="http://schemas.openxmlformats.org/drawingml/2006/main" xmlns:r="http://schemas.openxmlformats.org/officeDocument/2006/relationships" xmlns:p="http://schemas.openxmlformats.org/presentationml/2006/main" type="obj" preserve="1">
   <p:cSld name="Título y objetos">
+    <p:bg>
+      <p:bgRef idx="1002">
+        <a:schemeClr val="bg1"/>
+      </p:bgRef>
+    </p:bg>
     <p:spTree>
       <p:nvGrpSpPr>
         <p:cNvPr id="1" name=""/>
@@ -729,12 +1247,12 @@
       </p:grpSpPr>
       <p:sp>
         <p:nvSpPr>
-          <p:cNvPr id="2" name="1 Título"/>
-          <p:cNvSpPr>
-            <a:spLocks noGrp="1"/>
-          </p:cNvSpPr>
-          <p:nvPr>
-            <p:ph type="title"/>
+          <p:cNvPr id="3" name="Content Placeholder 2"/>
+          <p:cNvSpPr>
+            <a:spLocks noGrp="1"/>
+          </p:cNvSpPr>
+          <p:nvPr>
+            <p:ph idx="1"/>
           </p:nvPr>
         </p:nvSpPr>
         <p:spPr/>
@@ -742,22 +1260,51 @@
           <a:bodyPr/>
           <a:lstStyle/>
           <a:p>
+            <a:pPr lvl="0"/>
             <a:r>
               <a:rPr lang="es-ES" smtClean="0"/>
-              <a:t>Haga clic para modificar el estilo de título del patrón</a:t>
-            </a:r>
-            <a:endParaRPr lang="es-MX"/>
-          </a:p>
-        </p:txBody>
-      </p:sp>
-      <p:sp>
-        <p:nvSpPr>
-          <p:cNvPr id="3" name="2 Marcador de contenido"/>
-          <p:cNvSpPr>
-            <a:spLocks noGrp="1"/>
-          </p:cNvSpPr>
-          <p:nvPr>
-            <p:ph idx="1"/>
+              <a:t>Haga clic para modificar el estilo de texto del patrón</a:t>
+            </a:r>
+          </a:p>
+          <a:p>
+            <a:pPr lvl="1"/>
+            <a:r>
+              <a:rPr lang="es-ES" smtClean="0"/>
+              <a:t>Segundo nivel</a:t>
+            </a:r>
+          </a:p>
+          <a:p>
+            <a:pPr lvl="2"/>
+            <a:r>
+              <a:rPr lang="es-ES" smtClean="0"/>
+              <a:t>Tercer nivel</a:t>
+            </a:r>
+          </a:p>
+          <a:p>
+            <a:pPr lvl="3"/>
+            <a:r>
+              <a:rPr lang="es-ES" smtClean="0"/>
+              <a:t>Cuarto nivel</a:t>
+            </a:r>
+          </a:p>
+          <a:p>
+            <a:pPr lvl="4"/>
+            <a:r>
+              <a:rPr lang="es-ES" smtClean="0"/>
+              <a:t>Quinto nivel</a:t>
+            </a:r>
+            <a:endParaRPr lang="en-US"/>
+          </a:p>
+        </p:txBody>
+      </p:sp>
+      <p:sp>
+        <p:nvSpPr>
+          <p:cNvPr id="4" name="Date Placeholder 3"/>
+          <p:cNvSpPr>
+            <a:spLocks noGrp="1"/>
+          </p:cNvSpPr>
+          <p:nvPr>
+            <p:ph type="dt" sz="half" idx="10"/>
           </p:nvPr>
         </p:nvSpPr>
         <p:spPr/>
@@ -765,51 +1312,22 @@
           <a:bodyPr/>
           <a:lstStyle/>
           <a:p>
-            <a:pPr lvl="0"/>
-            <a:r>
-              <a:rPr lang="es-ES" smtClean="0"/>
-              <a:t>Haga clic para modificar el estilo de texto del patrón</a:t>
-            </a:r>
-          </a:p>
-          <a:p>
-            <a:pPr lvl="1"/>
-            <a:r>
-              <a:rPr lang="es-ES" smtClean="0"/>
-              <a:t>Segundo nivel</a:t>
-            </a:r>
-          </a:p>
-          <a:p>
-            <a:pPr lvl="2"/>
-            <a:r>
-              <a:rPr lang="es-ES" smtClean="0"/>
-              <a:t>Tercer nivel</a:t>
-            </a:r>
-          </a:p>
-          <a:p>
-            <a:pPr lvl="3"/>
-            <a:r>
-              <a:rPr lang="es-ES" smtClean="0"/>
-              <a:t>Cuarto nivel</a:t>
-            </a:r>
-          </a:p>
-          <a:p>
-            <a:pPr lvl="4"/>
-            <a:r>
-              <a:rPr lang="es-ES" smtClean="0"/>
-              <a:t>Quinto nivel</a:t>
-            </a:r>
+            <a:fld id="{33222564-675F-4C0A-80BE-E9BC60876D09}" type="datetimeFigureOut">
+              <a:rPr lang="es-MX" smtClean="0"/>
+              <a:t>25/05/2015</a:t>
+            </a:fld>
             <a:endParaRPr lang="es-MX"/>
           </a:p>
         </p:txBody>
       </p:sp>
       <p:sp>
         <p:nvSpPr>
-          <p:cNvPr id="4" name="3 Marcador de fecha"/>
-          <p:cNvSpPr>
-            <a:spLocks noGrp="1"/>
-          </p:cNvSpPr>
-          <p:nvPr>
-            <p:ph type="dt" sz="half" idx="10"/>
+          <p:cNvPr id="5" name="Footer Placeholder 4"/>
+          <p:cNvSpPr>
+            <a:spLocks noGrp="1"/>
+          </p:cNvSpPr>
+          <p:nvPr>
+            <p:ph type="ftr" sz="quarter" idx="11"/>
           </p:nvPr>
         </p:nvSpPr>
         <p:spPr/>
@@ -817,36 +1335,13 @@
           <a:bodyPr/>
           <a:lstStyle/>
           <a:p>
-            <a:fld id="{33222564-675F-4C0A-80BE-E9BC60876D09}" type="datetimeFigureOut">
-              <a:rPr lang="es-MX" smtClean="0"/>
-              <a:t>23/05/2015</a:t>
-            </a:fld>
             <a:endParaRPr lang="es-MX"/>
           </a:p>
         </p:txBody>
       </p:sp>
       <p:sp>
         <p:nvSpPr>
-          <p:cNvPr id="5" name="4 Marcador de pie de página"/>
-          <p:cNvSpPr>
-            <a:spLocks noGrp="1"/>
-          </p:cNvSpPr>
-          <p:nvPr>
-            <p:ph type="ftr" sz="quarter" idx="11"/>
-          </p:nvPr>
-        </p:nvSpPr>
-        <p:spPr/>
-        <p:txBody>
-          <a:bodyPr/>
-          <a:lstStyle/>
-          <a:p>
-            <a:endParaRPr lang="es-MX"/>
-          </a:p>
-        </p:txBody>
-      </p:sp>
-      <p:sp>
-        <p:nvSpPr>
-          <p:cNvPr id="6" name="5 Marcador de número de diapositiva"/>
+          <p:cNvPr id="6" name="Slide Number Placeholder 5"/>
           <p:cNvSpPr>
             <a:spLocks noGrp="1"/>
           </p:cNvSpPr>
@@ -867,15 +1362,172 @@
           </a:p>
         </p:txBody>
       </p:sp>
+      <p:sp>
+        <p:nvSpPr>
+          <p:cNvPr id="11" name="Title 10"/>
+          <p:cNvSpPr>
+            <a:spLocks noGrp="1"/>
+          </p:cNvSpPr>
+          <p:nvPr>
+            <p:ph type="title"/>
+          </p:nvPr>
+        </p:nvSpPr>
+        <p:spPr/>
+        <p:txBody>
+          <a:bodyPr/>
+          <a:lstStyle/>
+          <a:p>
+            <a:r>
+              <a:rPr lang="es-ES" smtClean="0"/>
+              <a:t>Haga clic para modificar el estilo de título del patrón</a:t>
+            </a:r>
+            <a:endParaRPr lang="en-US"/>
+          </a:p>
+        </p:txBody>
+      </p:sp>
+      <p:grpSp>
+        <p:nvGrpSpPr>
+          <p:cNvPr id="12" name="Group 11"/>
+          <p:cNvGrpSpPr/>
+          <p:nvPr/>
+        </p:nvGrpSpPr>
+        <p:grpSpPr>
+          <a:xfrm>
+            <a:off x="1172584" y="1392217"/>
+            <a:ext cx="6779110" cy="923330"/>
+            <a:chOff x="1172584" y="1381459"/>
+            <a:chExt cx="6779110" cy="923330"/>
+          </a:xfrm>
+        </p:grpSpPr>
+        <p:sp>
+          <p:nvSpPr>
+            <p:cNvPr id="13" name="TextBox 12"/>
+            <p:cNvSpPr txBox="1"/>
+            <p:nvPr/>
+          </p:nvSpPr>
+          <p:spPr>
+            <a:xfrm>
+              <a:off x="4147073" y="1381459"/>
+              <a:ext cx="877163" cy="923330"/>
+            </a:xfrm>
+            <a:prstGeom prst="rect">
+              <a:avLst/>
+            </a:prstGeom>
+            <a:noFill/>
+          </p:spPr>
+          <p:txBody>
+            <a:bodyPr wrap="none" rtlCol="0">
+              <a:spAutoFit/>
+            </a:bodyPr>
+            <a:lstStyle/>
+            <a:p>
+              <a:r>
+                <a:rPr lang="en-US" sz="5400" dirty="0" smtClean="0">
+                  <a:solidFill>
+                    <a:schemeClr val="tx2">
+                      <a:lumMod val="60000"/>
+                      <a:lumOff val="40000"/>
+                    </a:schemeClr>
+                  </a:solidFill>
+                  <a:latin typeface="Wingdings" pitchFamily="2" charset="2"/>
+                </a:rPr>
+                <a:t></a:t>
+              </a:r>
+              <a:endParaRPr lang="en-US" sz="5400" dirty="0">
+                <a:solidFill>
+                  <a:schemeClr val="tx2">
+                    <a:lumMod val="60000"/>
+                    <a:lumOff val="40000"/>
+                  </a:schemeClr>
+                </a:solidFill>
+                <a:latin typeface="Wingdings" pitchFamily="2" charset="2"/>
+              </a:endParaRPr>
+            </a:p>
+          </p:txBody>
+        </p:sp>
+        <p:cxnSp>
+          <p:nvCxnSpPr>
+            <p:cNvPr id="14" name="Straight Connector 13"/>
+            <p:cNvCxnSpPr/>
+            <p:nvPr/>
+          </p:nvCxnSpPr>
+          <p:spPr>
+            <a:xfrm rot="10800000">
+              <a:off x="1172584" y="1925620"/>
+              <a:ext cx="3119718" cy="1588"/>
+            </a:xfrm>
+            <a:prstGeom prst="line">
+              <a:avLst/>
+            </a:prstGeom>
+            <a:ln>
+              <a:solidFill>
+                <a:schemeClr val="tx2">
+                  <a:lumMod val="60000"/>
+                  <a:lumOff val="40000"/>
+                </a:schemeClr>
+              </a:solidFill>
+            </a:ln>
+            <a:effectLst/>
+          </p:spPr>
+          <p:style>
+            <a:lnRef idx="1">
+              <a:schemeClr val="accent1"/>
+            </a:lnRef>
+            <a:fillRef idx="0">
+              <a:schemeClr val="accent1"/>
+            </a:fillRef>
+            <a:effectRef idx="0">
+              <a:schemeClr val="accent1"/>
+            </a:effectRef>
+            <a:fontRef idx="minor">
+              <a:schemeClr val="tx1"/>
+            </a:fontRef>
+          </p:style>
+        </p:cxnSp>
+        <p:cxnSp>
+          <p:nvCxnSpPr>
+            <p:cNvPr id="15" name="Straight Connector 14"/>
+            <p:cNvCxnSpPr/>
+            <p:nvPr/>
+          </p:nvCxnSpPr>
+          <p:spPr>
+            <a:xfrm rot="10800000">
+              <a:off x="4831976" y="1922650"/>
+              <a:ext cx="3119718" cy="1588"/>
+            </a:xfrm>
+            <a:prstGeom prst="line">
+              <a:avLst/>
+            </a:prstGeom>
+            <a:ln>
+              <a:solidFill>
+                <a:schemeClr val="tx2">
+                  <a:lumMod val="60000"/>
+                  <a:lumOff val="40000"/>
+                </a:schemeClr>
+              </a:solidFill>
+            </a:ln>
+            <a:effectLst/>
+          </p:spPr>
+          <p:style>
+            <a:lnRef idx="1">
+              <a:schemeClr val="accent1"/>
+            </a:lnRef>
+            <a:fillRef idx="0">
+              <a:schemeClr val="accent1"/>
+            </a:fillRef>
+            <a:effectRef idx="0">
+              <a:schemeClr val="accent1"/>
+            </a:effectRef>
+            <a:fontRef idx="minor">
+              <a:schemeClr val="tx1"/>
+            </a:fontRef>
+          </p:style>
+        </p:cxnSp>
+      </p:grpSp>
     </p:spTree>
-    <p:extLst>
-      <p:ext uri="{BB962C8B-B14F-4D97-AF65-F5344CB8AC3E}">
-        <p14:creationId xmlns:p14="http://schemas.microsoft.com/office/powerpoint/2010/main" val="1466546194"/>
-      </p:ext>
-    </p:extLst>
   </p:cSld>
   <p:clrMapOvr>
-    <a:masterClrMapping/>
+    <a:overrideClrMapping bg1="lt1" tx1="dk1" bg2="lt2" tx2="dk2" accent1="accent1" accent2="accent2" accent3="accent3" accent4="accent4" accent5="accent5" accent6="accent6" hlink="hlink" folHlink="folHlink"/>
   </p:clrMapOvr>
 </p:sldLayout>
 </file>
@@ -883,6 +1535,11 @@
 <file path=ppt/slideLayouts/slideLayout3.xml><?xml version="1.0" encoding="utf-8"?>
 <p:sldLayout xmlns:a="http://schemas.openxmlformats.org/drawingml/2006/main" xmlns:r="http://schemas.openxmlformats.org/officeDocument/2006/relationships" xmlns:p="http://schemas.openxmlformats.org/presentationml/2006/main" type="secHead" preserve="1">
   <p:cSld name="Encabezado de sección">
+    <p:bg>
+      <p:bgRef idx="1002">
+        <a:schemeClr val="bg2"/>
+      </p:bgRef>
+    </p:bg>
     <p:spTree>
       <p:nvGrpSpPr>
         <p:cNvPr id="1" name=""/>
@@ -897,64 +1554,231 @@
           <a:chExt cx="0" cy="0"/>
         </a:xfrm>
       </p:grpSpPr>
-      <p:sp>
-        <p:nvSpPr>
-          <p:cNvPr id="2" name="1 Título"/>
-          <p:cNvSpPr>
-            <a:spLocks noGrp="1"/>
-          </p:cNvSpPr>
-          <p:nvPr>
-            <p:ph type="title"/>
-          </p:nvPr>
-        </p:nvSpPr>
+      <p:pic>
+        <p:nvPicPr>
+          <p:cNvPr id="12" name="Picture 11" descr="CoverOverlay.png"/>
+          <p:cNvPicPr>
+            <a:picLocks noChangeAspect="1"/>
+          </p:cNvPicPr>
+          <p:nvPr/>
+        </p:nvPicPr>
+        <p:blipFill>
+          <a:blip r:embed="rId2" cstate="print">
+            <a:lum/>
+          </a:blip>
+          <a:stretch>
+            <a:fillRect/>
+          </a:stretch>
+        </p:blipFill>
         <p:spPr>
           <a:xfrm>
-            <a:off x="722313" y="4406900"/>
-            <a:ext cx="7772400" cy="1362075"/>
+            <a:off x="0" y="0"/>
+            <a:ext cx="9144000" cy="6858000"/>
+          </a:xfrm>
+          <a:prstGeom prst="rect">
+            <a:avLst/>
+          </a:prstGeom>
+        </p:spPr>
+      </p:pic>
+      <p:grpSp>
+        <p:nvGrpSpPr>
+          <p:cNvPr id="7" name="Group 7"/>
+          <p:cNvGrpSpPr/>
+          <p:nvPr/>
+        </p:nvGrpSpPr>
+        <p:grpSpPr>
+          <a:xfrm>
+            <a:off x="1172584" y="2887579"/>
+            <a:ext cx="6779110" cy="923330"/>
+            <a:chOff x="1172584" y="1381459"/>
+            <a:chExt cx="6779110" cy="923330"/>
+          </a:xfrm>
+        </p:grpSpPr>
+        <p:sp>
+          <p:nvSpPr>
+            <p:cNvPr id="9" name="TextBox 8"/>
+            <p:cNvSpPr txBox="1"/>
+            <p:nvPr/>
+          </p:nvSpPr>
+          <p:spPr>
+            <a:xfrm>
+              <a:off x="4147073" y="1381459"/>
+              <a:ext cx="877163" cy="923330"/>
+            </a:xfrm>
+            <a:prstGeom prst="rect">
+              <a:avLst/>
+            </a:prstGeom>
+            <a:noFill/>
+          </p:spPr>
+          <p:txBody>
+            <a:bodyPr wrap="none" rtlCol="0">
+              <a:spAutoFit/>
+            </a:bodyPr>
+            <a:lstStyle/>
+            <a:p>
+              <a:r>
+                <a:rPr lang="en-US" sz="5400" dirty="0" smtClean="0">
+                  <a:solidFill>
+                    <a:schemeClr val="tx2">
+                      <a:lumMod val="60000"/>
+                      <a:lumOff val="40000"/>
+                    </a:schemeClr>
+                  </a:solidFill>
+                  <a:latin typeface="Wingdings" pitchFamily="2" charset="2"/>
+                </a:rPr>
+                <a:t></a:t>
+              </a:r>
+              <a:endParaRPr lang="en-US" sz="5400" dirty="0">
+                <a:solidFill>
+                  <a:schemeClr val="tx2">
+                    <a:lumMod val="60000"/>
+                    <a:lumOff val="40000"/>
+                  </a:schemeClr>
+                </a:solidFill>
+                <a:latin typeface="Wingdings" pitchFamily="2" charset="2"/>
+              </a:endParaRPr>
+            </a:p>
+          </p:txBody>
+        </p:sp>
+        <p:cxnSp>
+          <p:nvCxnSpPr>
+            <p:cNvPr id="10" name="Straight Connector 9"/>
+            <p:cNvCxnSpPr/>
+            <p:nvPr/>
+          </p:nvCxnSpPr>
+          <p:spPr>
+            <a:xfrm rot="10800000">
+              <a:off x="1172584" y="1925620"/>
+              <a:ext cx="3119718" cy="1588"/>
+            </a:xfrm>
+            <a:prstGeom prst="line">
+              <a:avLst/>
+            </a:prstGeom>
+            <a:ln>
+              <a:solidFill>
+                <a:schemeClr val="tx2">
+                  <a:lumMod val="60000"/>
+                  <a:lumOff val="40000"/>
+                </a:schemeClr>
+              </a:solidFill>
+            </a:ln>
+            <a:effectLst/>
+          </p:spPr>
+          <p:style>
+            <a:lnRef idx="1">
+              <a:schemeClr val="accent1"/>
+            </a:lnRef>
+            <a:fillRef idx="0">
+              <a:schemeClr val="accent1"/>
+            </a:fillRef>
+            <a:effectRef idx="0">
+              <a:schemeClr val="accent1"/>
+            </a:effectRef>
+            <a:fontRef idx="minor">
+              <a:schemeClr val="tx1"/>
+            </a:fontRef>
+          </p:style>
+        </p:cxnSp>
+        <p:cxnSp>
+          <p:nvCxnSpPr>
+            <p:cNvPr id="11" name="Straight Connector 10"/>
+            <p:cNvCxnSpPr/>
+            <p:nvPr/>
+          </p:nvCxnSpPr>
+          <p:spPr>
+            <a:xfrm rot="10800000">
+              <a:off x="4831976" y="1927412"/>
+              <a:ext cx="3119718" cy="1588"/>
+            </a:xfrm>
+            <a:prstGeom prst="line">
+              <a:avLst/>
+            </a:prstGeom>
+            <a:ln>
+              <a:solidFill>
+                <a:schemeClr val="tx2">
+                  <a:lumMod val="60000"/>
+                  <a:lumOff val="40000"/>
+                </a:schemeClr>
+              </a:solidFill>
+            </a:ln>
+            <a:effectLst/>
+          </p:spPr>
+          <p:style>
+            <a:lnRef idx="1">
+              <a:schemeClr val="accent1"/>
+            </a:lnRef>
+            <a:fillRef idx="0">
+              <a:schemeClr val="accent1"/>
+            </a:fillRef>
+            <a:effectRef idx="0">
+              <a:schemeClr val="accent1"/>
+            </a:effectRef>
+            <a:fontRef idx="minor">
+              <a:schemeClr val="tx1"/>
+            </a:fontRef>
+          </p:style>
+        </p:cxnSp>
+      </p:grpSp>
+      <p:sp>
+        <p:nvSpPr>
+          <p:cNvPr id="2" name="Title 1"/>
+          <p:cNvSpPr>
+            <a:spLocks noGrp="1"/>
+          </p:cNvSpPr>
+          <p:nvPr>
+            <p:ph type="title"/>
+          </p:nvPr>
+        </p:nvSpPr>
+        <p:spPr>
+          <a:xfrm>
+            <a:off x="690040" y="1204857"/>
+            <a:ext cx="7754713" cy="1910716"/>
           </a:xfrm>
         </p:spPr>
         <p:txBody>
+          <a:bodyPr anchor="b"/>
+          <a:lstStyle>
+            <a:lvl1pPr algn="ctr">
+              <a:defRPr sz="5400" b="0" cap="none" baseline="0">
+                <a:solidFill>
+                  <a:schemeClr val="tx2"/>
+                </a:solidFill>
+              </a:defRPr>
+            </a:lvl1pPr>
+          </a:lstStyle>
+          <a:p>
+            <a:r>
+              <a:rPr lang="es-ES" smtClean="0"/>
+              <a:t>Haga clic para modificar el estilo de título del patrón</a:t>
+            </a:r>
+            <a:endParaRPr lang="en-US" dirty="0"/>
+          </a:p>
+        </p:txBody>
+      </p:sp>
+      <p:sp>
+        <p:nvSpPr>
+          <p:cNvPr id="3" name="Text Placeholder 2"/>
+          <p:cNvSpPr>
+            <a:spLocks noGrp="1"/>
+          </p:cNvSpPr>
+          <p:nvPr>
+            <p:ph type="body" idx="1"/>
+          </p:nvPr>
+        </p:nvSpPr>
+        <p:spPr>
+          <a:xfrm>
+            <a:off x="699248" y="3767316"/>
+            <a:ext cx="7734747" cy="1500187"/>
+          </a:xfrm>
+        </p:spPr>
+        <p:txBody>
           <a:bodyPr anchor="t"/>
           <a:lstStyle>
-            <a:lvl1pPr algn="l">
-              <a:defRPr sz="4000" b="1" cap="all"/>
-            </a:lvl1pPr>
-          </a:lstStyle>
-          <a:p>
-            <a:r>
-              <a:rPr lang="es-ES" smtClean="0"/>
-              <a:t>Haga clic para modificar el estilo de título del patrón</a:t>
-            </a:r>
-            <a:endParaRPr lang="es-MX"/>
-          </a:p>
-        </p:txBody>
-      </p:sp>
-      <p:sp>
-        <p:nvSpPr>
-          <p:cNvPr id="3" name="2 Marcador de texto"/>
-          <p:cNvSpPr>
-            <a:spLocks noGrp="1"/>
-          </p:cNvSpPr>
-          <p:nvPr>
-            <p:ph type="body" idx="1"/>
-          </p:nvPr>
-        </p:nvSpPr>
-        <p:spPr>
-          <a:xfrm>
-            <a:off x="722313" y="2906713"/>
-            <a:ext cx="7772400" cy="1500187"/>
-          </a:xfrm>
-        </p:spPr>
-        <p:txBody>
-          <a:bodyPr anchor="b"/>
-          <a:lstStyle>
-            <a:lvl1pPr marL="0" indent="0">
+            <a:lvl1pPr marL="0" indent="0" algn="ctr">
               <a:buNone/>
               <a:defRPr sz="2000">
                 <a:solidFill>
-                  <a:schemeClr val="tx1">
-                    <a:tint val="75000"/>
-                  </a:schemeClr>
+                  <a:schemeClr val="tx2"/>
                 </a:solidFill>
               </a:defRPr>
             </a:lvl1pPr>
@@ -1050,7 +1874,7 @@
       </p:sp>
       <p:sp>
         <p:nvSpPr>
-          <p:cNvPr id="4" name="3 Marcador de fecha"/>
+          <p:cNvPr id="4" name="Date Placeholder 3"/>
           <p:cNvSpPr>
             <a:spLocks noGrp="1"/>
           </p:cNvSpPr>
@@ -1065,7 +1889,7 @@
           <a:p>
             <a:fld id="{33222564-675F-4C0A-80BE-E9BC60876D09}" type="datetimeFigureOut">
               <a:rPr lang="es-MX" smtClean="0"/>
-              <a:t>23/05/2015</a:t>
+              <a:t>25/05/2015</a:t>
             </a:fld>
             <a:endParaRPr lang="es-MX"/>
           </a:p>
@@ -1073,7 +1897,7 @@
       </p:sp>
       <p:sp>
         <p:nvSpPr>
-          <p:cNvPr id="5" name="4 Marcador de pie de página"/>
+          <p:cNvPr id="5" name="Footer Placeholder 4"/>
           <p:cNvSpPr>
             <a:spLocks noGrp="1"/>
           </p:cNvSpPr>
@@ -1092,7 +1916,7 @@
       </p:sp>
       <p:sp>
         <p:nvSpPr>
-          <p:cNvPr id="6" name="5 Marcador de número de diapositiva"/>
+          <p:cNvPr id="6" name="Slide Number Placeholder 5"/>
           <p:cNvSpPr>
             <a:spLocks noGrp="1"/>
           </p:cNvSpPr>
@@ -1114,14 +1938,9 @@
         </p:txBody>
       </p:sp>
     </p:spTree>
-    <p:extLst>
-      <p:ext uri="{BB962C8B-B14F-4D97-AF65-F5344CB8AC3E}">
-        <p14:creationId xmlns:p14="http://schemas.microsoft.com/office/powerpoint/2010/main" val="1299141274"/>
-      </p:ext>
-    </p:extLst>
   </p:cSld>
   <p:clrMapOvr>
-    <a:masterClrMapping/>
+    <a:overrideClrMapping bg1="lt1" tx1="dk1" bg2="lt2" tx2="dk2" accent1="accent1" accent2="accent2" accent3="accent3" accent4="accent4" accent5="accent5" accent6="accent6" hlink="hlink" folHlink="folHlink"/>
   </p:clrMapOvr>
 </p:sldLayout>
 </file>
@@ -1145,12 +1964,12 @@
       </p:grpSpPr>
       <p:sp>
         <p:nvSpPr>
-          <p:cNvPr id="2" name="1 Título"/>
-          <p:cNvSpPr>
-            <a:spLocks noGrp="1"/>
-          </p:cNvSpPr>
-          <p:nvPr>
-            <p:ph type="title"/>
+          <p:cNvPr id="5" name="Date Placeholder 4"/>
+          <p:cNvSpPr>
+            <a:spLocks noGrp="1"/>
+          </p:cNvSpPr>
+          <p:nvPr>
+            <p:ph type="dt" sz="half" idx="10"/>
           </p:nvPr>
         </p:nvSpPr>
         <p:spPr/>
@@ -1158,192 +1977,22 @@
           <a:bodyPr/>
           <a:lstStyle/>
           <a:p>
-            <a:r>
-              <a:rPr lang="es-ES" smtClean="0"/>
-              <a:t>Haga clic para modificar el estilo de título del patrón</a:t>
-            </a:r>
+            <a:fld id="{33222564-675F-4C0A-80BE-E9BC60876D09}" type="datetimeFigureOut">
+              <a:rPr lang="es-MX" smtClean="0"/>
+              <a:t>25/05/2015</a:t>
+            </a:fld>
             <a:endParaRPr lang="es-MX"/>
           </a:p>
         </p:txBody>
       </p:sp>
       <p:sp>
         <p:nvSpPr>
-          <p:cNvPr id="3" name="2 Marcador de contenido"/>
-          <p:cNvSpPr>
-            <a:spLocks noGrp="1"/>
-          </p:cNvSpPr>
-          <p:nvPr>
-            <p:ph sz="half" idx="1"/>
-          </p:nvPr>
-        </p:nvSpPr>
-        <p:spPr>
-          <a:xfrm>
-            <a:off x="457200" y="1600200"/>
-            <a:ext cx="4038600" cy="4525963"/>
-          </a:xfrm>
-        </p:spPr>
-        <p:txBody>
-          <a:bodyPr/>
-          <a:lstStyle>
-            <a:lvl1pPr>
-              <a:defRPr sz="2800"/>
-            </a:lvl1pPr>
-            <a:lvl2pPr>
-              <a:defRPr sz="2400"/>
-            </a:lvl2pPr>
-            <a:lvl3pPr>
-              <a:defRPr sz="2000"/>
-            </a:lvl3pPr>
-            <a:lvl4pPr>
-              <a:defRPr sz="1800"/>
-            </a:lvl4pPr>
-            <a:lvl5pPr>
-              <a:defRPr sz="1800"/>
-            </a:lvl5pPr>
-            <a:lvl6pPr>
-              <a:defRPr sz="1800"/>
-            </a:lvl6pPr>
-            <a:lvl7pPr>
-              <a:defRPr sz="1800"/>
-            </a:lvl7pPr>
-            <a:lvl8pPr>
-              <a:defRPr sz="1800"/>
-            </a:lvl8pPr>
-            <a:lvl9pPr>
-              <a:defRPr sz="1800"/>
-            </a:lvl9pPr>
-          </a:lstStyle>
-          <a:p>
-            <a:pPr lvl="0"/>
-            <a:r>
-              <a:rPr lang="es-ES" smtClean="0"/>
-              <a:t>Haga clic para modificar el estilo de texto del patrón</a:t>
-            </a:r>
-          </a:p>
-          <a:p>
-            <a:pPr lvl="1"/>
-            <a:r>
-              <a:rPr lang="es-ES" smtClean="0"/>
-              <a:t>Segundo nivel</a:t>
-            </a:r>
-          </a:p>
-          <a:p>
-            <a:pPr lvl="2"/>
-            <a:r>
-              <a:rPr lang="es-ES" smtClean="0"/>
-              <a:t>Tercer nivel</a:t>
-            </a:r>
-          </a:p>
-          <a:p>
-            <a:pPr lvl="3"/>
-            <a:r>
-              <a:rPr lang="es-ES" smtClean="0"/>
-              <a:t>Cuarto nivel</a:t>
-            </a:r>
-          </a:p>
-          <a:p>
-            <a:pPr lvl="4"/>
-            <a:r>
-              <a:rPr lang="es-ES" smtClean="0"/>
-              <a:t>Quinto nivel</a:t>
-            </a:r>
-            <a:endParaRPr lang="es-MX"/>
-          </a:p>
-        </p:txBody>
-      </p:sp>
-      <p:sp>
-        <p:nvSpPr>
-          <p:cNvPr id="4" name="3 Marcador de contenido"/>
-          <p:cNvSpPr>
-            <a:spLocks noGrp="1"/>
-          </p:cNvSpPr>
-          <p:nvPr>
-            <p:ph sz="half" idx="2"/>
-          </p:nvPr>
-        </p:nvSpPr>
-        <p:spPr>
-          <a:xfrm>
-            <a:off x="4648200" y="1600200"/>
-            <a:ext cx="4038600" cy="4525963"/>
-          </a:xfrm>
-        </p:spPr>
-        <p:txBody>
-          <a:bodyPr/>
-          <a:lstStyle>
-            <a:lvl1pPr>
-              <a:defRPr sz="2800"/>
-            </a:lvl1pPr>
-            <a:lvl2pPr>
-              <a:defRPr sz="2400"/>
-            </a:lvl2pPr>
-            <a:lvl3pPr>
-              <a:defRPr sz="2000"/>
-            </a:lvl3pPr>
-            <a:lvl4pPr>
-              <a:defRPr sz="1800"/>
-            </a:lvl4pPr>
-            <a:lvl5pPr>
-              <a:defRPr sz="1800"/>
-            </a:lvl5pPr>
-            <a:lvl6pPr>
-              <a:defRPr sz="1800"/>
-            </a:lvl6pPr>
-            <a:lvl7pPr>
-              <a:defRPr sz="1800"/>
-            </a:lvl7pPr>
-            <a:lvl8pPr>
-              <a:defRPr sz="1800"/>
-            </a:lvl8pPr>
-            <a:lvl9pPr>
-              <a:defRPr sz="1800"/>
-            </a:lvl9pPr>
-          </a:lstStyle>
-          <a:p>
-            <a:pPr lvl="0"/>
-            <a:r>
-              <a:rPr lang="es-ES" smtClean="0"/>
-              <a:t>Haga clic para modificar el estilo de texto del patrón</a:t>
-            </a:r>
-          </a:p>
-          <a:p>
-            <a:pPr lvl="1"/>
-            <a:r>
-              <a:rPr lang="es-ES" smtClean="0"/>
-              <a:t>Segundo nivel</a:t>
-            </a:r>
-          </a:p>
-          <a:p>
-            <a:pPr lvl="2"/>
-            <a:r>
-              <a:rPr lang="es-ES" smtClean="0"/>
-              <a:t>Tercer nivel</a:t>
-            </a:r>
-          </a:p>
-          <a:p>
-            <a:pPr lvl="3"/>
-            <a:r>
-              <a:rPr lang="es-ES" smtClean="0"/>
-              <a:t>Cuarto nivel</a:t>
-            </a:r>
-          </a:p>
-          <a:p>
-            <a:pPr lvl="4"/>
-            <a:r>
-              <a:rPr lang="es-ES" smtClean="0"/>
-              <a:t>Quinto nivel</a:t>
-            </a:r>
-            <a:endParaRPr lang="es-MX"/>
-          </a:p>
-        </p:txBody>
-      </p:sp>
-      <p:sp>
-        <p:nvSpPr>
-          <p:cNvPr id="5" name="4 Marcador de fecha"/>
-          <p:cNvSpPr>
-            <a:spLocks noGrp="1"/>
-          </p:cNvSpPr>
-          <p:nvPr>
-            <p:ph type="dt" sz="half" idx="10"/>
+          <p:cNvPr id="6" name="Footer Placeholder 5"/>
+          <p:cNvSpPr>
+            <a:spLocks noGrp="1"/>
+          </p:cNvSpPr>
+          <p:nvPr>
+            <p:ph type="ftr" sz="quarter" idx="11"/>
           </p:nvPr>
         </p:nvSpPr>
         <p:spPr/>
@@ -1351,36 +2000,13 @@
           <a:bodyPr/>
           <a:lstStyle/>
           <a:p>
-            <a:fld id="{33222564-675F-4C0A-80BE-E9BC60876D09}" type="datetimeFigureOut">
-              <a:rPr lang="es-MX" smtClean="0"/>
-              <a:t>23/05/2015</a:t>
-            </a:fld>
             <a:endParaRPr lang="es-MX"/>
           </a:p>
         </p:txBody>
       </p:sp>
       <p:sp>
         <p:nvSpPr>
-          <p:cNvPr id="6" name="5 Marcador de pie de página"/>
-          <p:cNvSpPr>
-            <a:spLocks noGrp="1"/>
-          </p:cNvSpPr>
-          <p:nvPr>
-            <p:ph type="ftr" sz="quarter" idx="11"/>
-          </p:nvPr>
-        </p:nvSpPr>
-        <p:spPr/>
-        <p:txBody>
-          <a:bodyPr/>
-          <a:lstStyle/>
-          <a:p>
-            <a:endParaRPr lang="es-MX"/>
-          </a:p>
-        </p:txBody>
-      </p:sp>
-      <p:sp>
-        <p:nvSpPr>
-          <p:cNvPr id="7" name="6 Marcador de número de diapositiva"/>
+          <p:cNvPr id="7" name="Slide Number Placeholder 6"/>
           <p:cNvSpPr>
             <a:spLocks noGrp="1"/>
           </p:cNvSpPr>
@@ -1401,12 +2027,291 @@
           </a:p>
         </p:txBody>
       </p:sp>
+      <p:sp>
+        <p:nvSpPr>
+          <p:cNvPr id="12" name="Title 11"/>
+          <p:cNvSpPr>
+            <a:spLocks noGrp="1"/>
+          </p:cNvSpPr>
+          <p:nvPr>
+            <p:ph type="title"/>
+          </p:nvPr>
+        </p:nvSpPr>
+        <p:spPr/>
+        <p:txBody>
+          <a:bodyPr/>
+          <a:lstStyle>
+            <a:lvl1pPr>
+              <a:defRPr>
+                <a:solidFill>
+                  <a:schemeClr val="tx2"/>
+                </a:solidFill>
+              </a:defRPr>
+            </a:lvl1pPr>
+          </a:lstStyle>
+          <a:p>
+            <a:r>
+              <a:rPr lang="es-ES" smtClean="0"/>
+              <a:t>Haga clic para modificar el estilo de título del patrón</a:t>
+            </a:r>
+            <a:endParaRPr lang="en-US" dirty="0"/>
+          </a:p>
+        </p:txBody>
+      </p:sp>
+      <p:grpSp>
+        <p:nvGrpSpPr>
+          <p:cNvPr id="13" name="Group 12"/>
+          <p:cNvGrpSpPr/>
+          <p:nvPr/>
+        </p:nvGrpSpPr>
+        <p:grpSpPr>
+          <a:xfrm>
+            <a:off x="1172584" y="1392217"/>
+            <a:ext cx="6779110" cy="923330"/>
+            <a:chOff x="1172584" y="1381459"/>
+            <a:chExt cx="6779110" cy="923330"/>
+          </a:xfrm>
+        </p:grpSpPr>
+        <p:sp>
+          <p:nvSpPr>
+            <p:cNvPr id="14" name="TextBox 13"/>
+            <p:cNvSpPr txBox="1"/>
+            <p:nvPr/>
+          </p:nvSpPr>
+          <p:spPr>
+            <a:xfrm>
+              <a:off x="4147073" y="1381459"/>
+              <a:ext cx="877163" cy="923330"/>
+            </a:xfrm>
+            <a:prstGeom prst="rect">
+              <a:avLst/>
+            </a:prstGeom>
+            <a:noFill/>
+          </p:spPr>
+          <p:txBody>
+            <a:bodyPr wrap="none" rtlCol="0">
+              <a:spAutoFit/>
+            </a:bodyPr>
+            <a:lstStyle/>
+            <a:p>
+              <a:r>
+                <a:rPr lang="en-US" sz="5400" dirty="0" smtClean="0">
+                  <a:solidFill>
+                    <a:schemeClr val="tx2">
+                      <a:lumMod val="60000"/>
+                      <a:lumOff val="40000"/>
+                    </a:schemeClr>
+                  </a:solidFill>
+                  <a:latin typeface="Wingdings" pitchFamily="2" charset="2"/>
+                </a:rPr>
+                <a:t></a:t>
+              </a:r>
+              <a:endParaRPr lang="en-US" sz="5400" dirty="0">
+                <a:solidFill>
+                  <a:schemeClr val="tx2">
+                    <a:lumMod val="60000"/>
+                    <a:lumOff val="40000"/>
+                  </a:schemeClr>
+                </a:solidFill>
+                <a:latin typeface="Wingdings" pitchFamily="2" charset="2"/>
+              </a:endParaRPr>
+            </a:p>
+          </p:txBody>
+        </p:sp>
+        <p:cxnSp>
+          <p:nvCxnSpPr>
+            <p:cNvPr id="15" name="Straight Connector 14"/>
+            <p:cNvCxnSpPr/>
+            <p:nvPr/>
+          </p:nvCxnSpPr>
+          <p:spPr>
+            <a:xfrm rot="10800000">
+              <a:off x="1172584" y="1925620"/>
+              <a:ext cx="3119718" cy="1588"/>
+            </a:xfrm>
+            <a:prstGeom prst="line">
+              <a:avLst/>
+            </a:prstGeom>
+            <a:ln>
+              <a:solidFill>
+                <a:schemeClr val="tx2">
+                  <a:lumMod val="60000"/>
+                  <a:lumOff val="40000"/>
+                </a:schemeClr>
+              </a:solidFill>
+            </a:ln>
+            <a:effectLst/>
+          </p:spPr>
+          <p:style>
+            <a:lnRef idx="1">
+              <a:schemeClr val="accent1"/>
+            </a:lnRef>
+            <a:fillRef idx="0">
+              <a:schemeClr val="accent1"/>
+            </a:fillRef>
+            <a:effectRef idx="0">
+              <a:schemeClr val="accent1"/>
+            </a:effectRef>
+            <a:fontRef idx="minor">
+              <a:schemeClr val="tx1"/>
+            </a:fontRef>
+          </p:style>
+        </p:cxnSp>
+        <p:cxnSp>
+          <p:nvCxnSpPr>
+            <p:cNvPr id="16" name="Straight Connector 15"/>
+            <p:cNvCxnSpPr/>
+            <p:nvPr/>
+          </p:nvCxnSpPr>
+          <p:spPr>
+            <a:xfrm rot="10800000">
+              <a:off x="4831976" y="1922650"/>
+              <a:ext cx="3119718" cy="1588"/>
+            </a:xfrm>
+            <a:prstGeom prst="line">
+              <a:avLst/>
+            </a:prstGeom>
+            <a:ln>
+              <a:solidFill>
+                <a:schemeClr val="tx2">
+                  <a:lumMod val="60000"/>
+                  <a:lumOff val="40000"/>
+                </a:schemeClr>
+              </a:solidFill>
+            </a:ln>
+            <a:effectLst/>
+          </p:spPr>
+          <p:style>
+            <a:lnRef idx="1">
+              <a:schemeClr val="accent1"/>
+            </a:lnRef>
+            <a:fillRef idx="0">
+              <a:schemeClr val="accent1"/>
+            </a:fillRef>
+            <a:effectRef idx="0">
+              <a:schemeClr val="accent1"/>
+            </a:effectRef>
+            <a:fontRef idx="minor">
+              <a:schemeClr val="tx1"/>
+            </a:fontRef>
+          </p:style>
+        </p:cxnSp>
+      </p:grpSp>
+      <p:sp>
+        <p:nvSpPr>
+          <p:cNvPr id="8" name="Content Placeholder 7"/>
+          <p:cNvSpPr>
+            <a:spLocks noGrp="1"/>
+          </p:cNvSpPr>
+          <p:nvPr>
+            <p:ph sz="quarter" idx="13"/>
+          </p:nvPr>
+        </p:nvSpPr>
+        <p:spPr>
+          <a:xfrm>
+            <a:off x="685800" y="2240280"/>
+            <a:ext cx="3803904" cy="3877056"/>
+          </a:xfrm>
+        </p:spPr>
+        <p:txBody>
+          <a:bodyPr/>
+          <a:lstStyle/>
+          <a:p>
+            <a:pPr lvl="0"/>
+            <a:r>
+              <a:rPr lang="es-ES" smtClean="0"/>
+              <a:t>Haga clic para modificar el estilo de texto del patrón</a:t>
+            </a:r>
+          </a:p>
+          <a:p>
+            <a:pPr lvl="1"/>
+            <a:r>
+              <a:rPr lang="es-ES" smtClean="0"/>
+              <a:t>Segundo nivel</a:t>
+            </a:r>
+          </a:p>
+          <a:p>
+            <a:pPr lvl="2"/>
+            <a:r>
+              <a:rPr lang="es-ES" smtClean="0"/>
+              <a:t>Tercer nivel</a:t>
+            </a:r>
+          </a:p>
+          <a:p>
+            <a:pPr lvl="3"/>
+            <a:r>
+              <a:rPr lang="es-ES" smtClean="0"/>
+              <a:t>Cuarto nivel</a:t>
+            </a:r>
+          </a:p>
+          <a:p>
+            <a:pPr lvl="4"/>
+            <a:r>
+              <a:rPr lang="es-ES" smtClean="0"/>
+              <a:t>Quinto nivel</a:t>
+            </a:r>
+            <a:endParaRPr lang="en-US"/>
+          </a:p>
+        </p:txBody>
+      </p:sp>
+      <p:sp>
+        <p:nvSpPr>
+          <p:cNvPr id="10" name="Content Placeholder 9"/>
+          <p:cNvSpPr>
+            <a:spLocks noGrp="1"/>
+          </p:cNvSpPr>
+          <p:nvPr>
+            <p:ph sz="quarter" idx="14"/>
+          </p:nvPr>
+        </p:nvSpPr>
+        <p:spPr>
+          <a:xfrm>
+            <a:off x="4645151" y="2240280"/>
+            <a:ext cx="3803904" cy="3877056"/>
+          </a:xfrm>
+        </p:spPr>
+        <p:txBody>
+          <a:bodyPr/>
+          <a:lstStyle/>
+          <a:p>
+            <a:pPr lvl="0"/>
+            <a:r>
+              <a:rPr lang="es-ES" smtClean="0"/>
+              <a:t>Haga clic para modificar el estilo de texto del patrón</a:t>
+            </a:r>
+          </a:p>
+          <a:p>
+            <a:pPr lvl="1"/>
+            <a:r>
+              <a:rPr lang="es-ES" smtClean="0"/>
+              <a:t>Segundo nivel</a:t>
+            </a:r>
+          </a:p>
+          <a:p>
+            <a:pPr lvl="2"/>
+            <a:r>
+              <a:rPr lang="es-ES" smtClean="0"/>
+              <a:t>Tercer nivel</a:t>
+            </a:r>
+          </a:p>
+          <a:p>
+            <a:pPr lvl="3"/>
+            <a:r>
+              <a:rPr lang="es-ES" smtClean="0"/>
+              <a:t>Cuarto nivel</a:t>
+            </a:r>
+          </a:p>
+          <a:p>
+            <a:pPr lvl="4"/>
+            <a:r>
+              <a:rPr lang="es-ES" smtClean="0"/>
+              <a:t>Quinto nivel</a:t>
+            </a:r>
+            <a:endParaRPr lang="en-US"/>
+          </a:p>
+        </p:txBody>
+      </p:sp>
     </p:spTree>
-    <p:extLst>
-      <p:ext uri="{BB962C8B-B14F-4D97-AF65-F5344CB8AC3E}">
-        <p14:creationId xmlns:p14="http://schemas.microsoft.com/office/powerpoint/2010/main" val="3625699151"/>
-      </p:ext>
-    </p:extLst>
   </p:cSld>
   <p:clrMapOvr>
     <a:masterClrMapping/>
@@ -1433,7 +2338,7 @@
       </p:grpSpPr>
       <p:sp>
         <p:nvSpPr>
-          <p:cNvPr id="2" name="1 Título"/>
+          <p:cNvPr id="2" name="Title 1"/>
           <p:cNvSpPr>
             <a:spLocks noGrp="1"/>
           </p:cNvSpPr>
@@ -1454,13 +2359,13 @@
               <a:rPr lang="es-ES" smtClean="0"/>
               <a:t>Haga clic para modificar el estilo de título del patrón</a:t>
             </a:r>
-            <a:endParaRPr lang="es-MX"/>
-          </a:p>
-        </p:txBody>
-      </p:sp>
-      <p:sp>
-        <p:nvSpPr>
-          <p:cNvPr id="3" name="2 Marcador de texto"/>
+            <a:endParaRPr lang="en-US"/>
+          </a:p>
+        </p:txBody>
+      </p:sp>
+      <p:sp>
+        <p:nvSpPr>
+          <p:cNvPr id="3" name="Text Placeholder 2"/>
           <p:cNvSpPr>
             <a:spLocks noGrp="1"/>
           </p:cNvSpPr>
@@ -1470,16 +2375,20 @@
         </p:nvSpPr>
         <p:spPr>
           <a:xfrm>
-            <a:off x="457200" y="1535113"/>
-            <a:ext cx="4040188" cy="639762"/>
+            <a:off x="1051560" y="2240280"/>
+            <a:ext cx="3442446" cy="658368"/>
           </a:xfrm>
         </p:spPr>
         <p:txBody>
           <a:bodyPr anchor="b"/>
           <a:lstStyle>
-            <a:lvl1pPr marL="0" indent="0">
-              <a:buNone/>
-              <a:defRPr sz="2400" b="1"/>
+            <a:lvl1pPr marL="0" indent="0" algn="ctr">
+              <a:buNone/>
+              <a:defRPr sz="2400" b="0">
+                <a:solidFill>
+                  <a:schemeClr val="tx2"/>
+                </a:solidFill>
+              </a:defRPr>
             </a:lvl1pPr>
             <a:lvl2pPr marL="457200" indent="0">
               <a:buNone/>
@@ -1525,7 +2434,7 @@
       </p:sp>
       <p:sp>
         <p:nvSpPr>
-          <p:cNvPr id="4" name="3 Marcador de contenido"/>
+          <p:cNvPr id="4" name="Content Placeholder 3"/>
           <p:cNvSpPr>
             <a:spLocks noGrp="1"/>
           </p:cNvSpPr>
@@ -1535,8 +2444,8 @@
         </p:nvSpPr>
         <p:spPr>
           <a:xfrm>
-            <a:off x="457200" y="2174875"/>
-            <a:ext cx="4040188" cy="3951288"/>
+            <a:off x="688488" y="2947595"/>
+            <a:ext cx="3803904" cy="3172968"/>
           </a:xfrm>
         </p:spPr>
         <p:txBody>
@@ -1604,13 +2513,13 @@
               <a:rPr lang="es-ES" smtClean="0"/>
               <a:t>Quinto nivel</a:t>
             </a:r>
-            <a:endParaRPr lang="es-MX"/>
-          </a:p>
-        </p:txBody>
-      </p:sp>
-      <p:sp>
-        <p:nvSpPr>
-          <p:cNvPr id="5" name="4 Marcador de texto"/>
+            <a:endParaRPr lang="en-US" dirty="0"/>
+          </a:p>
+        </p:txBody>
+      </p:sp>
+      <p:sp>
+        <p:nvSpPr>
+          <p:cNvPr id="5" name="Text Placeholder 4"/>
           <p:cNvSpPr>
             <a:spLocks noGrp="1"/>
           </p:cNvSpPr>
@@ -1620,16 +2529,20 @@
         </p:nvSpPr>
         <p:spPr>
           <a:xfrm>
-            <a:off x="4645025" y="1535113"/>
-            <a:ext cx="4041775" cy="639762"/>
+            <a:off x="5002306" y="2240280"/>
+            <a:ext cx="3447288" cy="658368"/>
           </a:xfrm>
         </p:spPr>
         <p:txBody>
           <a:bodyPr anchor="b"/>
           <a:lstStyle>
-            <a:lvl1pPr marL="0" indent="0">
-              <a:buNone/>
-              <a:defRPr sz="2400" b="1"/>
+            <a:lvl1pPr marL="0" indent="0" algn="ctr">
+              <a:buNone/>
+              <a:defRPr sz="2400" b="0">
+                <a:solidFill>
+                  <a:schemeClr val="tx2"/>
+                </a:solidFill>
+              </a:defRPr>
             </a:lvl1pPr>
             <a:lvl2pPr marL="457200" indent="0">
               <a:buNone/>
@@ -1675,7 +2588,7 @@
       </p:sp>
       <p:sp>
         <p:nvSpPr>
-          <p:cNvPr id="6" name="5 Marcador de contenido"/>
+          <p:cNvPr id="6" name="Content Placeholder 5"/>
           <p:cNvSpPr>
             <a:spLocks noGrp="1"/>
           </p:cNvSpPr>
@@ -1685,8 +2598,8 @@
         </p:nvSpPr>
         <p:spPr>
           <a:xfrm>
-            <a:off x="4645025" y="2174875"/>
-            <a:ext cx="4041775" cy="3951288"/>
+            <a:off x="4645026" y="2944368"/>
+            <a:ext cx="3799728" cy="3172968"/>
           </a:xfrm>
         </p:spPr>
         <p:txBody>
@@ -1754,13 +2667,13 @@
               <a:rPr lang="es-ES" smtClean="0"/>
               <a:t>Quinto nivel</a:t>
             </a:r>
-            <a:endParaRPr lang="es-MX"/>
-          </a:p>
-        </p:txBody>
-      </p:sp>
-      <p:sp>
-        <p:nvSpPr>
-          <p:cNvPr id="7" name="6 Marcador de fecha"/>
+            <a:endParaRPr lang="en-US" dirty="0"/>
+          </a:p>
+        </p:txBody>
+      </p:sp>
+      <p:sp>
+        <p:nvSpPr>
+          <p:cNvPr id="7" name="Date Placeholder 6"/>
           <p:cNvSpPr>
             <a:spLocks noGrp="1"/>
           </p:cNvSpPr>
@@ -1775,7 +2688,7 @@
           <a:p>
             <a:fld id="{33222564-675F-4C0A-80BE-E9BC60876D09}" type="datetimeFigureOut">
               <a:rPr lang="es-MX" smtClean="0"/>
-              <a:t>23/05/2015</a:t>
+              <a:t>25/05/2015</a:t>
             </a:fld>
             <a:endParaRPr lang="es-MX"/>
           </a:p>
@@ -1783,7 +2696,7 @@
       </p:sp>
       <p:sp>
         <p:nvSpPr>
-          <p:cNvPr id="8" name="7 Marcador de pie de página"/>
+          <p:cNvPr id="8" name="Footer Placeholder 7"/>
           <p:cNvSpPr>
             <a:spLocks noGrp="1"/>
           </p:cNvSpPr>
@@ -1802,7 +2715,7 @@
       </p:sp>
       <p:sp>
         <p:nvSpPr>
-          <p:cNvPr id="9" name="8 Marcador de número de diapositiva"/>
+          <p:cNvPr id="9" name="Slide Number Placeholder 8"/>
           <p:cNvSpPr>
             <a:spLocks noGrp="1"/>
           </p:cNvSpPr>
@@ -1823,12 +2736,146 @@
           </a:p>
         </p:txBody>
       </p:sp>
+      <p:grpSp>
+        <p:nvGrpSpPr>
+          <p:cNvPr id="14" name="Group 13"/>
+          <p:cNvGrpSpPr/>
+          <p:nvPr/>
+        </p:nvGrpSpPr>
+        <p:grpSpPr>
+          <a:xfrm>
+            <a:off x="1172584" y="1392217"/>
+            <a:ext cx="6779110" cy="923330"/>
+            <a:chOff x="1172584" y="1381459"/>
+            <a:chExt cx="6779110" cy="923330"/>
+          </a:xfrm>
+        </p:grpSpPr>
+        <p:sp>
+          <p:nvSpPr>
+            <p:cNvPr id="16" name="TextBox 15"/>
+            <p:cNvSpPr txBox="1"/>
+            <p:nvPr/>
+          </p:nvSpPr>
+          <p:spPr>
+            <a:xfrm>
+              <a:off x="4147073" y="1381459"/>
+              <a:ext cx="877163" cy="923330"/>
+            </a:xfrm>
+            <a:prstGeom prst="rect">
+              <a:avLst/>
+            </a:prstGeom>
+            <a:noFill/>
+          </p:spPr>
+          <p:txBody>
+            <a:bodyPr wrap="none" rtlCol="0">
+              <a:spAutoFit/>
+            </a:bodyPr>
+            <a:lstStyle/>
+            <a:p>
+              <a:r>
+                <a:rPr lang="en-US" sz="5400" dirty="0" smtClean="0">
+                  <a:solidFill>
+                    <a:schemeClr val="tx2">
+                      <a:lumMod val="60000"/>
+                      <a:lumOff val="40000"/>
+                    </a:schemeClr>
+                  </a:solidFill>
+                  <a:latin typeface="Wingdings" pitchFamily="2" charset="2"/>
+                </a:rPr>
+                <a:t></a:t>
+              </a:r>
+              <a:endParaRPr lang="en-US" sz="5400" dirty="0">
+                <a:solidFill>
+                  <a:schemeClr val="tx2">
+                    <a:lumMod val="60000"/>
+                    <a:lumOff val="40000"/>
+                  </a:schemeClr>
+                </a:solidFill>
+                <a:latin typeface="Wingdings" pitchFamily="2" charset="2"/>
+              </a:endParaRPr>
+            </a:p>
+          </p:txBody>
+        </p:sp>
+        <p:cxnSp>
+          <p:nvCxnSpPr>
+            <p:cNvPr id="17" name="Straight Connector 16"/>
+            <p:cNvCxnSpPr/>
+            <p:nvPr/>
+          </p:nvCxnSpPr>
+          <p:spPr>
+            <a:xfrm rot="10800000">
+              <a:off x="1172584" y="1925620"/>
+              <a:ext cx="3119718" cy="1588"/>
+            </a:xfrm>
+            <a:prstGeom prst="line">
+              <a:avLst/>
+            </a:prstGeom>
+            <a:ln>
+              <a:solidFill>
+                <a:schemeClr val="tx2">
+                  <a:lumMod val="60000"/>
+                  <a:lumOff val="40000"/>
+                </a:schemeClr>
+              </a:solidFill>
+            </a:ln>
+            <a:effectLst/>
+          </p:spPr>
+          <p:style>
+            <a:lnRef idx="1">
+              <a:schemeClr val="accent1"/>
+            </a:lnRef>
+            <a:fillRef idx="0">
+              <a:schemeClr val="accent1"/>
+            </a:fillRef>
+            <a:effectRef idx="0">
+              <a:schemeClr val="accent1"/>
+            </a:effectRef>
+            <a:fontRef idx="minor">
+              <a:schemeClr val="tx1"/>
+            </a:fontRef>
+          </p:style>
+        </p:cxnSp>
+        <p:cxnSp>
+          <p:nvCxnSpPr>
+            <p:cNvPr id="18" name="Straight Connector 17"/>
+            <p:cNvCxnSpPr/>
+            <p:nvPr/>
+          </p:nvCxnSpPr>
+          <p:spPr>
+            <a:xfrm rot="10800000">
+              <a:off x="4831976" y="1922650"/>
+              <a:ext cx="3119718" cy="1588"/>
+            </a:xfrm>
+            <a:prstGeom prst="line">
+              <a:avLst/>
+            </a:prstGeom>
+            <a:ln>
+              <a:solidFill>
+                <a:schemeClr val="tx2">
+                  <a:lumMod val="60000"/>
+                  <a:lumOff val="40000"/>
+                </a:schemeClr>
+              </a:solidFill>
+            </a:ln>
+            <a:effectLst/>
+          </p:spPr>
+          <p:style>
+            <a:lnRef idx="1">
+              <a:schemeClr val="accent1"/>
+            </a:lnRef>
+            <a:fillRef idx="0">
+              <a:schemeClr val="accent1"/>
+            </a:fillRef>
+            <a:effectRef idx="0">
+              <a:schemeClr val="accent1"/>
+            </a:effectRef>
+            <a:fontRef idx="minor">
+              <a:schemeClr val="tx1"/>
+            </a:fontRef>
+          </p:style>
+        </p:cxnSp>
+      </p:grpSp>
     </p:spTree>
-    <p:extLst>
-      <p:ext uri="{BB962C8B-B14F-4D97-AF65-F5344CB8AC3E}">
-        <p14:creationId xmlns:p14="http://schemas.microsoft.com/office/powerpoint/2010/main" val="1883983034"/>
-      </p:ext>
-    </p:extLst>
   </p:cSld>
   <p:clrMapOvr>
     <a:masterClrMapping/>
@@ -1855,7 +2902,7 @@
       </p:grpSpPr>
       <p:sp>
         <p:nvSpPr>
-          <p:cNvPr id="2" name="1 Título"/>
+          <p:cNvPr id="2" name="Title 1"/>
           <p:cNvSpPr>
             <a:spLocks noGrp="1"/>
           </p:cNvSpPr>
@@ -1872,13 +2919,13 @@
               <a:rPr lang="es-ES" smtClean="0"/>
               <a:t>Haga clic para modificar el estilo de título del patrón</a:t>
             </a:r>
-            <a:endParaRPr lang="es-MX"/>
-          </a:p>
-        </p:txBody>
-      </p:sp>
-      <p:sp>
-        <p:nvSpPr>
-          <p:cNvPr id="3" name="2 Marcador de fecha"/>
+            <a:endParaRPr lang="en-US" dirty="0"/>
+          </a:p>
+        </p:txBody>
+      </p:sp>
+      <p:sp>
+        <p:nvSpPr>
+          <p:cNvPr id="3" name="Date Placeholder 2"/>
           <p:cNvSpPr>
             <a:spLocks noGrp="1"/>
           </p:cNvSpPr>
@@ -1893,7 +2940,7 @@
           <a:p>
             <a:fld id="{33222564-675F-4C0A-80BE-E9BC60876D09}" type="datetimeFigureOut">
               <a:rPr lang="es-MX" smtClean="0"/>
-              <a:t>23/05/2015</a:t>
+              <a:t>25/05/2015</a:t>
             </a:fld>
             <a:endParaRPr lang="es-MX"/>
           </a:p>
@@ -1901,7 +2948,7 @@
       </p:sp>
       <p:sp>
         <p:nvSpPr>
-          <p:cNvPr id="4" name="3 Marcador de pie de página"/>
+          <p:cNvPr id="4" name="Footer Placeholder 3"/>
           <p:cNvSpPr>
             <a:spLocks noGrp="1"/>
           </p:cNvSpPr>
@@ -1920,7 +2967,7 @@
       </p:sp>
       <p:sp>
         <p:nvSpPr>
-          <p:cNvPr id="5" name="4 Marcador de número de diapositiva"/>
+          <p:cNvPr id="5" name="Slide Number Placeholder 4"/>
           <p:cNvSpPr>
             <a:spLocks noGrp="1"/>
           </p:cNvSpPr>
@@ -1941,12 +2988,146 @@
           </a:p>
         </p:txBody>
       </p:sp>
+      <p:grpSp>
+        <p:nvGrpSpPr>
+          <p:cNvPr id="10" name="Group 9"/>
+          <p:cNvGrpSpPr/>
+          <p:nvPr/>
+        </p:nvGrpSpPr>
+        <p:grpSpPr>
+          <a:xfrm>
+            <a:off x="1172584" y="1392217"/>
+            <a:ext cx="6779110" cy="923330"/>
+            <a:chOff x="1172584" y="1381459"/>
+            <a:chExt cx="6779110" cy="923330"/>
+          </a:xfrm>
+        </p:grpSpPr>
+        <p:sp>
+          <p:nvSpPr>
+            <p:cNvPr id="14" name="TextBox 13"/>
+            <p:cNvSpPr txBox="1"/>
+            <p:nvPr/>
+          </p:nvSpPr>
+          <p:spPr>
+            <a:xfrm>
+              <a:off x="4147073" y="1381459"/>
+              <a:ext cx="877163" cy="923330"/>
+            </a:xfrm>
+            <a:prstGeom prst="rect">
+              <a:avLst/>
+            </a:prstGeom>
+            <a:noFill/>
+          </p:spPr>
+          <p:txBody>
+            <a:bodyPr wrap="none" rtlCol="0">
+              <a:spAutoFit/>
+            </a:bodyPr>
+            <a:lstStyle/>
+            <a:p>
+              <a:r>
+                <a:rPr lang="en-US" sz="5400" dirty="0" smtClean="0">
+                  <a:solidFill>
+                    <a:schemeClr val="tx2">
+                      <a:lumMod val="60000"/>
+                      <a:lumOff val="40000"/>
+                    </a:schemeClr>
+                  </a:solidFill>
+                  <a:latin typeface="Wingdings" pitchFamily="2" charset="2"/>
+                </a:rPr>
+                <a:t></a:t>
+              </a:r>
+              <a:endParaRPr lang="en-US" sz="5400" dirty="0">
+                <a:solidFill>
+                  <a:schemeClr val="tx2">
+                    <a:lumMod val="60000"/>
+                    <a:lumOff val="40000"/>
+                  </a:schemeClr>
+                </a:solidFill>
+                <a:latin typeface="Wingdings" pitchFamily="2" charset="2"/>
+              </a:endParaRPr>
+            </a:p>
+          </p:txBody>
+        </p:sp>
+        <p:cxnSp>
+          <p:nvCxnSpPr>
+            <p:cNvPr id="15" name="Straight Connector 14"/>
+            <p:cNvCxnSpPr/>
+            <p:nvPr/>
+          </p:nvCxnSpPr>
+          <p:spPr>
+            <a:xfrm rot="10800000">
+              <a:off x="1172584" y="1925620"/>
+              <a:ext cx="3119718" cy="1588"/>
+            </a:xfrm>
+            <a:prstGeom prst="line">
+              <a:avLst/>
+            </a:prstGeom>
+            <a:ln>
+              <a:solidFill>
+                <a:schemeClr val="tx2">
+                  <a:lumMod val="60000"/>
+                  <a:lumOff val="40000"/>
+                </a:schemeClr>
+              </a:solidFill>
+            </a:ln>
+            <a:effectLst/>
+          </p:spPr>
+          <p:style>
+            <a:lnRef idx="1">
+              <a:schemeClr val="accent1"/>
+            </a:lnRef>
+            <a:fillRef idx="0">
+              <a:schemeClr val="accent1"/>
+            </a:fillRef>
+            <a:effectRef idx="0">
+              <a:schemeClr val="accent1"/>
+            </a:effectRef>
+            <a:fontRef idx="minor">
+              <a:schemeClr val="tx1"/>
+            </a:fontRef>
+          </p:style>
+        </p:cxnSp>
+        <p:cxnSp>
+          <p:nvCxnSpPr>
+            <p:cNvPr id="16" name="Straight Connector 15"/>
+            <p:cNvCxnSpPr/>
+            <p:nvPr/>
+          </p:nvCxnSpPr>
+          <p:spPr>
+            <a:xfrm rot="10800000">
+              <a:off x="4831976" y="1922650"/>
+              <a:ext cx="3119718" cy="1588"/>
+            </a:xfrm>
+            <a:prstGeom prst="line">
+              <a:avLst/>
+            </a:prstGeom>
+            <a:ln>
+              <a:solidFill>
+                <a:schemeClr val="tx2">
+                  <a:lumMod val="60000"/>
+                  <a:lumOff val="40000"/>
+                </a:schemeClr>
+              </a:solidFill>
+            </a:ln>
+            <a:effectLst/>
+          </p:spPr>
+          <p:style>
+            <a:lnRef idx="1">
+              <a:schemeClr val="accent1"/>
+            </a:lnRef>
+            <a:fillRef idx="0">
+              <a:schemeClr val="accent1"/>
+            </a:fillRef>
+            <a:effectRef idx="0">
+              <a:schemeClr val="accent1"/>
+            </a:effectRef>
+            <a:fontRef idx="minor">
+              <a:schemeClr val="tx1"/>
+            </a:fontRef>
+          </p:style>
+        </p:cxnSp>
+      </p:grpSp>
     </p:spTree>
-    <p:extLst>
-      <p:ext uri="{BB962C8B-B14F-4D97-AF65-F5344CB8AC3E}">
-        <p14:creationId xmlns:p14="http://schemas.microsoft.com/office/powerpoint/2010/main" val="4175972350"/>
-      </p:ext>
-    </p:extLst>
   </p:cSld>
   <p:clrMapOvr>
     <a:masterClrMapping/>
@@ -1973,7 +3154,7 @@
       </p:grpSpPr>
       <p:sp>
         <p:nvSpPr>
-          <p:cNvPr id="2" name="1 Marcador de fecha"/>
+          <p:cNvPr id="2" name="Date Placeholder 1"/>
           <p:cNvSpPr>
             <a:spLocks noGrp="1"/>
           </p:cNvSpPr>
@@ -1988,7 +3169,7 @@
           <a:p>
             <a:fld id="{33222564-675F-4C0A-80BE-E9BC60876D09}" type="datetimeFigureOut">
               <a:rPr lang="es-MX" smtClean="0"/>
-              <a:t>23/05/2015</a:t>
+              <a:t>25/05/2015</a:t>
             </a:fld>
             <a:endParaRPr lang="es-MX"/>
           </a:p>
@@ -1996,7 +3177,7 @@
       </p:sp>
       <p:sp>
         <p:nvSpPr>
-          <p:cNvPr id="3" name="2 Marcador de pie de página"/>
+          <p:cNvPr id="3" name="Footer Placeholder 2"/>
           <p:cNvSpPr>
             <a:spLocks noGrp="1"/>
           </p:cNvSpPr>
@@ -2015,7 +3196,7 @@
       </p:sp>
       <p:sp>
         <p:nvSpPr>
-          <p:cNvPr id="4" name="3 Marcador de número de diapositiva"/>
+          <p:cNvPr id="4" name="Slide Number Placeholder 3"/>
           <p:cNvSpPr>
             <a:spLocks noGrp="1"/>
           </p:cNvSpPr>
@@ -2037,11 +3218,6 @@
         </p:txBody>
       </p:sp>
     </p:spTree>
-    <p:extLst>
-      <p:ext uri="{BB962C8B-B14F-4D97-AF65-F5344CB8AC3E}">
-        <p14:creationId xmlns:p14="http://schemas.microsoft.com/office/powerpoint/2010/main" val="3600795682"/>
-      </p:ext>
-    </p:extLst>
   </p:cSld>
   <p:clrMapOvr>
     <a:masterClrMapping/>
@@ -2068,7 +3244,7 @@
       </p:grpSpPr>
       <p:sp>
         <p:nvSpPr>
-          <p:cNvPr id="2" name="1 Título"/>
+          <p:cNvPr id="2" name="Title 1"/>
           <p:cNvSpPr>
             <a:spLocks noGrp="1"/>
           </p:cNvSpPr>
@@ -2078,15 +3254,15 @@
         </p:nvSpPr>
         <p:spPr>
           <a:xfrm>
-            <a:off x="457200" y="273050"/>
-            <a:ext cx="3008313" cy="1162050"/>
+            <a:off x="5034579" y="1678195"/>
+            <a:ext cx="3422483" cy="1886921"/>
           </a:xfrm>
         </p:spPr>
         <p:txBody>
           <a:bodyPr anchor="b"/>
           <a:lstStyle>
             <a:lvl1pPr algn="l">
-              <a:defRPr sz="2000" b="1"/>
+              <a:defRPr sz="2800" b="0"/>
             </a:lvl1pPr>
           </a:lstStyle>
           <a:p>
@@ -2094,13 +3270,13 @@
               <a:rPr lang="es-ES" smtClean="0"/>
               <a:t>Haga clic para modificar el estilo de título del patrón</a:t>
             </a:r>
-            <a:endParaRPr lang="es-MX"/>
-          </a:p>
-        </p:txBody>
-      </p:sp>
-      <p:sp>
-        <p:nvSpPr>
-          <p:cNvPr id="3" name="2 Marcador de contenido"/>
+            <a:endParaRPr lang="en-US"/>
+          </a:p>
+        </p:txBody>
+      </p:sp>
+      <p:sp>
+        <p:nvSpPr>
+          <p:cNvPr id="3" name="Content Placeholder 2"/>
           <p:cNvSpPr>
             <a:spLocks noGrp="1"/>
           </p:cNvSpPr>
@@ -2110,27 +3286,27 @@
         </p:nvSpPr>
         <p:spPr>
           <a:xfrm>
-            <a:off x="3575050" y="273050"/>
-            <a:ext cx="5111750" cy="5853113"/>
+            <a:off x="692001" y="559398"/>
+            <a:ext cx="4116667" cy="5566765"/>
           </a:xfrm>
         </p:spPr>
         <p:txBody>
-          <a:bodyPr/>
+          <a:bodyPr anchor="ctr"/>
           <a:lstStyle>
             <a:lvl1pPr>
-              <a:defRPr sz="3200"/>
+              <a:defRPr sz="2400"/>
             </a:lvl1pPr>
             <a:lvl2pPr>
-              <a:defRPr sz="2800"/>
+              <a:defRPr sz="2200"/>
             </a:lvl2pPr>
             <a:lvl3pPr>
-              <a:defRPr sz="2400"/>
+              <a:defRPr sz="2000"/>
             </a:lvl3pPr>
             <a:lvl4pPr>
-              <a:defRPr sz="2000"/>
+              <a:defRPr sz="1800"/>
             </a:lvl4pPr>
             <a:lvl5pPr>
-              <a:defRPr sz="2000"/>
+              <a:defRPr sz="1600"/>
             </a:lvl5pPr>
             <a:lvl6pPr>
               <a:defRPr sz="2000"/>
@@ -2179,13 +3355,13 @@
               <a:rPr lang="es-ES" smtClean="0"/>
               <a:t>Quinto nivel</a:t>
             </a:r>
-            <a:endParaRPr lang="es-MX"/>
-          </a:p>
-        </p:txBody>
-      </p:sp>
-      <p:sp>
-        <p:nvSpPr>
-          <p:cNvPr id="4" name="3 Marcador de texto"/>
+            <a:endParaRPr lang="en-US" dirty="0"/>
+          </a:p>
+        </p:txBody>
+      </p:sp>
+      <p:sp>
+        <p:nvSpPr>
+          <p:cNvPr id="4" name="Text Placeholder 3"/>
           <p:cNvSpPr>
             <a:spLocks noGrp="1"/>
           </p:cNvSpPr>
@@ -2195,16 +3371,18 @@
         </p:nvSpPr>
         <p:spPr>
           <a:xfrm>
-            <a:off x="457200" y="1435100"/>
-            <a:ext cx="3008313" cy="4691063"/>
+            <a:off x="5034579" y="3603812"/>
+            <a:ext cx="3411725" cy="2517289"/>
           </a:xfrm>
         </p:spPr>
         <p:txBody>
-          <a:bodyPr/>
+          <a:bodyPr>
+            <a:normAutofit/>
+          </a:bodyPr>
           <a:lstStyle>
             <a:lvl1pPr marL="0" indent="0">
               <a:buNone/>
-              <a:defRPr sz="1400"/>
+              <a:defRPr sz="1600"/>
             </a:lvl1pPr>
             <a:lvl2pPr marL="457200" indent="0">
               <a:buNone/>
@@ -2250,7 +3428,7 @@
       </p:sp>
       <p:sp>
         <p:nvSpPr>
-          <p:cNvPr id="5" name="4 Marcador de fecha"/>
+          <p:cNvPr id="5" name="Date Placeholder 4"/>
           <p:cNvSpPr>
             <a:spLocks noGrp="1"/>
           </p:cNvSpPr>
@@ -2265,7 +3443,7 @@
           <a:p>
             <a:fld id="{33222564-675F-4C0A-80BE-E9BC60876D09}" type="datetimeFigureOut">
               <a:rPr lang="es-MX" smtClean="0"/>
-              <a:t>23/05/2015</a:t>
+              <a:t>25/05/2015</a:t>
             </a:fld>
             <a:endParaRPr lang="es-MX"/>
           </a:p>
@@ -2273,7 +3451,7 @@
       </p:sp>
       <p:sp>
         <p:nvSpPr>
-          <p:cNvPr id="6" name="5 Marcador de pie de página"/>
+          <p:cNvPr id="6" name="Footer Placeholder 5"/>
           <p:cNvSpPr>
             <a:spLocks noGrp="1"/>
           </p:cNvSpPr>
@@ -2292,7 +3470,7 @@
       </p:sp>
       <p:sp>
         <p:nvSpPr>
-          <p:cNvPr id="7" name="6 Marcador de número de diapositiva"/>
+          <p:cNvPr id="7" name="Slide Number Placeholder 6"/>
           <p:cNvSpPr>
             <a:spLocks noGrp="1"/>
           </p:cNvSpPr>
@@ -2314,11 +3492,6 @@
         </p:txBody>
       </p:sp>
     </p:spTree>
-    <p:extLst>
-      <p:ext uri="{BB962C8B-B14F-4D97-AF65-F5344CB8AC3E}">
-        <p14:creationId xmlns:p14="http://schemas.microsoft.com/office/powerpoint/2010/main" val="4134031834"/>
-      </p:ext>
-    </p:extLst>
   </p:cSld>
   <p:clrMapOvr>
     <a:masterClrMapping/>
@@ -2345,7 +3518,7 @@
       </p:grpSpPr>
       <p:sp>
         <p:nvSpPr>
-          <p:cNvPr id="2" name="1 Título"/>
+          <p:cNvPr id="2" name="Title 1"/>
           <p:cNvSpPr>
             <a:spLocks noGrp="1"/>
           </p:cNvSpPr>
@@ -2355,15 +3528,15 @@
         </p:nvSpPr>
         <p:spPr>
           <a:xfrm>
-            <a:off x="1792288" y="4800600"/>
-            <a:ext cx="5486400" cy="566738"/>
+            <a:off x="677731" y="4668818"/>
+            <a:ext cx="7767021" cy="644729"/>
           </a:xfrm>
         </p:spPr>
         <p:txBody>
           <a:bodyPr anchor="b"/>
           <a:lstStyle>
-            <a:lvl1pPr algn="l">
-              <a:defRPr sz="2000" b="1"/>
+            <a:lvl1pPr algn="ctr">
+              <a:defRPr sz="2800" b="0"/>
             </a:lvl1pPr>
           </a:lstStyle>
           <a:p>
@@ -2371,13 +3544,13 @@
               <a:rPr lang="es-ES" smtClean="0"/>
               <a:t>Haga clic para modificar el estilo de título del patrón</a:t>
             </a:r>
-            <a:endParaRPr lang="es-MX"/>
-          </a:p>
-        </p:txBody>
-      </p:sp>
-      <p:sp>
-        <p:nvSpPr>
-          <p:cNvPr id="3" name="2 Marcador de posición de imagen"/>
+            <a:endParaRPr lang="en-US"/>
+          </a:p>
+        </p:txBody>
+      </p:sp>
+      <p:sp>
+        <p:nvSpPr>
+          <p:cNvPr id="3" name="Picture Placeholder 2"/>
           <p:cNvSpPr>
             <a:spLocks noGrp="1"/>
           </p:cNvSpPr>
@@ -2386,10 +3559,42 @@
           </p:nvPr>
         </p:nvSpPr>
         <p:spPr>
-          <a:xfrm>
-            <a:off x="1792288" y="612775"/>
-            <a:ext cx="5486400" cy="4114800"/>
+          <a:xfrm rot="240000">
+            <a:off x="2183792" y="666965"/>
+            <a:ext cx="4772156" cy="3598016"/>
           </a:xfrm>
+          <a:solidFill>
+            <a:srgbClr val="FFFFFF">
+              <a:shade val="85000"/>
+            </a:srgbClr>
+          </a:solidFill>
+          <a:ln w="190500" cap="sq">
+            <a:solidFill>
+              <a:srgbClr val="FFFFFF"/>
+            </a:solidFill>
+            <a:miter lim="800000"/>
+          </a:ln>
+          <a:effectLst>
+            <a:outerShdw blurRad="65000" dist="50800" dir="12900000" kx="195000" ky="145000" algn="tl" rotWithShape="0">
+              <a:srgbClr val="000000">
+                <a:alpha val="24000"/>
+              </a:srgbClr>
+            </a:outerShdw>
+          </a:effectLst>
+          <a:scene3d>
+            <a:camera prst="orthographicFront">
+              <a:rot lat="0" lon="0" rev="360000"/>
+            </a:camera>
+            <a:lightRig rig="twoPt" dir="t">
+              <a:rot lat="0" lon="0" rev="7200000"/>
+            </a:lightRig>
+          </a:scene3d>
+          <a:sp3d contourW="12700">
+            <a:bevelT w="25400" h="19050"/>
+            <a:contourClr>
+              <a:srgbClr val="969696"/>
+            </a:contourClr>
+          </a:sp3d>
         </p:spPr>
         <p:txBody>
           <a:bodyPr/>
@@ -2432,13 +3637,17 @@
             </a:lvl9pPr>
           </a:lstStyle>
           <a:p>
-            <a:endParaRPr lang="es-MX"/>
-          </a:p>
-        </p:txBody>
-      </p:sp>
-      <p:sp>
-        <p:nvSpPr>
-          <p:cNvPr id="4" name="3 Marcador de texto"/>
+            <a:r>
+              <a:rPr lang="es-ES" smtClean="0"/>
+              <a:t>Haga clic en el icono para agregar una imagen</a:t>
+            </a:r>
+            <a:endParaRPr lang="en-US" dirty="0"/>
+          </a:p>
+        </p:txBody>
+      </p:sp>
+      <p:sp>
+        <p:nvSpPr>
+          <p:cNvPr id="4" name="Text Placeholder 3"/>
           <p:cNvSpPr>
             <a:spLocks noGrp="1"/>
           </p:cNvSpPr>
@@ -2448,16 +3657,18 @@
         </p:nvSpPr>
         <p:spPr>
           <a:xfrm>
-            <a:off x="1792288" y="5367338"/>
-            <a:ext cx="5486400" cy="804862"/>
+            <a:off x="688489" y="5324306"/>
+            <a:ext cx="7756264" cy="804862"/>
           </a:xfrm>
         </p:spPr>
         <p:txBody>
-          <a:bodyPr/>
+          <a:bodyPr>
+            <a:normAutofit/>
+          </a:bodyPr>
           <a:lstStyle>
-            <a:lvl1pPr marL="0" indent="0">
-              <a:buNone/>
-              <a:defRPr sz="1400"/>
+            <a:lvl1pPr marL="0" indent="0" algn="ctr">
+              <a:buNone/>
+              <a:defRPr sz="1600"/>
             </a:lvl1pPr>
             <a:lvl2pPr marL="457200" indent="0">
               <a:buNone/>
@@ -2503,7 +3714,7 @@
       </p:sp>
       <p:sp>
         <p:nvSpPr>
-          <p:cNvPr id="5" name="4 Marcador de fecha"/>
+          <p:cNvPr id="5" name="Date Placeholder 4"/>
           <p:cNvSpPr>
             <a:spLocks noGrp="1"/>
           </p:cNvSpPr>
@@ -2518,7 +3729,7 @@
           <a:p>
             <a:fld id="{33222564-675F-4C0A-80BE-E9BC60876D09}" type="datetimeFigureOut">
               <a:rPr lang="es-MX" smtClean="0"/>
-              <a:t>23/05/2015</a:t>
+              <a:t>25/05/2015</a:t>
             </a:fld>
             <a:endParaRPr lang="es-MX"/>
           </a:p>
@@ -2526,7 +3737,7 @@
       </p:sp>
       <p:sp>
         <p:nvSpPr>
-          <p:cNvPr id="6" name="5 Marcador de pie de página"/>
+          <p:cNvPr id="6" name="Footer Placeholder 5"/>
           <p:cNvSpPr>
             <a:spLocks noGrp="1"/>
           </p:cNvSpPr>
@@ -2545,7 +3756,7 @@
       </p:sp>
       <p:sp>
         <p:nvSpPr>
-          <p:cNvPr id="7" name="6 Marcador de número de diapositiva"/>
+          <p:cNvPr id="7" name="Slide Number Placeholder 6"/>
           <p:cNvSpPr>
             <a:spLocks noGrp="1"/>
           </p:cNvSpPr>
@@ -2567,11 +3778,6 @@
         </p:txBody>
       </p:sp>
     </p:spTree>
-    <p:extLst>
-      <p:ext uri="{BB962C8B-B14F-4D97-AF65-F5344CB8AC3E}">
-        <p14:creationId xmlns:p14="http://schemas.microsoft.com/office/powerpoint/2010/main" val="594809932"/>
-      </p:ext>
-    </p:extLst>
   </p:cSld>
   <p:clrMapOvr>
     <a:masterClrMapping/>
@@ -2583,7 +3789,7 @@
 <p:sldMaster xmlns:a="http://schemas.openxmlformats.org/drawingml/2006/main" xmlns:r="http://schemas.openxmlformats.org/officeDocument/2006/relationships" xmlns:p="http://schemas.openxmlformats.org/presentationml/2006/main">
   <p:cSld>
     <p:bg>
-      <p:bgRef idx="1001">
+      <p:bgRef idx="1002">
         <a:schemeClr val="bg1"/>
       </p:bgRef>
     </p:bg>
@@ -2603,18 +3809,80 @@
       </p:grpSpPr>
       <p:sp>
         <p:nvSpPr>
-          <p:cNvPr id="2" name="1 Marcador de título"/>
-          <p:cNvSpPr>
-            <a:spLocks noGrp="1"/>
-          </p:cNvSpPr>
-          <p:nvPr>
-            <p:ph type="title"/>
-          </p:nvPr>
+          <p:cNvPr id="7" name="Rectangle 6"/>
+          <p:cNvSpPr/>
+          <p:nvPr/>
         </p:nvSpPr>
         <p:spPr>
           <a:xfrm>
-            <a:off x="457200" y="274638"/>
-            <a:ext cx="8229600" cy="1143000"/>
+            <a:off x="0" y="0"/>
+            <a:ext cx="9144000" cy="6858000"/>
+          </a:xfrm>
+          <a:prstGeom prst="rect">
+            <a:avLst/>
+          </a:prstGeom>
+          <a:gradFill flip="none" rotWithShape="1">
+            <a:gsLst>
+              <a:gs pos="83000">
+                <a:schemeClr val="bg1">
+                  <a:alpha val="11000"/>
+                </a:schemeClr>
+              </a:gs>
+              <a:gs pos="100000">
+                <a:schemeClr val="bg2">
+                  <a:lumMod val="75000"/>
+                  <a:alpha val="23000"/>
+                </a:schemeClr>
+              </a:gs>
+            </a:gsLst>
+            <a:path path="rect">
+              <a:fillToRect l="50000" t="50000" r="50000" b="50000"/>
+            </a:path>
+            <a:tileRect/>
+          </a:gradFill>
+          <a:ln>
+            <a:noFill/>
+          </a:ln>
+        </p:spPr>
+        <p:style>
+          <a:lnRef idx="2">
+            <a:schemeClr val="accent1">
+              <a:shade val="50000"/>
+            </a:schemeClr>
+          </a:lnRef>
+          <a:fillRef idx="1">
+            <a:schemeClr val="accent1"/>
+          </a:fillRef>
+          <a:effectRef idx="0">
+            <a:schemeClr val="accent1"/>
+          </a:effectRef>
+          <a:fontRef idx="minor">
+            <a:schemeClr val="lt1"/>
+          </a:fontRef>
+        </p:style>
+        <p:txBody>
+          <a:bodyPr rtlCol="0" anchor="ctr"/>
+          <a:lstStyle/>
+          <a:p>
+            <a:pPr algn="ctr"/>
+            <a:endParaRPr lang="en-US"/>
+          </a:p>
+        </p:txBody>
+      </p:sp>
+      <p:sp>
+        <p:nvSpPr>
+          <p:cNvPr id="2" name="Title Placeholder 1"/>
+          <p:cNvSpPr>
+            <a:spLocks noGrp="1"/>
+          </p:cNvSpPr>
+          <p:nvPr>
+            <p:ph type="title"/>
+          </p:nvPr>
+        </p:nvSpPr>
+        <p:spPr>
+          <a:xfrm>
+            <a:off x="688490" y="570156"/>
+            <a:ext cx="7756263" cy="1054250"/>
           </a:xfrm>
           <a:prstGeom prst="rect">
             <a:avLst/>
@@ -2622,7 +3890,7 @@
         </p:spPr>
         <p:txBody>
           <a:bodyPr vert="horz" lIns="91440" tIns="45720" rIns="91440" bIns="45720" rtlCol="0" anchor="ctr">
-            <a:normAutofit/>
+            <a:noAutofit/>
           </a:bodyPr>
           <a:lstStyle/>
           <a:p>
@@ -2630,13 +3898,13 @@
               <a:rPr lang="es-ES" smtClean="0"/>
               <a:t>Haga clic para modificar el estilo de título del patrón</a:t>
             </a:r>
-            <a:endParaRPr lang="es-MX"/>
-          </a:p>
-        </p:txBody>
-      </p:sp>
-      <p:sp>
-        <p:nvSpPr>
-          <p:cNvPr id="3" name="2 Marcador de texto"/>
+            <a:endParaRPr lang="en-US" dirty="0"/>
+          </a:p>
+        </p:txBody>
+      </p:sp>
+      <p:sp>
+        <p:nvSpPr>
+          <p:cNvPr id="3" name="Text Placeholder 2"/>
           <p:cNvSpPr>
             <a:spLocks noGrp="1"/>
           </p:cNvSpPr>
@@ -2646,8 +3914,8 @@
         </p:nvSpPr>
         <p:spPr>
           <a:xfrm>
-            <a:off x="457200" y="1600200"/>
-            <a:ext cx="8229600" cy="4525963"/>
+            <a:off x="699247" y="2248347"/>
+            <a:ext cx="7745505" cy="3877815"/>
           </a:xfrm>
           <a:prstGeom prst="rect">
             <a:avLst/>
@@ -2692,13 +3960,13 @@
               <a:rPr lang="es-ES" smtClean="0"/>
               <a:t>Quinto nivel</a:t>
             </a:r>
-            <a:endParaRPr lang="es-MX"/>
-          </a:p>
-        </p:txBody>
-      </p:sp>
-      <p:sp>
-        <p:nvSpPr>
-          <p:cNvPr id="4" name="3 Marcador de fecha"/>
+            <a:endParaRPr lang="en-US" dirty="0"/>
+          </a:p>
+        </p:txBody>
+      </p:sp>
+      <p:sp>
+        <p:nvSpPr>
+          <p:cNvPr id="4" name="Date Placeholder 3"/>
           <p:cNvSpPr>
             <a:spLocks noGrp="1"/>
           </p:cNvSpPr>
@@ -2708,7 +3976,7 @@
         </p:nvSpPr>
         <p:spPr>
           <a:xfrm>
-            <a:off x="457200" y="6356350"/>
+            <a:off x="360378" y="6161442"/>
             <a:ext cx="2133600" cy="365125"/>
           </a:xfrm>
           <a:prstGeom prst="rect">
@@ -2721,9 +3989,7 @@
             <a:lvl1pPr algn="l">
               <a:defRPr sz="1200">
                 <a:solidFill>
-                  <a:schemeClr val="tx1">
-                    <a:tint val="75000"/>
-                  </a:schemeClr>
+                  <a:schemeClr val="tx2"/>
                 </a:solidFill>
               </a:defRPr>
             </a:lvl1pPr>
@@ -2731,7 +3997,7 @@
           <a:p>
             <a:fld id="{33222564-675F-4C0A-80BE-E9BC60876D09}" type="datetimeFigureOut">
               <a:rPr lang="es-MX" smtClean="0"/>
-              <a:t>23/05/2015</a:t>
+              <a:t>25/05/2015</a:t>
             </a:fld>
             <a:endParaRPr lang="es-MX"/>
           </a:p>
@@ -2739,7 +4005,7 @@
       </p:sp>
       <p:sp>
         <p:nvSpPr>
-          <p:cNvPr id="5" name="4 Marcador de pie de página"/>
+          <p:cNvPr id="5" name="Footer Placeholder 4"/>
           <p:cNvSpPr>
             <a:spLocks noGrp="1"/>
           </p:cNvSpPr>
@@ -2749,7 +4015,7 @@
         </p:nvSpPr>
         <p:spPr>
           <a:xfrm>
-            <a:off x="3124200" y="6356350"/>
+            <a:off x="3124200" y="6161442"/>
             <a:ext cx="2895600" cy="365125"/>
           </a:xfrm>
           <a:prstGeom prst="rect">
@@ -2762,9 +4028,7 @@
             <a:lvl1pPr algn="ctr">
               <a:defRPr sz="1200">
                 <a:solidFill>
-                  <a:schemeClr val="tx1">
-                    <a:tint val="75000"/>
-                  </a:schemeClr>
+                  <a:schemeClr val="tx2"/>
                 </a:solidFill>
               </a:defRPr>
             </a:lvl1pPr>
@@ -2776,7 +4040,7 @@
       </p:sp>
       <p:sp>
         <p:nvSpPr>
-          <p:cNvPr id="6" name="5 Marcador de número de diapositiva"/>
+          <p:cNvPr id="6" name="Slide Number Placeholder 5"/>
           <p:cNvSpPr>
             <a:spLocks noGrp="1"/>
           </p:cNvSpPr>
@@ -2786,7 +4050,7 @@
         </p:nvSpPr>
         <p:spPr>
           <a:xfrm>
-            <a:off x="6553200" y="6356350"/>
+            <a:off x="6639264" y="6161442"/>
             <a:ext cx="2133600" cy="365125"/>
           </a:xfrm>
           <a:prstGeom prst="rect">
@@ -2799,9 +4063,7 @@
             <a:lvl1pPr algn="r">
               <a:defRPr sz="1200">
                 <a:solidFill>
-                  <a:schemeClr val="tx1">
-                    <a:tint val="75000"/>
-                  </a:schemeClr>
+                  <a:schemeClr val="tx2"/>
                 </a:solidFill>
               </a:defRPr>
             </a:lvl1pPr>
@@ -2816,25 +4078,20 @@
         </p:txBody>
       </p:sp>
     </p:spTree>
-    <p:extLst>
-      <p:ext uri="{BB962C8B-B14F-4D97-AF65-F5344CB8AC3E}">
-        <p14:creationId xmlns:p14="http://schemas.microsoft.com/office/powerpoint/2010/main" val="1051603044"/>
-      </p:ext>
-    </p:extLst>
   </p:cSld>
   <p:clrMap bg1="lt1" tx1="dk1" bg2="lt2" tx2="dk2" accent1="accent1" accent2="accent2" accent3="accent3" accent4="accent4" accent5="accent5" accent6="accent6" hlink="hlink" folHlink="folHlink"/>
   <p:sldLayoutIdLst>
-    <p:sldLayoutId id="2147483649" r:id="rId1"/>
-    <p:sldLayoutId id="2147483650" r:id="rId2"/>
-    <p:sldLayoutId id="2147483651" r:id="rId3"/>
-    <p:sldLayoutId id="2147483652" r:id="rId4"/>
-    <p:sldLayoutId id="2147483653" r:id="rId5"/>
-    <p:sldLayoutId id="2147483654" r:id="rId6"/>
-    <p:sldLayoutId id="2147483655" r:id="rId7"/>
-    <p:sldLayoutId id="2147483656" r:id="rId8"/>
-    <p:sldLayoutId id="2147483657" r:id="rId9"/>
-    <p:sldLayoutId id="2147483658" r:id="rId10"/>
-    <p:sldLayoutId id="2147483659" r:id="rId11"/>
+    <p:sldLayoutId id="2147483661" r:id="rId1"/>
+    <p:sldLayoutId id="2147483662" r:id="rId2"/>
+    <p:sldLayoutId id="2147483663" r:id="rId3"/>
+    <p:sldLayoutId id="2147483664" r:id="rId4"/>
+    <p:sldLayoutId id="2147483665" r:id="rId5"/>
+    <p:sldLayoutId id="2147483666" r:id="rId6"/>
+    <p:sldLayoutId id="2147483667" r:id="rId7"/>
+    <p:sldLayoutId id="2147483668" r:id="rId8"/>
+    <p:sldLayoutId id="2147483669" r:id="rId9"/>
+    <p:sldLayoutId id="2147483670" r:id="rId10"/>
+    <p:sldLayoutId id="2147483671" r:id="rId11"/>
   </p:sldLayoutIdLst>
   <p:txStyles>
     <p:titleStyle>
@@ -2843,99 +4100,188 @@
           <a:spcPct val="0"/>
         </a:spcBef>
         <a:buNone/>
-        <a:defRPr sz="4400" kern="1200">
+        <a:defRPr sz="5400" kern="1200">
           <a:solidFill>
-            <a:schemeClr val="tx1"/>
+            <a:schemeClr val="tx2"/>
           </a:solidFill>
           <a:latin typeface="+mj-lt"/>
           <a:ea typeface="+mj-ea"/>
           <a:cs typeface="+mj-cs"/>
         </a:defRPr>
       </a:lvl1pPr>
+      <a:lvl2pPr eaLnBrk="1" hangingPunct="1">
+        <a:defRPr>
+          <a:solidFill>
+            <a:schemeClr val="tx2"/>
+          </a:solidFill>
+        </a:defRPr>
+      </a:lvl2pPr>
+      <a:lvl3pPr eaLnBrk="1" hangingPunct="1">
+        <a:defRPr>
+          <a:solidFill>
+            <a:schemeClr val="tx2"/>
+          </a:solidFill>
+        </a:defRPr>
+      </a:lvl3pPr>
+      <a:lvl4pPr eaLnBrk="1" hangingPunct="1">
+        <a:defRPr>
+          <a:solidFill>
+            <a:schemeClr val="tx2"/>
+          </a:solidFill>
+        </a:defRPr>
+      </a:lvl4pPr>
+      <a:lvl5pPr eaLnBrk="1" hangingPunct="1">
+        <a:defRPr>
+          <a:solidFill>
+            <a:schemeClr val="tx2"/>
+          </a:solidFill>
+        </a:defRPr>
+      </a:lvl5pPr>
+      <a:lvl6pPr eaLnBrk="1" hangingPunct="1">
+        <a:defRPr>
+          <a:solidFill>
+            <a:schemeClr val="tx2"/>
+          </a:solidFill>
+        </a:defRPr>
+      </a:lvl6pPr>
+      <a:lvl7pPr eaLnBrk="1" hangingPunct="1">
+        <a:defRPr>
+          <a:solidFill>
+            <a:schemeClr val="tx2"/>
+          </a:solidFill>
+        </a:defRPr>
+      </a:lvl7pPr>
+      <a:lvl8pPr eaLnBrk="1" hangingPunct="1">
+        <a:defRPr>
+          <a:solidFill>
+            <a:schemeClr val="tx2"/>
+          </a:solidFill>
+        </a:defRPr>
+      </a:lvl8pPr>
+      <a:lvl9pPr eaLnBrk="1" hangingPunct="1">
+        <a:defRPr>
+          <a:solidFill>
+            <a:schemeClr val="tx2"/>
+          </a:solidFill>
+        </a:defRPr>
+      </a:lvl9pPr>
     </p:titleStyle>
     <p:bodyStyle>
-      <a:lvl1pPr marL="342900" indent="-342900" algn="l" defTabSz="914400" rtl="0" eaLnBrk="1" latinLnBrk="0" hangingPunct="1">
+      <a:lvl1pPr marL="365760" indent="-365760" algn="l" defTabSz="914400" rtl="0" eaLnBrk="1" latinLnBrk="0" hangingPunct="1">
         <a:spcBef>
           <a:spcPct val="20000"/>
         </a:spcBef>
-        <a:buFont typeface="Arial" pitchFamily="34" charset="0"/>
-        <a:buChar char="•"/>
-        <a:defRPr sz="3200" kern="1200">
+        <a:buClr>
+          <a:schemeClr val="accent1"/>
+        </a:buClr>
+        <a:buFont typeface="Wingdings" pitchFamily="2" charset="2"/>
+        <a:buChar char=""/>
+        <a:defRPr sz="2400" kern="1200">
           <a:solidFill>
-            <a:schemeClr val="tx1"/>
+            <a:schemeClr val="tx1">
+              <a:lumMod val="85000"/>
+              <a:lumOff val="15000"/>
+            </a:schemeClr>
           </a:solidFill>
           <a:latin typeface="+mn-lt"/>
           <a:ea typeface="+mn-ea"/>
           <a:cs typeface="+mn-cs"/>
         </a:defRPr>
       </a:lvl1pPr>
-      <a:lvl2pPr marL="742950" indent="-285750" algn="l" defTabSz="914400" rtl="0" eaLnBrk="1" latinLnBrk="0" hangingPunct="1">
+      <a:lvl2pPr marL="777240" indent="-365760" algn="l" defTabSz="914400" rtl="0" eaLnBrk="1" latinLnBrk="0" hangingPunct="1">
         <a:spcBef>
           <a:spcPct val="20000"/>
         </a:spcBef>
-        <a:buFont typeface="Arial" pitchFamily="34" charset="0"/>
-        <a:buChar char="–"/>
-        <a:defRPr sz="2800" kern="1200">
+        <a:buClr>
+          <a:schemeClr val="accent1"/>
+        </a:buClr>
+        <a:buFont typeface="Wingdings" pitchFamily="2" charset="2"/>
+        <a:buChar char=""/>
+        <a:defRPr sz="2200" kern="1200">
           <a:solidFill>
-            <a:schemeClr val="tx1"/>
+            <a:schemeClr val="tx1">
+              <a:lumMod val="85000"/>
+              <a:lumOff val="15000"/>
+            </a:schemeClr>
           </a:solidFill>
           <a:latin typeface="+mn-lt"/>
           <a:ea typeface="+mn-ea"/>
           <a:cs typeface="+mn-cs"/>
         </a:defRPr>
       </a:lvl2pPr>
-      <a:lvl3pPr marL="1143000" indent="-228600" algn="l" defTabSz="914400" rtl="0" eaLnBrk="1" latinLnBrk="0" hangingPunct="1">
+      <a:lvl3pPr marL="1143000" indent="-365760" algn="l" defTabSz="914400" rtl="0" eaLnBrk="1" latinLnBrk="0" hangingPunct="1">
         <a:spcBef>
           <a:spcPct val="20000"/>
         </a:spcBef>
-        <a:buFont typeface="Arial" pitchFamily="34" charset="0"/>
-        <a:buChar char="•"/>
-        <a:defRPr sz="2400" kern="1200">
+        <a:buClr>
+          <a:schemeClr val="accent1"/>
+        </a:buClr>
+        <a:buFont typeface="Wingdings" pitchFamily="2" charset="2"/>
+        <a:buChar char=""/>
+        <a:defRPr sz="2000" kern="1200">
           <a:solidFill>
-            <a:schemeClr val="tx1"/>
+            <a:schemeClr val="tx1">
+              <a:lumMod val="85000"/>
+              <a:lumOff val="15000"/>
+            </a:schemeClr>
           </a:solidFill>
           <a:latin typeface="+mn-lt"/>
           <a:ea typeface="+mn-ea"/>
           <a:cs typeface="+mn-cs"/>
         </a:defRPr>
       </a:lvl3pPr>
-      <a:lvl4pPr marL="1600200" indent="-228600" algn="l" defTabSz="914400" rtl="0" eaLnBrk="1" latinLnBrk="0" hangingPunct="1">
+      <a:lvl4pPr marL="1508760" indent="-320040" algn="l" defTabSz="914400" rtl="0" eaLnBrk="1" latinLnBrk="0" hangingPunct="1">
         <a:spcBef>
           <a:spcPct val="20000"/>
         </a:spcBef>
-        <a:buFont typeface="Arial" pitchFamily="34" charset="0"/>
-        <a:buChar char="–"/>
-        <a:defRPr sz="2000" kern="1200">
+        <a:buClr>
+          <a:schemeClr val="accent1"/>
+        </a:buClr>
+        <a:buFont typeface="Wingdings" pitchFamily="2" charset="2"/>
+        <a:buChar char=""/>
+        <a:defRPr sz="1800" kern="1200">
           <a:solidFill>
-            <a:schemeClr val="tx1"/>
+            <a:schemeClr val="tx1">
+              <a:lumMod val="85000"/>
+              <a:lumOff val="15000"/>
+            </a:schemeClr>
           </a:solidFill>
           <a:latin typeface="+mn-lt"/>
           <a:ea typeface="+mn-ea"/>
           <a:cs typeface="+mn-cs"/>
         </a:defRPr>
       </a:lvl4pPr>
-      <a:lvl5pPr marL="2057400" indent="-228600" algn="l" defTabSz="914400" rtl="0" eaLnBrk="1" latinLnBrk="0" hangingPunct="1">
+      <a:lvl5pPr marL="1828800" indent="-320040" algn="l" defTabSz="914400" rtl="0" eaLnBrk="1" latinLnBrk="0" hangingPunct="1">
         <a:spcBef>
           <a:spcPct val="20000"/>
         </a:spcBef>
-        <a:buFont typeface="Arial" pitchFamily="34" charset="0"/>
-        <a:buChar char="»"/>
-        <a:defRPr sz="2000" kern="1200">
+        <a:buClr>
+          <a:schemeClr val="accent1"/>
+        </a:buClr>
+        <a:buFont typeface="Wingdings" pitchFamily="2" charset="2"/>
+        <a:buChar char=""/>
+        <a:defRPr sz="1600" kern="1200">
           <a:solidFill>
-            <a:schemeClr val="tx1"/>
+            <a:schemeClr val="tx1">
+              <a:lumMod val="85000"/>
+              <a:lumOff val="15000"/>
+            </a:schemeClr>
           </a:solidFill>
           <a:latin typeface="+mn-lt"/>
           <a:ea typeface="+mn-ea"/>
           <a:cs typeface="+mn-cs"/>
         </a:defRPr>
       </a:lvl5pPr>
-      <a:lvl6pPr marL="2514600" indent="-228600" algn="l" defTabSz="914400" rtl="0" eaLnBrk="1" latinLnBrk="0" hangingPunct="1">
+      <a:lvl6pPr marL="2148840" indent="-274320" algn="l" defTabSz="914400" rtl="0" eaLnBrk="1" latinLnBrk="0" hangingPunct="1">
         <a:spcBef>
-          <a:spcPct val="20000"/>
+          <a:spcPts val="400"/>
         </a:spcBef>
-        <a:buFont typeface="Arial" pitchFamily="34" charset="0"/>
-        <a:buChar char="•"/>
-        <a:defRPr sz="2000" kern="1200">
+        <a:buClr>
+          <a:schemeClr val="accent1"/>
+        </a:buClr>
+        <a:buFont typeface="Wingdings" pitchFamily="2" charset="2"/>
+        <a:buChar char=""/>
+        <a:defRPr sz="1400" kern="1200">
           <a:solidFill>
             <a:schemeClr val="tx1"/>
           </a:solidFill>
@@ -2944,13 +4290,16 @@
           <a:cs typeface="+mn-cs"/>
         </a:defRPr>
       </a:lvl6pPr>
-      <a:lvl7pPr marL="2971800" indent="-228600" algn="l" defTabSz="914400" rtl="0" eaLnBrk="1" latinLnBrk="0" hangingPunct="1">
+      <a:lvl7pPr marL="2468880" indent="-274320" algn="l" defTabSz="914400" rtl="0" eaLnBrk="1" latinLnBrk="0" hangingPunct="1">
         <a:spcBef>
-          <a:spcPct val="20000"/>
+          <a:spcPts val="400"/>
         </a:spcBef>
-        <a:buFont typeface="Arial" pitchFamily="34" charset="0"/>
-        <a:buChar char="•"/>
-        <a:defRPr sz="2000" kern="1200">
+        <a:buClr>
+          <a:schemeClr val="accent1"/>
+        </a:buClr>
+        <a:buFont typeface="Wingdings" pitchFamily="2" charset="2"/>
+        <a:buChar char=""/>
+        <a:defRPr sz="1400" kern="1200">
           <a:solidFill>
             <a:schemeClr val="tx1"/>
           </a:solidFill>
@@ -2959,13 +4308,16 @@
           <a:cs typeface="+mn-cs"/>
         </a:defRPr>
       </a:lvl7pPr>
-      <a:lvl8pPr marL="3429000" indent="-228600" algn="l" defTabSz="914400" rtl="0" eaLnBrk="1" latinLnBrk="0" hangingPunct="1">
+      <a:lvl8pPr marL="2788920" indent="-274320" algn="l" defTabSz="914400" rtl="0" eaLnBrk="1" latinLnBrk="0" hangingPunct="1">
         <a:spcBef>
-          <a:spcPct val="20000"/>
+          <a:spcPts val="400"/>
         </a:spcBef>
-        <a:buFont typeface="Arial" pitchFamily="34" charset="0"/>
-        <a:buChar char="•"/>
-        <a:defRPr sz="2000" kern="1200">
+        <a:buClr>
+          <a:schemeClr val="accent1"/>
+        </a:buClr>
+        <a:buFont typeface="Wingdings" pitchFamily="2" charset="2"/>
+        <a:buChar char=""/>
+        <a:defRPr sz="1400" kern="1200">
           <a:solidFill>
             <a:schemeClr val="tx1"/>
           </a:solidFill>
@@ -2974,13 +4326,16 @@
           <a:cs typeface="+mn-cs"/>
         </a:defRPr>
       </a:lvl8pPr>
-      <a:lvl9pPr marL="3886200" indent="-228600" algn="l" defTabSz="914400" rtl="0" eaLnBrk="1" latinLnBrk="0" hangingPunct="1">
+      <a:lvl9pPr marL="3108960" indent="-274320" algn="l" defTabSz="914400" rtl="0" eaLnBrk="1" latinLnBrk="0" hangingPunct="1">
         <a:spcBef>
-          <a:spcPct val="20000"/>
+          <a:spcPts val="400"/>
         </a:spcBef>
-        <a:buFont typeface="Arial" pitchFamily="34" charset="0"/>
-        <a:buChar char="•"/>
-        <a:defRPr sz="2000" kern="1200">
+        <a:buClr>
+          <a:schemeClr val="accent1"/>
+        </a:buClr>
+        <a:buFont typeface="Wingdings" pitchFamily="2" charset="2"/>
+        <a:buChar char=""/>
+        <a:defRPr sz="1400" kern="1200">
           <a:solidFill>
             <a:schemeClr val="tx1"/>
           </a:solidFill>
@@ -2992,7 +4347,7 @@
     </p:bodyStyle>
     <p:otherStyle>
       <a:defPPr>
-        <a:defRPr lang="es-MX"/>
+        <a:defRPr lang="en-US"/>
       </a:defPPr>
       <a:lvl1pPr marL="0" algn="l" defTabSz="914400" rtl="0" eaLnBrk="1" latinLnBrk="0" hangingPunct="1">
         <a:defRPr sz="1800" kern="1200">
@@ -3182,47 +4537,6 @@
           </a:p>
         </p:txBody>
       </p:sp>
-      <p:pic>
-        <p:nvPicPr>
-          <p:cNvPr id="1026" name="Picture 2" descr="https://msysgit.github.io/img/git_logo.png"/>
-          <p:cNvPicPr>
-            <a:picLocks noChangeAspect="1" noChangeArrowheads="1"/>
-          </p:cNvPicPr>
-          <p:nvPr/>
-        </p:nvPicPr>
-        <p:blipFill>
-          <a:blip r:embed="rId2">
-            <a:extLst>
-              <a:ext uri="{28A0092B-C50C-407E-A947-70E740481C1C}">
-                <a14:useLocalDpi xmlns:a14="http://schemas.microsoft.com/office/drawing/2010/main" val="0"/>
-              </a:ext>
-            </a:extLst>
-          </a:blip>
-          <a:srcRect/>
-          <a:stretch>
-            <a:fillRect/>
-          </a:stretch>
-        </p:blipFill>
-        <p:spPr bwMode="auto">
-          <a:xfrm>
-            <a:off x="251519" y="3664644"/>
-            <a:ext cx="3095625" cy="3095625"/>
-          </a:xfrm>
-          <a:prstGeom prst="rect">
-            <a:avLst/>
-          </a:prstGeom>
-          <a:noFill/>
-          <a:extLst>
-            <a:ext uri="{909E8E84-426E-40DD-AFC4-6F175D3DCCD1}">
-              <a14:hiddenFill xmlns:a14="http://schemas.microsoft.com/office/drawing/2010/main">
-                <a:solidFill>
-                  <a:srgbClr val="FFFFFF"/>
-                </a:solidFill>
-              </a14:hiddenFill>
-            </a:ext>
-          </a:extLst>
-        </p:spPr>
-      </p:pic>
     </p:spTree>
     <p:extLst>
       <p:ext uri="{BB962C8B-B14F-4D97-AF65-F5344CB8AC3E}">
@@ -3255,6 +4569,154 @@
       </p:grpSpPr>
       <p:sp>
         <p:nvSpPr>
+          <p:cNvPr id="3" name="2 Marcador de contenido"/>
+          <p:cNvSpPr>
+            <a:spLocks noGrp="1"/>
+          </p:cNvSpPr>
+          <p:nvPr>
+            <p:ph idx="1"/>
+          </p:nvPr>
+        </p:nvSpPr>
+        <p:spPr/>
+        <p:txBody>
+          <a:bodyPr/>
+          <a:lstStyle/>
+          <a:p>
+            <a:pPr marL="0" indent="0">
+              <a:buNone/>
+            </a:pPr>
+            <a:r>
+              <a:rPr lang="es-MX" sz="2600" dirty="0">
+                <a:latin typeface="Andalus" pitchFamily="18" charset="-78"/>
+                <a:cs typeface="Andalus" pitchFamily="18" charset="-78"/>
+              </a:rPr>
+              <a:t>Herramientas muy importantes para evaluar:</a:t>
+            </a:r>
+          </a:p>
+          <a:p>
+            <a:pPr marL="400050" lvl="1" indent="0">
+              <a:buNone/>
+            </a:pPr>
+            <a:r>
+              <a:rPr lang="es-MX" sz="2200" dirty="0" smtClean="0">
+                <a:latin typeface="Andalus" pitchFamily="18" charset="-78"/>
+                <a:cs typeface="Andalus" pitchFamily="18" charset="-78"/>
+              </a:rPr>
+              <a:t>Productividad </a:t>
+            </a:r>
+            <a:r>
+              <a:rPr lang="es-MX" sz="2200" dirty="0">
+                <a:latin typeface="Andalus" pitchFamily="18" charset="-78"/>
+                <a:cs typeface="Andalus" pitchFamily="18" charset="-78"/>
+              </a:rPr>
+              <a:t>y calidad de los proyectos</a:t>
+            </a:r>
+          </a:p>
+          <a:p>
+            <a:pPr marL="400050" lvl="1" indent="0">
+              <a:buNone/>
+            </a:pPr>
+            <a:r>
+              <a:rPr lang="es-MX" sz="2200" dirty="0" smtClean="0">
+                <a:latin typeface="Andalus" pitchFamily="18" charset="-78"/>
+                <a:cs typeface="Andalus" pitchFamily="18" charset="-78"/>
+              </a:rPr>
+              <a:t>Resultados</a:t>
+            </a:r>
+            <a:endParaRPr lang="es-MX" sz="2200" dirty="0">
+              <a:latin typeface="Andalus" pitchFamily="18" charset="-78"/>
+              <a:cs typeface="Andalus" pitchFamily="18" charset="-78"/>
+            </a:endParaRPr>
+          </a:p>
+          <a:p>
+            <a:pPr marL="400050" lvl="1" indent="0">
+              <a:buNone/>
+            </a:pPr>
+            <a:r>
+              <a:rPr lang="es-MX" sz="2200" dirty="0" smtClean="0">
+                <a:latin typeface="Andalus" pitchFamily="18" charset="-78"/>
+                <a:cs typeface="Andalus" pitchFamily="18" charset="-78"/>
+              </a:rPr>
+              <a:t>Avances </a:t>
+            </a:r>
+            <a:r>
+              <a:rPr lang="es-MX" sz="2200" dirty="0">
+                <a:latin typeface="Andalus" pitchFamily="18" charset="-78"/>
+                <a:cs typeface="Andalus" pitchFamily="18" charset="-78"/>
+              </a:rPr>
+              <a:t>de los proyectos</a:t>
+            </a:r>
+          </a:p>
+          <a:p>
+            <a:pPr marL="400050" lvl="1" indent="0">
+              <a:buNone/>
+            </a:pPr>
+            <a:r>
+              <a:rPr lang="es-MX" sz="2200" dirty="0" smtClean="0">
+                <a:latin typeface="Andalus" pitchFamily="18" charset="-78"/>
+                <a:cs typeface="Andalus" pitchFamily="18" charset="-78"/>
+              </a:rPr>
+              <a:t>Áreas </a:t>
+            </a:r>
+            <a:r>
+              <a:rPr lang="es-MX" sz="2200" dirty="0">
+                <a:latin typeface="Andalus" pitchFamily="18" charset="-78"/>
+                <a:cs typeface="Andalus" pitchFamily="18" charset="-78"/>
+              </a:rPr>
+              <a:t>susceptibles de control y seguimiento individual y de grupo.</a:t>
+            </a:r>
+          </a:p>
+          <a:p>
+            <a:pPr marL="0" indent="0">
+              <a:buNone/>
+            </a:pPr>
+            <a:endParaRPr lang="es-MX" dirty="0"/>
+          </a:p>
+        </p:txBody>
+      </p:sp>
+      <p:pic>
+        <p:nvPicPr>
+          <p:cNvPr id="4" name="Picture 2" descr="https://msysgit.github.io/img/git_logo.png"/>
+          <p:cNvPicPr>
+            <a:picLocks noChangeAspect="1" noChangeArrowheads="1"/>
+          </p:cNvPicPr>
+          <p:nvPr/>
+        </p:nvPicPr>
+        <p:blipFill>
+          <a:blip r:embed="rId2">
+            <a:extLst>
+              <a:ext uri="{28A0092B-C50C-407E-A947-70E740481C1C}">
+                <a14:useLocalDpi xmlns:a14="http://schemas.microsoft.com/office/drawing/2010/main" val="0"/>
+              </a:ext>
+            </a:extLst>
+          </a:blip>
+          <a:srcRect/>
+          <a:stretch>
+            <a:fillRect/>
+          </a:stretch>
+        </p:blipFill>
+        <p:spPr bwMode="auto">
+          <a:xfrm>
+            <a:off x="7515200" y="1"/>
+            <a:ext cx="1628800" cy="1628800"/>
+          </a:xfrm>
+          <a:prstGeom prst="rect">
+            <a:avLst/>
+          </a:prstGeom>
+          <a:noFill/>
+          <a:extLst>
+            <a:ext uri="{909E8E84-426E-40DD-AFC4-6F175D3DCCD1}">
+              <a14:hiddenFill xmlns:a14="http://schemas.microsoft.com/office/drawing/2010/main">
+                <a:solidFill>
+                  <a:srgbClr val="FFFFFF"/>
+                </a:solidFill>
+              </a14:hiddenFill>
+            </a:ext>
+          </a:extLst>
+        </p:spPr>
+      </p:pic>
+      <p:sp>
+        <p:nvSpPr>
           <p:cNvPr id="2" name="1 Título"/>
           <p:cNvSpPr>
             <a:spLocks noGrp="1"/>
@@ -3281,113 +4743,6 @@
             <a:br>
               <a:rPr lang="es-MX" dirty="0"/>
             </a:br>
-            <a:endParaRPr lang="es-MX" dirty="0"/>
-          </a:p>
-        </p:txBody>
-      </p:sp>
-      <p:sp>
-        <p:nvSpPr>
-          <p:cNvPr id="3" name="2 Marcador de contenido"/>
-          <p:cNvSpPr>
-            <a:spLocks noGrp="1"/>
-          </p:cNvSpPr>
-          <p:nvPr>
-            <p:ph idx="1"/>
-          </p:nvPr>
-        </p:nvSpPr>
-        <p:spPr/>
-        <p:txBody>
-          <a:bodyPr/>
-          <a:lstStyle/>
-          <a:p>
-            <a:pPr marL="0" indent="0">
-              <a:buNone/>
-            </a:pPr>
-            <a:r>
-              <a:rPr lang="es-MX" sz="2600" dirty="0">
-                <a:latin typeface="Andalus" pitchFamily="18" charset="-78"/>
-                <a:cs typeface="Andalus" pitchFamily="18" charset="-78"/>
-              </a:rPr>
-              <a:t>Herramientas muy importantes para evaluar:</a:t>
-            </a:r>
-          </a:p>
-          <a:p>
-            <a:pPr marL="400050" lvl="1" indent="0">
-              <a:buNone/>
-            </a:pPr>
-            <a:r>
-              <a:rPr lang="es-MX" sz="2200" dirty="0" smtClean="0">
-                <a:latin typeface="Andalus" pitchFamily="18" charset="-78"/>
-                <a:cs typeface="Andalus" pitchFamily="18" charset="-78"/>
-              </a:rPr>
-              <a:t>Productividad </a:t>
-            </a:r>
-            <a:r>
-              <a:rPr lang="es-MX" sz="2200" dirty="0">
-                <a:latin typeface="Andalus" pitchFamily="18" charset="-78"/>
-                <a:cs typeface="Andalus" pitchFamily="18" charset="-78"/>
-              </a:rPr>
-              <a:t>y calidad de los proyectos</a:t>
-            </a:r>
-          </a:p>
-          <a:p>
-            <a:pPr marL="400050" lvl="1" indent="0">
-              <a:buNone/>
-            </a:pPr>
-            <a:r>
-              <a:rPr lang="es-MX" sz="2200" dirty="0" smtClean="0">
-                <a:latin typeface="Andalus" pitchFamily="18" charset="-78"/>
-                <a:cs typeface="Andalus" pitchFamily="18" charset="-78"/>
-              </a:rPr>
-              <a:t>Resultados</a:t>
-            </a:r>
-            <a:endParaRPr lang="es-MX" sz="2200" dirty="0">
-              <a:latin typeface="Andalus" pitchFamily="18" charset="-78"/>
-              <a:cs typeface="Andalus" pitchFamily="18" charset="-78"/>
-            </a:endParaRPr>
-          </a:p>
-          <a:p>
-            <a:pPr marL="400050" lvl="1" indent="0">
-              <a:buNone/>
-            </a:pPr>
-            <a:r>
-              <a:rPr lang="es-MX" sz="2200" dirty="0" smtClean="0">
-                <a:latin typeface="Andalus" pitchFamily="18" charset="-78"/>
-                <a:cs typeface="Andalus" pitchFamily="18" charset="-78"/>
-              </a:rPr>
-              <a:t>Avances </a:t>
-            </a:r>
-            <a:r>
-              <a:rPr lang="es-MX" sz="2200" dirty="0">
-                <a:latin typeface="Andalus" pitchFamily="18" charset="-78"/>
-                <a:cs typeface="Andalus" pitchFamily="18" charset="-78"/>
-              </a:rPr>
-              <a:t>de los proyectos</a:t>
-            </a:r>
-          </a:p>
-          <a:p>
-            <a:pPr marL="400050" lvl="1" indent="0">
-              <a:buNone/>
-            </a:pPr>
-            <a:r>
-              <a:rPr lang="es-MX" sz="2200" dirty="0" smtClean="0">
-                <a:latin typeface="Andalus" pitchFamily="18" charset="-78"/>
-                <a:cs typeface="Andalus" pitchFamily="18" charset="-78"/>
-              </a:rPr>
-              <a:t>Áreas </a:t>
-            </a:r>
-            <a:r>
-              <a:rPr lang="es-MX" sz="2200" dirty="0">
-                <a:latin typeface="Andalus" pitchFamily="18" charset="-78"/>
-                <a:cs typeface="Andalus" pitchFamily="18" charset="-78"/>
-              </a:rPr>
-              <a:t>susceptibles de control y seguimiento individual y de grupo.</a:t>
-            </a:r>
-          </a:p>
-          <a:p>
-            <a:pPr marL="0" indent="0">
-              <a:buNone/>
-            </a:pPr>
             <a:endParaRPr lang="es-MX" dirty="0"/>
           </a:p>
         </p:txBody>
@@ -3424,34 +4779,6 @@
       </p:grpSpPr>
       <p:sp>
         <p:nvSpPr>
-          <p:cNvPr id="2" name="1 Título"/>
-          <p:cNvSpPr>
-            <a:spLocks noGrp="1"/>
-          </p:cNvSpPr>
-          <p:nvPr>
-            <p:ph type="title"/>
-          </p:nvPr>
-        </p:nvSpPr>
-        <p:spPr/>
-        <p:txBody>
-          <a:bodyPr>
-            <a:normAutofit/>
-          </a:bodyPr>
-          <a:lstStyle/>
-          <a:p>
-            <a:r>
-              <a:rPr lang="es-MX" sz="3200" dirty="0">
-                <a:latin typeface="Andalus" pitchFamily="18" charset="-78"/>
-                <a:ea typeface="+mn-ea"/>
-                <a:cs typeface="Andalus" pitchFamily="18" charset="-78"/>
-              </a:rPr>
-              <a:t>Hacia una auditoria en informática eficiente</a:t>
-            </a:r>
-          </a:p>
-        </p:txBody>
-      </p:sp>
-      <p:sp>
-        <p:nvSpPr>
           <p:cNvPr id="3" name="2 Marcador de contenido"/>
           <p:cNvSpPr>
             <a:spLocks noGrp="1"/>
@@ -3589,6 +4916,75 @@
               <a:latin typeface="Andalus" pitchFamily="18" charset="-78"/>
               <a:cs typeface="Andalus" pitchFamily="18" charset="-78"/>
             </a:endParaRPr>
+          </a:p>
+        </p:txBody>
+      </p:sp>
+      <p:pic>
+        <p:nvPicPr>
+          <p:cNvPr id="4" name="Picture 2" descr="https://msysgit.github.io/img/git_logo.png"/>
+          <p:cNvPicPr>
+            <a:picLocks noChangeAspect="1" noChangeArrowheads="1"/>
+          </p:cNvPicPr>
+          <p:nvPr/>
+        </p:nvPicPr>
+        <p:blipFill>
+          <a:blip r:embed="rId2">
+            <a:extLst>
+              <a:ext uri="{28A0092B-C50C-407E-A947-70E740481C1C}">
+                <a14:useLocalDpi xmlns:a14="http://schemas.microsoft.com/office/drawing/2010/main" val="0"/>
+              </a:ext>
+            </a:extLst>
+          </a:blip>
+          <a:srcRect/>
+          <a:stretch>
+            <a:fillRect/>
+          </a:stretch>
+        </p:blipFill>
+        <p:spPr bwMode="auto">
+          <a:xfrm>
+            <a:off x="7515200" y="1"/>
+            <a:ext cx="1628800" cy="1628800"/>
+          </a:xfrm>
+          <a:prstGeom prst="rect">
+            <a:avLst/>
+          </a:prstGeom>
+          <a:noFill/>
+          <a:extLst>
+            <a:ext uri="{909E8E84-426E-40DD-AFC4-6F175D3DCCD1}">
+              <a14:hiddenFill xmlns:a14="http://schemas.microsoft.com/office/drawing/2010/main">
+                <a:solidFill>
+                  <a:srgbClr val="FFFFFF"/>
+                </a:solidFill>
+              </a14:hiddenFill>
+            </a:ext>
+          </a:extLst>
+        </p:spPr>
+      </p:pic>
+      <p:sp>
+        <p:nvSpPr>
+          <p:cNvPr id="2" name="1 Título"/>
+          <p:cNvSpPr>
+            <a:spLocks noGrp="1"/>
+          </p:cNvSpPr>
+          <p:nvPr>
+            <p:ph type="title"/>
+          </p:nvPr>
+        </p:nvSpPr>
+        <p:spPr/>
+        <p:txBody>
+          <a:bodyPr>
+            <a:normAutofit/>
+          </a:bodyPr>
+          <a:lstStyle/>
+          <a:p>
+            <a:r>
+              <a:rPr lang="es-MX" sz="3200" dirty="0">
+                <a:latin typeface="Andalus" pitchFamily="18" charset="-78"/>
+                <a:ea typeface="+mn-ea"/>
+                <a:cs typeface="Andalus" pitchFamily="18" charset="-78"/>
+              </a:rPr>
+              <a:t>Hacia una auditoria en informática eficiente</a:t>
+            </a:r>
           </a:p>
         </p:txBody>
       </p:sp>
@@ -3624,37 +5020,6 @@
       </p:grpSpPr>
       <p:sp>
         <p:nvSpPr>
-          <p:cNvPr id="2" name="1 Título"/>
-          <p:cNvSpPr>
-            <a:spLocks noGrp="1"/>
-          </p:cNvSpPr>
-          <p:nvPr>
-            <p:ph type="title"/>
-          </p:nvPr>
-        </p:nvSpPr>
-        <p:spPr/>
-        <p:txBody>
-          <a:bodyPr/>
-          <a:lstStyle/>
-          <a:p>
-            <a:r>
-              <a:rPr lang="es-MX" sz="3200" dirty="0">
-                <a:latin typeface="Andalus" pitchFamily="18" charset="-78"/>
-                <a:ea typeface="+mn-ea"/>
-                <a:cs typeface="Andalus" pitchFamily="18" charset="-78"/>
-              </a:rPr>
-              <a:t>Comentarios</a:t>
-            </a:r>
-            <a:r>
-              <a:rPr lang="es-MX" dirty="0" smtClean="0"/>
-              <a:t> </a:t>
-            </a:r>
-            <a:endParaRPr lang="es-MX" dirty="0"/>
-          </a:p>
-        </p:txBody>
-      </p:sp>
-      <p:sp>
-        <p:nvSpPr>
           <p:cNvPr id="3" name="2 Marcador de contenido"/>
           <p:cNvSpPr>
             <a:spLocks noGrp="1"/>
@@ -3739,6 +5104,78 @@
           </a:p>
         </p:txBody>
       </p:sp>
+      <p:sp>
+        <p:nvSpPr>
+          <p:cNvPr id="2" name="1 Título"/>
+          <p:cNvSpPr>
+            <a:spLocks noGrp="1"/>
+          </p:cNvSpPr>
+          <p:nvPr>
+            <p:ph type="title"/>
+          </p:nvPr>
+        </p:nvSpPr>
+        <p:spPr/>
+        <p:txBody>
+          <a:bodyPr/>
+          <a:lstStyle/>
+          <a:p>
+            <a:r>
+              <a:rPr lang="es-MX" sz="3200" dirty="0">
+                <a:latin typeface="Andalus" pitchFamily="18" charset="-78"/>
+                <a:ea typeface="+mn-ea"/>
+                <a:cs typeface="Andalus" pitchFamily="18" charset="-78"/>
+              </a:rPr>
+              <a:t>Comentarios</a:t>
+            </a:r>
+            <a:r>
+              <a:rPr lang="es-MX" dirty="0" smtClean="0"/>
+              <a:t> </a:t>
+            </a:r>
+            <a:endParaRPr lang="es-MX" dirty="0"/>
+          </a:p>
+        </p:txBody>
+      </p:sp>
+      <p:pic>
+        <p:nvPicPr>
+          <p:cNvPr id="4" name="Picture 2" descr="https://msysgit.github.io/img/git_logo.png"/>
+          <p:cNvPicPr>
+            <a:picLocks noChangeAspect="1" noChangeArrowheads="1"/>
+          </p:cNvPicPr>
+          <p:nvPr/>
+        </p:nvPicPr>
+        <p:blipFill>
+          <a:blip r:embed="rId2">
+            <a:extLst>
+              <a:ext uri="{28A0092B-C50C-407E-A947-70E740481C1C}">
+                <a14:useLocalDpi xmlns:a14="http://schemas.microsoft.com/office/drawing/2010/main" val="0"/>
+              </a:ext>
+            </a:extLst>
+          </a:blip>
+          <a:srcRect/>
+          <a:stretch>
+            <a:fillRect/>
+          </a:stretch>
+        </p:blipFill>
+        <p:spPr bwMode="auto">
+          <a:xfrm>
+            <a:off x="7515200" y="1"/>
+            <a:ext cx="1628800" cy="1628800"/>
+          </a:xfrm>
+          <a:prstGeom prst="rect">
+            <a:avLst/>
+          </a:prstGeom>
+          <a:noFill/>
+          <a:extLst>
+            <a:ext uri="{909E8E84-426E-40DD-AFC4-6F175D3DCCD1}">
+              <a14:hiddenFill xmlns:a14="http://schemas.microsoft.com/office/drawing/2010/main">
+                <a:solidFill>
+                  <a:srgbClr val="FFFFFF"/>
+                </a:solidFill>
+              </a14:hiddenFill>
+            </a:ext>
+          </a:extLst>
+        </p:spPr>
+      </p:pic>
     </p:spTree>
     <p:extLst>
       <p:ext uri="{BB962C8B-B14F-4D97-AF65-F5344CB8AC3E}">
@@ -3771,12 +5208,12 @@
       </p:grpSpPr>
       <p:sp>
         <p:nvSpPr>
-          <p:cNvPr id="2" name="1 Título"/>
-          <p:cNvSpPr>
-            <a:spLocks noGrp="1"/>
-          </p:cNvSpPr>
-          <p:nvPr>
-            <p:ph type="title"/>
+          <p:cNvPr id="3" name="2 Marcador de contenido"/>
+          <p:cNvSpPr>
+            <a:spLocks noGrp="1"/>
+          </p:cNvSpPr>
+          <p:nvPr>
+            <p:ph idx="1"/>
           </p:nvPr>
         </p:nvSpPr>
         <p:spPr/>
@@ -3786,126 +5223,167 @@
           </a:bodyPr>
           <a:lstStyle/>
           <a:p>
-            <a:r>
-              <a:rPr lang="es-MX" sz="4000" dirty="0">
-                <a:latin typeface="Andalus" pitchFamily="18" charset="-78"/>
-                <a:ea typeface="+mn-ea"/>
-                <a:cs typeface="Andalus" pitchFamily="18" charset="-78"/>
-              </a:rPr>
-              <a:t>Organización </a:t>
-            </a:r>
-          </a:p>
-        </p:txBody>
-      </p:sp>
-      <p:sp>
-        <p:nvSpPr>
-          <p:cNvPr id="3" name="2 Marcador de contenido"/>
-          <p:cNvSpPr>
-            <a:spLocks noGrp="1"/>
-          </p:cNvSpPr>
-          <p:nvPr>
-            <p:ph idx="1"/>
+            <a:pPr marL="0" indent="0">
+              <a:buNone/>
+            </a:pPr>
+            <a:r>
+              <a:rPr lang="es-MX" dirty="0">
+                <a:latin typeface="Andalus" pitchFamily="18" charset="-78"/>
+                <a:cs typeface="Andalus" pitchFamily="18" charset="-78"/>
+              </a:rPr>
+              <a:t>Estrategias y cursos de acción para la implantación formal de la función de auditoria en informática.</a:t>
+            </a:r>
+          </a:p>
+          <a:p>
+            <a:pPr marL="0" indent="0">
+              <a:buNone/>
+            </a:pPr>
+            <a:r>
+              <a:rPr lang="es-MX" dirty="0" smtClean="0">
+                <a:latin typeface="Andalus" pitchFamily="18" charset="-78"/>
+                <a:cs typeface="Andalus" pitchFamily="18" charset="-78"/>
+              </a:rPr>
+              <a:t>Estructura </a:t>
+            </a:r>
+            <a:r>
+              <a:rPr lang="es-MX" dirty="0">
+                <a:latin typeface="Andalus" pitchFamily="18" charset="-78"/>
+                <a:cs typeface="Andalus" pitchFamily="18" charset="-78"/>
+              </a:rPr>
+              <a:t>organizacional y funciones de la auditoria en informática.</a:t>
+            </a:r>
+          </a:p>
+          <a:p>
+            <a:pPr marL="0" indent="0">
+              <a:buNone/>
+            </a:pPr>
+            <a:r>
+              <a:rPr lang="es-MX" dirty="0" smtClean="0">
+                <a:latin typeface="Andalus" pitchFamily="18" charset="-78"/>
+                <a:cs typeface="Andalus" pitchFamily="18" charset="-78"/>
+              </a:rPr>
+              <a:t>Administración </a:t>
+            </a:r>
+            <a:r>
+              <a:rPr lang="es-MX" dirty="0">
+                <a:latin typeface="Andalus" pitchFamily="18" charset="-78"/>
+                <a:cs typeface="Andalus" pitchFamily="18" charset="-78"/>
+              </a:rPr>
+              <a:t>de la función de auditoria en informática.</a:t>
+            </a:r>
+          </a:p>
+          <a:p>
+            <a:pPr marL="0" indent="0">
+              <a:buNone/>
+            </a:pPr>
+            <a:r>
+              <a:rPr lang="es-MX" dirty="0" smtClean="0">
+                <a:latin typeface="Andalus" pitchFamily="18" charset="-78"/>
+                <a:cs typeface="Andalus" pitchFamily="18" charset="-78"/>
+              </a:rPr>
+              <a:t>Elementos </a:t>
+            </a:r>
+            <a:r>
+              <a:rPr lang="es-MX" dirty="0">
+                <a:latin typeface="Andalus" pitchFamily="18" charset="-78"/>
+                <a:cs typeface="Andalus" pitchFamily="18" charset="-78"/>
+              </a:rPr>
+              <a:t>de la administración de la función.</a:t>
+            </a:r>
+          </a:p>
+          <a:p>
+            <a:pPr marL="0" indent="0">
+              <a:buNone/>
+            </a:pPr>
+            <a:r>
+              <a:rPr lang="es-MX" dirty="0" smtClean="0">
+                <a:latin typeface="Andalus" pitchFamily="18" charset="-78"/>
+                <a:cs typeface="Andalus" pitchFamily="18" charset="-78"/>
+              </a:rPr>
+              <a:t>Hacia </a:t>
+            </a:r>
+            <a:r>
+              <a:rPr lang="es-MX" dirty="0">
+                <a:latin typeface="Andalus" pitchFamily="18" charset="-78"/>
+                <a:cs typeface="Andalus" pitchFamily="18" charset="-78"/>
+              </a:rPr>
+              <a:t>una auditoría informática eficiente.</a:t>
+            </a:r>
+          </a:p>
+          <a:p>
+            <a:endParaRPr lang="es-MX" dirty="0"/>
+          </a:p>
+        </p:txBody>
+      </p:sp>
+      <p:sp>
+        <p:nvSpPr>
+          <p:cNvPr id="2" name="1 Título"/>
+          <p:cNvSpPr>
+            <a:spLocks noGrp="1"/>
+          </p:cNvSpPr>
+          <p:nvPr>
+            <p:ph type="title"/>
           </p:nvPr>
         </p:nvSpPr>
         <p:spPr/>
         <p:txBody>
           <a:bodyPr>
-            <a:normAutofit lnSpcReduction="10000"/>
+            <a:normAutofit/>
           </a:bodyPr>
           <a:lstStyle/>
           <a:p>
-            <a:pPr marL="0" indent="0">
-              <a:buNone/>
-            </a:pPr>
-            <a:r>
-              <a:rPr lang="es-MX" dirty="0">
-                <a:latin typeface="Andalus" pitchFamily="18" charset="-78"/>
-                <a:cs typeface="Andalus" pitchFamily="18" charset="-78"/>
-              </a:rPr>
-              <a:t>Estrategias y cursos de acción para la implantación formal de la función de auditoria en informática.</a:t>
-            </a:r>
-          </a:p>
-          <a:p>
-            <a:pPr marL="0" indent="0">
-              <a:buNone/>
-            </a:pPr>
-            <a:r>
-              <a:rPr lang="es-MX" dirty="0" smtClean="0">
-                <a:latin typeface="Andalus" pitchFamily="18" charset="-78"/>
-                <a:cs typeface="Andalus" pitchFamily="18" charset="-78"/>
-              </a:rPr>
-              <a:t>Estructura </a:t>
-            </a:r>
-            <a:r>
-              <a:rPr lang="es-MX" dirty="0">
-                <a:latin typeface="Andalus" pitchFamily="18" charset="-78"/>
-                <a:cs typeface="Andalus" pitchFamily="18" charset="-78"/>
-              </a:rPr>
-              <a:t>organizacional y funciones de la auditoria en informática.</a:t>
-            </a:r>
-          </a:p>
-          <a:p>
-            <a:pPr marL="0" indent="0">
-              <a:buNone/>
-            </a:pPr>
-            <a:r>
-              <a:rPr lang="es-MX" dirty="0" smtClean="0">
-                <a:latin typeface="Andalus" pitchFamily="18" charset="-78"/>
-                <a:cs typeface="Andalus" pitchFamily="18" charset="-78"/>
-              </a:rPr>
-              <a:t>Administración </a:t>
-            </a:r>
-            <a:r>
-              <a:rPr lang="es-MX" dirty="0">
-                <a:latin typeface="Andalus" pitchFamily="18" charset="-78"/>
-                <a:cs typeface="Andalus" pitchFamily="18" charset="-78"/>
-              </a:rPr>
-              <a:t>de la función de auditoria en informática.</a:t>
-            </a:r>
-          </a:p>
-          <a:p>
-            <a:pPr marL="0" indent="0">
-              <a:buNone/>
-            </a:pPr>
-            <a:r>
-              <a:rPr lang="es-MX" dirty="0" smtClean="0">
-                <a:latin typeface="Andalus" pitchFamily="18" charset="-78"/>
-                <a:cs typeface="Andalus" pitchFamily="18" charset="-78"/>
-              </a:rPr>
-              <a:t>Elementos </a:t>
-            </a:r>
-            <a:r>
-              <a:rPr lang="es-MX" dirty="0">
-                <a:latin typeface="Andalus" pitchFamily="18" charset="-78"/>
-                <a:cs typeface="Andalus" pitchFamily="18" charset="-78"/>
-              </a:rPr>
-              <a:t>de la administración de la función.</a:t>
-            </a:r>
-          </a:p>
-          <a:p>
-            <a:pPr marL="0" indent="0">
-              <a:buNone/>
-            </a:pPr>
-            <a:r>
-              <a:rPr lang="es-MX" dirty="0" smtClean="0">
-                <a:latin typeface="Andalus" pitchFamily="18" charset="-78"/>
-                <a:cs typeface="Andalus" pitchFamily="18" charset="-78"/>
-              </a:rPr>
-              <a:t>Hacia </a:t>
-            </a:r>
-            <a:r>
-              <a:rPr lang="es-MX" dirty="0">
-                <a:latin typeface="Andalus" pitchFamily="18" charset="-78"/>
-                <a:cs typeface="Andalus" pitchFamily="18" charset="-78"/>
-              </a:rPr>
-              <a:t>una auditoría informática eficiente.</a:t>
-            </a:r>
-          </a:p>
-          <a:p>
-            <a:endParaRPr lang="es-MX" dirty="0"/>
-          </a:p>
-        </p:txBody>
-      </p:sp>
+            <a:r>
+              <a:rPr lang="es-MX" sz="4000" dirty="0">
+                <a:latin typeface="Andalus" pitchFamily="18" charset="-78"/>
+                <a:ea typeface="+mn-ea"/>
+                <a:cs typeface="Andalus" pitchFamily="18" charset="-78"/>
+              </a:rPr>
+              <a:t>Organización </a:t>
+            </a:r>
+          </a:p>
+        </p:txBody>
+      </p:sp>
+      <p:pic>
+        <p:nvPicPr>
+          <p:cNvPr id="4" name="Picture 2" descr="https://msysgit.github.io/img/git_logo.png"/>
+          <p:cNvPicPr>
+            <a:picLocks noChangeAspect="1" noChangeArrowheads="1"/>
+          </p:cNvPicPr>
+          <p:nvPr/>
+        </p:nvPicPr>
+        <p:blipFill>
+          <a:blip r:embed="rId2">
+            <a:extLst>
+              <a:ext uri="{28A0092B-C50C-407E-A947-70E740481C1C}">
+                <a14:useLocalDpi xmlns:a14="http://schemas.microsoft.com/office/drawing/2010/main" val="0"/>
+              </a:ext>
+            </a:extLst>
+          </a:blip>
+          <a:srcRect/>
+          <a:stretch>
+            <a:fillRect/>
+          </a:stretch>
+        </p:blipFill>
+        <p:spPr bwMode="auto">
+          <a:xfrm>
+            <a:off x="7515200" y="1"/>
+            <a:ext cx="1628800" cy="1628800"/>
+          </a:xfrm>
+          <a:prstGeom prst="rect">
+            <a:avLst/>
+          </a:prstGeom>
+          <a:noFill/>
+          <a:extLst>
+            <a:ext uri="{909E8E84-426E-40DD-AFC4-6F175D3DCCD1}">
+              <a14:hiddenFill xmlns:a14="http://schemas.microsoft.com/office/drawing/2010/main">
+                <a:solidFill>
+                  <a:srgbClr val="FFFFFF"/>
+                </a:solidFill>
+              </a14:hiddenFill>
+            </a:ext>
+          </a:extLst>
+        </p:spPr>
+      </p:pic>
     </p:spTree>
     <p:extLst>
       <p:ext uri="{BB962C8B-B14F-4D97-AF65-F5344CB8AC3E}">
@@ -3938,6 +5416,219 @@
       </p:grpSpPr>
       <p:sp>
         <p:nvSpPr>
+          <p:cNvPr id="3" name="2 Marcador de contenido"/>
+          <p:cNvSpPr>
+            <a:spLocks noGrp="1"/>
+          </p:cNvSpPr>
+          <p:nvPr>
+            <p:ph idx="1"/>
+          </p:nvPr>
+        </p:nvSpPr>
+        <p:spPr>
+          <a:xfrm>
+            <a:off x="539552" y="908720"/>
+            <a:ext cx="8229600" cy="5256584"/>
+          </a:xfrm>
+        </p:spPr>
+        <p:txBody>
+          <a:bodyPr>
+            <a:noAutofit/>
+          </a:bodyPr>
+          <a:lstStyle/>
+          <a:p>
+            <a:pPr marL="0" indent="0" algn="just">
+              <a:buNone/>
+            </a:pPr>
+            <a:r>
+              <a:rPr lang="es-MX" sz="2200" dirty="0">
+                <a:latin typeface="Andalus" pitchFamily="18" charset="-78"/>
+                <a:cs typeface="Andalus" pitchFamily="18" charset="-78"/>
+              </a:rPr>
+              <a:t>Formalizar la AI en la organización, a través de :</a:t>
+            </a:r>
+          </a:p>
+          <a:p>
+            <a:pPr marL="0" indent="0" algn="just">
+              <a:buNone/>
+            </a:pPr>
+            <a:r>
+              <a:rPr lang="es-MX" sz="2200" dirty="0">
+                <a:latin typeface="Andalus" pitchFamily="18" charset="-78"/>
+                <a:cs typeface="Andalus" pitchFamily="18" charset="-78"/>
+              </a:rPr>
+              <a:t>*Cursos de Acción justificados</a:t>
+            </a:r>
+          </a:p>
+          <a:p>
+            <a:pPr marL="0" indent="0" algn="just">
+              <a:buNone/>
+            </a:pPr>
+            <a:r>
+              <a:rPr lang="es-MX" sz="2200" dirty="0">
+                <a:latin typeface="Andalus" pitchFamily="18" charset="-78"/>
+                <a:cs typeface="Andalus" pitchFamily="18" charset="-78"/>
+              </a:rPr>
+              <a:t>*Documentos de justificación a Alta Dirección</a:t>
+            </a:r>
+          </a:p>
+          <a:p>
+            <a:pPr marL="0" indent="0" algn="just">
+              <a:buNone/>
+            </a:pPr>
+            <a:r>
+              <a:rPr lang="es-MX" sz="2200" dirty="0">
+                <a:latin typeface="Andalus" pitchFamily="18" charset="-78"/>
+                <a:cs typeface="Andalus" pitchFamily="18" charset="-78"/>
+              </a:rPr>
+              <a:t>*Difusión de la AI en las Áreas relacionadas</a:t>
+            </a:r>
+          </a:p>
+          <a:p>
+            <a:pPr marL="0" indent="0" algn="just">
+              <a:buNone/>
+            </a:pPr>
+            <a:r>
+              <a:rPr lang="es-MX" sz="2200" dirty="0">
+                <a:latin typeface="Andalus" pitchFamily="18" charset="-78"/>
+                <a:cs typeface="Andalus" pitchFamily="18" charset="-78"/>
+              </a:rPr>
+              <a:t>*Desarrollo del proceso de </a:t>
+            </a:r>
+            <a:r>
+              <a:rPr lang="es-MX" sz="2200" dirty="0" smtClean="0">
+                <a:latin typeface="Andalus" pitchFamily="18" charset="-78"/>
+                <a:cs typeface="Andalus" pitchFamily="18" charset="-78"/>
+              </a:rPr>
+              <a:t>auditoria informática</a:t>
+            </a:r>
+            <a:endParaRPr lang="es-MX" sz="2200" dirty="0">
+              <a:latin typeface="Andalus" pitchFamily="18" charset="-78"/>
+              <a:cs typeface="Andalus" pitchFamily="18" charset="-78"/>
+            </a:endParaRPr>
+          </a:p>
+          <a:p>
+            <a:pPr marL="0" indent="0" algn="just">
+              <a:buNone/>
+            </a:pPr>
+            <a:r>
+              <a:rPr lang="es-MX" sz="2200" dirty="0">
+                <a:latin typeface="Andalus" pitchFamily="18" charset="-78"/>
+                <a:cs typeface="Andalus" pitchFamily="18" charset="-78"/>
+              </a:rPr>
+              <a:t>Auditoria Permanente para garantizar a la Alta Dirección:</a:t>
+            </a:r>
+          </a:p>
+          <a:p>
+            <a:pPr marL="0" indent="0" algn="just">
+              <a:buNone/>
+            </a:pPr>
+            <a:r>
+              <a:rPr lang="es-MX" sz="2200" dirty="0">
+                <a:latin typeface="Andalus" pitchFamily="18" charset="-78"/>
+                <a:cs typeface="Andalus" pitchFamily="18" charset="-78"/>
+              </a:rPr>
+              <a:t>*Seguridad, Políticas y procedimientos de los recursos de</a:t>
+            </a:r>
+          </a:p>
+          <a:p>
+            <a:pPr marL="0" indent="0" algn="just">
+              <a:buNone/>
+            </a:pPr>
+            <a:r>
+              <a:rPr lang="es-MX" sz="2200" dirty="0">
+                <a:latin typeface="Andalus" pitchFamily="18" charset="-78"/>
+                <a:cs typeface="Andalus" pitchFamily="18" charset="-78"/>
+              </a:rPr>
+              <a:t>informática, eficientes y confiables.</a:t>
+            </a:r>
+          </a:p>
+          <a:p>
+            <a:pPr marL="0" indent="0" algn="just">
+              <a:buNone/>
+            </a:pPr>
+            <a:r>
+              <a:rPr lang="es-MX" sz="2200" dirty="0">
+                <a:latin typeface="Andalus" pitchFamily="18" charset="-78"/>
+                <a:cs typeface="Andalus" pitchFamily="18" charset="-78"/>
+              </a:rPr>
+              <a:t>*Apoyo a los objetivos del negocio.</a:t>
+            </a:r>
+          </a:p>
+          <a:p>
+            <a:pPr marL="0" indent="0" algn="just">
+              <a:buNone/>
+            </a:pPr>
+            <a:r>
+              <a:rPr lang="es-MX" sz="2200" dirty="0">
+                <a:latin typeface="Andalus" pitchFamily="18" charset="-78"/>
+                <a:cs typeface="Andalus" pitchFamily="18" charset="-78"/>
+              </a:rPr>
+              <a:t>*Verificación del uso de la Tecnología en el negocio.</a:t>
+            </a:r>
+          </a:p>
+          <a:p>
+            <a:pPr marL="0" indent="0" algn="just">
+              <a:buNone/>
+            </a:pPr>
+            <a:r>
+              <a:rPr lang="es-MX" sz="2200" dirty="0">
+                <a:latin typeface="Andalus" pitchFamily="18" charset="-78"/>
+                <a:cs typeface="Andalus" pitchFamily="18" charset="-78"/>
+              </a:rPr>
+              <a:t>*Proceso de Evaluación y justificación </a:t>
+            </a:r>
+            <a:endParaRPr lang="es-MX" sz="2200" dirty="0" smtClean="0">
+              <a:latin typeface="Andalus" pitchFamily="18" charset="-78"/>
+              <a:cs typeface="Andalus" pitchFamily="18" charset="-78"/>
+            </a:endParaRPr>
+          </a:p>
+          <a:p>
+            <a:pPr marL="0" indent="0" algn="just">
+              <a:buNone/>
+            </a:pPr>
+            <a:r>
+              <a:rPr lang="es-MX" sz="2200" dirty="0" smtClean="0">
+                <a:latin typeface="Andalus" pitchFamily="18" charset="-78"/>
+                <a:cs typeface="Andalus" pitchFamily="18" charset="-78"/>
+              </a:rPr>
+              <a:t>*</a:t>
+            </a:r>
+            <a:r>
+              <a:rPr lang="es-MX" sz="2200" dirty="0">
+                <a:latin typeface="Andalus" pitchFamily="18" charset="-78"/>
+                <a:cs typeface="Andalus" pitchFamily="18" charset="-78"/>
+              </a:rPr>
+              <a:t>Elaboración y desarrollo de un proceso de planeación</a:t>
+            </a:r>
+          </a:p>
+          <a:p>
+            <a:pPr marL="0" indent="0" algn="just">
+              <a:buNone/>
+            </a:pPr>
+            <a:r>
+              <a:rPr lang="es-MX" sz="2200" dirty="0">
+                <a:latin typeface="Andalus" pitchFamily="18" charset="-78"/>
+                <a:cs typeface="Andalus" pitchFamily="18" charset="-78"/>
+              </a:rPr>
+              <a:t>informática, orientado al plan de negocio.</a:t>
+            </a:r>
+          </a:p>
+          <a:p>
+            <a:pPr marL="0" indent="0" algn="just">
+              <a:buNone/>
+            </a:pPr>
+            <a:r>
+              <a:rPr lang="es-MX" sz="2200" dirty="0">
+                <a:latin typeface="Andalus" pitchFamily="18" charset="-78"/>
+                <a:cs typeface="Andalus" pitchFamily="18" charset="-78"/>
+              </a:rPr>
+              <a:t>*Uso de Metodologías, Técnicas, Herramientas.</a:t>
+            </a:r>
+          </a:p>
+        </p:txBody>
+      </p:sp>
+      <p:sp>
+        <p:nvSpPr>
           <p:cNvPr id="2" name="1 Título"/>
           <p:cNvSpPr>
             <a:spLocks noGrp="1"/>
@@ -3969,219 +5660,47 @@
           </a:p>
         </p:txBody>
       </p:sp>
-      <p:sp>
-        <p:nvSpPr>
-          <p:cNvPr id="3" name="2 Marcador de contenido"/>
-          <p:cNvSpPr>
-            <a:spLocks noGrp="1"/>
-          </p:cNvSpPr>
-          <p:nvPr>
-            <p:ph idx="1"/>
-          </p:nvPr>
-        </p:nvSpPr>
-        <p:spPr>
+      <p:pic>
+        <p:nvPicPr>
+          <p:cNvPr id="4" name="Picture 2" descr="https://msysgit.github.io/img/git_logo.png"/>
+          <p:cNvPicPr>
+            <a:picLocks noChangeAspect="1" noChangeArrowheads="1"/>
+          </p:cNvPicPr>
+          <p:nvPr/>
+        </p:nvPicPr>
+        <p:blipFill>
+          <a:blip r:embed="rId2">
+            <a:extLst>
+              <a:ext uri="{28A0092B-C50C-407E-A947-70E740481C1C}">
+                <a14:useLocalDpi xmlns:a14="http://schemas.microsoft.com/office/drawing/2010/main" val="0"/>
+              </a:ext>
+            </a:extLst>
+          </a:blip>
+          <a:srcRect/>
+          <a:stretch>
+            <a:fillRect/>
+          </a:stretch>
+        </p:blipFill>
+        <p:spPr bwMode="auto">
           <a:xfrm>
-            <a:off x="539552" y="908720"/>
-            <a:ext cx="8229600" cy="5256584"/>
+            <a:off x="7515200" y="1"/>
+            <a:ext cx="1628800" cy="1628800"/>
           </a:xfrm>
+          <a:prstGeom prst="rect">
+            <a:avLst/>
+          </a:prstGeom>
+          <a:noFill/>
+          <a:extLst>
+            <a:ext uri="{909E8E84-426E-40DD-AFC4-6F175D3DCCD1}">
+              <a14:hiddenFill xmlns:a14="http://schemas.microsoft.com/office/drawing/2010/main">
+                <a:solidFill>
+                  <a:srgbClr val="FFFFFF"/>
+                </a:solidFill>
+              </a14:hiddenFill>
+            </a:ext>
+          </a:extLst>
         </p:spPr>
-        <p:txBody>
-          <a:bodyPr>
-            <a:noAutofit/>
-          </a:bodyPr>
-          <a:lstStyle/>
-          <a:p>
-            <a:pPr marL="0" indent="0" algn="just">
-              <a:buNone/>
-            </a:pPr>
-            <a:r>
-              <a:rPr lang="es-MX" sz="2200" dirty="0">
-                <a:latin typeface="Andalus" pitchFamily="18" charset="-78"/>
-                <a:cs typeface="Andalus" pitchFamily="18" charset="-78"/>
-              </a:rPr>
-              <a:t>Formalizar la AI en la organización, a través de :</a:t>
-            </a:r>
-          </a:p>
-          <a:p>
-            <a:pPr marL="0" indent="0" algn="just">
-              <a:buNone/>
-            </a:pPr>
-            <a:r>
-              <a:rPr lang="es-MX" sz="2200" dirty="0">
-                <a:latin typeface="Andalus" pitchFamily="18" charset="-78"/>
-                <a:cs typeface="Andalus" pitchFamily="18" charset="-78"/>
-              </a:rPr>
-              <a:t>*Cursos de Acción justificados</a:t>
-            </a:r>
-          </a:p>
-          <a:p>
-            <a:pPr marL="0" indent="0" algn="just">
-              <a:buNone/>
-            </a:pPr>
-            <a:r>
-              <a:rPr lang="es-MX" sz="2200" dirty="0">
-                <a:latin typeface="Andalus" pitchFamily="18" charset="-78"/>
-                <a:cs typeface="Andalus" pitchFamily="18" charset="-78"/>
-              </a:rPr>
-              <a:t>*Documentos de justificación a Alta Dirección</a:t>
-            </a:r>
-          </a:p>
-          <a:p>
-            <a:pPr marL="0" indent="0" algn="just">
-              <a:buNone/>
-            </a:pPr>
-            <a:r>
-              <a:rPr lang="es-MX" sz="2200" dirty="0">
-                <a:latin typeface="Andalus" pitchFamily="18" charset="-78"/>
-                <a:cs typeface="Andalus" pitchFamily="18" charset="-78"/>
-              </a:rPr>
-              <a:t>*Difusión de la AI en las Áreas relacionadas</a:t>
-            </a:r>
-          </a:p>
-          <a:p>
-            <a:pPr marL="0" indent="0" algn="just">
-              <a:buNone/>
-            </a:pPr>
-            <a:r>
-              <a:rPr lang="es-MX" sz="2200" dirty="0">
-                <a:latin typeface="Andalus" pitchFamily="18" charset="-78"/>
-                <a:cs typeface="Andalus" pitchFamily="18" charset="-78"/>
-              </a:rPr>
-              <a:t>*Desarrollo del proceso de </a:t>
-            </a:r>
-            <a:r>
-              <a:rPr lang="es-MX" sz="2200" dirty="0" smtClean="0">
-                <a:latin typeface="Andalus" pitchFamily="18" charset="-78"/>
-                <a:cs typeface="Andalus" pitchFamily="18" charset="-78"/>
-              </a:rPr>
-              <a:t>auditoria informática</a:t>
-            </a:r>
-            <a:endParaRPr lang="es-MX" sz="2200" dirty="0">
-              <a:latin typeface="Andalus" pitchFamily="18" charset="-78"/>
-              <a:cs typeface="Andalus" pitchFamily="18" charset="-78"/>
-            </a:endParaRPr>
-          </a:p>
-          <a:p>
-            <a:pPr marL="0" indent="0" algn="just">
-              <a:buNone/>
-            </a:pPr>
-            <a:r>
-              <a:rPr lang="es-MX" sz="2200" dirty="0">
-                <a:latin typeface="Andalus" pitchFamily="18" charset="-78"/>
-                <a:cs typeface="Andalus" pitchFamily="18" charset="-78"/>
-              </a:rPr>
-              <a:t>Auditoria Permanente para garantizar a la Alta Dirección:</a:t>
-            </a:r>
-          </a:p>
-          <a:p>
-            <a:pPr marL="0" indent="0" algn="just">
-              <a:buNone/>
-            </a:pPr>
-            <a:r>
-              <a:rPr lang="es-MX" sz="2200" dirty="0">
-                <a:latin typeface="Andalus" pitchFamily="18" charset="-78"/>
-                <a:cs typeface="Andalus" pitchFamily="18" charset="-78"/>
-              </a:rPr>
-              <a:t>*Seguridad, Políticas y procedimientos de los recursos de</a:t>
-            </a:r>
-          </a:p>
-          <a:p>
-            <a:pPr marL="0" indent="0" algn="just">
-              <a:buNone/>
-            </a:pPr>
-            <a:r>
-              <a:rPr lang="es-MX" sz="2200" dirty="0">
-                <a:latin typeface="Andalus" pitchFamily="18" charset="-78"/>
-                <a:cs typeface="Andalus" pitchFamily="18" charset="-78"/>
-              </a:rPr>
-              <a:t>informática, eficientes y confiables.</a:t>
-            </a:r>
-          </a:p>
-          <a:p>
-            <a:pPr marL="0" indent="0" algn="just">
-              <a:buNone/>
-            </a:pPr>
-            <a:r>
-              <a:rPr lang="es-MX" sz="2200" dirty="0">
-                <a:latin typeface="Andalus" pitchFamily="18" charset="-78"/>
-                <a:cs typeface="Andalus" pitchFamily="18" charset="-78"/>
-              </a:rPr>
-              <a:t>*Apoyo a los objetivos del negocio.</a:t>
-            </a:r>
-          </a:p>
-          <a:p>
-            <a:pPr marL="0" indent="0" algn="just">
-              <a:buNone/>
-            </a:pPr>
-            <a:r>
-              <a:rPr lang="es-MX" sz="2200" dirty="0">
-                <a:latin typeface="Andalus" pitchFamily="18" charset="-78"/>
-                <a:cs typeface="Andalus" pitchFamily="18" charset="-78"/>
-              </a:rPr>
-              <a:t>*Verificación del uso de la Tecnología en el negocio.</a:t>
-            </a:r>
-          </a:p>
-          <a:p>
-            <a:pPr marL="0" indent="0" algn="just">
-              <a:buNone/>
-            </a:pPr>
-            <a:r>
-              <a:rPr lang="es-MX" sz="2200" dirty="0">
-                <a:latin typeface="Andalus" pitchFamily="18" charset="-78"/>
-                <a:cs typeface="Andalus" pitchFamily="18" charset="-78"/>
-              </a:rPr>
-              <a:t>*Proceso de Evaluación y justificación </a:t>
-            </a:r>
-            <a:endParaRPr lang="es-MX" sz="2200" dirty="0" smtClean="0">
-              <a:latin typeface="Andalus" pitchFamily="18" charset="-78"/>
-              <a:cs typeface="Andalus" pitchFamily="18" charset="-78"/>
-            </a:endParaRPr>
-          </a:p>
-          <a:p>
-            <a:pPr marL="0" indent="0" algn="just">
-              <a:buNone/>
-            </a:pPr>
-            <a:r>
-              <a:rPr lang="es-MX" sz="2200" dirty="0" smtClean="0">
-                <a:latin typeface="Andalus" pitchFamily="18" charset="-78"/>
-                <a:cs typeface="Andalus" pitchFamily="18" charset="-78"/>
-              </a:rPr>
-              <a:t>*</a:t>
-            </a:r>
-            <a:r>
-              <a:rPr lang="es-MX" sz="2200" dirty="0">
-                <a:latin typeface="Andalus" pitchFamily="18" charset="-78"/>
-                <a:cs typeface="Andalus" pitchFamily="18" charset="-78"/>
-              </a:rPr>
-              <a:t>Elaboración y desarrollo de un proceso de planeación</a:t>
-            </a:r>
-          </a:p>
-          <a:p>
-            <a:pPr marL="0" indent="0" algn="just">
-              <a:buNone/>
-            </a:pPr>
-            <a:r>
-              <a:rPr lang="es-MX" sz="2200" dirty="0">
-                <a:latin typeface="Andalus" pitchFamily="18" charset="-78"/>
-                <a:cs typeface="Andalus" pitchFamily="18" charset="-78"/>
-              </a:rPr>
-              <a:t>informática, orientado al plan de negocio.</a:t>
-            </a:r>
-          </a:p>
-          <a:p>
-            <a:pPr marL="0" indent="0" algn="just">
-              <a:buNone/>
-            </a:pPr>
-            <a:r>
-              <a:rPr lang="es-MX" sz="2200" dirty="0">
-                <a:latin typeface="Andalus" pitchFamily="18" charset="-78"/>
-                <a:cs typeface="Andalus" pitchFamily="18" charset="-78"/>
-              </a:rPr>
-              <a:t>*Uso de Metodologías, Técnicas, Herramientas.</a:t>
-            </a:r>
-          </a:p>
-        </p:txBody>
-      </p:sp>
+      </p:pic>
     </p:spTree>
     <p:extLst>
       <p:ext uri="{BB962C8B-B14F-4D97-AF65-F5344CB8AC3E}">
@@ -4214,6 +5733,99 @@
       </p:grpSpPr>
       <p:sp>
         <p:nvSpPr>
+          <p:cNvPr id="3" name="2 Marcador de contenido"/>
+          <p:cNvSpPr>
+            <a:spLocks noGrp="1"/>
+          </p:cNvSpPr>
+          <p:nvPr>
+            <p:ph idx="1"/>
+          </p:nvPr>
+        </p:nvSpPr>
+        <p:spPr>
+          <a:xfrm>
+            <a:off x="395536" y="2204864"/>
+            <a:ext cx="8229600" cy="4525963"/>
+          </a:xfrm>
+        </p:spPr>
+        <p:txBody>
+          <a:bodyPr>
+            <a:normAutofit lnSpcReduction="10000"/>
+          </a:bodyPr>
+          <a:lstStyle/>
+          <a:p>
+            <a:pPr marL="0" indent="0">
+              <a:buNone/>
+            </a:pPr>
+            <a:r>
+              <a:rPr lang="es-MX" sz="2600" dirty="0" smtClean="0">
+                <a:latin typeface="Andalus" pitchFamily="18" charset="-78"/>
+                <a:cs typeface="Andalus" pitchFamily="18" charset="-78"/>
+              </a:rPr>
+              <a:t>1.Alta </a:t>
+            </a:r>
+            <a:r>
+              <a:rPr lang="es-MX" sz="2600" dirty="0">
+                <a:latin typeface="Andalus" pitchFamily="18" charset="-78"/>
+                <a:cs typeface="Andalus" pitchFamily="18" charset="-78"/>
+              </a:rPr>
+              <a:t>Dirección, usuarios y personal: conciencia de la necesidad de AI, para el uso eficiente de los recursos.</a:t>
+            </a:r>
+          </a:p>
+          <a:p>
+            <a:pPr marL="0" indent="0">
+              <a:buNone/>
+            </a:pPr>
+            <a:r>
+              <a:rPr lang="es-MX" sz="2600" dirty="0">
+                <a:latin typeface="Andalus" pitchFamily="18" charset="-78"/>
+                <a:cs typeface="Andalus" pitchFamily="18" charset="-78"/>
+              </a:rPr>
+              <a:t>2.Formalizar un procedimiento que divulgue los planes, objetivos, beneficios y áreas de oportunidad que representa la AI.</a:t>
+            </a:r>
+          </a:p>
+          <a:p>
+            <a:pPr marL="0" indent="0">
+              <a:buNone/>
+            </a:pPr>
+            <a:r>
+              <a:rPr lang="es-MX" sz="2600" dirty="0">
+                <a:latin typeface="Andalus" pitchFamily="18" charset="-78"/>
+                <a:cs typeface="Andalus" pitchFamily="18" charset="-78"/>
+              </a:rPr>
+              <a:t>3.Compromiso del personal y usuarios con el proyecto de AI.</a:t>
+            </a:r>
+          </a:p>
+          <a:p>
+            <a:pPr marL="0" indent="0">
+              <a:buNone/>
+            </a:pPr>
+            <a:r>
+              <a:rPr lang="es-MX" sz="2600" dirty="0">
+                <a:latin typeface="Andalus" pitchFamily="18" charset="-78"/>
+                <a:cs typeface="Andalus" pitchFamily="18" charset="-78"/>
+              </a:rPr>
+              <a:t>4.Planeación y desarrollo del proceso de AI, previa aprobación.</a:t>
+            </a:r>
+          </a:p>
+          <a:p>
+            <a:pPr marL="0" indent="0">
+              <a:buNone/>
+            </a:pPr>
+            <a:r>
+              <a:rPr lang="es-MX" sz="2600" dirty="0">
+                <a:latin typeface="Andalus" pitchFamily="18" charset="-78"/>
+                <a:cs typeface="Andalus" pitchFamily="18" charset="-78"/>
+              </a:rPr>
+              <a:t>5.Proceso de Planeación: Proyectos: Prioridades: Calidad/eficiencia</a:t>
+            </a:r>
+          </a:p>
+          <a:p>
+            <a:endParaRPr lang="es-MX" dirty="0"/>
+          </a:p>
+        </p:txBody>
+      </p:sp>
+      <p:sp>
+        <p:nvSpPr>
           <p:cNvPr id="2" name="1 Título"/>
           <p:cNvSpPr>
             <a:spLocks noGrp="1"/>
@@ -4222,7 +5834,12 @@
             <p:ph type="title"/>
           </p:nvPr>
         </p:nvSpPr>
-        <p:spPr/>
+        <p:spPr>
+          <a:xfrm>
+            <a:off x="683568" y="980728"/>
+            <a:ext cx="7756263" cy="1054250"/>
+          </a:xfrm>
+        </p:spPr>
         <p:txBody>
           <a:bodyPr>
             <a:normAutofit fontScale="90000"/>
@@ -4248,99 +5865,47 @@
           </a:p>
         </p:txBody>
       </p:sp>
-      <p:sp>
-        <p:nvSpPr>
-          <p:cNvPr id="3" name="2 Marcador de contenido"/>
-          <p:cNvSpPr>
-            <a:spLocks noGrp="1"/>
-          </p:cNvSpPr>
-          <p:nvPr>
-            <p:ph idx="1"/>
-          </p:nvPr>
-        </p:nvSpPr>
-        <p:spPr>
+      <p:pic>
+        <p:nvPicPr>
+          <p:cNvPr id="4" name="Picture 2" descr="https://msysgit.github.io/img/git_logo.png"/>
+          <p:cNvPicPr>
+            <a:picLocks noChangeAspect="1" noChangeArrowheads="1"/>
+          </p:cNvPicPr>
+          <p:nvPr/>
+        </p:nvPicPr>
+        <p:blipFill>
+          <a:blip r:embed="rId2">
+            <a:extLst>
+              <a:ext uri="{28A0092B-C50C-407E-A947-70E740481C1C}">
+                <a14:useLocalDpi xmlns:a14="http://schemas.microsoft.com/office/drawing/2010/main" val="0"/>
+              </a:ext>
+            </a:extLst>
+          </a:blip>
+          <a:srcRect/>
+          <a:stretch>
+            <a:fillRect/>
+          </a:stretch>
+        </p:blipFill>
+        <p:spPr bwMode="auto">
           <a:xfrm>
-            <a:off x="467544" y="980728"/>
-            <a:ext cx="8229600" cy="4525963"/>
+            <a:off x="7515200" y="1"/>
+            <a:ext cx="1628800" cy="1628800"/>
           </a:xfrm>
+          <a:prstGeom prst="rect">
+            <a:avLst/>
+          </a:prstGeom>
+          <a:noFill/>
+          <a:extLst>
+            <a:ext uri="{909E8E84-426E-40DD-AFC4-6F175D3DCCD1}">
+              <a14:hiddenFill xmlns:a14="http://schemas.microsoft.com/office/drawing/2010/main">
+                <a:solidFill>
+                  <a:srgbClr val="FFFFFF"/>
+                </a:solidFill>
+              </a14:hiddenFill>
+            </a:ext>
+          </a:extLst>
         </p:spPr>
-        <p:txBody>
-          <a:bodyPr>
-            <a:normAutofit lnSpcReduction="10000"/>
-          </a:bodyPr>
-          <a:lstStyle/>
-          <a:p>
-            <a:pPr marL="0" indent="0">
-              <a:buNone/>
-            </a:pPr>
-            <a:r>
-              <a:rPr lang="es-MX" sz="2600" dirty="0" smtClean="0">
-                <a:latin typeface="Andalus" pitchFamily="18" charset="-78"/>
-                <a:cs typeface="Andalus" pitchFamily="18" charset="-78"/>
-              </a:rPr>
-              <a:t>1.Alta </a:t>
-            </a:r>
-            <a:r>
-              <a:rPr lang="es-MX" sz="2600" dirty="0">
-                <a:latin typeface="Andalus" pitchFamily="18" charset="-78"/>
-                <a:cs typeface="Andalus" pitchFamily="18" charset="-78"/>
-              </a:rPr>
-              <a:t>Dirección, usuarios y personal: conciencia de la necesidad de AI, para el uso eficiente de los recursos.</a:t>
-            </a:r>
-          </a:p>
-          <a:p>
-            <a:pPr marL="0" indent="0">
-              <a:buNone/>
-            </a:pPr>
-            <a:r>
-              <a:rPr lang="es-MX" sz="2600" dirty="0">
-                <a:latin typeface="Andalus" pitchFamily="18" charset="-78"/>
-                <a:cs typeface="Andalus" pitchFamily="18" charset="-78"/>
-              </a:rPr>
-              <a:t>2.Formalizar un procedimiento que divulgue los planes, objetivos, beneficios y áreas de oportunidad que representa la AI.</a:t>
-            </a:r>
-          </a:p>
-          <a:p>
-            <a:pPr marL="0" indent="0">
-              <a:buNone/>
-            </a:pPr>
-            <a:r>
-              <a:rPr lang="es-MX" sz="2600" dirty="0">
-                <a:latin typeface="Andalus" pitchFamily="18" charset="-78"/>
-                <a:cs typeface="Andalus" pitchFamily="18" charset="-78"/>
-              </a:rPr>
-              <a:t>3.Compromiso del personal y usuarios con el proyecto de AI.</a:t>
-            </a:r>
-          </a:p>
-          <a:p>
-            <a:pPr marL="0" indent="0">
-              <a:buNone/>
-            </a:pPr>
-            <a:r>
-              <a:rPr lang="es-MX" sz="2600" dirty="0">
-                <a:latin typeface="Andalus" pitchFamily="18" charset="-78"/>
-                <a:cs typeface="Andalus" pitchFamily="18" charset="-78"/>
-              </a:rPr>
-              <a:t>4.Planeación y desarrollo del proceso de AI, previa aprobación.</a:t>
-            </a:r>
-          </a:p>
-          <a:p>
-            <a:pPr marL="0" indent="0">
-              <a:buNone/>
-            </a:pPr>
-            <a:r>
-              <a:rPr lang="es-MX" sz="2600" dirty="0">
-                <a:latin typeface="Andalus" pitchFamily="18" charset="-78"/>
-                <a:cs typeface="Andalus" pitchFamily="18" charset="-78"/>
-              </a:rPr>
-              <a:t>5.Proceso de Planeación: Proyectos: Prioridades: Calidad/eficiencia</a:t>
-            </a:r>
-          </a:p>
-          <a:p>
-            <a:endParaRPr lang="es-MX" dirty="0"/>
-          </a:p>
-        </p:txBody>
-      </p:sp>
+      </p:pic>
     </p:spTree>
     <p:extLst>
       <p:ext uri="{BB962C8B-B14F-4D97-AF65-F5344CB8AC3E}">
@@ -4538,6 +6103,47 @@
           </a:p>
         </p:txBody>
       </p:sp>
+      <p:pic>
+        <p:nvPicPr>
+          <p:cNvPr id="4" name="Picture 2" descr="https://msysgit.github.io/img/git_logo.png"/>
+          <p:cNvPicPr>
+            <a:picLocks noChangeAspect="1" noChangeArrowheads="1"/>
+          </p:cNvPicPr>
+          <p:nvPr/>
+        </p:nvPicPr>
+        <p:blipFill>
+          <a:blip r:embed="rId2">
+            <a:extLst>
+              <a:ext uri="{28A0092B-C50C-407E-A947-70E740481C1C}">
+                <a14:useLocalDpi xmlns:a14="http://schemas.microsoft.com/office/drawing/2010/main" val="0"/>
+              </a:ext>
+            </a:extLst>
+          </a:blip>
+          <a:srcRect/>
+          <a:stretch>
+            <a:fillRect/>
+          </a:stretch>
+        </p:blipFill>
+        <p:spPr bwMode="auto">
+          <a:xfrm>
+            <a:off x="7515200" y="1"/>
+            <a:ext cx="1628800" cy="1628800"/>
+          </a:xfrm>
+          <a:prstGeom prst="rect">
+            <a:avLst/>
+          </a:prstGeom>
+          <a:noFill/>
+          <a:extLst>
+            <a:ext uri="{909E8E84-426E-40DD-AFC4-6F175D3DCCD1}">
+              <a14:hiddenFill xmlns:a14="http://schemas.microsoft.com/office/drawing/2010/main">
+                <a:solidFill>
+                  <a:srgbClr val="FFFFFF"/>
+                </a:solidFill>
+              </a14:hiddenFill>
+            </a:ext>
+          </a:extLst>
+        </p:spPr>
+      </p:pic>
     </p:spTree>
     <p:extLst>
       <p:ext uri="{BB962C8B-B14F-4D97-AF65-F5344CB8AC3E}">
@@ -4568,6 +6174,160 @@
           <a:chExt cx="0" cy="0"/>
         </a:xfrm>
       </p:grpSpPr>
+      <p:pic>
+        <p:nvPicPr>
+          <p:cNvPr id="4" name="Picture 2" descr="https://msysgit.github.io/img/git_logo.png"/>
+          <p:cNvPicPr>
+            <a:picLocks noChangeAspect="1" noChangeArrowheads="1"/>
+          </p:cNvPicPr>
+          <p:nvPr/>
+        </p:nvPicPr>
+        <p:blipFill>
+          <a:blip r:embed="rId2">
+            <a:extLst>
+              <a:ext uri="{28A0092B-C50C-407E-A947-70E740481C1C}">
+                <a14:useLocalDpi xmlns:a14="http://schemas.microsoft.com/office/drawing/2010/main" val="0"/>
+              </a:ext>
+            </a:extLst>
+          </a:blip>
+          <a:srcRect/>
+          <a:stretch>
+            <a:fillRect/>
+          </a:stretch>
+        </p:blipFill>
+        <p:spPr bwMode="auto">
+          <a:xfrm>
+            <a:off x="7515200" y="1"/>
+            <a:ext cx="1628800" cy="1628800"/>
+          </a:xfrm>
+          <a:prstGeom prst="rect">
+            <a:avLst/>
+          </a:prstGeom>
+          <a:noFill/>
+          <a:extLst>
+            <a:ext uri="{909E8E84-426E-40DD-AFC4-6F175D3DCCD1}">
+              <a14:hiddenFill xmlns:a14="http://schemas.microsoft.com/office/drawing/2010/main">
+                <a:solidFill>
+                  <a:srgbClr val="FFFFFF"/>
+                </a:solidFill>
+              </a14:hiddenFill>
+            </a:ext>
+          </a:extLst>
+        </p:spPr>
+      </p:pic>
+      <p:sp>
+        <p:nvSpPr>
+          <p:cNvPr id="3" name="2 Marcador de contenido"/>
+          <p:cNvSpPr>
+            <a:spLocks noGrp="1"/>
+          </p:cNvSpPr>
+          <p:nvPr>
+            <p:ph idx="1"/>
+          </p:nvPr>
+        </p:nvSpPr>
+        <p:spPr/>
+        <p:txBody>
+          <a:bodyPr>
+            <a:normAutofit/>
+          </a:bodyPr>
+          <a:lstStyle/>
+          <a:p>
+            <a:r>
+              <a:rPr lang="es-MX" sz="2600" dirty="0">
+                <a:latin typeface="Andalus" pitchFamily="18" charset="-78"/>
+                <a:cs typeface="Andalus" pitchFamily="18" charset="-78"/>
+              </a:rPr>
+              <a:t>Planificación</a:t>
+            </a:r>
+          </a:p>
+          <a:p>
+            <a:pPr marL="0" indent="0">
+              <a:buNone/>
+            </a:pPr>
+            <a:r>
+              <a:rPr lang="es-MX" sz="2600" dirty="0">
+                <a:latin typeface="Andalus" pitchFamily="18" charset="-78"/>
+                <a:cs typeface="Andalus" pitchFamily="18" charset="-78"/>
+              </a:rPr>
+              <a:t>Desarrollar una matriz de la planeación de AI para determinar las áreas que serán evaluadas.</a:t>
+            </a:r>
+          </a:p>
+          <a:p>
+            <a:pPr marL="0" indent="0">
+              <a:buNone/>
+            </a:pPr>
+            <a:r>
+              <a:rPr lang="es-MX" sz="2600" dirty="0" smtClean="0">
+                <a:latin typeface="Andalus" pitchFamily="18" charset="-78"/>
+                <a:cs typeface="Andalus" pitchFamily="18" charset="-78"/>
+              </a:rPr>
+              <a:t>Tener </a:t>
+            </a:r>
+            <a:r>
+              <a:rPr lang="es-MX" sz="2600" dirty="0">
+                <a:latin typeface="Andalus" pitchFamily="18" charset="-78"/>
+                <a:cs typeface="Andalus" pitchFamily="18" charset="-78"/>
+              </a:rPr>
+              <a:t>información de los sistemas, equipos, </a:t>
+            </a:r>
+            <a:r>
+              <a:rPr lang="es-MX" sz="2600" dirty="0" err="1">
+                <a:latin typeface="Andalus" pitchFamily="18" charset="-78"/>
+                <a:cs typeface="Andalus" pitchFamily="18" charset="-78"/>
+              </a:rPr>
+              <a:t>Sw</a:t>
+            </a:r>
+            <a:r>
+              <a:rPr lang="es-MX" sz="2600" dirty="0">
+                <a:latin typeface="Andalus" pitchFamily="18" charset="-78"/>
+                <a:cs typeface="Andalus" pitchFamily="18" charset="-78"/>
+              </a:rPr>
+              <a:t>, planes de informática y de auditoria, actuales.</a:t>
+            </a:r>
+          </a:p>
+          <a:p>
+            <a:pPr marL="0" indent="0">
+              <a:buNone/>
+            </a:pPr>
+            <a:r>
+              <a:rPr lang="es-MX" sz="2600" dirty="0" smtClean="0">
+                <a:latin typeface="Andalus" pitchFamily="18" charset="-78"/>
+                <a:cs typeface="Andalus" pitchFamily="18" charset="-78"/>
+              </a:rPr>
+              <a:t>Coordinar </a:t>
+            </a:r>
+            <a:r>
+              <a:rPr lang="es-MX" sz="2600" dirty="0">
+                <a:latin typeface="Andalus" pitchFamily="18" charset="-78"/>
+                <a:cs typeface="Andalus" pitchFamily="18" charset="-78"/>
+              </a:rPr>
+              <a:t>los planes con Gerencia de Auditoria interna</a:t>
+            </a:r>
+          </a:p>
+          <a:p>
+            <a:pPr marL="0" indent="0">
+              <a:buNone/>
+            </a:pPr>
+            <a:r>
+              <a:rPr lang="es-MX" sz="2600" dirty="0" smtClean="0">
+                <a:latin typeface="Andalus" pitchFamily="18" charset="-78"/>
+                <a:cs typeface="Andalus" pitchFamily="18" charset="-78"/>
+              </a:rPr>
+              <a:t>Componentes </a:t>
+            </a:r>
+            <a:r>
+              <a:rPr lang="es-MX" sz="2600" dirty="0">
+                <a:latin typeface="Andalus" pitchFamily="18" charset="-78"/>
+                <a:cs typeface="Andalus" pitchFamily="18" charset="-78"/>
+              </a:rPr>
+              <a:t>de éxito de la Planeación:</a:t>
+            </a:r>
+          </a:p>
+          <a:p>
+            <a:endParaRPr lang="es-MX" dirty="0"/>
+          </a:p>
+        </p:txBody>
+      </p:sp>
       <p:sp>
         <p:nvSpPr>
           <p:cNvPr id="2" name="1 Título"/>
@@ -4630,119 +6390,6 @@
               <a:ea typeface="+mn-ea"/>
               <a:cs typeface="Andalus" pitchFamily="18" charset="-78"/>
             </a:endParaRPr>
-          </a:p>
-        </p:txBody>
-      </p:sp>
-      <p:sp>
-        <p:nvSpPr>
-          <p:cNvPr id="3" name="2 Marcador de contenido"/>
-          <p:cNvSpPr>
-            <a:spLocks noGrp="1"/>
-          </p:cNvSpPr>
-          <p:nvPr>
-            <p:ph idx="1"/>
-          </p:nvPr>
-        </p:nvSpPr>
-        <p:spPr/>
-        <p:txBody>
-          <a:bodyPr>
-            <a:normAutofit/>
-          </a:bodyPr>
-          <a:lstStyle/>
-          <a:p>
-            <a:r>
-              <a:rPr lang="es-MX" sz="2600" dirty="0">
-                <a:latin typeface="Andalus" pitchFamily="18" charset="-78"/>
-                <a:cs typeface="Andalus" pitchFamily="18" charset="-78"/>
-              </a:rPr>
-              <a:t>Planificación</a:t>
-            </a:r>
-          </a:p>
-          <a:p>
-            <a:pPr marL="0" indent="0">
-              <a:buNone/>
-            </a:pPr>
-            <a:r>
-              <a:rPr lang="es-MX" sz="2600" dirty="0">
-                <a:latin typeface="Andalus" pitchFamily="18" charset="-78"/>
-                <a:cs typeface="Andalus" pitchFamily="18" charset="-78"/>
-              </a:rPr>
-              <a:t>Desarrollar una matriz de la planeación de AI para determinar las áreas que serán evaluadas.</a:t>
-            </a:r>
-          </a:p>
-          <a:p>
-            <a:pPr marL="0" indent="0">
-              <a:buNone/>
-            </a:pPr>
-            <a:r>
-              <a:rPr lang="es-MX" sz="2600" dirty="0" smtClean="0">
-                <a:latin typeface="Andalus" pitchFamily="18" charset="-78"/>
-                <a:cs typeface="Andalus" pitchFamily="18" charset="-78"/>
-              </a:rPr>
-              <a:t>Tener </a:t>
-            </a:r>
-            <a:r>
-              <a:rPr lang="es-MX" sz="2600" dirty="0">
-                <a:latin typeface="Andalus" pitchFamily="18" charset="-78"/>
-                <a:cs typeface="Andalus" pitchFamily="18" charset="-78"/>
-              </a:rPr>
-              <a:t>información de los sistemas, equipos, </a:t>
-            </a:r>
-            <a:r>
-              <a:rPr lang="es-MX" sz="2600" dirty="0" err="1">
-                <a:latin typeface="Andalus" pitchFamily="18" charset="-78"/>
-                <a:cs typeface="Andalus" pitchFamily="18" charset="-78"/>
-              </a:rPr>
-              <a:t>Sw</a:t>
-            </a:r>
-            <a:r>
-              <a:rPr lang="es-MX" sz="2600" dirty="0">
-                <a:latin typeface="Andalus" pitchFamily="18" charset="-78"/>
-                <a:cs typeface="Andalus" pitchFamily="18" charset="-78"/>
-              </a:rPr>
-              <a:t>, planes de informática y de auditoria, actuales.</a:t>
-            </a:r>
-          </a:p>
-          <a:p>
-            <a:pPr marL="0" indent="0">
-              <a:buNone/>
-            </a:pPr>
-            <a:r>
-              <a:rPr lang="es-MX" sz="2600" dirty="0" smtClean="0">
-                <a:latin typeface="Andalus" pitchFamily="18" charset="-78"/>
-                <a:cs typeface="Andalus" pitchFamily="18" charset="-78"/>
-              </a:rPr>
-              <a:t>Coordinar </a:t>
-            </a:r>
-            <a:r>
-              <a:rPr lang="es-MX" sz="2600" dirty="0">
-                <a:latin typeface="Andalus" pitchFamily="18" charset="-78"/>
-                <a:cs typeface="Andalus" pitchFamily="18" charset="-78"/>
-              </a:rPr>
-              <a:t>los planes con Gerencia de Auditoria interna</a:t>
-            </a:r>
-          </a:p>
-          <a:p>
-            <a:pPr marL="0" indent="0">
-              <a:buNone/>
-            </a:pPr>
-            <a:r>
-              <a:rPr lang="es-MX" sz="2600" dirty="0" smtClean="0">
-                <a:latin typeface="Andalus" pitchFamily="18" charset="-78"/>
-                <a:cs typeface="Andalus" pitchFamily="18" charset="-78"/>
-              </a:rPr>
-              <a:t>Componentes </a:t>
-            </a:r>
-            <a:r>
-              <a:rPr lang="es-MX" sz="2600" dirty="0">
-                <a:latin typeface="Andalus" pitchFamily="18" charset="-78"/>
-                <a:cs typeface="Andalus" pitchFamily="18" charset="-78"/>
-              </a:rPr>
-              <a:t>de éxito de la Planeación:</a:t>
-            </a:r>
-          </a:p>
-          <a:p>
-            <a:endParaRPr lang="es-MX" dirty="0"/>
           </a:p>
         </p:txBody>
       </p:sp>
@@ -4854,6 +6501,47 @@
           </a:p>
         </p:txBody>
       </p:sp>
+      <p:pic>
+        <p:nvPicPr>
+          <p:cNvPr id="4" name="Picture 2" descr="https://msysgit.github.io/img/git_logo.png"/>
+          <p:cNvPicPr>
+            <a:picLocks noChangeAspect="1" noChangeArrowheads="1"/>
+          </p:cNvPicPr>
+          <p:nvPr/>
+        </p:nvPicPr>
+        <p:blipFill>
+          <a:blip r:embed="rId2">
+            <a:extLst>
+              <a:ext uri="{28A0092B-C50C-407E-A947-70E740481C1C}">
+                <a14:useLocalDpi xmlns:a14="http://schemas.microsoft.com/office/drawing/2010/main" val="0"/>
+              </a:ext>
+            </a:extLst>
+          </a:blip>
+          <a:srcRect/>
+          <a:stretch>
+            <a:fillRect/>
+          </a:stretch>
+        </p:blipFill>
+        <p:spPr bwMode="auto">
+          <a:xfrm>
+            <a:off x="7515200" y="1"/>
+            <a:ext cx="1628800" cy="1628800"/>
+          </a:xfrm>
+          <a:prstGeom prst="rect">
+            <a:avLst/>
+          </a:prstGeom>
+          <a:noFill/>
+          <a:extLst>
+            <a:ext uri="{909E8E84-426E-40DD-AFC4-6F175D3DCCD1}">
+              <a14:hiddenFill xmlns:a14="http://schemas.microsoft.com/office/drawing/2010/main">
+                <a:solidFill>
+                  <a:srgbClr val="FFFFFF"/>
+                </a:solidFill>
+              </a14:hiddenFill>
+            </a:ext>
+          </a:extLst>
+        </p:spPr>
+      </p:pic>
     </p:spTree>
     <p:extLst>
       <p:ext uri="{BB962C8B-B14F-4D97-AF65-F5344CB8AC3E}">
@@ -4886,6 +6574,73 @@
       </p:grpSpPr>
       <p:sp>
         <p:nvSpPr>
+          <p:cNvPr id="3" name="2 Marcador de contenido"/>
+          <p:cNvSpPr>
+            <a:spLocks noGrp="1"/>
+          </p:cNvSpPr>
+          <p:nvPr>
+            <p:ph idx="1"/>
+          </p:nvPr>
+        </p:nvSpPr>
+        <p:spPr/>
+        <p:txBody>
+          <a:bodyPr/>
+          <a:lstStyle/>
+          <a:p>
+            <a:pPr marL="0" indent="0">
+              <a:buNone/>
+            </a:pPr>
+            <a:r>
+              <a:rPr lang="es-MX" sz="2600" dirty="0">
+                <a:latin typeface="Andalus" pitchFamily="18" charset="-78"/>
+                <a:cs typeface="Andalus" pitchFamily="18" charset="-78"/>
+              </a:rPr>
+              <a:t>1.Políticas de selección y reclutamiento</a:t>
+            </a:r>
+          </a:p>
+          <a:p>
+            <a:pPr marL="0" indent="0">
+              <a:buNone/>
+            </a:pPr>
+            <a:r>
+              <a:rPr lang="es-MX" sz="2600" dirty="0">
+                <a:latin typeface="Andalus" pitchFamily="18" charset="-78"/>
+                <a:cs typeface="Andalus" pitchFamily="18" charset="-78"/>
+              </a:rPr>
+              <a:t>2.Preparación suficiente y confiable Informática/Auditoría</a:t>
+            </a:r>
+          </a:p>
+          <a:p>
+            <a:pPr marL="0" indent="0">
+              <a:buNone/>
+            </a:pPr>
+            <a:r>
+              <a:rPr lang="es-MX" sz="2600" dirty="0">
+                <a:latin typeface="Andalus" pitchFamily="18" charset="-78"/>
+                <a:cs typeface="Andalus" pitchFamily="18" charset="-78"/>
+              </a:rPr>
+              <a:t>3.Personal con experiencia, educación, adaptabilidad, entendimiento, determinación y diligencia.</a:t>
+            </a:r>
+          </a:p>
+          <a:p>
+            <a:pPr marL="0" indent="0">
+              <a:buNone/>
+            </a:pPr>
+            <a:r>
+              <a:rPr lang="es-MX" sz="2600" dirty="0">
+                <a:latin typeface="Andalus" pitchFamily="18" charset="-78"/>
+                <a:cs typeface="Andalus" pitchFamily="18" charset="-78"/>
+              </a:rPr>
+              <a:t>4.Establecer el número de auditores y horas de auditoría</a:t>
+            </a:r>
+          </a:p>
+          <a:p>
+            <a:endParaRPr lang="es-MX" dirty="0"/>
+          </a:p>
+        </p:txBody>
+      </p:sp>
+      <p:sp>
+        <p:nvSpPr>
           <p:cNvPr id="2" name="1 Título"/>
           <p:cNvSpPr>
             <a:spLocks noGrp="1"/>
@@ -4912,73 +6667,47 @@
           </a:p>
         </p:txBody>
       </p:sp>
-      <p:sp>
-        <p:nvSpPr>
-          <p:cNvPr id="3" name="2 Marcador de contenido"/>
-          <p:cNvSpPr>
-            <a:spLocks noGrp="1"/>
-          </p:cNvSpPr>
-          <p:nvPr>
-            <p:ph idx="1"/>
-          </p:nvPr>
-        </p:nvSpPr>
-        <p:spPr/>
-        <p:txBody>
-          <a:bodyPr/>
-          <a:lstStyle/>
-          <a:p>
-            <a:pPr marL="0" indent="0">
-              <a:buNone/>
-            </a:pPr>
-            <a:r>
-              <a:rPr lang="es-MX" sz="2600" dirty="0">
-                <a:latin typeface="Andalus" pitchFamily="18" charset="-78"/>
-                <a:cs typeface="Andalus" pitchFamily="18" charset="-78"/>
-              </a:rPr>
-              <a:t>1.Políticas de selección y reclutamiento</a:t>
-            </a:r>
-          </a:p>
-          <a:p>
-            <a:pPr marL="0" indent="0">
-              <a:buNone/>
-            </a:pPr>
-            <a:r>
-              <a:rPr lang="es-MX" sz="2600" dirty="0">
-                <a:latin typeface="Andalus" pitchFamily="18" charset="-78"/>
-                <a:cs typeface="Andalus" pitchFamily="18" charset="-78"/>
-              </a:rPr>
-              <a:t>2.Preparación suficiente y confiable Informática/Auditoría</a:t>
-            </a:r>
-          </a:p>
-          <a:p>
-            <a:pPr marL="0" indent="0">
-              <a:buNone/>
-            </a:pPr>
-            <a:r>
-              <a:rPr lang="es-MX" sz="2600" dirty="0">
-                <a:latin typeface="Andalus" pitchFamily="18" charset="-78"/>
-                <a:cs typeface="Andalus" pitchFamily="18" charset="-78"/>
-              </a:rPr>
-              <a:t>3.Personal con experiencia, educación, adaptabilidad, entendimiento, determinación y diligencia.</a:t>
-            </a:r>
-          </a:p>
-          <a:p>
-            <a:pPr marL="0" indent="0">
-              <a:buNone/>
-            </a:pPr>
-            <a:r>
-              <a:rPr lang="es-MX" sz="2600" dirty="0">
-                <a:latin typeface="Andalus" pitchFamily="18" charset="-78"/>
-                <a:cs typeface="Andalus" pitchFamily="18" charset="-78"/>
-              </a:rPr>
-              <a:t>4.Establecer el número de auditores y horas de auditoría</a:t>
-            </a:r>
-          </a:p>
-          <a:p>
-            <a:endParaRPr lang="es-MX" dirty="0"/>
-          </a:p>
-        </p:txBody>
-      </p:sp>
+      <p:pic>
+        <p:nvPicPr>
+          <p:cNvPr id="4" name="Picture 2" descr="https://msysgit.github.io/img/git_logo.png"/>
+          <p:cNvPicPr>
+            <a:picLocks noChangeAspect="1" noChangeArrowheads="1"/>
+          </p:cNvPicPr>
+          <p:nvPr/>
+        </p:nvPicPr>
+        <p:blipFill>
+          <a:blip r:embed="rId2">
+            <a:extLst>
+              <a:ext uri="{28A0092B-C50C-407E-A947-70E740481C1C}">
+                <a14:useLocalDpi xmlns:a14="http://schemas.microsoft.com/office/drawing/2010/main" val="0"/>
+              </a:ext>
+            </a:extLst>
+          </a:blip>
+          <a:srcRect/>
+          <a:stretch>
+            <a:fillRect/>
+          </a:stretch>
+        </p:blipFill>
+        <p:spPr bwMode="auto">
+          <a:xfrm>
+            <a:off x="7515200" y="1"/>
+            <a:ext cx="1628800" cy="1628800"/>
+          </a:xfrm>
+          <a:prstGeom prst="rect">
+            <a:avLst/>
+          </a:prstGeom>
+          <a:noFill/>
+          <a:extLst>
+            <a:ext uri="{909E8E84-426E-40DD-AFC4-6F175D3DCCD1}">
+              <a14:hiddenFill xmlns:a14="http://schemas.microsoft.com/office/drawing/2010/main">
+                <a:solidFill>
+                  <a:srgbClr val="FFFFFF"/>
+                </a:solidFill>
+              </a14:hiddenFill>
+            </a:ext>
+          </a:extLst>
+        </p:spPr>
+      </p:pic>
     </p:spTree>
     <p:extLst>
       <p:ext uri="{BB962C8B-B14F-4D97-AF65-F5344CB8AC3E}">
@@ -5011,6 +6740,76 @@
       </p:grpSpPr>
       <p:sp>
         <p:nvSpPr>
+          <p:cNvPr id="3" name="2 Marcador de contenido"/>
+          <p:cNvSpPr>
+            <a:spLocks noGrp="1"/>
+          </p:cNvSpPr>
+          <p:nvPr>
+            <p:ph idx="1"/>
+          </p:nvPr>
+        </p:nvSpPr>
+        <p:spPr/>
+        <p:txBody>
+          <a:bodyPr/>
+          <a:lstStyle/>
+          <a:p>
+            <a:pPr marL="0" indent="0">
+              <a:buNone/>
+            </a:pPr>
+            <a:r>
+              <a:rPr lang="es-MX" sz="2600" dirty="0">
+                <a:latin typeface="Andalus" pitchFamily="18" charset="-78"/>
+                <a:cs typeface="Andalus" pitchFamily="18" charset="-78"/>
+              </a:rPr>
+              <a:t>1.Supervisión oportuna garantiza un producto consistente</a:t>
+            </a:r>
+          </a:p>
+          <a:p>
+            <a:pPr marL="0" indent="0">
+              <a:buNone/>
+            </a:pPr>
+            <a:r>
+              <a:rPr lang="es-MX" sz="2600" dirty="0">
+                <a:latin typeface="Andalus" pitchFamily="18" charset="-78"/>
+                <a:cs typeface="Andalus" pitchFamily="18" charset="-78"/>
+              </a:rPr>
+              <a:t>2.Ayuda en el desarrollo y control de los presupuestos</a:t>
+            </a:r>
+          </a:p>
+          <a:p>
+            <a:pPr marL="0" indent="0">
+              <a:buNone/>
+            </a:pPr>
+            <a:r>
+              <a:rPr lang="es-MX" sz="2600" dirty="0">
+                <a:latin typeface="Andalus" pitchFamily="18" charset="-78"/>
+                <a:cs typeface="Andalus" pitchFamily="18" charset="-78"/>
+              </a:rPr>
+              <a:t>3.Es un proceso continuo, desde la planeación hasta el informe final</a:t>
+            </a:r>
+          </a:p>
+          <a:p>
+            <a:pPr marL="0" indent="0">
+              <a:buNone/>
+            </a:pPr>
+            <a:r>
+              <a:rPr lang="es-MX" sz="2600" dirty="0">
+                <a:latin typeface="Andalus" pitchFamily="18" charset="-78"/>
+                <a:cs typeface="Andalus" pitchFamily="18" charset="-78"/>
+              </a:rPr>
+              <a:t>4.Verificación con los estándares y procedimientos.</a:t>
+            </a:r>
+          </a:p>
+          <a:p>
+            <a:pPr marL="0" indent="0">
+              <a:buNone/>
+            </a:pPr>
+            <a:endParaRPr lang="es-MX" dirty="0"/>
+          </a:p>
+        </p:txBody>
+      </p:sp>
+      <p:sp>
+        <p:nvSpPr>
           <p:cNvPr id="2" name="1 Título"/>
           <p:cNvSpPr>
             <a:spLocks noGrp="1"/>
@@ -5045,76 +6844,47 @@
           </a:p>
         </p:txBody>
       </p:sp>
-      <p:sp>
-        <p:nvSpPr>
-          <p:cNvPr id="3" name="2 Marcador de contenido"/>
-          <p:cNvSpPr>
-            <a:spLocks noGrp="1"/>
-          </p:cNvSpPr>
-          <p:nvPr>
-            <p:ph idx="1"/>
-          </p:nvPr>
-        </p:nvSpPr>
-        <p:spPr/>
-        <p:txBody>
-          <a:bodyPr/>
-          <a:lstStyle/>
-          <a:p>
-            <a:pPr marL="0" indent="0">
-              <a:buNone/>
-            </a:pPr>
-            <a:r>
-              <a:rPr lang="es-MX" sz="2600" dirty="0">
-                <a:latin typeface="Andalus" pitchFamily="18" charset="-78"/>
-                <a:cs typeface="Andalus" pitchFamily="18" charset="-78"/>
-              </a:rPr>
-              <a:t>1.Supervisión oportuna garantiza un producto consistente</a:t>
-            </a:r>
-          </a:p>
-          <a:p>
-            <a:pPr marL="0" indent="0">
-              <a:buNone/>
-            </a:pPr>
-            <a:r>
-              <a:rPr lang="es-MX" sz="2600" dirty="0">
-                <a:latin typeface="Andalus" pitchFamily="18" charset="-78"/>
-                <a:cs typeface="Andalus" pitchFamily="18" charset="-78"/>
-              </a:rPr>
-              <a:t>2.Ayuda en el desarrollo y control de los presupuestos</a:t>
-            </a:r>
-          </a:p>
-          <a:p>
-            <a:pPr marL="0" indent="0">
-              <a:buNone/>
-            </a:pPr>
-            <a:r>
-              <a:rPr lang="es-MX" sz="2600" dirty="0">
-                <a:latin typeface="Andalus" pitchFamily="18" charset="-78"/>
-                <a:cs typeface="Andalus" pitchFamily="18" charset="-78"/>
-              </a:rPr>
-              <a:t>3.Es un proceso continuo, desde la planeación hasta el informe final</a:t>
-            </a:r>
-          </a:p>
-          <a:p>
-            <a:pPr marL="0" indent="0">
-              <a:buNone/>
-            </a:pPr>
-            <a:r>
-              <a:rPr lang="es-MX" sz="2600" dirty="0">
-                <a:latin typeface="Andalus" pitchFamily="18" charset="-78"/>
-                <a:cs typeface="Andalus" pitchFamily="18" charset="-78"/>
-              </a:rPr>
-              <a:t>4.Verificación con los estándares y procedimientos.</a:t>
-            </a:r>
-          </a:p>
-          <a:p>
-            <a:pPr marL="0" indent="0">
-              <a:buNone/>
-            </a:pPr>
-            <a:endParaRPr lang="es-MX" dirty="0"/>
-          </a:p>
-        </p:txBody>
-      </p:sp>
+      <p:pic>
+        <p:nvPicPr>
+          <p:cNvPr id="4" name="Picture 2" descr="https://msysgit.github.io/img/git_logo.png"/>
+          <p:cNvPicPr>
+            <a:picLocks noChangeAspect="1" noChangeArrowheads="1"/>
+          </p:cNvPicPr>
+          <p:nvPr/>
+        </p:nvPicPr>
+        <p:blipFill>
+          <a:blip r:embed="rId2">
+            <a:extLst>
+              <a:ext uri="{28A0092B-C50C-407E-A947-70E740481C1C}">
+                <a14:useLocalDpi xmlns:a14="http://schemas.microsoft.com/office/drawing/2010/main" val="0"/>
+              </a:ext>
+            </a:extLst>
+          </a:blip>
+          <a:srcRect/>
+          <a:stretch>
+            <a:fillRect/>
+          </a:stretch>
+        </p:blipFill>
+        <p:spPr bwMode="auto">
+          <a:xfrm>
+            <a:off x="7515200" y="1"/>
+            <a:ext cx="1628800" cy="1628800"/>
+          </a:xfrm>
+          <a:prstGeom prst="rect">
+            <a:avLst/>
+          </a:prstGeom>
+          <a:noFill/>
+          <a:extLst>
+            <a:ext uri="{909E8E84-426E-40DD-AFC4-6F175D3DCCD1}">
+              <a14:hiddenFill xmlns:a14="http://schemas.microsoft.com/office/drawing/2010/main">
+                <a:solidFill>
+                  <a:srgbClr val="FFFFFF"/>
+                </a:solidFill>
+              </a14:hiddenFill>
+            </a:ext>
+          </a:extLst>
+        </p:spPr>
+      </p:pic>
     </p:spTree>
     <p:extLst>
       <p:ext uri="{BB962C8B-B14F-4D97-AF65-F5344CB8AC3E}">
@@ -5129,9 +6899,9 @@
 </file>
 
 <file path=ppt/theme/theme1.xml><?xml version="1.0" encoding="utf-8"?>
-<a:theme xmlns:a="http://schemas.openxmlformats.org/drawingml/2006/main" name="Tema de Office">
+<a:theme xmlns:a="http://schemas.openxmlformats.org/drawingml/2006/main" name="Cartoné">
   <a:themeElements>
-    <a:clrScheme name="Office">
+    <a:clrScheme name="Cartoné">
       <a:dk1>
         <a:sysClr val="windowText" lastClr="000000"/>
       </a:dk1>
@@ -5139,48 +6909,87 @@
         <a:sysClr val="window" lastClr="FFFFFF"/>
       </a:lt1>
       <a:dk2>
-        <a:srgbClr val="1F497D"/>
+        <a:srgbClr val="895D1D"/>
       </a:dk2>
       <a:lt2>
-        <a:srgbClr val="EEECE1"/>
+        <a:srgbClr val="ECE9C6"/>
       </a:lt2>
       <a:accent1>
-        <a:srgbClr val="4F81BD"/>
+        <a:srgbClr val="873624"/>
       </a:accent1>
       <a:accent2>
-        <a:srgbClr val="C0504D"/>
+        <a:srgbClr val="D6862D"/>
       </a:accent2>
       <a:accent3>
-        <a:srgbClr val="9BBB59"/>
+        <a:srgbClr val="D0BE40"/>
       </a:accent3>
       <a:accent4>
-        <a:srgbClr val="8064A2"/>
+        <a:srgbClr val="877F6C"/>
       </a:accent4>
       <a:accent5>
-        <a:srgbClr val="4BACC6"/>
+        <a:srgbClr val="972109"/>
       </a:accent5>
       <a:accent6>
-        <a:srgbClr val="F79646"/>
+        <a:srgbClr val="AEB795"/>
       </a:accent6>
       <a:hlink>
-        <a:srgbClr val="0000FF"/>
+        <a:srgbClr val="CC9900"/>
       </a:hlink>
       <a:folHlink>
-        <a:srgbClr val="800080"/>
+        <a:srgbClr val="B2B2B2"/>
       </a:folHlink>
     </a:clrScheme>
-    <a:fontScheme name="Office">
+    <a:fontScheme name="Cartoné">
       <a:majorFont>
-        <a:latin typeface="Calibri"/>
+        <a:latin typeface="Book Antiqua"/>
         <a:ea typeface=""/>
         <a:cs typeface=""/>
-        <a:font script="Jpan" typeface="ＭＳ Ｐゴシック"/>
-        <a:font script="Hang" typeface="맑은 고딕"/>
+        <a:font script="Grek" typeface="Times New Roman"/>
+        <a:font script="Cyrl" typeface="Times New Roman"/>
+        <a:font script="Jpan" typeface="HGS明朝E"/>
+        <a:font script="Hang" typeface="궁서"/>
         <a:font script="Hans" typeface="宋体"/>
         <a:font script="Hant" typeface="新細明體"/>
         <a:font script="Arab" typeface="Times New Roman"/>
         <a:font script="Hebr" typeface="Times New Roman"/>
         <a:font script="Thai" typeface="Angsana New"/>
+        <a:font script="Ethi" typeface="Nyala"/>
+        <a:font script="Beng" typeface="Vrinda"/>
+        <a:font script="Gujr" typeface="Shruti"/>
+        <a:font script="Khmr" typeface="DaunPenh"/>
+        <a:font script="Knda" typeface="Tunga"/>
+        <a:font script="Guru" typeface="Raavi"/>
+        <a:font script="Cans" typeface="Euphemia"/>
+        <a:font script="Cher" typeface="Plantagenet Cherokee"/>
+        <a:font script="Yiii" typeface="Microsoft Yi Baiti"/>
+        <a:font script="Tibt" typeface="Microsoft Himalaya"/>
+        <a:font script="Thaa" typeface="MV Boli"/>
+        <a:font script="Deva" typeface="Mangal"/>
+        <a:font script="Telu" typeface="Gautami"/>
+        <a:font script="Taml" typeface="Latha"/>
+        <a:font script="Syrc" typeface="Estrangelo Edessa"/>
+        <a:font script="Orya" typeface="Kalinga"/>
+        <a:font script="Mlym" typeface="Kartika"/>
+        <a:font script="Laoo" typeface="DokChampa"/>
+        <a:font script="Sinh" typeface="Iskoola Pota"/>
+        <a:font script="Mong" typeface="Mongolian Baiti"/>
+        <a:font script="Viet" typeface="Times New Roman"/>
+        <a:font script="Uigh" typeface="Microsoft Uighur"/>
+        <a:font script="Geor" typeface="Sylfaen"/>
+      </a:majorFont>
+      <a:minorFont>
+        <a:latin typeface="Book Antiqua"/>
+        <a:ea typeface=""/>
+        <a:cs typeface=""/>
+        <a:font script="Grek" typeface="Times New Roman"/>
+        <a:font script="Cyrl" typeface="Times New Roman"/>
+        <a:font script="Jpan" typeface="HGS明朝E"/>
+        <a:font script="Hang" typeface="돋움"/>
+        <a:font script="Hans" typeface="宋体"/>
+        <a:font script="Hant" typeface="新細明體"/>
+        <a:font script="Arab" typeface="Times New Roman"/>
+        <a:font script="Hebr" typeface="David"/>
+        <a:font script="Thai" typeface="EucrosiaUPC"/>
         <a:font script="Ethi" typeface="Nyala"/>
         <a:font script="Beng" typeface="Vrinda"/>
         <a:font script="Gujr" typeface="Shruti"/>
@@ -5204,101 +7013,54 @@
         <a:font script="Viet" typeface="Times New Roman"/>
         <a:font script="Uigh" typeface="Microsoft Uighur"/>
         <a:font script="Geor" typeface="Sylfaen"/>
-      </a:majorFont>
-      <a:minorFont>
-        <a:latin typeface="Calibri"/>
-        <a:ea typeface=""/>
-        <a:cs typeface=""/>
-        <a:font script="Jpan" typeface="ＭＳ Ｐゴシック"/>
-        <a:font script="Hang" typeface="맑은 고딕"/>
-        <a:font script="Hans" typeface="宋体"/>
-        <a:font script="Hant" typeface="新細明體"/>
-        <a:font script="Arab" typeface="Arial"/>
-        <a:font script="Hebr" typeface="Arial"/>
-        <a:font script="Thai" typeface="Cordia New"/>
-        <a:font script="Ethi" typeface="Nyala"/>
-        <a:font script="Beng" typeface="Vrinda"/>
-        <a:font script="Gujr" typeface="Shruti"/>
-        <a:font script="Khmr" typeface="DaunPenh"/>
-        <a:font script="Knda" typeface="Tunga"/>
-        <a:font script="Guru" typeface="Raavi"/>
-        <a:font script="Cans" typeface="Euphemia"/>
-        <a:font script="Cher" typeface="Plantagenet Cherokee"/>
-        <a:font script="Yiii" typeface="Microsoft Yi Baiti"/>
-        <a:font script="Tibt" typeface="Microsoft Himalaya"/>
-        <a:font script="Thaa" typeface="MV Boli"/>
-        <a:font script="Deva" typeface="Mangal"/>
-        <a:font script="Telu" typeface="Gautami"/>
-        <a:font script="Taml" typeface="Latha"/>
-        <a:font script="Syrc" typeface="Estrangelo Edessa"/>
-        <a:font script="Orya" typeface="Kalinga"/>
-        <a:font script="Mlym" typeface="Kartika"/>
-        <a:font script="Laoo" typeface="DokChampa"/>
-        <a:font script="Sinh" typeface="Iskoola Pota"/>
-        <a:font script="Mong" typeface="Mongolian Baiti"/>
-        <a:font script="Viet" typeface="Arial"/>
-        <a:font script="Uigh" typeface="Microsoft Uighur"/>
-        <a:font script="Geor" typeface="Sylfaen"/>
       </a:minorFont>
     </a:fontScheme>
-    <a:fmtScheme name="Office">
+    <a:fmtScheme name="Cartoné">
       <a:fillStyleLst>
         <a:solidFill>
           <a:schemeClr val="phClr"/>
+        </a:solidFill>
+        <a:solidFill>
+          <a:schemeClr val="phClr">
+            <a:tint val="68000"/>
+            <a:shade val="94000"/>
+            <a:satMod val="300000"/>
+            <a:lumMod val="110000"/>
+          </a:schemeClr>
         </a:solidFill>
         <a:gradFill rotWithShape="1">
           <a:gsLst>
             <a:gs pos="0">
               <a:schemeClr val="phClr">
-                <a:tint val="50000"/>
-                <a:satMod val="300000"/>
-              </a:schemeClr>
-            </a:gs>
-            <a:gs pos="35000">
-              <a:schemeClr val="phClr">
-                <a:tint val="37000"/>
-                <a:satMod val="300000"/>
+                <a:tint val="94000"/>
+                <a:satMod val="180000"/>
+                <a:lumMod val="98000"/>
               </a:schemeClr>
             </a:gs>
             <a:gs pos="100000">
               <a:schemeClr val="phClr">
-                <a:tint val="15000"/>
-                <a:satMod val="350000"/>
+                <a:satMod val="130000"/>
               </a:schemeClr>
             </a:gs>
           </a:gsLst>
-          <a:lin ang="16200000" scaled="1"/>
-        </a:gradFill>
-        <a:gradFill rotWithShape="1">
-          <a:gsLst>
-            <a:gs pos="0">
-              <a:schemeClr val="phClr">
-                <a:shade val="51000"/>
-                <a:satMod val="130000"/>
-              </a:schemeClr>
-            </a:gs>
-            <a:gs pos="80000">
-              <a:schemeClr val="phClr">
-                <a:shade val="93000"/>
-                <a:satMod val="130000"/>
-              </a:schemeClr>
-            </a:gs>
-            <a:gs pos="100000">
-              <a:schemeClr val="phClr">
-                <a:shade val="94000"/>
-                <a:satMod val="135000"/>
-              </a:schemeClr>
-            </a:gs>
-          </a:gsLst>
-          <a:lin ang="16200000" scaled="0"/>
+          <a:lin ang="5160000" scaled="0"/>
         </a:gradFill>
       </a:fillStyleLst>
       <a:lnStyleLst>
-        <a:ln w="9525" cap="flat" cmpd="sng" algn="ctr">
+        <a:ln w="12700" cap="flat" cmpd="sng" algn="ctr">
           <a:solidFill>
             <a:schemeClr val="phClr">
-              <a:shade val="95000"/>
-              <a:satMod val="105000"/>
+              <a:shade val="90000"/>
+              <a:lumMod val="90000"/>
+            </a:schemeClr>
+          </a:solidFill>
+          <a:prstDash val="solid"/>
+        </a:ln>
+        <a:ln w="19050" cap="flat" cmpd="sng" algn="ctr">
+          <a:solidFill>
+            <a:schemeClr val="phClr">
+              <a:shade val="75000"/>
+              <a:lumMod val="90000"/>
             </a:schemeClr>
           </a:solidFill>
           <a:prstDash val="solid"/>
@@ -5309,37 +7071,31 @@
           </a:solidFill>
           <a:prstDash val="solid"/>
         </a:ln>
-        <a:ln w="38100" cap="flat" cmpd="sng" algn="ctr">
-          <a:solidFill>
-            <a:schemeClr val="phClr"/>
-          </a:solidFill>
-          <a:prstDash val="solid"/>
-        </a:ln>
       </a:lnStyleLst>
       <a:effectStyleLst>
         <a:effectStyle>
           <a:effectLst>
-            <a:outerShdw blurRad="40000" dist="20000" dir="5400000" rotWithShape="0">
+            <a:outerShdw blurRad="38100" dist="12700" dir="5400000" rotWithShape="0">
               <a:srgbClr val="000000">
-                <a:alpha val="38000"/>
+                <a:alpha val="15000"/>
               </a:srgbClr>
             </a:outerShdw>
           </a:effectLst>
         </a:effectStyle>
         <a:effectStyle>
           <a:effectLst>
-            <a:outerShdw blurRad="40000" dist="23000" dir="5400000" rotWithShape="0">
+            <a:outerShdw blurRad="50800" dist="25400" dir="5400000" rotWithShape="0">
               <a:srgbClr val="000000">
-                <a:alpha val="35000"/>
+                <a:alpha val="46000"/>
               </a:srgbClr>
             </a:outerShdw>
           </a:effectLst>
         </a:effectStyle>
         <a:effectStyle>
           <a:effectLst>
-            <a:outerShdw blurRad="40000" dist="23000" dir="5400000" rotWithShape="0">
+            <a:outerShdw blurRad="50800" dist="25400" dir="5400000" rotWithShape="0">
               <a:srgbClr val="000000">
-                <a:alpha val="35000"/>
+                <a:alpha val="48000"/>
               </a:srgbClr>
             </a:outerShdw>
           </a:effectLst>
@@ -5347,64 +7103,57 @@
             <a:camera prst="orthographicFront">
               <a:rot lat="0" lon="0" rev="0"/>
             </a:camera>
-            <a:lightRig rig="threePt" dir="t">
-              <a:rot lat="0" lon="0" rev="1200000"/>
+            <a:lightRig rig="threePt" dir="tl">
+              <a:rot lat="0" lon="0" rev="2400000"/>
             </a:lightRig>
           </a:scene3d>
           <a:sp3d>
-            <a:bevelT w="63500" h="25400"/>
+            <a:bevelT w="25400" h="25400"/>
           </a:sp3d>
         </a:effectStyle>
       </a:effectStyleLst>
       <a:bgFillStyleLst>
         <a:solidFill>
-          <a:schemeClr val="phClr"/>
+          <a:schemeClr val="phClr">
+            <a:tint val="96000"/>
+            <a:lumMod val="110000"/>
+          </a:schemeClr>
         </a:solidFill>
-        <a:gradFill rotWithShape="1">
-          <a:gsLst>
-            <a:gs pos="0">
+        <a:blipFill rotWithShape="1">
+          <a:blip xmlns:r="http://schemas.openxmlformats.org/officeDocument/2006/relationships" r:embed="rId1">
+            <a:duotone>
               <a:schemeClr val="phClr">
-                <a:tint val="40000"/>
-                <a:satMod val="350000"/>
+                <a:tint val="93000"/>
+                <a:shade val="20000"/>
               </a:schemeClr>
-            </a:gs>
-            <a:gs pos="40000">
               <a:schemeClr val="phClr">
-                <a:tint val="45000"/>
-                <a:shade val="99000"/>
-                <a:satMod val="350000"/>
+                <a:tint val="90000"/>
+                <a:shade val="85000"/>
+                <a:satMod val="115000"/>
               </a:schemeClr>
-            </a:gs>
-            <a:gs pos="100000">
+            </a:duotone>
+          </a:blip>
+          <a:tile tx="0" ty="0" sx="60000" sy="60000" flip="none" algn="tl"/>
+        </a:blipFill>
+        <a:blipFill rotWithShape="1">
+          <a:blip xmlns:r="http://schemas.openxmlformats.org/officeDocument/2006/relationships" r:embed="rId2">
+            <a:duotone>
               <a:schemeClr val="phClr">
-                <a:shade val="20000"/>
-                <a:satMod val="255000"/>
+                <a:shade val="50000"/>
+                <a:satMod val="340000"/>
+                <a:lumMod val="40000"/>
               </a:schemeClr>
-            </a:gs>
-          </a:gsLst>
-          <a:path path="circle">
-            <a:fillToRect l="50000" t="-80000" r="50000" b="180000"/>
-          </a:path>
-        </a:gradFill>
-        <a:gradFill rotWithShape="1">
-          <a:gsLst>
-            <a:gs pos="0">
               <a:schemeClr val="phClr">
-                <a:tint val="80000"/>
-                <a:satMod val="300000"/>
+                <a:tint val="92000"/>
+                <a:shade val="94000"/>
+                <a:hueMod val="110000"/>
+                <a:satMod val="236000"/>
+                <a:lumMod val="120000"/>
               </a:schemeClr>
-            </a:gs>
-            <a:gs pos="100000">
-              <a:schemeClr val="phClr">
-                <a:shade val="30000"/>
-                <a:satMod val="200000"/>
-              </a:schemeClr>
-            </a:gs>
-          </a:gsLst>
-          <a:path path="circle">
-            <a:fillToRect l="50000" t="50000" r="50000" b="50000"/>
-          </a:path>
-        </a:gradFill>
+            </a:duotone>
+          </a:blip>
+          <a:stretch/>
+        </a:blipFill>
       </a:bgFillStyleLst>
     </a:fmtScheme>
   </a:themeElements>

--- a/unidad III (organizacion).pptx
+++ b/unidad III (organizacion).pptx
@@ -189,7 +189,7 @@
           <a:p>
             <a:fld id="{33222564-675F-4C0A-80BE-E9BC60876D09}" type="datetimeFigureOut">
               <a:rPr lang="es-MX" smtClean="0"/>
-              <a:t>25/05/2015</a:t>
+              <a:t>26/05/2015</a:t>
             </a:fld>
             <a:endParaRPr lang="es-MX"/>
           </a:p>
@@ -714,7 +714,7 @@
           <a:p>
             <a:fld id="{33222564-675F-4C0A-80BE-E9BC60876D09}" type="datetimeFigureOut">
               <a:rPr lang="es-MX" smtClean="0"/>
-              <a:t>25/05/2015</a:t>
+              <a:t>26/05/2015</a:t>
             </a:fld>
             <a:endParaRPr lang="es-MX"/>
           </a:p>
@@ -1028,7 +1028,7 @@
           <a:p>
             <a:fld id="{33222564-675F-4C0A-80BE-E9BC60876D09}" type="datetimeFigureOut">
               <a:rPr lang="es-MX" smtClean="0"/>
-              <a:t>25/05/2015</a:t>
+              <a:t>26/05/2015</a:t>
             </a:fld>
             <a:endParaRPr lang="es-MX"/>
           </a:p>
@@ -1314,7 +1314,7 @@
           <a:p>
             <a:fld id="{33222564-675F-4C0A-80BE-E9BC60876D09}" type="datetimeFigureOut">
               <a:rPr lang="es-MX" smtClean="0"/>
-              <a:t>25/05/2015</a:t>
+              <a:t>26/05/2015</a:t>
             </a:fld>
             <a:endParaRPr lang="es-MX"/>
           </a:p>
@@ -1889,7 +1889,7 @@
           <a:p>
             <a:fld id="{33222564-675F-4C0A-80BE-E9BC60876D09}" type="datetimeFigureOut">
               <a:rPr lang="es-MX" smtClean="0"/>
-              <a:t>25/05/2015</a:t>
+              <a:t>26/05/2015</a:t>
             </a:fld>
             <a:endParaRPr lang="es-MX"/>
           </a:p>
@@ -1979,7 +1979,7 @@
           <a:p>
             <a:fld id="{33222564-675F-4C0A-80BE-E9BC60876D09}" type="datetimeFigureOut">
               <a:rPr lang="es-MX" smtClean="0"/>
-              <a:t>25/05/2015</a:t>
+              <a:t>26/05/2015</a:t>
             </a:fld>
             <a:endParaRPr lang="es-MX"/>
           </a:p>
@@ -2688,7 +2688,7 @@
           <a:p>
             <a:fld id="{33222564-675F-4C0A-80BE-E9BC60876D09}" type="datetimeFigureOut">
               <a:rPr lang="es-MX" smtClean="0"/>
-              <a:t>25/05/2015</a:t>
+              <a:t>26/05/2015</a:t>
             </a:fld>
             <a:endParaRPr lang="es-MX"/>
           </a:p>
@@ -2940,7 +2940,7 @@
           <a:p>
             <a:fld id="{33222564-675F-4C0A-80BE-E9BC60876D09}" type="datetimeFigureOut">
               <a:rPr lang="es-MX" smtClean="0"/>
-              <a:t>25/05/2015</a:t>
+              <a:t>26/05/2015</a:t>
             </a:fld>
             <a:endParaRPr lang="es-MX"/>
           </a:p>
@@ -3169,7 +3169,7 @@
           <a:p>
             <a:fld id="{33222564-675F-4C0A-80BE-E9BC60876D09}" type="datetimeFigureOut">
               <a:rPr lang="es-MX" smtClean="0"/>
-              <a:t>25/05/2015</a:t>
+              <a:t>26/05/2015</a:t>
             </a:fld>
             <a:endParaRPr lang="es-MX"/>
           </a:p>
@@ -3443,7 +3443,7 @@
           <a:p>
             <a:fld id="{33222564-675F-4C0A-80BE-E9BC60876D09}" type="datetimeFigureOut">
               <a:rPr lang="es-MX" smtClean="0"/>
-              <a:t>25/05/2015</a:t>
+              <a:t>26/05/2015</a:t>
             </a:fld>
             <a:endParaRPr lang="es-MX"/>
           </a:p>
@@ -3729,7 +3729,7 @@
           <a:p>
             <a:fld id="{33222564-675F-4C0A-80BE-E9BC60876D09}" type="datetimeFigureOut">
               <a:rPr lang="es-MX" smtClean="0"/>
-              <a:t>25/05/2015</a:t>
+              <a:t>26/05/2015</a:t>
             </a:fld>
             <a:endParaRPr lang="es-MX"/>
           </a:p>
@@ -3997,7 +3997,7 @@
           <a:p>
             <a:fld id="{33222564-675F-4C0A-80BE-E9BC60876D09}" type="datetimeFigureOut">
               <a:rPr lang="es-MX" smtClean="0"/>
-              <a:t>25/05/2015</a:t>
+              <a:t>26/05/2015</a:t>
             </a:fld>
             <a:endParaRPr lang="es-MX"/>
           </a:p>
@@ -5091,13 +5091,43 @@
             </a:r>
             <a:r>
               <a:rPr lang="es-MX" dirty="0" smtClean="0"/>
-              <a:t>Muy bien compadre. Sin embargo le falta algo de diseño y figuras. </a:t>
-            </a:r>
-            <a:r>
-              <a:rPr lang="es-MX" smtClean="0"/>
-              <a:t>Saludos.</a:t>
-            </a:r>
-            <a:endParaRPr lang="es-MX" dirty="0"/>
+              <a:t>Muy bien compadre. Sin embargo le falta algo de diseño y figuras. Saludos</a:t>
+            </a:r>
+            <a:r>
+              <a:rPr lang="es-MX" dirty="0" smtClean="0"/>
+              <a:t>.</a:t>
+            </a:r>
+          </a:p>
+          <a:p>
+            <a:r>
+              <a:rPr lang="es-MX" dirty="0">
+                <a:solidFill>
+                  <a:srgbClr val="FF0000"/>
+                </a:solidFill>
+              </a:rPr>
+              <a:t>Oscar</a:t>
+            </a:r>
+            <a:r>
+              <a:rPr lang="es-MX" dirty="0" smtClean="0">
+                <a:solidFill>
+                  <a:srgbClr val="FF0000"/>
+                </a:solidFill>
+              </a:rPr>
+              <a:t>: </a:t>
+            </a:r>
+            <a:r>
+              <a:rPr lang="es-MX" dirty="0" smtClean="0">
+                <a:solidFill>
+                  <a:schemeClr val="tx1"/>
+                </a:solidFill>
+              </a:rPr>
+              <a:t>Mi Jonathan, le puede agregar algunas ilustraciones para que impacte aún más su presentación.</a:t>
+            </a:r>
+            <a:endParaRPr lang="es-MX" dirty="0">
+              <a:solidFill>
+                <a:schemeClr val="tx1"/>
+              </a:solidFill>
+            </a:endParaRPr>
           </a:p>
           <a:p>
             <a:endParaRPr lang="es-MX" dirty="0"/>

--- a/unidad III (organizacion).pptx
+++ b/unidad III (organizacion).pptx
@@ -16,7 +16,8 @@
     <p:sldId id="264" r:id="rId10"/>
     <p:sldId id="265" r:id="rId11"/>
     <p:sldId id="266" r:id="rId12"/>
-    <p:sldId id="267" r:id="rId13"/>
+    <p:sldId id="268" r:id="rId13"/>
+    <p:sldId id="267" r:id="rId14"/>
   </p:sldIdLst>
   <p:sldSz cx="9144000" cy="6858000" type="screen4x3"/>
   <p:notesSz cx="6858000" cy="9144000"/>
@@ -5020,6 +5021,214 @@
       </p:grpSpPr>
       <p:sp>
         <p:nvSpPr>
+          <p:cNvPr id="2" name="1 Título"/>
+          <p:cNvSpPr>
+            <a:spLocks noGrp="1"/>
+          </p:cNvSpPr>
+          <p:nvPr>
+            <p:ph type="title"/>
+          </p:nvPr>
+        </p:nvSpPr>
+        <p:spPr/>
+        <p:txBody>
+          <a:bodyPr>
+            <a:normAutofit fontScale="90000"/>
+          </a:bodyPr>
+          <a:lstStyle/>
+          <a:p>
+            <a:r>
+              <a:rPr lang="es-MX" sz="3600" dirty="0">
+                <a:latin typeface="Andalus" pitchFamily="18" charset="-78"/>
+                <a:ea typeface="+mn-ea"/>
+                <a:cs typeface="Andalus" pitchFamily="18" charset="-78"/>
+              </a:rPr>
+              <a:t>Elementos de la </a:t>
+            </a:r>
+            <a:r>
+              <a:rPr lang="es-MX" sz="3600" dirty="0" smtClean="0">
+                <a:latin typeface="Andalus" pitchFamily="18" charset="-78"/>
+                <a:ea typeface="+mn-ea"/>
+                <a:cs typeface="Andalus" pitchFamily="18" charset="-78"/>
+              </a:rPr>
+              <a:t>administración </a:t>
+            </a:r>
+            <a:r>
+              <a:rPr lang="es-MX" sz="3600" dirty="0">
+                <a:latin typeface="Andalus" pitchFamily="18" charset="-78"/>
+                <a:ea typeface="+mn-ea"/>
+                <a:cs typeface="Andalus" pitchFamily="18" charset="-78"/>
+              </a:rPr>
+              <a:t>de la </a:t>
+            </a:r>
+            <a:r>
+              <a:rPr lang="es-MX" sz="3600" dirty="0" smtClean="0">
+                <a:latin typeface="Andalus" pitchFamily="18" charset="-78"/>
+                <a:ea typeface="+mn-ea"/>
+                <a:cs typeface="Andalus" pitchFamily="18" charset="-78"/>
+              </a:rPr>
+              <a:t>función</a:t>
+            </a:r>
+            <a:r>
+              <a:rPr lang="es-MX" sz="2600" dirty="0" smtClean="0">
+                <a:latin typeface="Andalus" pitchFamily="18" charset="-78"/>
+                <a:ea typeface="+mn-ea"/>
+                <a:cs typeface="Andalus" pitchFamily="18" charset="-78"/>
+              </a:rPr>
+              <a:t> </a:t>
+            </a:r>
+            <a:endParaRPr lang="es-MX" sz="2600" dirty="0">
+              <a:latin typeface="Andalus" pitchFamily="18" charset="-78"/>
+              <a:ea typeface="+mn-ea"/>
+              <a:cs typeface="Andalus" pitchFamily="18" charset="-78"/>
+            </a:endParaRPr>
+          </a:p>
+        </p:txBody>
+      </p:sp>
+      <p:sp>
+        <p:nvSpPr>
+          <p:cNvPr id="3" name="2 Marcador de contenido"/>
+          <p:cNvSpPr>
+            <a:spLocks noGrp="1"/>
+          </p:cNvSpPr>
+          <p:nvPr>
+            <p:ph idx="1"/>
+          </p:nvPr>
+        </p:nvSpPr>
+        <p:spPr/>
+        <p:txBody>
+          <a:bodyPr>
+            <a:normAutofit/>
+          </a:bodyPr>
+          <a:lstStyle/>
+          <a:p>
+            <a:r>
+              <a:rPr lang="es-MX" sz="2600" dirty="0">
+                <a:latin typeface="Andalus" pitchFamily="18" charset="-78"/>
+                <a:cs typeface="Andalus" pitchFamily="18" charset="-78"/>
+              </a:rPr>
+              <a:t>Planificación</a:t>
+            </a:r>
+          </a:p>
+          <a:p>
+            <a:pPr marL="0" indent="0">
+              <a:buNone/>
+            </a:pPr>
+            <a:r>
+              <a:rPr lang="es-MX" sz="2600" dirty="0">
+                <a:latin typeface="Andalus" pitchFamily="18" charset="-78"/>
+                <a:cs typeface="Andalus" pitchFamily="18" charset="-78"/>
+              </a:rPr>
+              <a:t>Desarrollar una matriz de la planeación de AI para determinar las áreas que serán evaluadas.</a:t>
+            </a:r>
+          </a:p>
+          <a:p>
+            <a:pPr marL="0" indent="0">
+              <a:buNone/>
+            </a:pPr>
+            <a:r>
+              <a:rPr lang="es-MX" sz="2600" dirty="0" smtClean="0">
+                <a:latin typeface="Andalus" pitchFamily="18" charset="-78"/>
+                <a:cs typeface="Andalus" pitchFamily="18" charset="-78"/>
+              </a:rPr>
+              <a:t>Tener </a:t>
+            </a:r>
+            <a:r>
+              <a:rPr lang="es-MX" sz="2600" dirty="0">
+                <a:latin typeface="Andalus" pitchFamily="18" charset="-78"/>
+                <a:cs typeface="Andalus" pitchFamily="18" charset="-78"/>
+              </a:rPr>
+              <a:t>información de los sistemas, equipos, </a:t>
+            </a:r>
+            <a:r>
+              <a:rPr lang="es-MX" sz="2600" dirty="0" err="1">
+                <a:latin typeface="Andalus" pitchFamily="18" charset="-78"/>
+                <a:cs typeface="Andalus" pitchFamily="18" charset="-78"/>
+              </a:rPr>
+              <a:t>Sw</a:t>
+            </a:r>
+            <a:r>
+              <a:rPr lang="es-MX" sz="2600" dirty="0">
+                <a:latin typeface="Andalus" pitchFamily="18" charset="-78"/>
+                <a:cs typeface="Andalus" pitchFamily="18" charset="-78"/>
+              </a:rPr>
+              <a:t>, planes de informática y de auditoria, actuales.</a:t>
+            </a:r>
+          </a:p>
+          <a:p>
+            <a:pPr marL="0" indent="0">
+              <a:buNone/>
+            </a:pPr>
+            <a:r>
+              <a:rPr lang="es-MX" sz="2600" dirty="0" smtClean="0">
+                <a:latin typeface="Andalus" pitchFamily="18" charset="-78"/>
+                <a:cs typeface="Andalus" pitchFamily="18" charset="-78"/>
+              </a:rPr>
+              <a:t>Coordinar </a:t>
+            </a:r>
+            <a:r>
+              <a:rPr lang="es-MX" sz="2600" dirty="0">
+                <a:latin typeface="Andalus" pitchFamily="18" charset="-78"/>
+                <a:cs typeface="Andalus" pitchFamily="18" charset="-78"/>
+              </a:rPr>
+              <a:t>los planes con Gerencia de Auditoria interna</a:t>
+            </a:r>
+          </a:p>
+          <a:p>
+            <a:pPr marL="0" indent="0">
+              <a:buNone/>
+            </a:pPr>
+            <a:r>
+              <a:rPr lang="es-MX" sz="2600" dirty="0" smtClean="0">
+                <a:latin typeface="Andalus" pitchFamily="18" charset="-78"/>
+                <a:cs typeface="Andalus" pitchFamily="18" charset="-78"/>
+              </a:rPr>
+              <a:t>Componentes </a:t>
+            </a:r>
+            <a:r>
+              <a:rPr lang="es-MX" sz="2600" dirty="0">
+                <a:latin typeface="Andalus" pitchFamily="18" charset="-78"/>
+                <a:cs typeface="Andalus" pitchFamily="18" charset="-78"/>
+              </a:rPr>
+              <a:t>de éxito de la Planeación:</a:t>
+            </a:r>
+          </a:p>
+          <a:p>
+            <a:endParaRPr lang="es-MX" dirty="0"/>
+          </a:p>
+        </p:txBody>
+      </p:sp>
+    </p:spTree>
+    <p:extLst>
+      <p:ext uri="{BB962C8B-B14F-4D97-AF65-F5344CB8AC3E}">
+        <p14:creationId xmlns:p14="http://schemas.microsoft.com/office/powerpoint/2010/main" val="1202321413"/>
+      </p:ext>
+    </p:extLst>
+  </p:cSld>
+  <p:clrMapOvr>
+    <a:masterClrMapping/>
+  </p:clrMapOvr>
+</p:sld>
+</file>
+
+<file path=ppt/slides/slide13.xml><?xml version="1.0" encoding="utf-8"?>
+<p:sld xmlns:a="http://schemas.openxmlformats.org/drawingml/2006/main" xmlns:r="http://schemas.openxmlformats.org/officeDocument/2006/relationships" xmlns:p="http://schemas.openxmlformats.org/presentationml/2006/main">
+  <p:cSld>
+    <p:spTree>
+      <p:nvGrpSpPr>
+        <p:cNvPr id="1" name=""/>
+        <p:cNvGrpSpPr/>
+        <p:nvPr/>
+      </p:nvGrpSpPr>
+      <p:grpSpPr>
+        <a:xfrm>
+          <a:off x="0" y="0"/>
+          <a:ext cx="0" cy="0"/>
+          <a:chOff x="0" y="0"/>
+          <a:chExt cx="0" cy="0"/>
+        </a:xfrm>
+      </p:grpSpPr>
+      <p:sp>
+        <p:nvSpPr>
           <p:cNvPr id="3" name="2 Marcador de contenido"/>
           <p:cNvSpPr>
             <a:spLocks noGrp="1"/>
@@ -5091,11 +5300,7 @@
             </a:r>
             <a:r>
               <a:rPr lang="es-MX" dirty="0" smtClean="0"/>
-              <a:t>Muy bien compadre. Sin embargo le falta algo de diseño y figuras. Saludos</a:t>
-            </a:r>
-            <a:r>
-              <a:rPr lang="es-MX" dirty="0" smtClean="0"/>
-              <a:t>.</a:t>
+              <a:t>Muy bien compadre. Sin embargo le falta algo de diseño y figuras. Saludos.</a:t>
             </a:r>
           </a:p>
           <a:p>

--- a/unidad III (organizacion).pptx
+++ b/unidad III (organizacion).pptx
@@ -17,7 +17,8 @@
     <p:sldId id="265" r:id="rId11"/>
     <p:sldId id="266" r:id="rId12"/>
     <p:sldId id="268" r:id="rId13"/>
-    <p:sldId id="267" r:id="rId14"/>
+    <p:sldId id="269" r:id="rId14"/>
+    <p:sldId id="267" r:id="rId15"/>
   </p:sldIdLst>
   <p:sldSz cx="9144000" cy="6858000" type="screen4x3"/>
   <p:notesSz cx="6858000" cy="9144000"/>
@@ -5239,6 +5240,114 @@
         </p:nvSpPr>
         <p:spPr/>
         <p:txBody>
+          <a:bodyPr>
+            <a:normAutofit/>
+          </a:bodyPr>
+          <a:lstStyle/>
+          <a:p>
+            <a:pPr marL="0" indent="0">
+              <a:buNone/>
+            </a:pPr>
+            <a:r>
+              <a:rPr lang="es-MX" sz="2600" dirty="0">
+                <a:latin typeface="Andalus" pitchFamily="18" charset="-78"/>
+                <a:cs typeface="Andalus" pitchFamily="18" charset="-78"/>
+              </a:rPr>
+              <a:t>*Juntas formales de discusión de planes periódicas.</a:t>
+            </a:r>
+          </a:p>
+          <a:p>
+            <a:pPr marL="0" indent="0">
+              <a:buNone/>
+            </a:pPr>
+            <a:r>
+              <a:rPr lang="es-MX" sz="2600" dirty="0">
+                <a:latin typeface="Andalus" pitchFamily="18" charset="-78"/>
+                <a:cs typeface="Andalus" pitchFamily="18" charset="-78"/>
+              </a:rPr>
+              <a:t>*Seguimiento de deficiencias y debilidades</a:t>
+            </a:r>
+          </a:p>
+          <a:p>
+            <a:pPr marL="0" indent="0">
+              <a:buNone/>
+            </a:pPr>
+            <a:r>
+              <a:rPr lang="es-MX" sz="2600" dirty="0">
+                <a:latin typeface="Andalus" pitchFamily="18" charset="-78"/>
+                <a:cs typeface="Andalus" pitchFamily="18" charset="-78"/>
+              </a:rPr>
+              <a:t>*Reportes de Auditoria y aseguramiento de calidad</a:t>
+            </a:r>
+          </a:p>
+          <a:p>
+            <a:pPr marL="0" indent="0">
+              <a:buNone/>
+            </a:pPr>
+            <a:r>
+              <a:rPr lang="es-MX" sz="2600" dirty="0">
+                <a:latin typeface="Andalus" pitchFamily="18" charset="-78"/>
+                <a:cs typeface="Andalus" pitchFamily="18" charset="-78"/>
+              </a:rPr>
+              <a:t>*Capacitación conjunta</a:t>
+            </a:r>
+          </a:p>
+          <a:p>
+            <a:pPr marL="0" indent="0">
+              <a:buNone/>
+            </a:pPr>
+            <a:r>
+              <a:rPr lang="es-MX" sz="2600" dirty="0">
+                <a:latin typeface="Andalus" pitchFamily="18" charset="-78"/>
+                <a:cs typeface="Andalus" pitchFamily="18" charset="-78"/>
+              </a:rPr>
+              <a:t>*Metodología, técnicas y herramientas comunes.</a:t>
+            </a:r>
+          </a:p>
+        </p:txBody>
+      </p:sp>
+    </p:spTree>
+    <p:extLst>
+      <p:ext uri="{BB962C8B-B14F-4D97-AF65-F5344CB8AC3E}">
+        <p14:creationId xmlns:p14="http://schemas.microsoft.com/office/powerpoint/2010/main" val="1744477475"/>
+      </p:ext>
+    </p:extLst>
+  </p:cSld>
+  <p:clrMapOvr>
+    <a:masterClrMapping/>
+  </p:clrMapOvr>
+</p:sld>
+</file>
+
+<file path=ppt/slides/slide14.xml><?xml version="1.0" encoding="utf-8"?>
+<p:sld xmlns:a="http://schemas.openxmlformats.org/drawingml/2006/main" xmlns:r="http://schemas.openxmlformats.org/officeDocument/2006/relationships" xmlns:p="http://schemas.openxmlformats.org/presentationml/2006/main">
+  <p:cSld>
+    <p:spTree>
+      <p:nvGrpSpPr>
+        <p:cNvPr id="1" name=""/>
+        <p:cNvGrpSpPr/>
+        <p:nvPr/>
+      </p:nvGrpSpPr>
+      <p:grpSpPr>
+        <a:xfrm>
+          <a:off x="0" y="0"/>
+          <a:ext cx="0" cy="0"/>
+          <a:chOff x="0" y="0"/>
+          <a:chExt cx="0" cy="0"/>
+        </a:xfrm>
+      </p:grpSpPr>
+      <p:sp>
+        <p:nvSpPr>
+          <p:cNvPr id="3" name="2 Marcador de contenido"/>
+          <p:cNvSpPr>
+            <a:spLocks noGrp="1"/>
+          </p:cNvSpPr>
+          <p:nvPr>
+            <p:ph idx="1"/>
+          </p:nvPr>
+        </p:nvSpPr>
+        <p:spPr/>
+        <p:txBody>
           <a:bodyPr/>
           <a:lstStyle/>
           <a:p>

--- a/unidad III (organizacion).pptx
+++ b/unidad III (organizacion).pptx
@@ -18,7 +18,8 @@
     <p:sldId id="266" r:id="rId12"/>
     <p:sldId id="268" r:id="rId13"/>
     <p:sldId id="269" r:id="rId14"/>
-    <p:sldId id="267" r:id="rId15"/>
+    <p:sldId id="270" r:id="rId15"/>
+    <p:sldId id="267" r:id="rId16"/>
   </p:sldIdLst>
   <p:sldSz cx="9144000" cy="6858000" type="screen4x3"/>
   <p:notesSz cx="6858000" cy="9144000"/>
@@ -5338,6 +5339,146 @@
       </p:grpSpPr>
       <p:sp>
         <p:nvSpPr>
+          <p:cNvPr id="2" name="1 Título"/>
+          <p:cNvSpPr>
+            <a:spLocks noGrp="1"/>
+          </p:cNvSpPr>
+          <p:nvPr>
+            <p:ph type="title"/>
+          </p:nvPr>
+        </p:nvSpPr>
+        <p:spPr/>
+        <p:txBody>
+          <a:bodyPr>
+            <a:normAutofit fontScale="90000"/>
+          </a:bodyPr>
+          <a:lstStyle/>
+          <a:p>
+            <a:r>
+              <a:rPr lang="es-MX" sz="4900" dirty="0">
+                <a:latin typeface="Andalus" pitchFamily="18" charset="-78"/>
+                <a:ea typeface="+mn-ea"/>
+                <a:cs typeface="Andalus" pitchFamily="18" charset="-78"/>
+              </a:rPr>
+              <a:t>Personal</a:t>
+            </a:r>
+            <a:r>
+              <a:rPr lang="es-MX" dirty="0"/>
+              <a:t/>
+            </a:r>
+            <a:br>
+              <a:rPr lang="es-MX" dirty="0"/>
+            </a:br>
+            <a:endParaRPr lang="es-MX" dirty="0"/>
+          </a:p>
+        </p:txBody>
+      </p:sp>
+      <p:sp>
+        <p:nvSpPr>
+          <p:cNvPr id="3" name="2 Marcador de contenido"/>
+          <p:cNvSpPr>
+            <a:spLocks noGrp="1"/>
+          </p:cNvSpPr>
+          <p:nvPr>
+            <p:ph idx="1"/>
+          </p:nvPr>
+        </p:nvSpPr>
+        <p:spPr/>
+        <p:txBody>
+          <a:bodyPr/>
+          <a:lstStyle/>
+          <a:p>
+            <a:pPr marL="0" indent="0">
+              <a:buNone/>
+            </a:pPr>
+            <a:r>
+              <a:rPr lang="es-MX" sz="2600" dirty="0" smtClean="0">
+                <a:latin typeface="Andalus" pitchFamily="18" charset="-78"/>
+                <a:cs typeface="Andalus" pitchFamily="18" charset="-78"/>
+              </a:rPr>
+              <a:t>1.Políticas </a:t>
+            </a:r>
+            <a:r>
+              <a:rPr lang="es-MX" sz="2600" dirty="0">
+                <a:latin typeface="Andalus" pitchFamily="18" charset="-78"/>
+                <a:cs typeface="Andalus" pitchFamily="18" charset="-78"/>
+              </a:rPr>
+              <a:t>de selección y reclutamiento</a:t>
+            </a:r>
+          </a:p>
+          <a:p>
+            <a:pPr marL="0" indent="0">
+              <a:buNone/>
+            </a:pPr>
+            <a:r>
+              <a:rPr lang="es-MX" sz="2600" dirty="0">
+                <a:latin typeface="Andalus" pitchFamily="18" charset="-78"/>
+                <a:cs typeface="Andalus" pitchFamily="18" charset="-78"/>
+              </a:rPr>
+              <a:t>2.Preparación suficiente y confiable Informática/Auditoría</a:t>
+            </a:r>
+          </a:p>
+          <a:p>
+            <a:pPr marL="0" indent="0">
+              <a:buNone/>
+            </a:pPr>
+            <a:r>
+              <a:rPr lang="es-MX" sz="2600" dirty="0">
+                <a:latin typeface="Andalus" pitchFamily="18" charset="-78"/>
+                <a:cs typeface="Andalus" pitchFamily="18" charset="-78"/>
+              </a:rPr>
+              <a:t>3.Personal con experiencia, educación, adaptabilidad, entendimiento, determinación y diligencia.</a:t>
+            </a:r>
+          </a:p>
+          <a:p>
+            <a:pPr marL="0" indent="0">
+              <a:buNone/>
+            </a:pPr>
+            <a:r>
+              <a:rPr lang="es-MX" sz="2600" dirty="0">
+                <a:latin typeface="Andalus" pitchFamily="18" charset="-78"/>
+                <a:cs typeface="Andalus" pitchFamily="18" charset="-78"/>
+              </a:rPr>
+              <a:t>4.Establecer el número de auditores y horas de auditoría</a:t>
+            </a:r>
+          </a:p>
+          <a:p>
+            <a:endParaRPr lang="es-MX" dirty="0"/>
+          </a:p>
+        </p:txBody>
+      </p:sp>
+    </p:spTree>
+    <p:extLst>
+      <p:ext uri="{BB962C8B-B14F-4D97-AF65-F5344CB8AC3E}">
+        <p14:creationId xmlns:p14="http://schemas.microsoft.com/office/powerpoint/2010/main" val="1807941598"/>
+      </p:ext>
+    </p:extLst>
+  </p:cSld>
+  <p:clrMapOvr>
+    <a:masterClrMapping/>
+  </p:clrMapOvr>
+</p:sld>
+</file>
+
+<file path=ppt/slides/slide15.xml><?xml version="1.0" encoding="utf-8"?>
+<p:sld xmlns:a="http://schemas.openxmlformats.org/drawingml/2006/main" xmlns:r="http://schemas.openxmlformats.org/officeDocument/2006/relationships" xmlns:p="http://schemas.openxmlformats.org/presentationml/2006/main">
+  <p:cSld>
+    <p:spTree>
+      <p:nvGrpSpPr>
+        <p:cNvPr id="1" name=""/>
+        <p:cNvGrpSpPr/>
+        <p:nvPr/>
+      </p:nvGrpSpPr>
+      <p:grpSpPr>
+        <a:xfrm>
+          <a:off x="0" y="0"/>
+          <a:ext cx="0" cy="0"/>
+          <a:chOff x="0" y="0"/>
+          <a:chExt cx="0" cy="0"/>
+        </a:xfrm>
+      </p:grpSpPr>
+      <p:sp>
+        <p:nvSpPr>
           <p:cNvPr id="3" name="2 Marcador de contenido"/>
           <p:cNvSpPr>
             <a:spLocks noGrp="1"/>

--- a/unidad III (organizacion).pptx
+++ b/unidad III (organizacion).pptx
@@ -19,7 +19,8 @@
     <p:sldId id="268" r:id="rId13"/>
     <p:sldId id="269" r:id="rId14"/>
     <p:sldId id="270" r:id="rId15"/>
-    <p:sldId id="267" r:id="rId16"/>
+    <p:sldId id="271" r:id="rId16"/>
+    <p:sldId id="267" r:id="rId17"/>
   </p:sldIdLst>
   <p:sldSz cx="9144000" cy="6858000" type="screen4x3"/>
   <p:notesSz cx="6858000" cy="9144000"/>
@@ -5479,6 +5480,151 @@
       </p:grpSpPr>
       <p:sp>
         <p:nvSpPr>
+          <p:cNvPr id="2" name="1 Título"/>
+          <p:cNvSpPr>
+            <a:spLocks noGrp="1"/>
+          </p:cNvSpPr>
+          <p:nvPr>
+            <p:ph type="title"/>
+          </p:nvPr>
+        </p:nvSpPr>
+        <p:spPr>
+          <a:xfrm>
+            <a:off x="323528" y="764704"/>
+            <a:ext cx="8229600" cy="1143000"/>
+          </a:xfrm>
+        </p:spPr>
+        <p:txBody>
+          <a:bodyPr>
+            <a:normAutofit fontScale="90000"/>
+          </a:bodyPr>
+          <a:lstStyle/>
+          <a:p>
+            <a:r>
+              <a:rPr lang="es-MX" sz="5300" dirty="0">
+                <a:latin typeface="Andalus" pitchFamily="18" charset="-78"/>
+                <a:ea typeface="+mn-ea"/>
+                <a:cs typeface="Andalus" pitchFamily="18" charset="-78"/>
+              </a:rPr>
+              <a:t>Control</a:t>
+            </a:r>
+            <a:r>
+              <a:rPr lang="es-MX" dirty="0"/>
+              <a:t/>
+            </a:r>
+            <a:br>
+              <a:rPr lang="es-MX" dirty="0"/>
+            </a:br>
+            <a:endParaRPr lang="es-MX" dirty="0"/>
+          </a:p>
+        </p:txBody>
+      </p:sp>
+      <p:sp>
+        <p:nvSpPr>
+          <p:cNvPr id="3" name="2 Marcador de contenido"/>
+          <p:cNvSpPr>
+            <a:spLocks noGrp="1"/>
+          </p:cNvSpPr>
+          <p:nvPr>
+            <p:ph idx="1"/>
+          </p:nvPr>
+        </p:nvSpPr>
+        <p:spPr/>
+        <p:txBody>
+          <a:bodyPr/>
+          <a:lstStyle/>
+          <a:p>
+            <a:pPr marL="0" indent="0">
+              <a:buNone/>
+            </a:pPr>
+            <a:r>
+              <a:rPr lang="es-MX" sz="2600" dirty="0" smtClean="0">
+                <a:latin typeface="Andalus" pitchFamily="18" charset="-78"/>
+                <a:cs typeface="Andalus" pitchFamily="18" charset="-78"/>
+              </a:rPr>
+              <a:t>1.Supervisión </a:t>
+            </a:r>
+            <a:r>
+              <a:rPr lang="es-MX" sz="2600" dirty="0">
+                <a:latin typeface="Andalus" pitchFamily="18" charset="-78"/>
+                <a:cs typeface="Andalus" pitchFamily="18" charset="-78"/>
+              </a:rPr>
+              <a:t>oportuna garantiza un producto consistente</a:t>
+            </a:r>
+          </a:p>
+          <a:p>
+            <a:pPr marL="0" indent="0">
+              <a:buNone/>
+            </a:pPr>
+            <a:r>
+              <a:rPr lang="es-MX" sz="2600" dirty="0">
+                <a:latin typeface="Andalus" pitchFamily="18" charset="-78"/>
+                <a:cs typeface="Andalus" pitchFamily="18" charset="-78"/>
+              </a:rPr>
+              <a:t>2.Ayuda en el desarrollo y control de los presupuestos</a:t>
+            </a:r>
+          </a:p>
+          <a:p>
+            <a:pPr marL="0" indent="0">
+              <a:buNone/>
+            </a:pPr>
+            <a:r>
+              <a:rPr lang="es-MX" sz="2600" dirty="0">
+                <a:latin typeface="Andalus" pitchFamily="18" charset="-78"/>
+                <a:cs typeface="Andalus" pitchFamily="18" charset="-78"/>
+              </a:rPr>
+              <a:t>3.Es un proceso continuo, desde la planeación hasta el informe final</a:t>
+            </a:r>
+          </a:p>
+          <a:p>
+            <a:pPr marL="0" indent="0">
+              <a:buNone/>
+            </a:pPr>
+            <a:r>
+              <a:rPr lang="es-MX" sz="2600" dirty="0">
+                <a:latin typeface="Andalus" pitchFamily="18" charset="-78"/>
+                <a:cs typeface="Andalus" pitchFamily="18" charset="-78"/>
+              </a:rPr>
+              <a:t>4.Verificación con los estándares y procedimientos.</a:t>
+            </a:r>
+          </a:p>
+          <a:p>
+            <a:endParaRPr lang="es-MX" dirty="0"/>
+          </a:p>
+        </p:txBody>
+      </p:sp>
+    </p:spTree>
+    <p:extLst>
+      <p:ext uri="{BB962C8B-B14F-4D97-AF65-F5344CB8AC3E}">
+        <p14:creationId xmlns:p14="http://schemas.microsoft.com/office/powerpoint/2010/main" val="15311757"/>
+      </p:ext>
+    </p:extLst>
+  </p:cSld>
+  <p:clrMapOvr>
+    <a:masterClrMapping/>
+  </p:clrMapOvr>
+</p:sld>
+</file>
+
+<file path=ppt/slides/slide16.xml><?xml version="1.0" encoding="utf-8"?>
+<p:sld xmlns:a="http://schemas.openxmlformats.org/drawingml/2006/main" xmlns:r="http://schemas.openxmlformats.org/officeDocument/2006/relationships" xmlns:p="http://schemas.openxmlformats.org/presentationml/2006/main">
+  <p:cSld>
+    <p:spTree>
+      <p:nvGrpSpPr>
+        <p:cNvPr id="1" name=""/>
+        <p:cNvGrpSpPr/>
+        <p:nvPr/>
+      </p:nvGrpSpPr>
+      <p:grpSpPr>
+        <a:xfrm>
+          <a:off x="0" y="0"/>
+          <a:ext cx="0" cy="0"/>
+          <a:chOff x="0" y="0"/>
+          <a:chExt cx="0" cy="0"/>
+        </a:xfrm>
+      </p:grpSpPr>
+      <p:sp>
+        <p:nvSpPr>
           <p:cNvPr id="3" name="2 Marcador de contenido"/>
           <p:cNvSpPr>
             <a:spLocks noGrp="1"/>

--- a/unidad III (organizacion).pptx
+++ b/unidad III (organizacion).pptx
@@ -20,7 +20,8 @@
     <p:sldId id="269" r:id="rId14"/>
     <p:sldId id="270" r:id="rId15"/>
     <p:sldId id="271" r:id="rId16"/>
-    <p:sldId id="267" r:id="rId17"/>
+    <p:sldId id="272" r:id="rId17"/>
+    <p:sldId id="267" r:id="rId18"/>
   </p:sldIdLst>
   <p:sldSz cx="9144000" cy="6858000" type="screen4x3"/>
   <p:notesSz cx="6858000" cy="9144000"/>
@@ -5625,6 +5626,165 @@
       </p:grpSpPr>
       <p:sp>
         <p:nvSpPr>
+          <p:cNvPr id="2" name="1 Título"/>
+          <p:cNvSpPr>
+            <a:spLocks noGrp="1"/>
+          </p:cNvSpPr>
+          <p:nvPr>
+            <p:ph type="title"/>
+          </p:nvPr>
+        </p:nvSpPr>
+        <p:spPr/>
+        <p:txBody>
+          <a:bodyPr>
+            <a:normAutofit/>
+          </a:bodyPr>
+          <a:lstStyle/>
+          <a:p>
+            <a:r>
+              <a:rPr lang="es-MX" sz="4000" dirty="0">
+                <a:latin typeface="Andalus" pitchFamily="18" charset="-78"/>
+                <a:ea typeface="+mn-ea"/>
+                <a:cs typeface="Andalus" pitchFamily="18" charset="-78"/>
+              </a:rPr>
+              <a:t>Reportes de desempeño</a:t>
+            </a:r>
+          </a:p>
+        </p:txBody>
+      </p:sp>
+      <p:sp>
+        <p:nvSpPr>
+          <p:cNvPr id="3" name="2 Marcador de contenido"/>
+          <p:cNvSpPr>
+            <a:spLocks noGrp="1"/>
+          </p:cNvSpPr>
+          <p:nvPr>
+            <p:ph idx="1"/>
+          </p:nvPr>
+        </p:nvSpPr>
+        <p:spPr/>
+        <p:txBody>
+          <a:bodyPr/>
+          <a:lstStyle/>
+          <a:p>
+            <a:r>
+              <a:rPr lang="es-MX" sz="2600" dirty="0">
+                <a:latin typeface="Andalus" pitchFamily="18" charset="-78"/>
+                <a:cs typeface="Andalus" pitchFamily="18" charset="-78"/>
+              </a:rPr>
+              <a:t>Herramientas muy importantes para evaluar:</a:t>
+            </a:r>
+          </a:p>
+          <a:p>
+            <a:pPr marL="0" indent="0">
+              <a:buNone/>
+            </a:pPr>
+            <a:r>
+              <a:rPr lang="es-MX" sz="2600" dirty="0" smtClean="0">
+                <a:latin typeface="Andalus" pitchFamily="18" charset="-78"/>
+                <a:cs typeface="Andalus" pitchFamily="18" charset="-78"/>
+              </a:rPr>
+              <a:t>Productividad </a:t>
+            </a:r>
+            <a:r>
+              <a:rPr lang="es-MX" sz="2600" dirty="0">
+                <a:latin typeface="Andalus" pitchFamily="18" charset="-78"/>
+                <a:cs typeface="Andalus" pitchFamily="18" charset="-78"/>
+              </a:rPr>
+              <a:t>y calidad de los proyectos</a:t>
+            </a:r>
+          </a:p>
+          <a:p>
+            <a:pPr marL="0" indent="0">
+              <a:buNone/>
+            </a:pPr>
+            <a:r>
+              <a:rPr lang="es-MX" sz="2600" dirty="0" smtClean="0">
+                <a:latin typeface="Andalus" pitchFamily="18" charset="-78"/>
+                <a:cs typeface="Andalus" pitchFamily="18" charset="-78"/>
+              </a:rPr>
+              <a:t>Resultados</a:t>
+            </a:r>
+            <a:endParaRPr lang="es-MX" sz="2600" dirty="0">
+              <a:latin typeface="Andalus" pitchFamily="18" charset="-78"/>
+              <a:cs typeface="Andalus" pitchFamily="18" charset="-78"/>
+            </a:endParaRPr>
+          </a:p>
+          <a:p>
+            <a:pPr marL="0" indent="0">
+              <a:buNone/>
+            </a:pPr>
+            <a:r>
+              <a:rPr lang="es-MX" sz="2600" dirty="0" smtClean="0">
+                <a:latin typeface="Andalus" pitchFamily="18" charset="-78"/>
+                <a:cs typeface="Andalus" pitchFamily="18" charset="-78"/>
+              </a:rPr>
+              <a:t>Avances </a:t>
+            </a:r>
+            <a:r>
+              <a:rPr lang="es-MX" sz="2600" dirty="0">
+                <a:latin typeface="Andalus" pitchFamily="18" charset="-78"/>
+                <a:cs typeface="Andalus" pitchFamily="18" charset="-78"/>
+              </a:rPr>
+              <a:t>de los proyectos</a:t>
+            </a:r>
+          </a:p>
+          <a:p>
+            <a:pPr marL="0" indent="0">
+              <a:buNone/>
+            </a:pPr>
+            <a:r>
+              <a:rPr lang="es-MX" sz="2600" dirty="0" smtClean="0">
+                <a:latin typeface="Andalus" pitchFamily="18" charset="-78"/>
+                <a:cs typeface="Andalus" pitchFamily="18" charset="-78"/>
+              </a:rPr>
+              <a:t>Áreas </a:t>
+            </a:r>
+            <a:r>
+              <a:rPr lang="es-MX" sz="2600" dirty="0">
+                <a:latin typeface="Andalus" pitchFamily="18" charset="-78"/>
+                <a:cs typeface="Andalus" pitchFamily="18" charset="-78"/>
+              </a:rPr>
+              <a:t>susceptibles de control y seguimiento individual y de grupo.</a:t>
+            </a:r>
+          </a:p>
+          <a:p>
+            <a:endParaRPr lang="es-MX" dirty="0"/>
+          </a:p>
+        </p:txBody>
+      </p:sp>
+    </p:spTree>
+    <p:extLst>
+      <p:ext uri="{BB962C8B-B14F-4D97-AF65-F5344CB8AC3E}">
+        <p14:creationId xmlns:p14="http://schemas.microsoft.com/office/powerpoint/2010/main" val="3090924339"/>
+      </p:ext>
+    </p:extLst>
+  </p:cSld>
+  <p:clrMapOvr>
+    <a:masterClrMapping/>
+  </p:clrMapOvr>
+</p:sld>
+</file>
+
+<file path=ppt/slides/slide17.xml><?xml version="1.0" encoding="utf-8"?>
+<p:sld xmlns:a="http://schemas.openxmlformats.org/drawingml/2006/main" xmlns:r="http://schemas.openxmlformats.org/officeDocument/2006/relationships" xmlns:p="http://schemas.openxmlformats.org/presentationml/2006/main">
+  <p:cSld>
+    <p:spTree>
+      <p:nvGrpSpPr>
+        <p:cNvPr id="1" name=""/>
+        <p:cNvGrpSpPr/>
+        <p:nvPr/>
+      </p:nvGrpSpPr>
+      <p:grpSpPr>
+        <a:xfrm>
+          <a:off x="0" y="0"/>
+          <a:ext cx="0" cy="0"/>
+          <a:chOff x="0" y="0"/>
+          <a:chExt cx="0" cy="0"/>
+        </a:xfrm>
+      </p:grpSpPr>
+      <p:sp>
+        <p:nvSpPr>
           <p:cNvPr id="3" name="2 Marcador de contenido"/>
           <p:cNvSpPr>
             <a:spLocks noGrp="1"/>

--- a/unidad III (organizacion).pptx
+++ b/unidad III (organizacion).pptx
@@ -21,7 +21,8 @@
     <p:sldId id="270" r:id="rId15"/>
     <p:sldId id="271" r:id="rId16"/>
     <p:sldId id="272" r:id="rId17"/>
-    <p:sldId id="267" r:id="rId18"/>
+    <p:sldId id="273" r:id="rId18"/>
+    <p:sldId id="267" r:id="rId19"/>
   </p:sldIdLst>
   <p:sldSz cx="9144000" cy="6858000" type="screen4x3"/>
   <p:notesSz cx="6858000" cy="9144000"/>
@@ -5785,6 +5786,190 @@
       </p:grpSpPr>
       <p:sp>
         <p:nvSpPr>
+          <p:cNvPr id="2" name="1 Título"/>
+          <p:cNvSpPr>
+            <a:spLocks noGrp="1"/>
+          </p:cNvSpPr>
+          <p:nvPr>
+            <p:ph type="title"/>
+          </p:nvPr>
+        </p:nvSpPr>
+        <p:spPr/>
+        <p:txBody>
+          <a:bodyPr>
+            <a:noAutofit/>
+          </a:bodyPr>
+          <a:lstStyle/>
+          <a:p>
+            <a:r>
+              <a:rPr lang="es-MX" sz="5400" dirty="0">
+                <a:latin typeface="Andalus" pitchFamily="18" charset="-78"/>
+                <a:ea typeface="+mn-ea"/>
+                <a:cs typeface="Andalus" pitchFamily="18" charset="-78"/>
+              </a:rPr>
+              <a:t>Hacia una auditoria en </a:t>
+            </a:r>
+            <a:r>
+              <a:rPr lang="es-MX" sz="5400" dirty="0" smtClean="0">
+                <a:latin typeface="Andalus" pitchFamily="18" charset="-78"/>
+                <a:ea typeface="+mn-ea"/>
+                <a:cs typeface="Andalus" pitchFamily="18" charset="-78"/>
+              </a:rPr>
+              <a:t>informática </a:t>
+            </a:r>
+            <a:r>
+              <a:rPr lang="es-MX" sz="5400" dirty="0">
+                <a:latin typeface="Andalus" pitchFamily="18" charset="-78"/>
+                <a:ea typeface="+mn-ea"/>
+                <a:cs typeface="Andalus" pitchFamily="18" charset="-78"/>
+              </a:rPr>
+              <a:t>eficiente</a:t>
+            </a:r>
+          </a:p>
+        </p:txBody>
+      </p:sp>
+      <p:sp>
+        <p:nvSpPr>
+          <p:cNvPr id="3" name="2 Marcador de contenido"/>
+          <p:cNvSpPr>
+            <a:spLocks noGrp="1"/>
+          </p:cNvSpPr>
+          <p:nvPr>
+            <p:ph idx="1"/>
+          </p:nvPr>
+        </p:nvSpPr>
+        <p:spPr/>
+        <p:txBody>
+          <a:bodyPr>
+            <a:normAutofit/>
+          </a:bodyPr>
+          <a:lstStyle/>
+          <a:p>
+            <a:r>
+              <a:rPr lang="es-MX" sz="2600" dirty="0">
+                <a:latin typeface="Andalus" pitchFamily="18" charset="-78"/>
+                <a:cs typeface="Andalus" pitchFamily="18" charset="-78"/>
+              </a:rPr>
+              <a:t>Clave:</a:t>
+            </a:r>
+          </a:p>
+          <a:p>
+            <a:pPr marL="0" indent="0">
+              <a:buNone/>
+            </a:pPr>
+            <a:r>
+              <a:rPr lang="es-MX" sz="2600" dirty="0">
+                <a:latin typeface="Andalus" pitchFamily="18" charset="-78"/>
+                <a:cs typeface="Andalus" pitchFamily="18" charset="-78"/>
+              </a:rPr>
+              <a:t>Conocimiento, habilidades y capacidades profesionales y personales del auditor informático.</a:t>
+            </a:r>
+          </a:p>
+          <a:p>
+            <a:pPr marL="0" indent="0">
+              <a:buNone/>
+            </a:pPr>
+            <a:r>
+              <a:rPr lang="es-MX" sz="2600" dirty="0" smtClean="0">
+                <a:latin typeface="Andalus" pitchFamily="18" charset="-78"/>
+                <a:cs typeface="Andalus" pitchFamily="18" charset="-78"/>
+              </a:rPr>
+              <a:t>Conocer </a:t>
+            </a:r>
+            <a:r>
+              <a:rPr lang="es-MX" sz="2600" dirty="0">
+                <a:latin typeface="Andalus" pitchFamily="18" charset="-78"/>
+                <a:cs typeface="Andalus" pitchFamily="18" charset="-78"/>
+              </a:rPr>
+              <a:t>teóricamente normas, políticas y estándares de auditoría/informática, no son garantía de seguridad y </a:t>
+            </a:r>
+            <a:r>
+              <a:rPr lang="es-MX" sz="2600" dirty="0" smtClean="0">
+                <a:latin typeface="Andalus" pitchFamily="18" charset="-78"/>
+                <a:cs typeface="Andalus" pitchFamily="18" charset="-78"/>
+              </a:rPr>
+              <a:t>confianza</a:t>
+            </a:r>
+            <a:endParaRPr lang="es-MX" sz="2600" dirty="0">
+              <a:latin typeface="Andalus" pitchFamily="18" charset="-78"/>
+              <a:cs typeface="Andalus" pitchFamily="18" charset="-78"/>
+            </a:endParaRPr>
+          </a:p>
+          <a:p>
+            <a:pPr marL="0" indent="0">
+              <a:buNone/>
+            </a:pPr>
+            <a:r>
+              <a:rPr lang="es-MX" sz="2600" dirty="0" smtClean="0">
+                <a:latin typeface="Andalus" pitchFamily="18" charset="-78"/>
+                <a:cs typeface="Andalus" pitchFamily="18" charset="-78"/>
+              </a:rPr>
+              <a:t>Experiencia</a:t>
+            </a:r>
+            <a:r>
+              <a:rPr lang="es-MX" sz="2600" dirty="0">
+                <a:latin typeface="Andalus" pitchFamily="18" charset="-78"/>
+                <a:cs typeface="Andalus" pitchFamily="18" charset="-78"/>
+              </a:rPr>
+              <a:t>: Práctica, Disciplina, Orden y Objetividad</a:t>
+            </a:r>
+          </a:p>
+          <a:p>
+            <a:pPr marL="0" indent="0">
+              <a:buNone/>
+            </a:pPr>
+            <a:r>
+              <a:rPr lang="es-MX" sz="2600" dirty="0" smtClean="0">
+                <a:latin typeface="Andalus" pitchFamily="18" charset="-78"/>
+                <a:cs typeface="Andalus" pitchFamily="18" charset="-78"/>
+              </a:rPr>
+              <a:t>Facultades </a:t>
+            </a:r>
+            <a:r>
+              <a:rPr lang="es-MX" sz="2600" dirty="0">
+                <a:latin typeface="Andalus" pitchFamily="18" charset="-78"/>
+                <a:cs typeface="Andalus" pitchFamily="18" charset="-78"/>
+              </a:rPr>
+              <a:t>apropiadas de: análisis objetivo, habilidades de comunicación y modelación conceptual, observación y capacidad para tomar decisiones.</a:t>
+            </a:r>
+          </a:p>
+          <a:p>
+            <a:endParaRPr lang="es-MX" dirty="0"/>
+          </a:p>
+        </p:txBody>
+      </p:sp>
+    </p:spTree>
+    <p:extLst>
+      <p:ext uri="{BB962C8B-B14F-4D97-AF65-F5344CB8AC3E}">
+        <p14:creationId xmlns:p14="http://schemas.microsoft.com/office/powerpoint/2010/main" val="4276612123"/>
+      </p:ext>
+    </p:extLst>
+  </p:cSld>
+  <p:clrMapOvr>
+    <a:masterClrMapping/>
+  </p:clrMapOvr>
+</p:sld>
+</file>
+
+<file path=ppt/slides/slide18.xml><?xml version="1.0" encoding="utf-8"?>
+<p:sld xmlns:a="http://schemas.openxmlformats.org/drawingml/2006/main" xmlns:r="http://schemas.openxmlformats.org/officeDocument/2006/relationships" xmlns:p="http://schemas.openxmlformats.org/presentationml/2006/main">
+  <p:cSld>
+    <p:spTree>
+      <p:nvGrpSpPr>
+        <p:cNvPr id="1" name=""/>
+        <p:cNvGrpSpPr/>
+        <p:nvPr/>
+      </p:nvGrpSpPr>
+      <p:grpSpPr>
+        <a:xfrm>
+          <a:off x="0" y="0"/>
+          <a:ext cx="0" cy="0"/>
+          <a:chOff x="0" y="0"/>
+          <a:chExt cx="0" cy="0"/>
+        </a:xfrm>
+      </p:grpSpPr>
+      <p:sp>
+        <p:nvSpPr>
           <p:cNvPr id="3" name="2 Marcador de contenido"/>
           <p:cNvSpPr>
             <a:spLocks noGrp="1"/>

--- a/unidad III (organizacion).pptx
+++ b/unidad III (organizacion).pptx
@@ -4948,7 +4948,7 @@
         </p:blipFill>
         <p:spPr bwMode="auto">
           <a:xfrm>
-            <a:off x="7515200" y="1"/>
+            <a:off x="7550754" y="0"/>
             <a:ext cx="1628800" cy="1628800"/>
           </a:xfrm>
           <a:prstGeom prst="rect">
@@ -5202,6 +5202,47 @@
           </a:p>
         </p:txBody>
       </p:sp>
+      <p:pic>
+        <p:nvPicPr>
+          <p:cNvPr id="4" name="Picture 2" descr="https://msysgit.github.io/img/git_logo.png"/>
+          <p:cNvPicPr>
+            <a:picLocks noChangeAspect="1" noChangeArrowheads="1"/>
+          </p:cNvPicPr>
+          <p:nvPr/>
+        </p:nvPicPr>
+        <p:blipFill>
+          <a:blip r:embed="rId2">
+            <a:extLst>
+              <a:ext uri="{28A0092B-C50C-407E-A947-70E740481C1C}">
+                <a14:useLocalDpi xmlns:a14="http://schemas.microsoft.com/office/drawing/2010/main" val="0"/>
+              </a:ext>
+            </a:extLst>
+          </a:blip>
+          <a:srcRect/>
+          <a:stretch>
+            <a:fillRect/>
+          </a:stretch>
+        </p:blipFill>
+        <p:spPr bwMode="auto">
+          <a:xfrm>
+            <a:off x="7550754" y="0"/>
+            <a:ext cx="1628800" cy="1628800"/>
+          </a:xfrm>
+          <a:prstGeom prst="rect">
+            <a:avLst/>
+          </a:prstGeom>
+          <a:noFill/>
+          <a:extLst>
+            <a:ext uri="{909E8E84-426E-40DD-AFC4-6F175D3DCCD1}">
+              <a14:hiddenFill xmlns:a14="http://schemas.microsoft.com/office/drawing/2010/main">
+                <a:solidFill>
+                  <a:srgbClr val="FFFFFF"/>
+                </a:solidFill>
+              </a14:hiddenFill>
+            </a:ext>
+          </a:extLst>
+        </p:spPr>
+      </p:pic>
     </p:spTree>
     <p:extLst>
       <p:ext uri="{BB962C8B-B14F-4D97-AF65-F5344CB8AC3E}">
@@ -5841,7 +5882,7 @@
         <p:spPr/>
         <p:txBody>
           <a:bodyPr>
-            <a:normAutofit/>
+            <a:normAutofit fontScale="92500" lnSpcReduction="10000"/>
           </a:bodyPr>
           <a:lstStyle/>
           <a:p>

--- a/unidad III (organizacion).pptx
+++ b/unidad III (organizacion).pptx
@@ -5351,6 +5351,47 @@
           </a:p>
         </p:txBody>
       </p:sp>
+      <p:pic>
+        <p:nvPicPr>
+          <p:cNvPr id="4" name="Picture 2" descr="https://msysgit.github.io/img/git_logo.png"/>
+          <p:cNvPicPr>
+            <a:picLocks noChangeAspect="1" noChangeArrowheads="1"/>
+          </p:cNvPicPr>
+          <p:nvPr/>
+        </p:nvPicPr>
+        <p:blipFill>
+          <a:blip r:embed="rId2">
+            <a:extLst>
+              <a:ext uri="{28A0092B-C50C-407E-A947-70E740481C1C}">
+                <a14:useLocalDpi xmlns:a14="http://schemas.microsoft.com/office/drawing/2010/main" val="0"/>
+              </a:ext>
+            </a:extLst>
+          </a:blip>
+          <a:srcRect/>
+          <a:stretch>
+            <a:fillRect/>
+          </a:stretch>
+        </p:blipFill>
+        <p:spPr bwMode="auto">
+          <a:xfrm>
+            <a:off x="7515200" y="17229"/>
+            <a:ext cx="1628800" cy="1628800"/>
+          </a:xfrm>
+          <a:prstGeom prst="rect">
+            <a:avLst/>
+          </a:prstGeom>
+          <a:noFill/>
+          <a:extLst>
+            <a:ext uri="{909E8E84-426E-40DD-AFC4-6F175D3DCCD1}">
+              <a14:hiddenFill xmlns:a14="http://schemas.microsoft.com/office/drawing/2010/main">
+                <a:solidFill>
+                  <a:srgbClr val="FFFFFF"/>
+                </a:solidFill>
+              </a14:hiddenFill>
+            </a:ext>
+          </a:extLst>
+        </p:spPr>
+      </p:pic>
     </p:spTree>
     <p:extLst>
       <p:ext uri="{BB962C8B-B14F-4D97-AF65-F5344CB8AC3E}">

--- a/unidad III (organizacion).pptx
+++ b/unidad III (organizacion).pptx
@@ -5532,6 +5532,47 @@
           </a:p>
         </p:txBody>
       </p:sp>
+      <p:pic>
+        <p:nvPicPr>
+          <p:cNvPr id="4" name="Picture 2" descr="https://msysgit.github.io/img/git_logo.png"/>
+          <p:cNvPicPr>
+            <a:picLocks noChangeAspect="1" noChangeArrowheads="1"/>
+          </p:cNvPicPr>
+          <p:nvPr/>
+        </p:nvPicPr>
+        <p:blipFill>
+          <a:blip r:embed="rId2">
+            <a:extLst>
+              <a:ext uri="{28A0092B-C50C-407E-A947-70E740481C1C}">
+                <a14:useLocalDpi xmlns:a14="http://schemas.microsoft.com/office/drawing/2010/main" val="0"/>
+              </a:ext>
+            </a:extLst>
+          </a:blip>
+          <a:srcRect/>
+          <a:stretch>
+            <a:fillRect/>
+          </a:stretch>
+        </p:blipFill>
+        <p:spPr bwMode="auto">
+          <a:xfrm>
+            <a:off x="7515200" y="0"/>
+            <a:ext cx="1628800" cy="1628800"/>
+          </a:xfrm>
+          <a:prstGeom prst="rect">
+            <a:avLst/>
+          </a:prstGeom>
+          <a:noFill/>
+          <a:extLst>
+            <a:ext uri="{909E8E84-426E-40DD-AFC4-6F175D3DCCD1}">
+              <a14:hiddenFill xmlns:a14="http://schemas.microsoft.com/office/drawing/2010/main">
+                <a:solidFill>
+                  <a:srgbClr val="FFFFFF"/>
+                </a:solidFill>
+              </a14:hiddenFill>
+            </a:ext>
+          </a:extLst>
+        </p:spPr>
+      </p:pic>
     </p:spTree>
     <p:extLst>
       <p:ext uri="{BB962C8B-B14F-4D97-AF65-F5344CB8AC3E}">

--- a/unidad III (organizacion).pptx
+++ b/unidad III (organizacion).pptx
@@ -5718,6 +5718,47 @@
           </a:p>
         </p:txBody>
       </p:sp>
+      <p:pic>
+        <p:nvPicPr>
+          <p:cNvPr id="4" name="Picture 2" descr="https://msysgit.github.io/img/git_logo.png"/>
+          <p:cNvPicPr>
+            <a:picLocks noChangeAspect="1" noChangeArrowheads="1"/>
+          </p:cNvPicPr>
+          <p:nvPr/>
+        </p:nvPicPr>
+        <p:blipFill>
+          <a:blip r:embed="rId2">
+            <a:extLst>
+              <a:ext uri="{28A0092B-C50C-407E-A947-70E740481C1C}">
+                <a14:useLocalDpi xmlns:a14="http://schemas.microsoft.com/office/drawing/2010/main" val="0"/>
+              </a:ext>
+            </a:extLst>
+          </a:blip>
+          <a:srcRect/>
+          <a:stretch>
+            <a:fillRect/>
+          </a:stretch>
+        </p:blipFill>
+        <p:spPr bwMode="auto">
+          <a:xfrm>
+            <a:off x="7515200" y="32008"/>
+            <a:ext cx="1628800" cy="1628800"/>
+          </a:xfrm>
+          <a:prstGeom prst="rect">
+            <a:avLst/>
+          </a:prstGeom>
+          <a:noFill/>
+          <a:extLst>
+            <a:ext uri="{909E8E84-426E-40DD-AFC4-6F175D3DCCD1}">
+              <a14:hiddenFill xmlns:a14="http://schemas.microsoft.com/office/drawing/2010/main">
+                <a:solidFill>
+                  <a:srgbClr val="FFFFFF"/>
+                </a:solidFill>
+              </a14:hiddenFill>
+            </a:ext>
+          </a:extLst>
+        </p:spPr>
+      </p:pic>
     </p:spTree>
     <p:extLst>
       <p:ext uri="{BB962C8B-B14F-4D97-AF65-F5344CB8AC3E}">

--- a/unidad III (organizacion).pptx
+++ b/unidad III (organizacion).pptx
@@ -5918,6 +5918,47 @@
           </a:p>
         </p:txBody>
       </p:sp>
+      <p:pic>
+        <p:nvPicPr>
+          <p:cNvPr id="4" name="Picture 2" descr="https://msysgit.github.io/img/git_logo.png"/>
+          <p:cNvPicPr>
+            <a:picLocks noChangeAspect="1" noChangeArrowheads="1"/>
+          </p:cNvPicPr>
+          <p:nvPr/>
+        </p:nvPicPr>
+        <p:blipFill>
+          <a:blip r:embed="rId2">
+            <a:extLst>
+              <a:ext uri="{28A0092B-C50C-407E-A947-70E740481C1C}">
+                <a14:useLocalDpi xmlns:a14="http://schemas.microsoft.com/office/drawing/2010/main" val="0"/>
+              </a:ext>
+            </a:extLst>
+          </a:blip>
+          <a:srcRect/>
+          <a:stretch>
+            <a:fillRect/>
+          </a:stretch>
+        </p:blipFill>
+        <p:spPr bwMode="auto">
+          <a:xfrm>
+            <a:off x="7515200" y="32008"/>
+            <a:ext cx="1628800" cy="1628800"/>
+          </a:xfrm>
+          <a:prstGeom prst="rect">
+            <a:avLst/>
+          </a:prstGeom>
+          <a:noFill/>
+          <a:extLst>
+            <a:ext uri="{909E8E84-426E-40DD-AFC4-6F175D3DCCD1}">
+              <a14:hiddenFill xmlns:a14="http://schemas.microsoft.com/office/drawing/2010/main">
+                <a:solidFill>
+                  <a:srgbClr val="FFFFFF"/>
+                </a:solidFill>
+              </a14:hiddenFill>
+            </a:ext>
+          </a:extLst>
+        </p:spPr>
+      </p:pic>
     </p:spTree>
     <p:extLst>
       <p:ext uri="{BB962C8B-B14F-4D97-AF65-F5344CB8AC3E}">

--- a/unidad III (organizacion).pptx
+++ b/unidad III (organizacion).pptx
@@ -6143,6 +6143,47 @@
           </a:p>
         </p:txBody>
       </p:sp>
+      <p:pic>
+        <p:nvPicPr>
+          <p:cNvPr id="4" name="Picture 2" descr="https://msysgit.github.io/img/git_logo.png"/>
+          <p:cNvPicPr>
+            <a:picLocks noChangeAspect="1" noChangeArrowheads="1"/>
+          </p:cNvPicPr>
+          <p:nvPr/>
+        </p:nvPicPr>
+        <p:blipFill>
+          <a:blip r:embed="rId2">
+            <a:extLst>
+              <a:ext uri="{28A0092B-C50C-407E-A947-70E740481C1C}">
+                <a14:useLocalDpi xmlns:a14="http://schemas.microsoft.com/office/drawing/2010/main" val="0"/>
+              </a:ext>
+            </a:extLst>
+          </a:blip>
+          <a:srcRect/>
+          <a:stretch>
+            <a:fillRect/>
+          </a:stretch>
+        </p:blipFill>
+        <p:spPr bwMode="auto">
+          <a:xfrm>
+            <a:off x="7519744" y="0"/>
+            <a:ext cx="1628800" cy="1628800"/>
+          </a:xfrm>
+          <a:prstGeom prst="rect">
+            <a:avLst/>
+          </a:prstGeom>
+          <a:noFill/>
+          <a:extLst>
+            <a:ext uri="{909E8E84-426E-40DD-AFC4-6F175D3DCCD1}">
+              <a14:hiddenFill xmlns:a14="http://schemas.microsoft.com/office/drawing/2010/main">
+                <a:solidFill>
+                  <a:srgbClr val="FFFFFF"/>
+                </a:solidFill>
+              </a14:hiddenFill>
+            </a:ext>
+          </a:extLst>
+        </p:spPr>
+      </p:pic>
     </p:spTree>
     <p:extLst>
       <p:ext uri="{BB962C8B-B14F-4D97-AF65-F5344CB8AC3E}">

--- a/unidad III (organizacion).pptx
+++ b/unidad III (organizacion).pptx
@@ -6226,7 +6226,9 @@
         </p:nvSpPr>
         <p:spPr/>
         <p:txBody>
-          <a:bodyPr/>
+          <a:bodyPr>
+            <a:normAutofit lnSpcReduction="10000"/>
+          </a:bodyPr>
           <a:lstStyle/>
           <a:p>
             <a:r>
@@ -6313,11 +6315,29 @@
                   <a:schemeClr val="tx1"/>
                 </a:solidFill>
               </a:rPr>
-              <a:t>Mi Jonathan, le puede agregar algunas ilustraciones para que impacte aún más su presentación.</a:t>
+              <a:t>Mi Jonathan, le puede agregar algunas ilustraciones para que impacte aún más su presentación</a:t>
+            </a:r>
+            <a:r>
+              <a:rPr lang="es-MX" dirty="0" smtClean="0">
+                <a:solidFill>
+                  <a:schemeClr val="tx1"/>
+                </a:solidFill>
+              </a:rPr>
+              <a:t>.</a:t>
+            </a:r>
+          </a:p>
+          <a:p>
+            <a:r>
+              <a:rPr lang="es-MX" dirty="0" smtClean="0">
+                <a:solidFill>
+                  <a:srgbClr val="FF0000"/>
+                </a:solidFill>
+              </a:rPr>
+              <a:t>Manuel:</a:t>
             </a:r>
             <a:endParaRPr lang="es-MX" dirty="0">
               <a:solidFill>
-                <a:schemeClr val="tx1"/>
+                <a:srgbClr val="FF0000"/>
               </a:solidFill>
             </a:endParaRPr>
           </a:p>

--- a/unidad III (organizacion).pptx
+++ b/unidad III (organizacion).pptx
@@ -6227,7 +6227,7 @@
         <p:spPr/>
         <p:txBody>
           <a:bodyPr>
-            <a:normAutofit lnSpcReduction="10000"/>
+            <a:normAutofit fontScale="92500"/>
           </a:bodyPr>
           <a:lstStyle/>
           <a:p>
@@ -6315,15 +6315,7 @@
                   <a:schemeClr val="tx1"/>
                 </a:solidFill>
               </a:rPr>
-              <a:t>Mi Jonathan, le puede agregar algunas ilustraciones para que impacte aún más su presentación</a:t>
-            </a:r>
-            <a:r>
-              <a:rPr lang="es-MX" dirty="0" smtClean="0">
-                <a:solidFill>
-                  <a:schemeClr val="tx1"/>
-                </a:solidFill>
-              </a:rPr>
-              <a:t>.</a:t>
+              <a:t>Mi Jonathan, le puede agregar algunas ilustraciones para que impacte aún más su presentación.</a:t>
             </a:r>
           </a:p>
           <a:p>
@@ -6333,11 +6325,19 @@
                   <a:srgbClr val="FF0000"/>
                 </a:solidFill>
               </a:rPr>
-              <a:t>Manuel:</a:t>
+              <a:t>Manuel: </a:t>
+            </a:r>
+            <a:r>
+              <a:rPr lang="es-MX" dirty="0">
+                <a:solidFill>
+                  <a:schemeClr val="tx1"/>
+                </a:solidFill>
+              </a:rPr>
+              <a:t>compañero creo que nuestra presentación esta muy bien a hórrense sus comentarios.</a:t>
             </a:r>
             <a:endParaRPr lang="es-MX" dirty="0">
               <a:solidFill>
-                <a:srgbClr val="FF0000"/>
+                <a:schemeClr val="tx1"/>
               </a:solidFill>
             </a:endParaRPr>
           </a:p>

--- a/unidad III (organizacion).pptx
+++ b/unidad III (organizacion).pptx
@@ -195,7 +195,7 @@
           <a:p>
             <a:fld id="{33222564-675F-4C0A-80BE-E9BC60876D09}" type="datetimeFigureOut">
               <a:rPr lang="es-MX" smtClean="0"/>
-              <a:t>26/05/2015</a:t>
+              <a:t>27/05/2015</a:t>
             </a:fld>
             <a:endParaRPr lang="es-MX"/>
           </a:p>
@@ -720,7 +720,7 @@
           <a:p>
             <a:fld id="{33222564-675F-4C0A-80BE-E9BC60876D09}" type="datetimeFigureOut">
               <a:rPr lang="es-MX" smtClean="0"/>
-              <a:t>26/05/2015</a:t>
+              <a:t>27/05/2015</a:t>
             </a:fld>
             <a:endParaRPr lang="es-MX"/>
           </a:p>
@@ -1034,7 +1034,7 @@
           <a:p>
             <a:fld id="{33222564-675F-4C0A-80BE-E9BC60876D09}" type="datetimeFigureOut">
               <a:rPr lang="es-MX" smtClean="0"/>
-              <a:t>26/05/2015</a:t>
+              <a:t>27/05/2015</a:t>
             </a:fld>
             <a:endParaRPr lang="es-MX"/>
           </a:p>
@@ -1320,7 +1320,7 @@
           <a:p>
             <a:fld id="{33222564-675F-4C0A-80BE-E9BC60876D09}" type="datetimeFigureOut">
               <a:rPr lang="es-MX" smtClean="0"/>
-              <a:t>26/05/2015</a:t>
+              <a:t>27/05/2015</a:t>
             </a:fld>
             <a:endParaRPr lang="es-MX"/>
           </a:p>
@@ -1895,7 +1895,7 @@
           <a:p>
             <a:fld id="{33222564-675F-4C0A-80BE-E9BC60876D09}" type="datetimeFigureOut">
               <a:rPr lang="es-MX" smtClean="0"/>
-              <a:t>26/05/2015</a:t>
+              <a:t>27/05/2015</a:t>
             </a:fld>
             <a:endParaRPr lang="es-MX"/>
           </a:p>
@@ -1985,7 +1985,7 @@
           <a:p>
             <a:fld id="{33222564-675F-4C0A-80BE-E9BC60876D09}" type="datetimeFigureOut">
               <a:rPr lang="es-MX" smtClean="0"/>
-              <a:t>26/05/2015</a:t>
+              <a:t>27/05/2015</a:t>
             </a:fld>
             <a:endParaRPr lang="es-MX"/>
           </a:p>
@@ -2694,7 +2694,7 @@
           <a:p>
             <a:fld id="{33222564-675F-4C0A-80BE-E9BC60876D09}" type="datetimeFigureOut">
               <a:rPr lang="es-MX" smtClean="0"/>
-              <a:t>26/05/2015</a:t>
+              <a:t>27/05/2015</a:t>
             </a:fld>
             <a:endParaRPr lang="es-MX"/>
           </a:p>
@@ -2946,7 +2946,7 @@
           <a:p>
             <a:fld id="{33222564-675F-4C0A-80BE-E9BC60876D09}" type="datetimeFigureOut">
               <a:rPr lang="es-MX" smtClean="0"/>
-              <a:t>26/05/2015</a:t>
+              <a:t>27/05/2015</a:t>
             </a:fld>
             <a:endParaRPr lang="es-MX"/>
           </a:p>
@@ -3175,7 +3175,7 @@
           <a:p>
             <a:fld id="{33222564-675F-4C0A-80BE-E9BC60876D09}" type="datetimeFigureOut">
               <a:rPr lang="es-MX" smtClean="0"/>
-              <a:t>26/05/2015</a:t>
+              <a:t>27/05/2015</a:t>
             </a:fld>
             <a:endParaRPr lang="es-MX"/>
           </a:p>
@@ -3449,7 +3449,7 @@
           <a:p>
             <a:fld id="{33222564-675F-4C0A-80BE-E9BC60876D09}" type="datetimeFigureOut">
               <a:rPr lang="es-MX" smtClean="0"/>
-              <a:t>26/05/2015</a:t>
+              <a:t>27/05/2015</a:t>
             </a:fld>
             <a:endParaRPr lang="es-MX"/>
           </a:p>
@@ -3735,7 +3735,7 @@
           <a:p>
             <a:fld id="{33222564-675F-4C0A-80BE-E9BC60876D09}" type="datetimeFigureOut">
               <a:rPr lang="es-MX" smtClean="0"/>
-              <a:t>26/05/2015</a:t>
+              <a:t>27/05/2015</a:t>
             </a:fld>
             <a:endParaRPr lang="es-MX"/>
           </a:p>
@@ -4003,7 +4003,7 @@
           <a:p>
             <a:fld id="{33222564-675F-4C0A-80BE-E9BC60876D09}" type="datetimeFigureOut">
               <a:rPr lang="es-MX" smtClean="0"/>
-              <a:t>26/05/2015</a:t>
+              <a:t>27/05/2015</a:t>
             </a:fld>
             <a:endParaRPr lang="es-MX"/>
           </a:p>
@@ -6227,7 +6227,7 @@
         <p:spPr/>
         <p:txBody>
           <a:bodyPr>
-            <a:normAutofit fontScale="92500"/>
+            <a:normAutofit fontScale="92500" lnSpcReduction="10000"/>
           </a:bodyPr>
           <a:lstStyle/>
           <a:p>
@@ -6333,7 +6333,41 @@
                   <a:schemeClr val="tx1"/>
                 </a:solidFill>
               </a:rPr>
-              <a:t>compañero creo que nuestra presentación esta muy bien a hórrense sus comentarios.</a:t>
+              <a:t>compañero creo que nuestra presentación esta muy bien a hórrense sus comentarios</a:t>
+            </a:r>
+            <a:r>
+              <a:rPr lang="es-MX" dirty="0" smtClean="0">
+                <a:solidFill>
+                  <a:schemeClr val="tx1"/>
+                </a:solidFill>
+              </a:rPr>
+              <a:t>.</a:t>
+            </a:r>
+          </a:p>
+          <a:p>
+            <a:r>
+              <a:rPr lang="es-MX" dirty="0" smtClean="0">
+                <a:solidFill>
+                  <a:srgbClr val="FF0000"/>
+                </a:solidFill>
+              </a:rPr>
+              <a:t>David: </a:t>
+            </a:r>
+            <a:r>
+              <a:rPr lang="es-MX" dirty="0" smtClean="0">
+                <a:solidFill>
+                  <a:schemeClr val="tx1"/>
+                </a:solidFill>
+              </a:rPr>
+              <a:t>buena información, muy completo </a:t>
+            </a:r>
+            <a:r>
+              <a:rPr lang="es-MX" smtClean="0">
+                <a:solidFill>
+                  <a:schemeClr val="tx1"/>
+                </a:solidFill>
+              </a:rPr>
+              <a:t>y claro.</a:t>
             </a:r>
             <a:endParaRPr lang="es-MX" dirty="0">
               <a:solidFill>

--- a/unidad III (organizacion).pptx
+++ b/unidad III (organizacion).pptx
@@ -6227,7 +6227,7 @@
         <p:spPr/>
         <p:txBody>
           <a:bodyPr>
-            <a:normAutofit fontScale="92500" lnSpcReduction="10000"/>
+            <a:normAutofit fontScale="85000" lnSpcReduction="20000"/>
           </a:bodyPr>
           <a:lstStyle/>
           <a:p>
@@ -6359,7 +6359,38 @@
                   <a:schemeClr val="tx1"/>
                 </a:solidFill>
               </a:rPr>
-              <a:t>buena información, muy completo </a:t>
+              <a:t>buena información, muy completo y claro</a:t>
+            </a:r>
+            <a:r>
+              <a:rPr lang="es-MX" dirty="0" smtClean="0">
+                <a:solidFill>
+                  <a:schemeClr val="tx1"/>
+                </a:solidFill>
+              </a:rPr>
+              <a:t>.</a:t>
+            </a:r>
+          </a:p>
+          <a:p>
+            <a:pPr marL="0" indent="0">
+              <a:buNone/>
+            </a:pPr>
+            <a:endParaRPr lang="es-MX" dirty="0" smtClean="0">
+              <a:solidFill>
+                <a:schemeClr val="tx1"/>
+              </a:solidFill>
+            </a:endParaRPr>
+          </a:p>
+          <a:p>
+            <a:pPr marL="0" indent="0">
+              <a:buNone/>
+            </a:pPr>
+            <a:r>
+              <a:rPr lang="es-MX" dirty="0" smtClean="0">
+                <a:solidFill>
+                  <a:schemeClr val="tx1"/>
+                </a:solidFill>
+              </a:rPr>
+              <a:t>	        gracias por </a:t>
             </a:r>
             <a:r>
               <a:rPr lang="es-MX" smtClean="0">
@@ -6367,7 +6398,7 @@
                   <a:schemeClr val="tx1"/>
                 </a:solidFill>
               </a:rPr>
-              <a:t>y claro.</a:t>
+              <a:t>sus comentarios…</a:t>
             </a:r>
             <a:endParaRPr lang="es-MX" dirty="0">
               <a:solidFill>

--- a/unidad III (organizacion).pptx
+++ b/unidad III (organizacion).pptx
@@ -195,6 +195,7 @@
           <a:p>
             <a:fld id="{33222564-675F-4C0A-80BE-E9BC60876D09}" type="datetimeFigureOut">
               <a:rPr lang="es-MX" smtClean="0"/>
+              <a:pPr/>
               <a:t>27/05/2015</a:t>
             </a:fld>
             <a:endParaRPr lang="es-MX"/>
@@ -253,6 +254,7 @@
           <a:p>
             <a:fld id="{05F247B0-DFA2-4D84-9E15-AEF59B4E7791}" type="slidenum">
               <a:rPr lang="es-MX" smtClean="0"/>
+              <a:pPr/>
               <a:t>‹Nº›</a:t>
             </a:fld>
             <a:endParaRPr lang="es-MX"/>
@@ -720,6 +722,7 @@
           <a:p>
             <a:fld id="{33222564-675F-4C0A-80BE-E9BC60876D09}" type="datetimeFigureOut">
               <a:rPr lang="es-MX" smtClean="0"/>
+              <a:pPr/>
               <a:t>27/05/2015</a:t>
             </a:fld>
             <a:endParaRPr lang="es-MX"/>
@@ -762,6 +765,7 @@
           <a:p>
             <a:fld id="{05F247B0-DFA2-4D84-9E15-AEF59B4E7791}" type="slidenum">
               <a:rPr lang="es-MX" smtClean="0"/>
+              <a:pPr/>
               <a:t>‹Nº›</a:t>
             </a:fld>
             <a:endParaRPr lang="es-MX"/>
@@ -1034,6 +1038,7 @@
           <a:p>
             <a:fld id="{33222564-675F-4C0A-80BE-E9BC60876D09}" type="datetimeFigureOut">
               <a:rPr lang="es-MX" smtClean="0"/>
+              <a:pPr/>
               <a:t>27/05/2015</a:t>
             </a:fld>
             <a:endParaRPr lang="es-MX"/>
@@ -1076,6 +1081,7 @@
           <a:p>
             <a:fld id="{05F247B0-DFA2-4D84-9E15-AEF59B4E7791}" type="slidenum">
               <a:rPr lang="es-MX" smtClean="0"/>
+              <a:pPr/>
               <a:t>‹Nº›</a:t>
             </a:fld>
             <a:endParaRPr lang="es-MX"/>
@@ -1320,6 +1326,7 @@
           <a:p>
             <a:fld id="{33222564-675F-4C0A-80BE-E9BC60876D09}" type="datetimeFigureOut">
               <a:rPr lang="es-MX" smtClean="0"/>
+              <a:pPr/>
               <a:t>27/05/2015</a:t>
             </a:fld>
             <a:endParaRPr lang="es-MX"/>
@@ -1362,6 +1369,7 @@
           <a:p>
             <a:fld id="{05F247B0-DFA2-4D84-9E15-AEF59B4E7791}" type="slidenum">
               <a:rPr lang="es-MX" smtClean="0"/>
+              <a:pPr/>
               <a:t>‹Nº›</a:t>
             </a:fld>
             <a:endParaRPr lang="es-MX"/>
@@ -1895,6 +1903,7 @@
           <a:p>
             <a:fld id="{33222564-675F-4C0A-80BE-E9BC60876D09}" type="datetimeFigureOut">
               <a:rPr lang="es-MX" smtClean="0"/>
+              <a:pPr/>
               <a:t>27/05/2015</a:t>
             </a:fld>
             <a:endParaRPr lang="es-MX"/>
@@ -1937,6 +1946,7 @@
           <a:p>
             <a:fld id="{05F247B0-DFA2-4D84-9E15-AEF59B4E7791}" type="slidenum">
               <a:rPr lang="es-MX" smtClean="0"/>
+              <a:pPr/>
               <a:t>‹Nº›</a:t>
             </a:fld>
             <a:endParaRPr lang="es-MX"/>
@@ -1985,6 +1995,7 @@
           <a:p>
             <a:fld id="{33222564-675F-4C0A-80BE-E9BC60876D09}" type="datetimeFigureOut">
               <a:rPr lang="es-MX" smtClean="0"/>
+              <a:pPr/>
               <a:t>27/05/2015</a:t>
             </a:fld>
             <a:endParaRPr lang="es-MX"/>
@@ -2027,6 +2038,7 @@
           <a:p>
             <a:fld id="{05F247B0-DFA2-4D84-9E15-AEF59B4E7791}" type="slidenum">
               <a:rPr lang="es-MX" smtClean="0"/>
+              <a:pPr/>
               <a:t>‹Nº›</a:t>
             </a:fld>
             <a:endParaRPr lang="es-MX"/>
@@ -2694,6 +2706,7 @@
           <a:p>
             <a:fld id="{33222564-675F-4C0A-80BE-E9BC60876D09}" type="datetimeFigureOut">
               <a:rPr lang="es-MX" smtClean="0"/>
+              <a:pPr/>
               <a:t>27/05/2015</a:t>
             </a:fld>
             <a:endParaRPr lang="es-MX"/>
@@ -2736,6 +2749,7 @@
           <a:p>
             <a:fld id="{05F247B0-DFA2-4D84-9E15-AEF59B4E7791}" type="slidenum">
               <a:rPr lang="es-MX" smtClean="0"/>
+              <a:pPr/>
               <a:t>‹Nº›</a:t>
             </a:fld>
             <a:endParaRPr lang="es-MX"/>
@@ -2946,6 +2960,7 @@
           <a:p>
             <a:fld id="{33222564-675F-4C0A-80BE-E9BC60876D09}" type="datetimeFigureOut">
               <a:rPr lang="es-MX" smtClean="0"/>
+              <a:pPr/>
               <a:t>27/05/2015</a:t>
             </a:fld>
             <a:endParaRPr lang="es-MX"/>
@@ -2988,6 +3003,7 @@
           <a:p>
             <a:fld id="{05F247B0-DFA2-4D84-9E15-AEF59B4E7791}" type="slidenum">
               <a:rPr lang="es-MX" smtClean="0"/>
+              <a:pPr/>
               <a:t>‹Nº›</a:t>
             </a:fld>
             <a:endParaRPr lang="es-MX"/>
@@ -3175,6 +3191,7 @@
           <a:p>
             <a:fld id="{33222564-675F-4C0A-80BE-E9BC60876D09}" type="datetimeFigureOut">
               <a:rPr lang="es-MX" smtClean="0"/>
+              <a:pPr/>
               <a:t>27/05/2015</a:t>
             </a:fld>
             <a:endParaRPr lang="es-MX"/>
@@ -3217,6 +3234,7 @@
           <a:p>
             <a:fld id="{05F247B0-DFA2-4D84-9E15-AEF59B4E7791}" type="slidenum">
               <a:rPr lang="es-MX" smtClean="0"/>
+              <a:pPr/>
               <a:t>‹Nº›</a:t>
             </a:fld>
             <a:endParaRPr lang="es-MX"/>
@@ -3449,6 +3467,7 @@
           <a:p>
             <a:fld id="{33222564-675F-4C0A-80BE-E9BC60876D09}" type="datetimeFigureOut">
               <a:rPr lang="es-MX" smtClean="0"/>
+              <a:pPr/>
               <a:t>27/05/2015</a:t>
             </a:fld>
             <a:endParaRPr lang="es-MX"/>
@@ -3491,6 +3510,7 @@
           <a:p>
             <a:fld id="{05F247B0-DFA2-4D84-9E15-AEF59B4E7791}" type="slidenum">
               <a:rPr lang="es-MX" smtClean="0"/>
+              <a:pPr/>
               <a:t>‹Nº›</a:t>
             </a:fld>
             <a:endParaRPr lang="es-MX"/>
@@ -3735,6 +3755,7 @@
           <a:p>
             <a:fld id="{33222564-675F-4C0A-80BE-E9BC60876D09}" type="datetimeFigureOut">
               <a:rPr lang="es-MX" smtClean="0"/>
+              <a:pPr/>
               <a:t>27/05/2015</a:t>
             </a:fld>
             <a:endParaRPr lang="es-MX"/>
@@ -3777,6 +3798,7 @@
           <a:p>
             <a:fld id="{05F247B0-DFA2-4D84-9E15-AEF59B4E7791}" type="slidenum">
               <a:rPr lang="es-MX" smtClean="0"/>
+              <a:pPr/>
               <a:t>‹Nº›</a:t>
             </a:fld>
             <a:endParaRPr lang="es-MX"/>
@@ -4003,6 +4025,7 @@
           <a:p>
             <a:fld id="{33222564-675F-4C0A-80BE-E9BC60876D09}" type="datetimeFigureOut">
               <a:rPr lang="es-MX" smtClean="0"/>
+              <a:pPr/>
               <a:t>27/05/2015</a:t>
             </a:fld>
             <a:endParaRPr lang="es-MX"/>
@@ -4077,6 +4100,7 @@
           <a:p>
             <a:fld id="{05F247B0-DFA2-4D84-9E15-AEF59B4E7791}" type="slidenum">
               <a:rPr lang="es-MX" smtClean="0"/>
+              <a:pPr/>
               <a:t>‹Nº›</a:t>
             </a:fld>
             <a:endParaRPr lang="es-MX"/>
@@ -4546,7 +4570,7 @@
     </p:spTree>
     <p:extLst>
       <p:ext uri="{BB962C8B-B14F-4D97-AF65-F5344CB8AC3E}">
-        <p14:creationId xmlns:p14="http://schemas.microsoft.com/office/powerpoint/2010/main" val="2180679416"/>
+        <p14:creationId xmlns:p14="http://schemas.microsoft.com/office/powerpoint/2010/main" xmlns="" val="2180679416"/>
       </p:ext>
     </p:extLst>
   </p:cSld>
@@ -4692,7 +4716,7 @@
           <a:blip r:embed="rId2">
             <a:extLst>
               <a:ext uri="{28A0092B-C50C-407E-A947-70E740481C1C}">
-                <a14:useLocalDpi xmlns:a14="http://schemas.microsoft.com/office/drawing/2010/main" val="0"/>
+                <a14:useLocalDpi xmlns:a14="http://schemas.microsoft.com/office/drawing/2010/main" xmlns="" val="0"/>
               </a:ext>
             </a:extLst>
           </a:blip>
@@ -4712,7 +4736,7 @@
           <a:noFill/>
           <a:extLst>
             <a:ext uri="{909E8E84-426E-40DD-AFC4-6F175D3DCCD1}">
-              <a14:hiddenFill xmlns:a14="http://schemas.microsoft.com/office/drawing/2010/main">
+              <a14:hiddenFill xmlns:a14="http://schemas.microsoft.com/office/drawing/2010/main" xmlns="">
                 <a:solidFill>
                   <a:srgbClr val="FFFFFF"/>
                 </a:solidFill>
@@ -4756,7 +4780,7 @@
     </p:spTree>
     <p:extLst>
       <p:ext uri="{BB962C8B-B14F-4D97-AF65-F5344CB8AC3E}">
-        <p14:creationId xmlns:p14="http://schemas.microsoft.com/office/powerpoint/2010/main" val="1327424263"/>
+        <p14:creationId xmlns:p14="http://schemas.microsoft.com/office/powerpoint/2010/main" xmlns="" val="1327424263"/>
       </p:ext>
     </p:extLst>
   </p:cSld>
@@ -4937,7 +4961,7 @@
           <a:blip r:embed="rId2">
             <a:extLst>
               <a:ext uri="{28A0092B-C50C-407E-A947-70E740481C1C}">
-                <a14:useLocalDpi xmlns:a14="http://schemas.microsoft.com/office/drawing/2010/main" val="0"/>
+                <a14:useLocalDpi xmlns:a14="http://schemas.microsoft.com/office/drawing/2010/main" xmlns="" val="0"/>
               </a:ext>
             </a:extLst>
           </a:blip>
@@ -4957,7 +4981,7 @@
           <a:noFill/>
           <a:extLst>
             <a:ext uri="{909E8E84-426E-40DD-AFC4-6F175D3DCCD1}">
-              <a14:hiddenFill xmlns:a14="http://schemas.microsoft.com/office/drawing/2010/main">
+              <a14:hiddenFill xmlns:a14="http://schemas.microsoft.com/office/drawing/2010/main" xmlns="">
                 <a:solidFill>
                   <a:srgbClr val="FFFFFF"/>
                 </a:solidFill>
@@ -4997,7 +5021,7 @@
     </p:spTree>
     <p:extLst>
       <p:ext uri="{BB962C8B-B14F-4D97-AF65-F5344CB8AC3E}">
-        <p14:creationId xmlns:p14="http://schemas.microsoft.com/office/powerpoint/2010/main" val="228360835"/>
+        <p14:creationId xmlns:p14="http://schemas.microsoft.com/office/powerpoint/2010/main" xmlns="" val="228360835"/>
       </p:ext>
     </p:extLst>
   </p:cSld>
@@ -5214,7 +5238,7 @@
           <a:blip r:embed="rId2">
             <a:extLst>
               <a:ext uri="{28A0092B-C50C-407E-A947-70E740481C1C}">
-                <a14:useLocalDpi xmlns:a14="http://schemas.microsoft.com/office/drawing/2010/main" val="0"/>
+                <a14:useLocalDpi xmlns:a14="http://schemas.microsoft.com/office/drawing/2010/main" xmlns="" val="0"/>
               </a:ext>
             </a:extLst>
           </a:blip>
@@ -5234,7 +5258,7 @@
           <a:noFill/>
           <a:extLst>
             <a:ext uri="{909E8E84-426E-40DD-AFC4-6F175D3DCCD1}">
-              <a14:hiddenFill xmlns:a14="http://schemas.microsoft.com/office/drawing/2010/main">
+              <a14:hiddenFill xmlns:a14="http://schemas.microsoft.com/office/drawing/2010/main" xmlns="">
                 <a:solidFill>
                   <a:srgbClr val="FFFFFF"/>
                 </a:solidFill>
@@ -5246,7 +5270,7 @@
     </p:spTree>
     <p:extLst>
       <p:ext uri="{BB962C8B-B14F-4D97-AF65-F5344CB8AC3E}">
-        <p14:creationId xmlns:p14="http://schemas.microsoft.com/office/powerpoint/2010/main" val="1202321413"/>
+        <p14:creationId xmlns:p14="http://schemas.microsoft.com/office/powerpoint/2010/main" xmlns="" val="1202321413"/>
       </p:ext>
     </p:extLst>
   </p:cSld>
@@ -5363,7 +5387,7 @@
           <a:blip r:embed="rId2">
             <a:extLst>
               <a:ext uri="{28A0092B-C50C-407E-A947-70E740481C1C}">
-                <a14:useLocalDpi xmlns:a14="http://schemas.microsoft.com/office/drawing/2010/main" val="0"/>
+                <a14:useLocalDpi xmlns:a14="http://schemas.microsoft.com/office/drawing/2010/main" xmlns="" val="0"/>
               </a:ext>
             </a:extLst>
           </a:blip>
@@ -5383,7 +5407,7 @@
           <a:noFill/>
           <a:extLst>
             <a:ext uri="{909E8E84-426E-40DD-AFC4-6F175D3DCCD1}">
-              <a14:hiddenFill xmlns:a14="http://schemas.microsoft.com/office/drawing/2010/main">
+              <a14:hiddenFill xmlns:a14="http://schemas.microsoft.com/office/drawing/2010/main" xmlns="">
                 <a:solidFill>
                   <a:srgbClr val="FFFFFF"/>
                 </a:solidFill>
@@ -5395,7 +5419,7 @@
     </p:spTree>
     <p:extLst>
       <p:ext uri="{BB962C8B-B14F-4D97-AF65-F5344CB8AC3E}">
-        <p14:creationId xmlns:p14="http://schemas.microsoft.com/office/powerpoint/2010/main" val="1744477475"/>
+        <p14:creationId xmlns:p14="http://schemas.microsoft.com/office/powerpoint/2010/main" xmlns="" val="1744477475"/>
       </p:ext>
     </p:extLst>
   </p:cSld>
@@ -5544,7 +5568,7 @@
           <a:blip r:embed="rId2">
             <a:extLst>
               <a:ext uri="{28A0092B-C50C-407E-A947-70E740481C1C}">
-                <a14:useLocalDpi xmlns:a14="http://schemas.microsoft.com/office/drawing/2010/main" val="0"/>
+                <a14:useLocalDpi xmlns:a14="http://schemas.microsoft.com/office/drawing/2010/main" xmlns="" val="0"/>
               </a:ext>
             </a:extLst>
           </a:blip>
@@ -5564,7 +5588,7 @@
           <a:noFill/>
           <a:extLst>
             <a:ext uri="{909E8E84-426E-40DD-AFC4-6F175D3DCCD1}">
-              <a14:hiddenFill xmlns:a14="http://schemas.microsoft.com/office/drawing/2010/main">
+              <a14:hiddenFill xmlns:a14="http://schemas.microsoft.com/office/drawing/2010/main" xmlns="">
                 <a:solidFill>
                   <a:srgbClr val="FFFFFF"/>
                 </a:solidFill>
@@ -5576,7 +5600,7 @@
     </p:spTree>
     <p:extLst>
       <p:ext uri="{BB962C8B-B14F-4D97-AF65-F5344CB8AC3E}">
-        <p14:creationId xmlns:p14="http://schemas.microsoft.com/office/powerpoint/2010/main" val="1807941598"/>
+        <p14:creationId xmlns:p14="http://schemas.microsoft.com/office/powerpoint/2010/main" xmlns="" val="1807941598"/>
       </p:ext>
     </p:extLst>
   </p:cSld>
@@ -5730,7 +5754,7 @@
           <a:blip r:embed="rId2">
             <a:extLst>
               <a:ext uri="{28A0092B-C50C-407E-A947-70E740481C1C}">
-                <a14:useLocalDpi xmlns:a14="http://schemas.microsoft.com/office/drawing/2010/main" val="0"/>
+                <a14:useLocalDpi xmlns:a14="http://schemas.microsoft.com/office/drawing/2010/main" xmlns="" val="0"/>
               </a:ext>
             </a:extLst>
           </a:blip>
@@ -5750,7 +5774,7 @@
           <a:noFill/>
           <a:extLst>
             <a:ext uri="{909E8E84-426E-40DD-AFC4-6F175D3DCCD1}">
-              <a14:hiddenFill xmlns:a14="http://schemas.microsoft.com/office/drawing/2010/main">
+              <a14:hiddenFill xmlns:a14="http://schemas.microsoft.com/office/drawing/2010/main" xmlns="">
                 <a:solidFill>
                   <a:srgbClr val="FFFFFF"/>
                 </a:solidFill>
@@ -5762,7 +5786,7 @@
     </p:spTree>
     <p:extLst>
       <p:ext uri="{BB962C8B-B14F-4D97-AF65-F5344CB8AC3E}">
-        <p14:creationId xmlns:p14="http://schemas.microsoft.com/office/powerpoint/2010/main" val="15311757"/>
+        <p14:creationId xmlns:p14="http://schemas.microsoft.com/office/powerpoint/2010/main" xmlns="" val="15311757"/>
       </p:ext>
     </p:extLst>
   </p:cSld>
@@ -5930,7 +5954,7 @@
           <a:blip r:embed="rId2">
             <a:extLst>
               <a:ext uri="{28A0092B-C50C-407E-A947-70E740481C1C}">
-                <a14:useLocalDpi xmlns:a14="http://schemas.microsoft.com/office/drawing/2010/main" val="0"/>
+                <a14:useLocalDpi xmlns:a14="http://schemas.microsoft.com/office/drawing/2010/main" xmlns="" val="0"/>
               </a:ext>
             </a:extLst>
           </a:blip>
@@ -5950,7 +5974,7 @@
           <a:noFill/>
           <a:extLst>
             <a:ext uri="{909E8E84-426E-40DD-AFC4-6F175D3DCCD1}">
-              <a14:hiddenFill xmlns:a14="http://schemas.microsoft.com/office/drawing/2010/main">
+              <a14:hiddenFill xmlns:a14="http://schemas.microsoft.com/office/drawing/2010/main" xmlns="">
                 <a:solidFill>
                   <a:srgbClr val="FFFFFF"/>
                 </a:solidFill>
@@ -5962,7 +5986,7 @@
     </p:spTree>
     <p:extLst>
       <p:ext uri="{BB962C8B-B14F-4D97-AF65-F5344CB8AC3E}">
-        <p14:creationId xmlns:p14="http://schemas.microsoft.com/office/powerpoint/2010/main" val="3090924339"/>
+        <p14:creationId xmlns:p14="http://schemas.microsoft.com/office/powerpoint/2010/main" xmlns="" val="3090924339"/>
       </p:ext>
     </p:extLst>
   </p:cSld>
@@ -6155,7 +6179,7 @@
           <a:blip r:embed="rId2">
             <a:extLst>
               <a:ext uri="{28A0092B-C50C-407E-A947-70E740481C1C}">
-                <a14:useLocalDpi xmlns:a14="http://schemas.microsoft.com/office/drawing/2010/main" val="0"/>
+                <a14:useLocalDpi xmlns:a14="http://schemas.microsoft.com/office/drawing/2010/main" xmlns="" val="0"/>
               </a:ext>
             </a:extLst>
           </a:blip>
@@ -6175,7 +6199,7 @@
           <a:noFill/>
           <a:extLst>
             <a:ext uri="{909E8E84-426E-40DD-AFC4-6F175D3DCCD1}">
-              <a14:hiddenFill xmlns:a14="http://schemas.microsoft.com/office/drawing/2010/main">
+              <a14:hiddenFill xmlns:a14="http://schemas.microsoft.com/office/drawing/2010/main" xmlns="">
                 <a:solidFill>
                   <a:srgbClr val="FFFFFF"/>
                 </a:solidFill>
@@ -6187,7 +6211,7 @@
     </p:spTree>
     <p:extLst>
       <p:ext uri="{BB962C8B-B14F-4D97-AF65-F5344CB8AC3E}">
-        <p14:creationId xmlns:p14="http://schemas.microsoft.com/office/powerpoint/2010/main" val="4276612123"/>
+        <p14:creationId xmlns:p14="http://schemas.microsoft.com/office/powerpoint/2010/main" xmlns="" val="4276612123"/>
       </p:ext>
     </p:extLst>
   </p:cSld>
@@ -6227,7 +6251,7 @@
         <p:spPr/>
         <p:txBody>
           <a:bodyPr>
-            <a:normAutofit fontScale="85000" lnSpcReduction="20000"/>
+            <a:normAutofit fontScale="77500" lnSpcReduction="20000"/>
           </a:bodyPr>
           <a:lstStyle/>
           <a:p>
@@ -6371,9 +6395,22 @@
             </a:r>
           </a:p>
           <a:p>
-            <a:pPr marL="0" indent="0">
-              <a:buNone/>
-            </a:pPr>
+            <a:r>
+              <a:rPr lang="es-MX" b="1" dirty="0" smtClean="0">
+                <a:solidFill>
+                  <a:srgbClr val="FF0000"/>
+                </a:solidFill>
+              </a:rPr>
+              <a:t>Vicente:</a:t>
+            </a:r>
+            <a:r>
+              <a:rPr lang="es-MX" dirty="0" smtClean="0">
+                <a:solidFill>
+                  <a:schemeClr val="tx1"/>
+                </a:solidFill>
+              </a:rPr>
+              <a:t> Muy completo y claro, compañeros.</a:t>
+            </a:r>
             <a:endParaRPr lang="es-MX" dirty="0" smtClean="0">
               <a:solidFill>
                 <a:schemeClr val="tx1"/>
@@ -6384,21 +6421,23 @@
             <a:pPr marL="0" indent="0">
               <a:buNone/>
             </a:pPr>
+            <a:endParaRPr lang="es-MX" dirty="0" smtClean="0">
+              <a:solidFill>
+                <a:schemeClr val="tx1"/>
+              </a:solidFill>
+            </a:endParaRPr>
+          </a:p>
+          <a:p>
+            <a:pPr marL="0" indent="0">
+              <a:buNone/>
+            </a:pPr>
             <a:r>
               <a:rPr lang="es-MX" dirty="0" smtClean="0">
                 <a:solidFill>
                   <a:schemeClr val="tx1"/>
                 </a:solidFill>
               </a:rPr>
-              <a:t>	        gracias por </a:t>
-            </a:r>
-            <a:r>
-              <a:rPr lang="es-MX" smtClean="0">
-                <a:solidFill>
-                  <a:schemeClr val="tx1"/>
-                </a:solidFill>
-              </a:rPr>
-              <a:t>sus comentarios…</a:t>
+              <a:t>	        gracias por sus comentarios…</a:t>
             </a:r>
             <a:endParaRPr lang="es-MX" dirty="0">
               <a:solidFill>
@@ -6454,7 +6493,7 @@
           <a:blip r:embed="rId2">
             <a:extLst>
               <a:ext uri="{28A0092B-C50C-407E-A947-70E740481C1C}">
-                <a14:useLocalDpi xmlns:a14="http://schemas.microsoft.com/office/drawing/2010/main" val="0"/>
+                <a14:useLocalDpi xmlns:a14="http://schemas.microsoft.com/office/drawing/2010/main" xmlns="" val="0"/>
               </a:ext>
             </a:extLst>
           </a:blip>
@@ -6474,7 +6513,7 @@
           <a:noFill/>
           <a:extLst>
             <a:ext uri="{909E8E84-426E-40DD-AFC4-6F175D3DCCD1}">
-              <a14:hiddenFill xmlns:a14="http://schemas.microsoft.com/office/drawing/2010/main">
+              <a14:hiddenFill xmlns:a14="http://schemas.microsoft.com/office/drawing/2010/main" xmlns="">
                 <a:solidFill>
                   <a:srgbClr val="FFFFFF"/>
                 </a:solidFill>
@@ -6486,7 +6525,7 @@
     </p:spTree>
     <p:extLst>
       <p:ext uri="{BB962C8B-B14F-4D97-AF65-F5344CB8AC3E}">
-        <p14:creationId xmlns:p14="http://schemas.microsoft.com/office/powerpoint/2010/main" val="517169730"/>
+        <p14:creationId xmlns:p14="http://schemas.microsoft.com/office/powerpoint/2010/main" xmlns="" val="517169730"/>
       </p:ext>
     </p:extLst>
   </p:cSld>
@@ -6662,7 +6701,7 @@
           <a:blip r:embed="rId2">
             <a:extLst>
               <a:ext uri="{28A0092B-C50C-407E-A947-70E740481C1C}">
-                <a14:useLocalDpi xmlns:a14="http://schemas.microsoft.com/office/drawing/2010/main" val="0"/>
+                <a14:useLocalDpi xmlns:a14="http://schemas.microsoft.com/office/drawing/2010/main" xmlns="" val="0"/>
               </a:ext>
             </a:extLst>
           </a:blip>
@@ -6682,7 +6721,7 @@
           <a:noFill/>
           <a:extLst>
             <a:ext uri="{909E8E84-426E-40DD-AFC4-6F175D3DCCD1}">
-              <a14:hiddenFill xmlns:a14="http://schemas.microsoft.com/office/drawing/2010/main">
+              <a14:hiddenFill xmlns:a14="http://schemas.microsoft.com/office/drawing/2010/main" xmlns="">
                 <a:solidFill>
                   <a:srgbClr val="FFFFFF"/>
                 </a:solidFill>
@@ -6694,7 +6733,7 @@
     </p:spTree>
     <p:extLst>
       <p:ext uri="{BB962C8B-B14F-4D97-AF65-F5344CB8AC3E}">
-        <p14:creationId xmlns:p14="http://schemas.microsoft.com/office/powerpoint/2010/main" val="2661261613"/>
+        <p14:creationId xmlns:p14="http://schemas.microsoft.com/office/powerpoint/2010/main" xmlns="" val="2661261613"/>
       </p:ext>
     </p:extLst>
   </p:cSld>
@@ -6979,7 +7018,7 @@
           <a:blip r:embed="rId2">
             <a:extLst>
               <a:ext uri="{28A0092B-C50C-407E-A947-70E740481C1C}">
-                <a14:useLocalDpi xmlns:a14="http://schemas.microsoft.com/office/drawing/2010/main" val="0"/>
+                <a14:useLocalDpi xmlns:a14="http://schemas.microsoft.com/office/drawing/2010/main" xmlns="" val="0"/>
               </a:ext>
             </a:extLst>
           </a:blip>
@@ -6999,7 +7038,7 @@
           <a:noFill/>
           <a:extLst>
             <a:ext uri="{909E8E84-426E-40DD-AFC4-6F175D3DCCD1}">
-              <a14:hiddenFill xmlns:a14="http://schemas.microsoft.com/office/drawing/2010/main">
+              <a14:hiddenFill xmlns:a14="http://schemas.microsoft.com/office/drawing/2010/main" xmlns="">
                 <a:solidFill>
                   <a:srgbClr val="FFFFFF"/>
                 </a:solidFill>
@@ -7011,7 +7050,7 @@
     </p:spTree>
     <p:extLst>
       <p:ext uri="{BB962C8B-B14F-4D97-AF65-F5344CB8AC3E}">
-        <p14:creationId xmlns:p14="http://schemas.microsoft.com/office/powerpoint/2010/main" val="1468119948"/>
+        <p14:creationId xmlns:p14="http://schemas.microsoft.com/office/powerpoint/2010/main" xmlns="" val="1468119948"/>
       </p:ext>
     </p:extLst>
   </p:cSld>
@@ -7184,7 +7223,7 @@
           <a:blip r:embed="rId2">
             <a:extLst>
               <a:ext uri="{28A0092B-C50C-407E-A947-70E740481C1C}">
-                <a14:useLocalDpi xmlns:a14="http://schemas.microsoft.com/office/drawing/2010/main" val="0"/>
+                <a14:useLocalDpi xmlns:a14="http://schemas.microsoft.com/office/drawing/2010/main" xmlns="" val="0"/>
               </a:ext>
             </a:extLst>
           </a:blip>
@@ -7204,7 +7243,7 @@
           <a:noFill/>
           <a:extLst>
             <a:ext uri="{909E8E84-426E-40DD-AFC4-6F175D3DCCD1}">
-              <a14:hiddenFill xmlns:a14="http://schemas.microsoft.com/office/drawing/2010/main">
+              <a14:hiddenFill xmlns:a14="http://schemas.microsoft.com/office/drawing/2010/main" xmlns="">
                 <a:solidFill>
                   <a:srgbClr val="FFFFFF"/>
                 </a:solidFill>
@@ -7216,7 +7255,7 @@
     </p:spTree>
     <p:extLst>
       <p:ext uri="{BB962C8B-B14F-4D97-AF65-F5344CB8AC3E}">
-        <p14:creationId xmlns:p14="http://schemas.microsoft.com/office/powerpoint/2010/main" val="3375213424"/>
+        <p14:creationId xmlns:p14="http://schemas.microsoft.com/office/powerpoint/2010/main" xmlns="" val="3375213424"/>
       </p:ext>
     </p:extLst>
   </p:cSld>
@@ -7422,7 +7461,7 @@
           <a:blip r:embed="rId2">
             <a:extLst>
               <a:ext uri="{28A0092B-C50C-407E-A947-70E740481C1C}">
-                <a14:useLocalDpi xmlns:a14="http://schemas.microsoft.com/office/drawing/2010/main" val="0"/>
+                <a14:useLocalDpi xmlns:a14="http://schemas.microsoft.com/office/drawing/2010/main" xmlns="" val="0"/>
               </a:ext>
             </a:extLst>
           </a:blip>
@@ -7442,7 +7481,7 @@
           <a:noFill/>
           <a:extLst>
             <a:ext uri="{909E8E84-426E-40DD-AFC4-6F175D3DCCD1}">
-              <a14:hiddenFill xmlns:a14="http://schemas.microsoft.com/office/drawing/2010/main">
+              <a14:hiddenFill xmlns:a14="http://schemas.microsoft.com/office/drawing/2010/main" xmlns="">
                 <a:solidFill>
                   <a:srgbClr val="FFFFFF"/>
                 </a:solidFill>
@@ -7454,7 +7493,7 @@
     </p:spTree>
     <p:extLst>
       <p:ext uri="{BB962C8B-B14F-4D97-AF65-F5344CB8AC3E}">
-        <p14:creationId xmlns:p14="http://schemas.microsoft.com/office/powerpoint/2010/main" val="4246634682"/>
+        <p14:creationId xmlns:p14="http://schemas.microsoft.com/office/powerpoint/2010/main" xmlns="" val="4246634682"/>
       </p:ext>
     </p:extLst>
   </p:cSld>
@@ -7493,7 +7532,7 @@
           <a:blip r:embed="rId2">
             <a:extLst>
               <a:ext uri="{28A0092B-C50C-407E-A947-70E740481C1C}">
-                <a14:useLocalDpi xmlns:a14="http://schemas.microsoft.com/office/drawing/2010/main" val="0"/>
+                <a14:useLocalDpi xmlns:a14="http://schemas.microsoft.com/office/drawing/2010/main" xmlns="" val="0"/>
               </a:ext>
             </a:extLst>
           </a:blip>
@@ -7513,7 +7552,7 @@
           <a:noFill/>
           <a:extLst>
             <a:ext uri="{909E8E84-426E-40DD-AFC4-6F175D3DCCD1}">
-              <a14:hiddenFill xmlns:a14="http://schemas.microsoft.com/office/drawing/2010/main">
+              <a14:hiddenFill xmlns:a14="http://schemas.microsoft.com/office/drawing/2010/main" xmlns="">
                 <a:solidFill>
                   <a:srgbClr val="FFFFFF"/>
                 </a:solidFill>
@@ -7703,7 +7742,7 @@
     </p:spTree>
     <p:extLst>
       <p:ext uri="{BB962C8B-B14F-4D97-AF65-F5344CB8AC3E}">
-        <p14:creationId xmlns:p14="http://schemas.microsoft.com/office/powerpoint/2010/main" val="1280308909"/>
+        <p14:creationId xmlns:p14="http://schemas.microsoft.com/office/powerpoint/2010/main" xmlns="" val="1280308909"/>
       </p:ext>
     </p:extLst>
   </p:cSld>
@@ -7820,7 +7859,7 @@
           <a:blip r:embed="rId2">
             <a:extLst>
               <a:ext uri="{28A0092B-C50C-407E-A947-70E740481C1C}">
-                <a14:useLocalDpi xmlns:a14="http://schemas.microsoft.com/office/drawing/2010/main" val="0"/>
+                <a14:useLocalDpi xmlns:a14="http://schemas.microsoft.com/office/drawing/2010/main" xmlns="" val="0"/>
               </a:ext>
             </a:extLst>
           </a:blip>
@@ -7840,7 +7879,7 @@
           <a:noFill/>
           <a:extLst>
             <a:ext uri="{909E8E84-426E-40DD-AFC4-6F175D3DCCD1}">
-              <a14:hiddenFill xmlns:a14="http://schemas.microsoft.com/office/drawing/2010/main">
+              <a14:hiddenFill xmlns:a14="http://schemas.microsoft.com/office/drawing/2010/main" xmlns="">
                 <a:solidFill>
                   <a:srgbClr val="FFFFFF"/>
                 </a:solidFill>
@@ -7852,7 +7891,7 @@
     </p:spTree>
     <p:extLst>
       <p:ext uri="{BB962C8B-B14F-4D97-AF65-F5344CB8AC3E}">
-        <p14:creationId xmlns:p14="http://schemas.microsoft.com/office/powerpoint/2010/main" val="4030706357"/>
+        <p14:creationId xmlns:p14="http://schemas.microsoft.com/office/powerpoint/2010/main" xmlns="" val="4030706357"/>
       </p:ext>
     </p:extLst>
   </p:cSld>
@@ -7986,7 +8025,7 @@
           <a:blip r:embed="rId2">
             <a:extLst>
               <a:ext uri="{28A0092B-C50C-407E-A947-70E740481C1C}">
-                <a14:useLocalDpi xmlns:a14="http://schemas.microsoft.com/office/drawing/2010/main" val="0"/>
+                <a14:useLocalDpi xmlns:a14="http://schemas.microsoft.com/office/drawing/2010/main" xmlns="" val="0"/>
               </a:ext>
             </a:extLst>
           </a:blip>
@@ -8006,7 +8045,7 @@
           <a:noFill/>
           <a:extLst>
             <a:ext uri="{909E8E84-426E-40DD-AFC4-6F175D3DCCD1}">
-              <a14:hiddenFill xmlns:a14="http://schemas.microsoft.com/office/drawing/2010/main">
+              <a14:hiddenFill xmlns:a14="http://schemas.microsoft.com/office/drawing/2010/main" xmlns="">
                 <a:solidFill>
                   <a:srgbClr val="FFFFFF"/>
                 </a:solidFill>
@@ -8018,7 +8057,7 @@
     </p:spTree>
     <p:extLst>
       <p:ext uri="{BB962C8B-B14F-4D97-AF65-F5344CB8AC3E}">
-        <p14:creationId xmlns:p14="http://schemas.microsoft.com/office/powerpoint/2010/main" val="420032643"/>
+        <p14:creationId xmlns:p14="http://schemas.microsoft.com/office/powerpoint/2010/main" xmlns="" val="420032643"/>
       </p:ext>
     </p:extLst>
   </p:cSld>
@@ -8163,7 +8202,7 @@
           <a:blip r:embed="rId2">
             <a:extLst>
               <a:ext uri="{28A0092B-C50C-407E-A947-70E740481C1C}">
-                <a14:useLocalDpi xmlns:a14="http://schemas.microsoft.com/office/drawing/2010/main" val="0"/>
+                <a14:useLocalDpi xmlns:a14="http://schemas.microsoft.com/office/drawing/2010/main" xmlns="" val="0"/>
               </a:ext>
             </a:extLst>
           </a:blip>
@@ -8183,7 +8222,7 @@
           <a:noFill/>
           <a:extLst>
             <a:ext uri="{909E8E84-426E-40DD-AFC4-6F175D3DCCD1}">
-              <a14:hiddenFill xmlns:a14="http://schemas.microsoft.com/office/drawing/2010/main">
+              <a14:hiddenFill xmlns:a14="http://schemas.microsoft.com/office/drawing/2010/main" xmlns="">
                 <a:solidFill>
                   <a:srgbClr val="FFFFFF"/>
                 </a:solidFill>
@@ -8195,7 +8234,7 @@
     </p:spTree>
     <p:extLst>
       <p:ext uri="{BB962C8B-B14F-4D97-AF65-F5344CB8AC3E}">
-        <p14:creationId xmlns:p14="http://schemas.microsoft.com/office/powerpoint/2010/main" val="773407461"/>
+        <p14:creationId xmlns:p14="http://schemas.microsoft.com/office/powerpoint/2010/main" xmlns="" val="773407461"/>
       </p:ext>
     </p:extLst>
   </p:cSld>

--- a/unidad III (organizacion).pptx
+++ b/unidad III (organizacion).pptx
@@ -4570,7 +4570,7 @@
     </p:spTree>
     <p:extLst>
       <p:ext uri="{BB962C8B-B14F-4D97-AF65-F5344CB8AC3E}">
-        <p14:creationId xmlns:p14="http://schemas.microsoft.com/office/powerpoint/2010/main" xmlns="" val="2180679416"/>
+        <p14:creationId xmlns:p14="http://schemas.microsoft.com/office/powerpoint/2010/main" val="2180679416"/>
       </p:ext>
     </p:extLst>
   </p:cSld>
@@ -4716,7 +4716,7 @@
           <a:blip r:embed="rId2">
             <a:extLst>
               <a:ext uri="{28A0092B-C50C-407E-A947-70E740481C1C}">
-                <a14:useLocalDpi xmlns:a14="http://schemas.microsoft.com/office/drawing/2010/main" xmlns="" val="0"/>
+                <a14:useLocalDpi xmlns:a14="http://schemas.microsoft.com/office/drawing/2010/main" val="0"/>
               </a:ext>
             </a:extLst>
           </a:blip>
@@ -4736,7 +4736,7 @@
           <a:noFill/>
           <a:extLst>
             <a:ext uri="{909E8E84-426E-40DD-AFC4-6F175D3DCCD1}">
-              <a14:hiddenFill xmlns:a14="http://schemas.microsoft.com/office/drawing/2010/main" xmlns="">
+              <a14:hiddenFill xmlns:a14="http://schemas.microsoft.com/office/drawing/2010/main">
                 <a:solidFill>
                   <a:srgbClr val="FFFFFF"/>
                 </a:solidFill>
@@ -4780,7 +4780,7 @@
     </p:spTree>
     <p:extLst>
       <p:ext uri="{BB962C8B-B14F-4D97-AF65-F5344CB8AC3E}">
-        <p14:creationId xmlns:p14="http://schemas.microsoft.com/office/powerpoint/2010/main" xmlns="" val="1327424263"/>
+        <p14:creationId xmlns:p14="http://schemas.microsoft.com/office/powerpoint/2010/main" val="1327424263"/>
       </p:ext>
     </p:extLst>
   </p:cSld>
@@ -4961,7 +4961,7 @@
           <a:blip r:embed="rId2">
             <a:extLst>
               <a:ext uri="{28A0092B-C50C-407E-A947-70E740481C1C}">
-                <a14:useLocalDpi xmlns:a14="http://schemas.microsoft.com/office/drawing/2010/main" xmlns="" val="0"/>
+                <a14:useLocalDpi xmlns:a14="http://schemas.microsoft.com/office/drawing/2010/main" val="0"/>
               </a:ext>
             </a:extLst>
           </a:blip>
@@ -4981,7 +4981,7 @@
           <a:noFill/>
           <a:extLst>
             <a:ext uri="{909E8E84-426E-40DD-AFC4-6F175D3DCCD1}">
-              <a14:hiddenFill xmlns:a14="http://schemas.microsoft.com/office/drawing/2010/main" xmlns="">
+              <a14:hiddenFill xmlns:a14="http://schemas.microsoft.com/office/drawing/2010/main">
                 <a:solidFill>
                   <a:srgbClr val="FFFFFF"/>
                 </a:solidFill>
@@ -5021,7 +5021,7 @@
     </p:spTree>
     <p:extLst>
       <p:ext uri="{BB962C8B-B14F-4D97-AF65-F5344CB8AC3E}">
-        <p14:creationId xmlns:p14="http://schemas.microsoft.com/office/powerpoint/2010/main" xmlns="" val="228360835"/>
+        <p14:creationId xmlns:p14="http://schemas.microsoft.com/office/powerpoint/2010/main" val="228360835"/>
       </p:ext>
     </p:extLst>
   </p:cSld>
@@ -5238,7 +5238,7 @@
           <a:blip r:embed="rId2">
             <a:extLst>
               <a:ext uri="{28A0092B-C50C-407E-A947-70E740481C1C}">
-                <a14:useLocalDpi xmlns:a14="http://schemas.microsoft.com/office/drawing/2010/main" xmlns="" val="0"/>
+                <a14:useLocalDpi xmlns:a14="http://schemas.microsoft.com/office/drawing/2010/main" val="0"/>
               </a:ext>
             </a:extLst>
           </a:blip>
@@ -5258,7 +5258,7 @@
           <a:noFill/>
           <a:extLst>
             <a:ext uri="{909E8E84-426E-40DD-AFC4-6F175D3DCCD1}">
-              <a14:hiddenFill xmlns:a14="http://schemas.microsoft.com/office/drawing/2010/main" xmlns="">
+              <a14:hiddenFill xmlns:a14="http://schemas.microsoft.com/office/drawing/2010/main">
                 <a:solidFill>
                   <a:srgbClr val="FFFFFF"/>
                 </a:solidFill>
@@ -5270,7 +5270,7 @@
     </p:spTree>
     <p:extLst>
       <p:ext uri="{BB962C8B-B14F-4D97-AF65-F5344CB8AC3E}">
-        <p14:creationId xmlns:p14="http://schemas.microsoft.com/office/powerpoint/2010/main" xmlns="" val="1202321413"/>
+        <p14:creationId xmlns:p14="http://schemas.microsoft.com/office/powerpoint/2010/main" val="1202321413"/>
       </p:ext>
     </p:extLst>
   </p:cSld>
@@ -5387,7 +5387,7 @@
           <a:blip r:embed="rId2">
             <a:extLst>
               <a:ext uri="{28A0092B-C50C-407E-A947-70E740481C1C}">
-                <a14:useLocalDpi xmlns:a14="http://schemas.microsoft.com/office/drawing/2010/main" xmlns="" val="0"/>
+                <a14:useLocalDpi xmlns:a14="http://schemas.microsoft.com/office/drawing/2010/main" val="0"/>
               </a:ext>
             </a:extLst>
           </a:blip>
@@ -5407,7 +5407,7 @@
           <a:noFill/>
           <a:extLst>
             <a:ext uri="{909E8E84-426E-40DD-AFC4-6F175D3DCCD1}">
-              <a14:hiddenFill xmlns:a14="http://schemas.microsoft.com/office/drawing/2010/main" xmlns="">
+              <a14:hiddenFill xmlns:a14="http://schemas.microsoft.com/office/drawing/2010/main">
                 <a:solidFill>
                   <a:srgbClr val="FFFFFF"/>
                 </a:solidFill>
@@ -5419,7 +5419,7 @@
     </p:spTree>
     <p:extLst>
       <p:ext uri="{BB962C8B-B14F-4D97-AF65-F5344CB8AC3E}">
-        <p14:creationId xmlns:p14="http://schemas.microsoft.com/office/powerpoint/2010/main" xmlns="" val="1744477475"/>
+        <p14:creationId xmlns:p14="http://schemas.microsoft.com/office/powerpoint/2010/main" val="1744477475"/>
       </p:ext>
     </p:extLst>
   </p:cSld>
@@ -5568,7 +5568,7 @@
           <a:blip r:embed="rId2">
             <a:extLst>
               <a:ext uri="{28A0092B-C50C-407E-A947-70E740481C1C}">
-                <a14:useLocalDpi xmlns:a14="http://schemas.microsoft.com/office/drawing/2010/main" xmlns="" val="0"/>
+                <a14:useLocalDpi xmlns:a14="http://schemas.microsoft.com/office/drawing/2010/main" val="0"/>
               </a:ext>
             </a:extLst>
           </a:blip>
@@ -5588,7 +5588,7 @@
           <a:noFill/>
           <a:extLst>
             <a:ext uri="{909E8E84-426E-40DD-AFC4-6F175D3DCCD1}">
-              <a14:hiddenFill xmlns:a14="http://schemas.microsoft.com/office/drawing/2010/main" xmlns="">
+              <a14:hiddenFill xmlns:a14="http://schemas.microsoft.com/office/drawing/2010/main">
                 <a:solidFill>
                   <a:srgbClr val="FFFFFF"/>
                 </a:solidFill>
@@ -5600,7 +5600,7 @@
     </p:spTree>
     <p:extLst>
       <p:ext uri="{BB962C8B-B14F-4D97-AF65-F5344CB8AC3E}">
-        <p14:creationId xmlns:p14="http://schemas.microsoft.com/office/powerpoint/2010/main" xmlns="" val="1807941598"/>
+        <p14:creationId xmlns:p14="http://schemas.microsoft.com/office/powerpoint/2010/main" val="1807941598"/>
       </p:ext>
     </p:extLst>
   </p:cSld>
@@ -5754,7 +5754,7 @@
           <a:blip r:embed="rId2">
             <a:extLst>
               <a:ext uri="{28A0092B-C50C-407E-A947-70E740481C1C}">
-                <a14:useLocalDpi xmlns:a14="http://schemas.microsoft.com/office/drawing/2010/main" xmlns="" val="0"/>
+                <a14:useLocalDpi xmlns:a14="http://schemas.microsoft.com/office/drawing/2010/main" val="0"/>
               </a:ext>
             </a:extLst>
           </a:blip>
@@ -5774,7 +5774,7 @@
           <a:noFill/>
           <a:extLst>
             <a:ext uri="{909E8E84-426E-40DD-AFC4-6F175D3DCCD1}">
-              <a14:hiddenFill xmlns:a14="http://schemas.microsoft.com/office/drawing/2010/main" xmlns="">
+              <a14:hiddenFill xmlns:a14="http://schemas.microsoft.com/office/drawing/2010/main">
                 <a:solidFill>
                   <a:srgbClr val="FFFFFF"/>
                 </a:solidFill>
@@ -5786,7 +5786,7 @@
     </p:spTree>
     <p:extLst>
       <p:ext uri="{BB962C8B-B14F-4D97-AF65-F5344CB8AC3E}">
-        <p14:creationId xmlns:p14="http://schemas.microsoft.com/office/powerpoint/2010/main" xmlns="" val="15311757"/>
+        <p14:creationId xmlns:p14="http://schemas.microsoft.com/office/powerpoint/2010/main" val="15311757"/>
       </p:ext>
     </p:extLst>
   </p:cSld>
@@ -5954,7 +5954,7 @@
           <a:blip r:embed="rId2">
             <a:extLst>
               <a:ext uri="{28A0092B-C50C-407E-A947-70E740481C1C}">
-                <a14:useLocalDpi xmlns:a14="http://schemas.microsoft.com/office/drawing/2010/main" xmlns="" val="0"/>
+                <a14:useLocalDpi xmlns:a14="http://schemas.microsoft.com/office/drawing/2010/main" val="0"/>
               </a:ext>
             </a:extLst>
           </a:blip>
@@ -5974,7 +5974,7 @@
           <a:noFill/>
           <a:extLst>
             <a:ext uri="{909E8E84-426E-40DD-AFC4-6F175D3DCCD1}">
-              <a14:hiddenFill xmlns:a14="http://schemas.microsoft.com/office/drawing/2010/main" xmlns="">
+              <a14:hiddenFill xmlns:a14="http://schemas.microsoft.com/office/drawing/2010/main">
                 <a:solidFill>
                   <a:srgbClr val="FFFFFF"/>
                 </a:solidFill>
@@ -5986,7 +5986,7 @@
     </p:spTree>
     <p:extLst>
       <p:ext uri="{BB962C8B-B14F-4D97-AF65-F5344CB8AC3E}">
-        <p14:creationId xmlns:p14="http://schemas.microsoft.com/office/powerpoint/2010/main" xmlns="" val="3090924339"/>
+        <p14:creationId xmlns:p14="http://schemas.microsoft.com/office/powerpoint/2010/main" val="3090924339"/>
       </p:ext>
     </p:extLst>
   </p:cSld>
@@ -6179,7 +6179,7 @@
           <a:blip r:embed="rId2">
             <a:extLst>
               <a:ext uri="{28A0092B-C50C-407E-A947-70E740481C1C}">
-                <a14:useLocalDpi xmlns:a14="http://schemas.microsoft.com/office/drawing/2010/main" xmlns="" val="0"/>
+                <a14:useLocalDpi xmlns:a14="http://schemas.microsoft.com/office/drawing/2010/main" val="0"/>
               </a:ext>
             </a:extLst>
           </a:blip>
@@ -6199,7 +6199,7 @@
           <a:noFill/>
           <a:extLst>
             <a:ext uri="{909E8E84-426E-40DD-AFC4-6F175D3DCCD1}">
-              <a14:hiddenFill xmlns:a14="http://schemas.microsoft.com/office/drawing/2010/main" xmlns="">
+              <a14:hiddenFill xmlns:a14="http://schemas.microsoft.com/office/drawing/2010/main">
                 <a:solidFill>
                   <a:srgbClr val="FFFFFF"/>
                 </a:solidFill>
@@ -6211,7 +6211,7 @@
     </p:spTree>
     <p:extLst>
       <p:ext uri="{BB962C8B-B14F-4D97-AF65-F5344CB8AC3E}">
-        <p14:creationId xmlns:p14="http://schemas.microsoft.com/office/powerpoint/2010/main" xmlns="" val="4276612123"/>
+        <p14:creationId xmlns:p14="http://schemas.microsoft.com/office/powerpoint/2010/main" val="4276612123"/>
       </p:ext>
     </p:extLst>
   </p:cSld>
@@ -6251,7 +6251,7 @@
         <p:spPr/>
         <p:txBody>
           <a:bodyPr>
-            <a:normAutofit fontScale="77500" lnSpcReduction="20000"/>
+            <a:normAutofit fontScale="70000" lnSpcReduction="20000"/>
           </a:bodyPr>
           <a:lstStyle/>
           <a:p>
@@ -6383,7 +6383,17 @@
                   <a:schemeClr val="tx1"/>
                 </a:solidFill>
               </a:rPr>
-              <a:t>buena información, muy completo y claro</a:t>
+              <a:t>buena información, muy completo y claro.</a:t>
+            </a:r>
+          </a:p>
+          <a:p>
+            <a:r>
+              <a:rPr lang="es-MX" b="1" dirty="0" smtClean="0">
+                <a:solidFill>
+                  <a:srgbClr val="FF0000"/>
+                </a:solidFill>
+              </a:rPr>
+              <a:t>Vicente:</a:t>
             </a:r>
             <a:r>
               <a:rPr lang="es-MX" dirty="0" smtClean="0">
@@ -6391,17 +6401,7 @@
                   <a:schemeClr val="tx1"/>
                 </a:solidFill>
               </a:rPr>
-              <a:t>.</a:t>
-            </a:r>
-          </a:p>
-          <a:p>
-            <a:r>
-              <a:rPr lang="es-MX" b="1" dirty="0" smtClean="0">
-                <a:solidFill>
-                  <a:srgbClr val="FF0000"/>
-                </a:solidFill>
-              </a:rPr>
-              <a:t>Vicente:</a:t>
+              <a:t> Muy completo y claro, compañeros</a:t>
             </a:r>
             <a:r>
               <a:rPr lang="es-MX" dirty="0" smtClean="0">
@@ -6409,7 +6409,41 @@
                   <a:schemeClr val="tx1"/>
                 </a:solidFill>
               </a:rPr>
-              <a:t> Muy completo y claro, compañeros.</a:t>
+              <a:t>.</a:t>
+            </a:r>
+          </a:p>
+          <a:p>
+            <a:r>
+              <a:rPr lang="es-MX" dirty="0" smtClean="0">
+                <a:solidFill>
+                  <a:srgbClr val="FF0000"/>
+                </a:solidFill>
+              </a:rPr>
+              <a:t>Luis:</a:t>
+            </a:r>
+            <a:r>
+              <a:rPr lang="es-MX" dirty="0" smtClean="0">
+                <a:solidFill>
+                  <a:schemeClr val="tx1"/>
+                </a:solidFill>
+              </a:rPr>
+              <a:t> Buena </a:t>
+            </a:r>
+            <a:r>
+              <a:rPr lang="es-MX" dirty="0" err="1" smtClean="0">
+                <a:solidFill>
+                  <a:schemeClr val="tx1"/>
+                </a:solidFill>
+              </a:rPr>
+              <a:t>presentacion</a:t>
+            </a:r>
+            <a:r>
+              <a:rPr lang="es-MX" dirty="0" smtClean="0">
+                <a:solidFill>
+                  <a:schemeClr val="tx1"/>
+                </a:solidFill>
+              </a:rPr>
+              <a:t>…</a:t>
             </a:r>
             <a:endParaRPr lang="es-MX" dirty="0" smtClean="0">
               <a:solidFill>
@@ -6493,7 +6527,7 @@
           <a:blip r:embed="rId2">
             <a:extLst>
               <a:ext uri="{28A0092B-C50C-407E-A947-70E740481C1C}">
-                <a14:useLocalDpi xmlns:a14="http://schemas.microsoft.com/office/drawing/2010/main" xmlns="" val="0"/>
+                <a14:useLocalDpi xmlns:a14="http://schemas.microsoft.com/office/drawing/2010/main" val="0"/>
               </a:ext>
             </a:extLst>
           </a:blip>
@@ -6513,7 +6547,7 @@
           <a:noFill/>
           <a:extLst>
             <a:ext uri="{909E8E84-426E-40DD-AFC4-6F175D3DCCD1}">
-              <a14:hiddenFill xmlns:a14="http://schemas.microsoft.com/office/drawing/2010/main" xmlns="">
+              <a14:hiddenFill xmlns:a14="http://schemas.microsoft.com/office/drawing/2010/main">
                 <a:solidFill>
                   <a:srgbClr val="FFFFFF"/>
                 </a:solidFill>
@@ -6525,7 +6559,7 @@
     </p:spTree>
     <p:extLst>
       <p:ext uri="{BB962C8B-B14F-4D97-AF65-F5344CB8AC3E}">
-        <p14:creationId xmlns:p14="http://schemas.microsoft.com/office/powerpoint/2010/main" xmlns="" val="517169730"/>
+        <p14:creationId xmlns:p14="http://schemas.microsoft.com/office/powerpoint/2010/main" val="517169730"/>
       </p:ext>
     </p:extLst>
   </p:cSld>
@@ -6701,7 +6735,7 @@
           <a:blip r:embed="rId2">
             <a:extLst>
               <a:ext uri="{28A0092B-C50C-407E-A947-70E740481C1C}">
-                <a14:useLocalDpi xmlns:a14="http://schemas.microsoft.com/office/drawing/2010/main" xmlns="" val="0"/>
+                <a14:useLocalDpi xmlns:a14="http://schemas.microsoft.com/office/drawing/2010/main" val="0"/>
               </a:ext>
             </a:extLst>
           </a:blip>
@@ -6721,7 +6755,7 @@
           <a:noFill/>
           <a:extLst>
             <a:ext uri="{909E8E84-426E-40DD-AFC4-6F175D3DCCD1}">
-              <a14:hiddenFill xmlns:a14="http://schemas.microsoft.com/office/drawing/2010/main" xmlns="">
+              <a14:hiddenFill xmlns:a14="http://schemas.microsoft.com/office/drawing/2010/main">
                 <a:solidFill>
                   <a:srgbClr val="FFFFFF"/>
                 </a:solidFill>
@@ -6733,7 +6767,7 @@
     </p:spTree>
     <p:extLst>
       <p:ext uri="{BB962C8B-B14F-4D97-AF65-F5344CB8AC3E}">
-        <p14:creationId xmlns:p14="http://schemas.microsoft.com/office/powerpoint/2010/main" xmlns="" val="2661261613"/>
+        <p14:creationId xmlns:p14="http://schemas.microsoft.com/office/powerpoint/2010/main" val="2661261613"/>
       </p:ext>
     </p:extLst>
   </p:cSld>
@@ -7018,7 +7052,7 @@
           <a:blip r:embed="rId2">
             <a:extLst>
               <a:ext uri="{28A0092B-C50C-407E-A947-70E740481C1C}">
-                <a14:useLocalDpi xmlns:a14="http://schemas.microsoft.com/office/drawing/2010/main" xmlns="" val="0"/>
+                <a14:useLocalDpi xmlns:a14="http://schemas.microsoft.com/office/drawing/2010/main" val="0"/>
               </a:ext>
             </a:extLst>
           </a:blip>
@@ -7038,7 +7072,7 @@
           <a:noFill/>
           <a:extLst>
             <a:ext uri="{909E8E84-426E-40DD-AFC4-6F175D3DCCD1}">
-              <a14:hiddenFill xmlns:a14="http://schemas.microsoft.com/office/drawing/2010/main" xmlns="">
+              <a14:hiddenFill xmlns:a14="http://schemas.microsoft.com/office/drawing/2010/main">
                 <a:solidFill>
                   <a:srgbClr val="FFFFFF"/>
                 </a:solidFill>
@@ -7050,7 +7084,7 @@
     </p:spTree>
     <p:extLst>
       <p:ext uri="{BB962C8B-B14F-4D97-AF65-F5344CB8AC3E}">
-        <p14:creationId xmlns:p14="http://schemas.microsoft.com/office/powerpoint/2010/main" xmlns="" val="1468119948"/>
+        <p14:creationId xmlns:p14="http://schemas.microsoft.com/office/powerpoint/2010/main" val="1468119948"/>
       </p:ext>
     </p:extLst>
   </p:cSld>
@@ -7223,7 +7257,7 @@
           <a:blip r:embed="rId2">
             <a:extLst>
               <a:ext uri="{28A0092B-C50C-407E-A947-70E740481C1C}">
-                <a14:useLocalDpi xmlns:a14="http://schemas.microsoft.com/office/drawing/2010/main" xmlns="" val="0"/>
+                <a14:useLocalDpi xmlns:a14="http://schemas.microsoft.com/office/drawing/2010/main" val="0"/>
               </a:ext>
             </a:extLst>
           </a:blip>
@@ -7243,7 +7277,7 @@
           <a:noFill/>
           <a:extLst>
             <a:ext uri="{909E8E84-426E-40DD-AFC4-6F175D3DCCD1}">
-              <a14:hiddenFill xmlns:a14="http://schemas.microsoft.com/office/drawing/2010/main" xmlns="">
+              <a14:hiddenFill xmlns:a14="http://schemas.microsoft.com/office/drawing/2010/main">
                 <a:solidFill>
                   <a:srgbClr val="FFFFFF"/>
                 </a:solidFill>
@@ -7255,7 +7289,7 @@
     </p:spTree>
     <p:extLst>
       <p:ext uri="{BB962C8B-B14F-4D97-AF65-F5344CB8AC3E}">
-        <p14:creationId xmlns:p14="http://schemas.microsoft.com/office/powerpoint/2010/main" xmlns="" val="3375213424"/>
+        <p14:creationId xmlns:p14="http://schemas.microsoft.com/office/powerpoint/2010/main" val="3375213424"/>
       </p:ext>
     </p:extLst>
   </p:cSld>
@@ -7461,7 +7495,7 @@
           <a:blip r:embed="rId2">
             <a:extLst>
               <a:ext uri="{28A0092B-C50C-407E-A947-70E740481C1C}">
-                <a14:useLocalDpi xmlns:a14="http://schemas.microsoft.com/office/drawing/2010/main" xmlns="" val="0"/>
+                <a14:useLocalDpi xmlns:a14="http://schemas.microsoft.com/office/drawing/2010/main" val="0"/>
               </a:ext>
             </a:extLst>
           </a:blip>
@@ -7481,7 +7515,7 @@
           <a:noFill/>
           <a:extLst>
             <a:ext uri="{909E8E84-426E-40DD-AFC4-6F175D3DCCD1}">
-              <a14:hiddenFill xmlns:a14="http://schemas.microsoft.com/office/drawing/2010/main" xmlns="">
+              <a14:hiddenFill xmlns:a14="http://schemas.microsoft.com/office/drawing/2010/main">
                 <a:solidFill>
                   <a:srgbClr val="FFFFFF"/>
                 </a:solidFill>
@@ -7493,7 +7527,7 @@
     </p:spTree>
     <p:extLst>
       <p:ext uri="{BB962C8B-B14F-4D97-AF65-F5344CB8AC3E}">
-        <p14:creationId xmlns:p14="http://schemas.microsoft.com/office/powerpoint/2010/main" xmlns="" val="4246634682"/>
+        <p14:creationId xmlns:p14="http://schemas.microsoft.com/office/powerpoint/2010/main" val="4246634682"/>
       </p:ext>
     </p:extLst>
   </p:cSld>
@@ -7532,7 +7566,7 @@
           <a:blip r:embed="rId2">
             <a:extLst>
               <a:ext uri="{28A0092B-C50C-407E-A947-70E740481C1C}">
-                <a14:useLocalDpi xmlns:a14="http://schemas.microsoft.com/office/drawing/2010/main" xmlns="" val="0"/>
+                <a14:useLocalDpi xmlns:a14="http://schemas.microsoft.com/office/drawing/2010/main" val="0"/>
               </a:ext>
             </a:extLst>
           </a:blip>
@@ -7552,7 +7586,7 @@
           <a:noFill/>
           <a:extLst>
             <a:ext uri="{909E8E84-426E-40DD-AFC4-6F175D3DCCD1}">
-              <a14:hiddenFill xmlns:a14="http://schemas.microsoft.com/office/drawing/2010/main" xmlns="">
+              <a14:hiddenFill xmlns:a14="http://schemas.microsoft.com/office/drawing/2010/main">
                 <a:solidFill>
                   <a:srgbClr val="FFFFFF"/>
                 </a:solidFill>
@@ -7742,7 +7776,7 @@
     </p:spTree>
     <p:extLst>
       <p:ext uri="{BB962C8B-B14F-4D97-AF65-F5344CB8AC3E}">
-        <p14:creationId xmlns:p14="http://schemas.microsoft.com/office/powerpoint/2010/main" xmlns="" val="1280308909"/>
+        <p14:creationId xmlns:p14="http://schemas.microsoft.com/office/powerpoint/2010/main" val="1280308909"/>
       </p:ext>
     </p:extLst>
   </p:cSld>
@@ -7859,7 +7893,7 @@
           <a:blip r:embed="rId2">
             <a:extLst>
               <a:ext uri="{28A0092B-C50C-407E-A947-70E740481C1C}">
-                <a14:useLocalDpi xmlns:a14="http://schemas.microsoft.com/office/drawing/2010/main" xmlns="" val="0"/>
+                <a14:useLocalDpi xmlns:a14="http://schemas.microsoft.com/office/drawing/2010/main" val="0"/>
               </a:ext>
             </a:extLst>
           </a:blip>
@@ -7879,7 +7913,7 @@
           <a:noFill/>
           <a:extLst>
             <a:ext uri="{909E8E84-426E-40DD-AFC4-6F175D3DCCD1}">
-              <a14:hiddenFill xmlns:a14="http://schemas.microsoft.com/office/drawing/2010/main" xmlns="">
+              <a14:hiddenFill xmlns:a14="http://schemas.microsoft.com/office/drawing/2010/main">
                 <a:solidFill>
                   <a:srgbClr val="FFFFFF"/>
                 </a:solidFill>
@@ -7891,7 +7925,7 @@
     </p:spTree>
     <p:extLst>
       <p:ext uri="{BB962C8B-B14F-4D97-AF65-F5344CB8AC3E}">
-        <p14:creationId xmlns:p14="http://schemas.microsoft.com/office/powerpoint/2010/main" xmlns="" val="4030706357"/>
+        <p14:creationId xmlns:p14="http://schemas.microsoft.com/office/powerpoint/2010/main" val="4030706357"/>
       </p:ext>
     </p:extLst>
   </p:cSld>
@@ -8025,7 +8059,7 @@
           <a:blip r:embed="rId2">
             <a:extLst>
               <a:ext uri="{28A0092B-C50C-407E-A947-70E740481C1C}">
-                <a14:useLocalDpi xmlns:a14="http://schemas.microsoft.com/office/drawing/2010/main" xmlns="" val="0"/>
+                <a14:useLocalDpi xmlns:a14="http://schemas.microsoft.com/office/drawing/2010/main" val="0"/>
               </a:ext>
             </a:extLst>
           </a:blip>
@@ -8045,7 +8079,7 @@
           <a:noFill/>
           <a:extLst>
             <a:ext uri="{909E8E84-426E-40DD-AFC4-6F175D3DCCD1}">
-              <a14:hiddenFill xmlns:a14="http://schemas.microsoft.com/office/drawing/2010/main" xmlns="">
+              <a14:hiddenFill xmlns:a14="http://schemas.microsoft.com/office/drawing/2010/main">
                 <a:solidFill>
                   <a:srgbClr val="FFFFFF"/>
                 </a:solidFill>
@@ -8057,7 +8091,7 @@
     </p:spTree>
     <p:extLst>
       <p:ext uri="{BB962C8B-B14F-4D97-AF65-F5344CB8AC3E}">
-        <p14:creationId xmlns:p14="http://schemas.microsoft.com/office/powerpoint/2010/main" xmlns="" val="420032643"/>
+        <p14:creationId xmlns:p14="http://schemas.microsoft.com/office/powerpoint/2010/main" val="420032643"/>
       </p:ext>
     </p:extLst>
   </p:cSld>
@@ -8202,7 +8236,7 @@
           <a:blip r:embed="rId2">
             <a:extLst>
               <a:ext uri="{28A0092B-C50C-407E-A947-70E740481C1C}">
-                <a14:useLocalDpi xmlns:a14="http://schemas.microsoft.com/office/drawing/2010/main" xmlns="" val="0"/>
+                <a14:useLocalDpi xmlns:a14="http://schemas.microsoft.com/office/drawing/2010/main" val="0"/>
               </a:ext>
             </a:extLst>
           </a:blip>
@@ -8222,7 +8256,7 @@
           <a:noFill/>
           <a:extLst>
             <a:ext uri="{909E8E84-426E-40DD-AFC4-6F175D3DCCD1}">
-              <a14:hiddenFill xmlns:a14="http://schemas.microsoft.com/office/drawing/2010/main" xmlns="">
+              <a14:hiddenFill xmlns:a14="http://schemas.microsoft.com/office/drawing/2010/main">
                 <a:solidFill>
                   <a:srgbClr val="FFFFFF"/>
                 </a:solidFill>
@@ -8234,7 +8268,7 @@
     </p:spTree>
     <p:extLst>
       <p:ext uri="{BB962C8B-B14F-4D97-AF65-F5344CB8AC3E}">
-        <p14:creationId xmlns:p14="http://schemas.microsoft.com/office/powerpoint/2010/main" xmlns="" val="773407461"/>
+        <p14:creationId xmlns:p14="http://schemas.microsoft.com/office/powerpoint/2010/main" val="773407461"/>
       </p:ext>
     </p:extLst>
   </p:cSld>

--- a/unidad III (organizacion).pptx
+++ b/unidad III (organizacion).pptx
@@ -6251,7 +6251,7 @@
         <p:spPr/>
         <p:txBody>
           <a:bodyPr>
-            <a:normAutofit fontScale="70000" lnSpcReduction="20000"/>
+            <a:normAutofit fontScale="62500" lnSpcReduction="20000"/>
           </a:bodyPr>
           <a:lstStyle/>
           <a:p>
@@ -6401,7 +6401,17 @@
                   <a:schemeClr val="tx1"/>
                 </a:solidFill>
               </a:rPr>
-              <a:t> Muy completo y claro, compañeros</a:t>
+              <a:t> Muy completo y claro, compañeros.</a:t>
+            </a:r>
+          </a:p>
+          <a:p>
+            <a:r>
+              <a:rPr lang="es-MX" dirty="0" smtClean="0">
+                <a:solidFill>
+                  <a:srgbClr val="FF0000"/>
+                </a:solidFill>
+              </a:rPr>
+              <a:t>Luis:</a:t>
             </a:r>
             <a:r>
               <a:rPr lang="es-MX" dirty="0" smtClean="0">
@@ -6409,17 +6419,15 @@
                   <a:schemeClr val="tx1"/>
                 </a:solidFill>
               </a:rPr>
-              <a:t>.</a:t>
-            </a:r>
-          </a:p>
-          <a:p>
-            <a:r>
-              <a:rPr lang="es-MX" dirty="0" smtClean="0">
+              <a:t> Buena </a:t>
+            </a:r>
+            <a:r>
+              <a:rPr lang="es-MX" dirty="0" err="1" smtClean="0">
                 <a:solidFill>
-                  <a:srgbClr val="FF0000"/>
+                  <a:schemeClr val="tx1"/>
                 </a:solidFill>
               </a:rPr>
-              <a:t>Luis:</a:t>
+              <a:t>presentacion</a:t>
             </a:r>
             <a:r>
               <a:rPr lang="es-MX" dirty="0" smtClean="0">
@@ -6427,15 +6435,25 @@
                   <a:schemeClr val="tx1"/>
                 </a:solidFill>
               </a:rPr>
-              <a:t> Buena </a:t>
-            </a:r>
-            <a:r>
-              <a:rPr lang="es-MX" dirty="0" err="1" smtClean="0">
+              <a:t>…</a:t>
+            </a:r>
+          </a:p>
+          <a:p>
+            <a:r>
+              <a:rPr lang="es-MX" b="1" dirty="0" err="1">
                 <a:solidFill>
-                  <a:schemeClr val="tx1"/>
+                  <a:srgbClr val="FF0000"/>
                 </a:solidFill>
               </a:rPr>
-              <a:t>presentacion</a:t>
+              <a:t>Anonimo</a:t>
+            </a:r>
+            <a:r>
+              <a:rPr lang="es-MX" b="1" dirty="0">
+                <a:solidFill>
+                  <a:srgbClr val="FF0000"/>
+                </a:solidFill>
+              </a:rPr>
+              <a:t>: </a:t>
             </a:r>
             <a:r>
               <a:rPr lang="es-MX" dirty="0" smtClean="0">
@@ -6443,8 +6461,18 @@
                   <a:schemeClr val="tx1"/>
                 </a:solidFill>
               </a:rPr>
-              <a:t>…</a:t>
-            </a:r>
+              <a:t>es la mejor presentación, creo que ustedes se sacaron un diez. mis respetos compañeros no doy mi nombre por temor a represalias</a:t>
+            </a:r>
+            <a:r>
+              <a:rPr lang="es-MX" smtClean="0">
+                <a:solidFill>
+                  <a:schemeClr val="tx1"/>
+                </a:solidFill>
+              </a:rPr>
+              <a:t>, saludos!!</a:t>
+            </a:r>
+          </a:p>
+          <a:p>
             <a:endParaRPr lang="es-MX" dirty="0" smtClean="0">
               <a:solidFill>
                 <a:schemeClr val="tx1"/>

--- a/unidad III (organizacion).pptx
+++ b/unidad III (organizacion).pptx
@@ -121,6 +121,22 @@
       </a:defRPr>
     </a:lvl9pPr>
   </p:defaultTextStyle>
+  <p:extLst>
+    <p:ext uri="{EFAFB233-063F-42B5-8137-9DF3F51BA10A}">
+      <p15:sldGuideLst xmlns:p15="http://schemas.microsoft.com/office/powerpoint/2012/main">
+        <p15:guide id="1" orient="horz" pos="2160">
+          <p15:clr>
+            <a:srgbClr val="A4A3A4"/>
+          </p15:clr>
+        </p15:guide>
+        <p15:guide id="2" pos="2880">
+          <p15:clr>
+            <a:srgbClr val="A4A3A4"/>
+          </p15:clr>
+        </p15:guide>
+      </p15:sldGuideLst>
+    </p:ext>
+  </p:extLst>
 </p:presentation>
 </file>
 
@@ -4577,6 +4593,13 @@
   <p:clrMapOvr>
     <a:masterClrMapping/>
   </p:clrMapOvr>
+  <p:timing>
+    <p:tnLst>
+      <p:par>
+        <p:cTn id="1" dur="indefinite" restart="never" nodeType="tmRoot"/>
+      </p:par>
+    </p:tnLst>
+  </p:timing>
 </p:sld>
 </file>
 
@@ -4787,6 +4810,13 @@
   <p:clrMapOvr>
     <a:masterClrMapping/>
   </p:clrMapOvr>
+  <p:timing>
+    <p:tnLst>
+      <p:par>
+        <p:cTn id="1" dur="indefinite" restart="never" nodeType="tmRoot"/>
+      </p:par>
+    </p:tnLst>
+  </p:timing>
 </p:sld>
 </file>
 
@@ -5028,6 +5058,13 @@
   <p:clrMapOvr>
     <a:masterClrMapping/>
   </p:clrMapOvr>
+  <p:timing>
+    <p:tnLst>
+      <p:par>
+        <p:cTn id="1" dur="indefinite" restart="never" nodeType="tmRoot"/>
+      </p:par>
+    </p:tnLst>
+  </p:timing>
 </p:sld>
 </file>
 
@@ -5277,6 +5314,13 @@
   <p:clrMapOvr>
     <a:masterClrMapping/>
   </p:clrMapOvr>
+  <p:timing>
+    <p:tnLst>
+      <p:par>
+        <p:cTn id="1" dur="indefinite" restart="never" nodeType="tmRoot"/>
+      </p:par>
+    </p:tnLst>
+  </p:timing>
 </p:sld>
 </file>
 
@@ -5426,6 +5470,13 @@
   <p:clrMapOvr>
     <a:masterClrMapping/>
   </p:clrMapOvr>
+  <p:timing>
+    <p:tnLst>
+      <p:par>
+        <p:cTn id="1" dur="indefinite" restart="never" nodeType="tmRoot"/>
+      </p:par>
+    </p:tnLst>
+  </p:timing>
 </p:sld>
 </file>
 
@@ -5607,6 +5658,13 @@
   <p:clrMapOvr>
     <a:masterClrMapping/>
   </p:clrMapOvr>
+  <p:timing>
+    <p:tnLst>
+      <p:par>
+        <p:cTn id="1" dur="indefinite" restart="never" nodeType="tmRoot"/>
+      </p:par>
+    </p:tnLst>
+  </p:timing>
 </p:sld>
 </file>
 
@@ -5793,6 +5851,13 @@
   <p:clrMapOvr>
     <a:masterClrMapping/>
   </p:clrMapOvr>
+  <p:timing>
+    <p:tnLst>
+      <p:par>
+        <p:cTn id="1" dur="indefinite" restart="never" nodeType="tmRoot"/>
+      </p:par>
+    </p:tnLst>
+  </p:timing>
 </p:sld>
 </file>
 
@@ -5993,6 +6058,13 @@
   <p:clrMapOvr>
     <a:masterClrMapping/>
   </p:clrMapOvr>
+  <p:timing>
+    <p:tnLst>
+      <p:par>
+        <p:cTn id="1" dur="indefinite" restart="never" nodeType="tmRoot"/>
+      </p:par>
+    </p:tnLst>
+  </p:timing>
 </p:sld>
 </file>
 
@@ -6218,6 +6290,13 @@
   <p:clrMapOvr>
     <a:masterClrMapping/>
   </p:clrMapOvr>
+  <p:timing>
+    <p:tnLst>
+      <p:par>
+        <p:cTn id="1" dur="indefinite" restart="never" nodeType="tmRoot"/>
+      </p:par>
+    </p:tnLst>
+  </p:timing>
 </p:sld>
 </file>
 
@@ -6461,16 +6540,39 @@
                   <a:schemeClr val="tx1"/>
                 </a:solidFill>
               </a:rPr>
-              <a:t>es la mejor presentación, creo que ustedes se sacaron un diez. mis respetos compañeros no doy mi nombre por temor a represalias</a:t>
-            </a:r>
-            <a:r>
-              <a:rPr lang="es-MX" smtClean="0">
+              <a:t>es la mejor presentación, creo que ustedes se sacaron un diez. mis respetos compañeros no doy mi nombre por temor a represalias, saludos</a:t>
+            </a:r>
+            <a:r>
+              <a:rPr lang="es-MX" dirty="0" smtClean="0">
                 <a:solidFill>
                   <a:schemeClr val="tx1"/>
                 </a:solidFill>
               </a:rPr>
-              <a:t>, saludos!!</a:t>
-            </a:r>
+              <a:t>!!</a:t>
+            </a:r>
+          </a:p>
+          <a:p>
+            <a:r>
+              <a:rPr lang="es-MX" dirty="0" smtClean="0">
+                <a:solidFill>
+                  <a:srgbClr val="FF0000"/>
+                </a:solidFill>
+              </a:rPr>
+              <a:t>Javier Lizárraga:</a:t>
+            </a:r>
+            <a:r>
+              <a:rPr lang="es-MX" dirty="0" smtClean="0">
+                <a:solidFill>
+                  <a:schemeClr val="tx1"/>
+                </a:solidFill>
+              </a:rPr>
+              <a:t> Muy buena presentación.</a:t>
+            </a:r>
+            <a:endParaRPr lang="es-MX" dirty="0" smtClean="0">
+              <a:solidFill>
+                <a:schemeClr val="tx1"/>
+              </a:solidFill>
+            </a:endParaRPr>
           </a:p>
           <a:p>
             <a:endParaRPr lang="es-MX" dirty="0" smtClean="0">
@@ -6594,6 +6696,13 @@
   <p:clrMapOvr>
     <a:masterClrMapping/>
   </p:clrMapOvr>
+  <p:timing>
+    <p:tnLst>
+      <p:par>
+        <p:cTn id="1" dur="indefinite" restart="never" nodeType="tmRoot"/>
+      </p:par>
+    </p:tnLst>
+  </p:timing>
 </p:sld>
 </file>
 
@@ -6802,6 +6911,13 @@
   <p:clrMapOvr>
     <a:masterClrMapping/>
   </p:clrMapOvr>
+  <p:timing>
+    <p:tnLst>
+      <p:par>
+        <p:cTn id="1" dur="indefinite" restart="never" nodeType="tmRoot"/>
+      </p:par>
+    </p:tnLst>
+  </p:timing>
 </p:sld>
 </file>
 
@@ -7119,6 +7235,13 @@
   <p:clrMapOvr>
     <a:masterClrMapping/>
   </p:clrMapOvr>
+  <p:timing>
+    <p:tnLst>
+      <p:par>
+        <p:cTn id="1" dur="indefinite" restart="never" nodeType="tmRoot"/>
+      </p:par>
+    </p:tnLst>
+  </p:timing>
 </p:sld>
 </file>
 
@@ -7324,6 +7447,13 @@
   <p:clrMapOvr>
     <a:masterClrMapping/>
   </p:clrMapOvr>
+  <p:timing>
+    <p:tnLst>
+      <p:par>
+        <p:cTn id="1" dur="indefinite" restart="never" nodeType="tmRoot"/>
+      </p:par>
+    </p:tnLst>
+  </p:timing>
 </p:sld>
 </file>
 
@@ -7562,6 +7692,13 @@
   <p:clrMapOvr>
     <a:masterClrMapping/>
   </p:clrMapOvr>
+  <p:timing>
+    <p:tnLst>
+      <p:par>
+        <p:cTn id="1" dur="indefinite" restart="never" nodeType="tmRoot"/>
+      </p:par>
+    </p:tnLst>
+  </p:timing>
 </p:sld>
 </file>
 
@@ -7811,6 +7948,13 @@
   <p:clrMapOvr>
     <a:masterClrMapping/>
   </p:clrMapOvr>
+  <p:timing>
+    <p:tnLst>
+      <p:par>
+        <p:cTn id="1" dur="indefinite" restart="never" nodeType="tmRoot"/>
+      </p:par>
+    </p:tnLst>
+  </p:timing>
 </p:sld>
 </file>
 
@@ -7960,6 +8104,13 @@
   <p:clrMapOvr>
     <a:masterClrMapping/>
   </p:clrMapOvr>
+  <p:timing>
+    <p:tnLst>
+      <p:par>
+        <p:cTn id="1" dur="indefinite" restart="never" nodeType="tmRoot"/>
+      </p:par>
+    </p:tnLst>
+  </p:timing>
 </p:sld>
 </file>
 
@@ -8126,6 +8277,13 @@
   <p:clrMapOvr>
     <a:masterClrMapping/>
   </p:clrMapOvr>
+  <p:timing>
+    <p:tnLst>
+      <p:par>
+        <p:cTn id="1" dur="indefinite" restart="never" nodeType="tmRoot"/>
+      </p:par>
+    </p:tnLst>
+  </p:timing>
 </p:sld>
 </file>
 
@@ -8303,6 +8461,13 @@
   <p:clrMapOvr>
     <a:masterClrMapping/>
   </p:clrMapOvr>
+  <p:timing>
+    <p:tnLst>
+      <p:par>
+        <p:cTn id="1" dur="indefinite" restart="never" nodeType="tmRoot"/>
+      </p:par>
+    </p:tnLst>
+  </p:timing>
 </p:sld>
 </file>
 
